--- a/CAP6675 - Complex Adaptive Systems/EmergenceOfScalingPresentation/PresentationDraft2.pptx
+++ b/CAP6675 - Complex Adaptive Systems/EmergenceOfScalingPresentation/PresentationDraft2.pptx
@@ -2,10 +2,10 @@
 <file path=ppt/presentation.xml><?xml version="1.0" encoding="utf-8"?>
 <p:presentation xmlns:a="http://schemas.openxmlformats.org/drawingml/2006/main" xmlns:r="http://schemas.openxmlformats.org/officeDocument/2006/relationships" xmlns:p="http://schemas.openxmlformats.org/presentationml/2006/main" saveSubsetFonts="1">
   <p:sldMasterIdLst>
-    <p:sldMasterId id="2147483648" r:id="rId1"/>
+    <p:sldMasterId id="2147483784" r:id="rId1"/>
   </p:sldMasterIdLst>
   <p:notesMasterIdLst>
-    <p:notesMasterId r:id="rId24"/>
+    <p:notesMasterId r:id="rId26"/>
   </p:notesMasterIdLst>
   <p:sldIdLst>
     <p:sldId id="256" r:id="rId2"/>
@@ -17,19 +17,21 @@
     <p:sldId id="270" r:id="rId8"/>
     <p:sldId id="271" r:id="rId9"/>
     <p:sldId id="272" r:id="rId10"/>
-    <p:sldId id="273" r:id="rId11"/>
-    <p:sldId id="274" r:id="rId12"/>
-    <p:sldId id="275" r:id="rId13"/>
-    <p:sldId id="276" r:id="rId14"/>
-    <p:sldId id="277" r:id="rId15"/>
-    <p:sldId id="260" r:id="rId16"/>
-    <p:sldId id="261" r:id="rId17"/>
-    <p:sldId id="262" r:id="rId18"/>
-    <p:sldId id="263" r:id="rId19"/>
-    <p:sldId id="264" r:id="rId20"/>
-    <p:sldId id="265" r:id="rId21"/>
-    <p:sldId id="266" r:id="rId22"/>
-    <p:sldId id="267" r:id="rId23"/>
+    <p:sldId id="278" r:id="rId11"/>
+    <p:sldId id="275" r:id="rId12"/>
+    <p:sldId id="276" r:id="rId13"/>
+    <p:sldId id="277" r:id="rId14"/>
+    <p:sldId id="279" r:id="rId15"/>
+    <p:sldId id="281" r:id="rId16"/>
+    <p:sldId id="280" r:id="rId17"/>
+    <p:sldId id="260" r:id="rId18"/>
+    <p:sldId id="261" r:id="rId19"/>
+    <p:sldId id="262" r:id="rId20"/>
+    <p:sldId id="263" r:id="rId21"/>
+    <p:sldId id="264" r:id="rId22"/>
+    <p:sldId id="265" r:id="rId23"/>
+    <p:sldId id="266" r:id="rId24"/>
+    <p:sldId id="267" r:id="rId25"/>
   </p:sldIdLst>
   <p:sldSz cx="12192000" cy="6858000"/>
   <p:notesSz cx="6858000" cy="9144000"/>
@@ -37,7 +39,7 @@
     <a:defPPr>
       <a:defRPr lang="en-US"/>
     </a:defPPr>
-    <a:lvl1pPr marL="0" algn="l" defTabSz="914400" rtl="0" eaLnBrk="1" latinLnBrk="0" hangingPunct="1">
+    <a:lvl1pPr marL="0" algn="l" defTabSz="457200" rtl="0" eaLnBrk="1" latinLnBrk="0" hangingPunct="1">
       <a:defRPr sz="1800" kern="1200">
         <a:solidFill>
           <a:schemeClr val="tx1"/>
@@ -47,7 +49,7 @@
         <a:cs typeface="+mn-cs"/>
       </a:defRPr>
     </a:lvl1pPr>
-    <a:lvl2pPr marL="457200" algn="l" defTabSz="914400" rtl="0" eaLnBrk="1" latinLnBrk="0" hangingPunct="1">
+    <a:lvl2pPr marL="457200" algn="l" defTabSz="457200" rtl="0" eaLnBrk="1" latinLnBrk="0" hangingPunct="1">
       <a:defRPr sz="1800" kern="1200">
         <a:solidFill>
           <a:schemeClr val="tx1"/>
@@ -57,7 +59,7 @@
         <a:cs typeface="+mn-cs"/>
       </a:defRPr>
     </a:lvl2pPr>
-    <a:lvl3pPr marL="914400" algn="l" defTabSz="914400" rtl="0" eaLnBrk="1" latinLnBrk="0" hangingPunct="1">
+    <a:lvl3pPr marL="914400" algn="l" defTabSz="457200" rtl="0" eaLnBrk="1" latinLnBrk="0" hangingPunct="1">
       <a:defRPr sz="1800" kern="1200">
         <a:solidFill>
           <a:schemeClr val="tx1"/>
@@ -67,7 +69,7 @@
         <a:cs typeface="+mn-cs"/>
       </a:defRPr>
     </a:lvl3pPr>
-    <a:lvl4pPr marL="1371600" algn="l" defTabSz="914400" rtl="0" eaLnBrk="1" latinLnBrk="0" hangingPunct="1">
+    <a:lvl4pPr marL="1371600" algn="l" defTabSz="457200" rtl="0" eaLnBrk="1" latinLnBrk="0" hangingPunct="1">
       <a:defRPr sz="1800" kern="1200">
         <a:solidFill>
           <a:schemeClr val="tx1"/>
@@ -77,7 +79,7 @@
         <a:cs typeface="+mn-cs"/>
       </a:defRPr>
     </a:lvl4pPr>
-    <a:lvl5pPr marL="1828800" algn="l" defTabSz="914400" rtl="0" eaLnBrk="1" latinLnBrk="0" hangingPunct="1">
+    <a:lvl5pPr marL="1828800" algn="l" defTabSz="457200" rtl="0" eaLnBrk="1" latinLnBrk="0" hangingPunct="1">
       <a:defRPr sz="1800" kern="1200">
         <a:solidFill>
           <a:schemeClr val="tx1"/>
@@ -87,7 +89,7 @@
         <a:cs typeface="+mn-cs"/>
       </a:defRPr>
     </a:lvl5pPr>
-    <a:lvl6pPr marL="2286000" algn="l" defTabSz="914400" rtl="0" eaLnBrk="1" latinLnBrk="0" hangingPunct="1">
+    <a:lvl6pPr marL="2286000" algn="l" defTabSz="457200" rtl="0" eaLnBrk="1" latinLnBrk="0" hangingPunct="1">
       <a:defRPr sz="1800" kern="1200">
         <a:solidFill>
           <a:schemeClr val="tx1"/>
@@ -97,7 +99,7 @@
         <a:cs typeface="+mn-cs"/>
       </a:defRPr>
     </a:lvl6pPr>
-    <a:lvl7pPr marL="2743200" algn="l" defTabSz="914400" rtl="0" eaLnBrk="1" latinLnBrk="0" hangingPunct="1">
+    <a:lvl7pPr marL="2743200" algn="l" defTabSz="457200" rtl="0" eaLnBrk="1" latinLnBrk="0" hangingPunct="1">
       <a:defRPr sz="1800" kern="1200">
         <a:solidFill>
           <a:schemeClr val="tx1"/>
@@ -107,7 +109,7 @@
         <a:cs typeface="+mn-cs"/>
       </a:defRPr>
     </a:lvl7pPr>
-    <a:lvl8pPr marL="3200400" algn="l" defTabSz="914400" rtl="0" eaLnBrk="1" latinLnBrk="0" hangingPunct="1">
+    <a:lvl8pPr marL="3200400" algn="l" defTabSz="457200" rtl="0" eaLnBrk="1" latinLnBrk="0" hangingPunct="1">
       <a:defRPr sz="1800" kern="1200">
         <a:solidFill>
           <a:schemeClr val="tx1"/>
@@ -117,7 +119,7 @@
         <a:cs typeface="+mn-cs"/>
       </a:defRPr>
     </a:lvl8pPr>
-    <a:lvl9pPr marL="3657600" algn="l" defTabSz="914400" rtl="0" eaLnBrk="1" latinLnBrk="0" hangingPunct="1">
+    <a:lvl9pPr marL="3657600" algn="l" defTabSz="457200" rtl="0" eaLnBrk="1" latinLnBrk="0" hangingPunct="1">
       <a:defRPr sz="1800" kern="1200">
         <a:solidFill>
           <a:schemeClr val="tx1"/>
@@ -128,7 +130,16 @@
       </a:defRPr>
     </a:lvl9pPr>
   </p:defaultTextStyle>
+  <p:extLst>
+    <p:ext uri="{EFAFB233-063F-42B5-8137-9DF3F51BA10A}">
+      <p15:sldGuideLst xmlns:p15="http://schemas.microsoft.com/office/powerpoint/2012/main"/>
+    </p:ext>
+  </p:extLst>
 </p:presentation>
+</file>
+
+<file path=ppt/revisionInfo.xml><?xml version="1.0" encoding="utf-8"?>
+<p1510:revInfo xmlns:a="http://schemas.openxmlformats.org/drawingml/2006/main" xmlns:r="http://schemas.openxmlformats.org/officeDocument/2006/relationships" xmlns:p1510="http://schemas.microsoft.com/office/powerpoint/2015/10/main"/>
 </file>
 
 <file path=ppt/notesMasters/notesMaster1.xml><?xml version="1.0" encoding="utf-8"?>
@@ -213,7 +224,7 @@
           <a:p>
             <a:fld id="{121E1B43-F294-4197-ACC2-D495C7642D89}" type="datetimeFigureOut">
               <a:rPr lang="en-US" smtClean="0"/>
-              <a:t>11/16/2017</a:t>
+              <a:t>11/19/2017</a:t>
             </a:fld>
             <a:endParaRPr lang="en-US"/>
           </a:p>
@@ -611,7 +622,10 @@
           <a:bodyPr/>
           <a:lstStyle/>
           <a:p>
-            <a:endParaRPr lang="en-US" dirty="0"/>
+            <a:r>
+              <a:rPr lang="en-US" dirty="0"/>
+              <a:t>Explain the diversity of the type of systems this paper covers</a:t>
+            </a:r>
           </a:p>
         </p:txBody>
       </p:sp>
@@ -632,7 +646,7 @@
           <a:p>
             <a:fld id="{A8186687-787D-4E33-8883-0B042C92307A}" type="slidenum">
               <a:rPr lang="en-US" smtClean="0"/>
-              <a:t>4</a:t>
+              <a:t>3</a:t>
             </a:fld>
             <a:endParaRPr lang="en-US"/>
           </a:p>
@@ -641,7 +655,7 @@
     </p:spTree>
     <p:extLst>
       <p:ext uri="{BB962C8B-B14F-4D97-AF65-F5344CB8AC3E}">
-        <p14:creationId xmlns:p14="http://schemas.microsoft.com/office/powerpoint/2010/main" val="1397722256"/>
+        <p14:creationId xmlns:p14="http://schemas.microsoft.com/office/powerpoint/2010/main" val="991911741"/>
       </p:ext>
     </p:extLst>
   </p:cSld>
@@ -697,15 +711,7 @@
           <a:p>
             <a:r>
               <a:rPr lang="en-US" dirty="0"/>
-              <a:t>Several years ago, I heard a statistic about how I would be connected with a celebrity on </a:t>
-            </a:r>
-            <a:r>
-              <a:rPr lang="en-US" dirty="0" err="1"/>
-              <a:t>facebook</a:t>
-            </a:r>
-            <a:r>
-              <a:rPr lang="en-US" dirty="0"/>
-              <a:t> by going through 6 of my friends of friends</a:t>
+              <a:t>New technologies mostly being the internet</a:t>
             </a:r>
           </a:p>
         </p:txBody>
@@ -727,7 +733,7 @@
           <a:p>
             <a:fld id="{A8186687-787D-4E33-8883-0B042C92307A}" type="slidenum">
               <a:rPr lang="en-US" smtClean="0"/>
-              <a:t>12</a:t>
+              <a:t>4</a:t>
             </a:fld>
             <a:endParaRPr lang="en-US"/>
           </a:p>
@@ -736,7 +742,7 @@
     </p:spTree>
     <p:extLst>
       <p:ext uri="{BB962C8B-B14F-4D97-AF65-F5344CB8AC3E}">
-        <p14:creationId xmlns:p14="http://schemas.microsoft.com/office/powerpoint/2010/main" val="796785604"/>
+        <p14:creationId xmlns:p14="http://schemas.microsoft.com/office/powerpoint/2010/main" val="1397722256"/>
       </p:ext>
     </p:extLst>
   </p:cSld>
@@ -746,9 +752,9 @@
 </p:notes>
 </file>
 
-<file path=ppt/slideLayouts/slideLayout1.xml><?xml version="1.0" encoding="utf-8"?>
-<p:sldLayout xmlns:a="http://schemas.openxmlformats.org/drawingml/2006/main" xmlns:r="http://schemas.openxmlformats.org/officeDocument/2006/relationships" xmlns:p="http://schemas.openxmlformats.org/presentationml/2006/main" type="title" preserve="1">
-  <p:cSld name="Title Slide">
+<file path=ppt/notesSlides/notesSlide4.xml><?xml version="1.0" encoding="utf-8"?>
+<p:notes xmlns:a="http://schemas.openxmlformats.org/drawingml/2006/main" xmlns:r="http://schemas.openxmlformats.org/officeDocument/2006/relationships" xmlns:p="http://schemas.openxmlformats.org/presentationml/2006/main">
+  <p:cSld>
     <p:spTree>
       <p:nvGrpSpPr>
         <p:cNvPr id="1" name=""/>
@@ -765,13 +771,399 @@
       </p:grpSpPr>
       <p:sp>
         <p:nvSpPr>
-          <p:cNvPr id="2" name="Title 1">
-            <a:extLst>
-              <a:ext uri="{FF2B5EF4-FFF2-40B4-BE49-F238E27FC236}">
-                <a16:creationId xmlns:a16="http://schemas.microsoft.com/office/drawing/2014/main" id="{618C711B-4E33-4FAD-BFB7-AECFFE70A249}"/>
-              </a:ext>
-            </a:extLst>
-          </p:cNvPr>
+          <p:cNvPr id="2" name="Slide Image Placeholder 1"/>
+          <p:cNvSpPr>
+            <a:spLocks noGrp="1" noRot="1" noChangeAspect="1"/>
+          </p:cNvSpPr>
+          <p:nvPr>
+            <p:ph type="sldImg"/>
+          </p:nvPr>
+        </p:nvSpPr>
+        <p:spPr/>
+      </p:sp>
+      <p:sp>
+        <p:nvSpPr>
+          <p:cNvPr id="3" name="Notes Placeholder 2"/>
+          <p:cNvSpPr>
+            <a:spLocks noGrp="1"/>
+          </p:cNvSpPr>
+          <p:nvPr>
+            <p:ph type="body" idx="1"/>
+          </p:nvPr>
+        </p:nvSpPr>
+        <p:spPr/>
+        <p:txBody>
+          <a:bodyPr/>
+          <a:lstStyle/>
+          <a:p>
+            <a:r>
+              <a:rPr lang="en-US" dirty="0"/>
+              <a:t>The examples are explained in the following pages</a:t>
+            </a:r>
+          </a:p>
+        </p:txBody>
+      </p:sp>
+      <p:sp>
+        <p:nvSpPr>
+          <p:cNvPr id="4" name="Slide Number Placeholder 3"/>
+          <p:cNvSpPr>
+            <a:spLocks noGrp="1"/>
+          </p:cNvSpPr>
+          <p:nvPr>
+            <p:ph type="sldNum" sz="quarter" idx="10"/>
+          </p:nvPr>
+        </p:nvSpPr>
+        <p:spPr/>
+        <p:txBody>
+          <a:bodyPr/>
+          <a:lstStyle/>
+          <a:p>
+            <a:fld id="{A8186687-787D-4E33-8883-0B042C92307A}" type="slidenum">
+              <a:rPr lang="en-US" smtClean="0"/>
+              <a:t>6</a:t>
+            </a:fld>
+            <a:endParaRPr lang="en-US"/>
+          </a:p>
+        </p:txBody>
+      </p:sp>
+    </p:spTree>
+    <p:extLst>
+      <p:ext uri="{BB962C8B-B14F-4D97-AF65-F5344CB8AC3E}">
+        <p14:creationId xmlns:p14="http://schemas.microsoft.com/office/powerpoint/2010/main" val="2955076775"/>
+      </p:ext>
+    </p:extLst>
+  </p:cSld>
+  <p:clrMapOvr>
+    <a:masterClrMapping/>
+  </p:clrMapOvr>
+</p:notes>
+</file>
+
+<file path=ppt/notesSlides/notesSlide5.xml><?xml version="1.0" encoding="utf-8"?>
+<p:notes xmlns:a="http://schemas.openxmlformats.org/drawingml/2006/main" xmlns:r="http://schemas.openxmlformats.org/officeDocument/2006/relationships" xmlns:p="http://schemas.openxmlformats.org/presentationml/2006/main">
+  <p:cSld>
+    <p:spTree>
+      <p:nvGrpSpPr>
+        <p:cNvPr id="1" name=""/>
+        <p:cNvGrpSpPr/>
+        <p:nvPr/>
+      </p:nvGrpSpPr>
+      <p:grpSpPr>
+        <a:xfrm>
+          <a:off x="0" y="0"/>
+          <a:ext cx="0" cy="0"/>
+          <a:chOff x="0" y="0"/>
+          <a:chExt cx="0" cy="0"/>
+        </a:xfrm>
+      </p:grpSpPr>
+      <p:sp>
+        <p:nvSpPr>
+          <p:cNvPr id="2" name="Slide Image Placeholder 1"/>
+          <p:cNvSpPr>
+            <a:spLocks noGrp="1" noRot="1" noChangeAspect="1"/>
+          </p:cNvSpPr>
+          <p:nvPr>
+            <p:ph type="sldImg"/>
+          </p:nvPr>
+        </p:nvSpPr>
+        <p:spPr/>
+      </p:sp>
+      <p:sp>
+        <p:nvSpPr>
+          <p:cNvPr id="3" name="Notes Placeholder 2"/>
+          <p:cNvSpPr>
+            <a:spLocks noGrp="1"/>
+          </p:cNvSpPr>
+          <p:nvPr>
+            <p:ph type="body" idx="1"/>
+          </p:nvPr>
+        </p:nvSpPr>
+        <p:spPr/>
+        <p:txBody>
+          <a:bodyPr/>
+          <a:lstStyle/>
+          <a:p>
+            <a:r>
+              <a:rPr lang="en-US" dirty="0"/>
+              <a:t>Notice how all of the graphs generally look the same, with a negative exponential slope</a:t>
+            </a:r>
+          </a:p>
+          <a:p>
+            <a:pPr marL="0" marR="0" lvl="0" indent="0" algn="l" defTabSz="914400" rtl="0" eaLnBrk="1" fontAlgn="auto" latinLnBrk="0" hangingPunct="1">
+              <a:lnSpc>
+                <a:spcPct val="100000"/>
+              </a:lnSpc>
+              <a:spcBef>
+                <a:spcPts val="0"/>
+              </a:spcBef>
+              <a:spcAft>
+                <a:spcPts val="0"/>
+              </a:spcAft>
+              <a:buClrTx/>
+              <a:buSzTx/>
+              <a:buFontTx/>
+              <a:buNone/>
+              <a:tabLst/>
+              <a:defRPr/>
+            </a:pPr>
+            <a:r>
+              <a:rPr lang="en-US" dirty="0"/>
+              <a:t>Generally the exponent variable falls between 2.1 and 4</a:t>
+            </a:r>
+          </a:p>
+          <a:p>
+            <a:endParaRPr lang="en-US" dirty="0"/>
+          </a:p>
+        </p:txBody>
+      </p:sp>
+      <p:sp>
+        <p:nvSpPr>
+          <p:cNvPr id="4" name="Slide Number Placeholder 3"/>
+          <p:cNvSpPr>
+            <a:spLocks noGrp="1"/>
+          </p:cNvSpPr>
+          <p:nvPr>
+            <p:ph type="sldNum" sz="quarter" idx="10"/>
+          </p:nvPr>
+        </p:nvSpPr>
+        <p:spPr/>
+        <p:txBody>
+          <a:bodyPr/>
+          <a:lstStyle/>
+          <a:p>
+            <a:fld id="{A8186687-787D-4E33-8883-0B042C92307A}" type="slidenum">
+              <a:rPr lang="en-US" smtClean="0"/>
+              <a:t>10</a:t>
+            </a:fld>
+            <a:endParaRPr lang="en-US"/>
+          </a:p>
+        </p:txBody>
+      </p:sp>
+    </p:spTree>
+    <p:extLst>
+      <p:ext uri="{BB962C8B-B14F-4D97-AF65-F5344CB8AC3E}">
+        <p14:creationId xmlns:p14="http://schemas.microsoft.com/office/powerpoint/2010/main" val="549726870"/>
+      </p:ext>
+    </p:extLst>
+  </p:cSld>
+  <p:clrMapOvr>
+    <a:masterClrMapping/>
+  </p:clrMapOvr>
+</p:notes>
+</file>
+
+<file path=ppt/notesSlides/notesSlide6.xml><?xml version="1.0" encoding="utf-8"?>
+<p:notes xmlns:a="http://schemas.openxmlformats.org/drawingml/2006/main" xmlns:r="http://schemas.openxmlformats.org/officeDocument/2006/relationships" xmlns:p="http://schemas.openxmlformats.org/presentationml/2006/main">
+  <p:cSld>
+    <p:spTree>
+      <p:nvGrpSpPr>
+        <p:cNvPr id="1" name=""/>
+        <p:cNvGrpSpPr/>
+        <p:nvPr/>
+      </p:nvGrpSpPr>
+      <p:grpSpPr>
+        <a:xfrm>
+          <a:off x="0" y="0"/>
+          <a:ext cx="0" cy="0"/>
+          <a:chOff x="0" y="0"/>
+          <a:chExt cx="0" cy="0"/>
+        </a:xfrm>
+      </p:grpSpPr>
+      <p:sp>
+        <p:nvSpPr>
+          <p:cNvPr id="2" name="Slide Image Placeholder 1"/>
+          <p:cNvSpPr>
+            <a:spLocks noGrp="1" noRot="1" noChangeAspect="1"/>
+          </p:cNvSpPr>
+          <p:nvPr>
+            <p:ph type="sldImg"/>
+          </p:nvPr>
+        </p:nvSpPr>
+        <p:spPr/>
+      </p:sp>
+      <p:sp>
+        <p:nvSpPr>
+          <p:cNvPr id="3" name="Notes Placeholder 2"/>
+          <p:cNvSpPr>
+            <a:spLocks noGrp="1"/>
+          </p:cNvSpPr>
+          <p:nvPr>
+            <p:ph type="body" idx="1"/>
+          </p:nvPr>
+        </p:nvSpPr>
+        <p:spPr/>
+        <p:txBody>
+          <a:bodyPr/>
+          <a:lstStyle/>
+          <a:p>
+            <a:r>
+              <a:rPr lang="en-US" dirty="0"/>
+              <a:t>Several years ago, I heard a statistic about how I would be connected with a celebrity on </a:t>
+            </a:r>
+            <a:r>
+              <a:rPr lang="en-US" dirty="0" err="1"/>
+              <a:t>facebook</a:t>
+            </a:r>
+            <a:r>
+              <a:rPr lang="en-US" dirty="0"/>
+              <a:t> by going through 6 of my friends of friends</a:t>
+            </a:r>
+          </a:p>
+        </p:txBody>
+      </p:sp>
+      <p:sp>
+        <p:nvSpPr>
+          <p:cNvPr id="4" name="Slide Number Placeholder 3"/>
+          <p:cNvSpPr>
+            <a:spLocks noGrp="1"/>
+          </p:cNvSpPr>
+          <p:nvPr>
+            <p:ph type="sldNum" sz="quarter" idx="10"/>
+          </p:nvPr>
+        </p:nvSpPr>
+        <p:spPr/>
+        <p:txBody>
+          <a:bodyPr/>
+          <a:lstStyle/>
+          <a:p>
+            <a:fld id="{A8186687-787D-4E33-8883-0B042C92307A}" type="slidenum">
+              <a:rPr lang="en-US" smtClean="0"/>
+              <a:t>11</a:t>
+            </a:fld>
+            <a:endParaRPr lang="en-US"/>
+          </a:p>
+        </p:txBody>
+      </p:sp>
+    </p:spTree>
+    <p:extLst>
+      <p:ext uri="{BB962C8B-B14F-4D97-AF65-F5344CB8AC3E}">
+        <p14:creationId xmlns:p14="http://schemas.microsoft.com/office/powerpoint/2010/main" val="796785604"/>
+      </p:ext>
+    </p:extLst>
+  </p:cSld>
+  <p:clrMapOvr>
+    <a:masterClrMapping/>
+  </p:clrMapOvr>
+</p:notes>
+</file>
+
+<file path=ppt/notesSlides/notesSlide7.xml><?xml version="1.0" encoding="utf-8"?>
+<p:notes xmlns:a="http://schemas.openxmlformats.org/drawingml/2006/main" xmlns:r="http://schemas.openxmlformats.org/officeDocument/2006/relationships" xmlns:p="http://schemas.openxmlformats.org/presentationml/2006/main">
+  <p:cSld>
+    <p:spTree>
+      <p:nvGrpSpPr>
+        <p:cNvPr id="1" name=""/>
+        <p:cNvGrpSpPr/>
+        <p:nvPr/>
+      </p:nvGrpSpPr>
+      <p:grpSpPr>
+        <a:xfrm>
+          <a:off x="0" y="0"/>
+          <a:ext cx="0" cy="0"/>
+          <a:chOff x="0" y="0"/>
+          <a:chExt cx="0" cy="0"/>
+        </a:xfrm>
+      </p:grpSpPr>
+      <p:sp>
+        <p:nvSpPr>
+          <p:cNvPr id="2" name="Slide Image Placeholder 1"/>
+          <p:cNvSpPr>
+            <a:spLocks noGrp="1" noRot="1" noChangeAspect="1"/>
+          </p:cNvSpPr>
+          <p:nvPr>
+            <p:ph type="sldImg"/>
+          </p:nvPr>
+        </p:nvSpPr>
+        <p:spPr/>
+      </p:sp>
+      <p:sp>
+        <p:nvSpPr>
+          <p:cNvPr id="3" name="Notes Placeholder 2"/>
+          <p:cNvSpPr>
+            <a:spLocks noGrp="1"/>
+          </p:cNvSpPr>
+          <p:nvPr>
+            <p:ph type="body" idx="1"/>
+          </p:nvPr>
+        </p:nvSpPr>
+        <p:spPr/>
+        <p:txBody>
+          <a:bodyPr/>
+          <a:lstStyle/>
+          <a:p>
+            <a:r>
+              <a:rPr lang="en-US" dirty="0"/>
+              <a:t>A is P(</a:t>
+            </a:r>
+          </a:p>
+        </p:txBody>
+      </p:sp>
+      <p:sp>
+        <p:nvSpPr>
+          <p:cNvPr id="4" name="Slide Number Placeholder 3"/>
+          <p:cNvSpPr>
+            <a:spLocks noGrp="1"/>
+          </p:cNvSpPr>
+          <p:nvPr>
+            <p:ph type="sldNum" sz="quarter" idx="10"/>
+          </p:nvPr>
+        </p:nvSpPr>
+        <p:spPr/>
+        <p:txBody>
+          <a:bodyPr/>
+          <a:lstStyle/>
+          <a:p>
+            <a:fld id="{A8186687-787D-4E33-8883-0B042C92307A}" type="slidenum">
+              <a:rPr lang="en-US" smtClean="0"/>
+              <a:t>16</a:t>
+            </a:fld>
+            <a:endParaRPr lang="en-US"/>
+          </a:p>
+        </p:txBody>
+      </p:sp>
+    </p:spTree>
+    <p:extLst>
+      <p:ext uri="{BB962C8B-B14F-4D97-AF65-F5344CB8AC3E}">
+        <p14:creationId xmlns:p14="http://schemas.microsoft.com/office/powerpoint/2010/main" val="2885957520"/>
+      </p:ext>
+    </p:extLst>
+  </p:cSld>
+  <p:clrMapOvr>
+    <a:masterClrMapping/>
+  </p:clrMapOvr>
+</p:notes>
+</file>
+
+<file path=ppt/slideLayouts/slideLayout1.xml><?xml version="1.0" encoding="utf-8"?>
+<p:sldLayout xmlns:a="http://schemas.openxmlformats.org/drawingml/2006/main" xmlns:r="http://schemas.openxmlformats.org/officeDocument/2006/relationships" xmlns:p="http://schemas.openxmlformats.org/presentationml/2006/main" showMasterSp="0" type="title" preserve="1">
+  <p:cSld name="Title Slide">
+    <p:bg>
+      <p:bgPr>
+        <a:solidFill>
+          <a:schemeClr val="bg2">
+            <a:lumMod val="75000"/>
+          </a:schemeClr>
+        </a:solidFill>
+        <a:effectLst/>
+      </p:bgPr>
+    </p:bg>
+    <p:spTree>
+      <p:nvGrpSpPr>
+        <p:cNvPr id="1" name=""/>
+        <p:cNvGrpSpPr/>
+        <p:nvPr/>
+      </p:nvGrpSpPr>
+      <p:grpSpPr>
+        <a:xfrm>
+          <a:off x="0" y="0"/>
+          <a:ext cx="0" cy="0"/>
+          <a:chOff x="0" y="0"/>
+          <a:chExt cx="0" cy="0"/>
+        </a:xfrm>
+      </p:grpSpPr>
+      <p:sp>
+        <p:nvSpPr>
+          <p:cNvPr id="2" name="Title 1"/>
           <p:cNvSpPr>
             <a:spLocks noGrp="1"/>
           </p:cNvSpPr>
@@ -781,15 +1173,24 @@
         </p:nvSpPr>
         <p:spPr>
           <a:xfrm>
-            <a:off x="1524000" y="1122363"/>
-            <a:ext cx="9144000" cy="2387600"/>
+            <a:off x="1261872" y="758952"/>
+            <a:ext cx="9418320" cy="4041648"/>
           </a:xfrm>
         </p:spPr>
         <p:txBody>
-          <a:bodyPr anchor="b"/>
+          <a:bodyPr anchor="b">
+            <a:normAutofit/>
+          </a:bodyPr>
           <a:lstStyle>
-            <a:lvl1pPr algn="ctr">
-              <a:defRPr sz="6000"/>
+            <a:lvl1pPr algn="l">
+              <a:lnSpc>
+                <a:spcPct val="85000"/>
+              </a:lnSpc>
+              <a:defRPr sz="7200" baseline="0">
+                <a:solidFill>
+                  <a:schemeClr val="tx1"/>
+                </a:solidFill>
+              </a:defRPr>
             </a:lvl1pPr>
           </a:lstStyle>
           <a:p>
@@ -797,18 +1198,13 @@
               <a:rPr lang="en-US"/>
               <a:t>Click to edit Master title style</a:t>
             </a:r>
-          </a:p>
-        </p:txBody>
-      </p:sp>
-      <p:sp>
-        <p:nvSpPr>
-          <p:cNvPr id="3" name="Subtitle 2">
-            <a:extLst>
-              <a:ext uri="{FF2B5EF4-FFF2-40B4-BE49-F238E27FC236}">
-                <a16:creationId xmlns:a16="http://schemas.microsoft.com/office/drawing/2014/main" id="{E1B4D90B-BB0F-4C5B-802B-8715D2F27335}"/>
-              </a:ext>
-            </a:extLst>
-          </p:cNvPr>
+            <a:endParaRPr lang="en-US" dirty="0"/>
+          </a:p>
+        </p:txBody>
+      </p:sp>
+      <p:sp>
+        <p:nvSpPr>
+          <p:cNvPr id="3" name="Subtitle 2"/>
           <p:cNvSpPr>
             <a:spLocks noGrp="1"/>
           </p:cNvSpPr>
@@ -818,48 +1214,56 @@
         </p:nvSpPr>
         <p:spPr>
           <a:xfrm>
-            <a:off x="1524000" y="3602038"/>
-            <a:ext cx="9144000" cy="1655762"/>
+            <a:off x="1261872" y="4800600"/>
+            <a:ext cx="9418320" cy="1691640"/>
           </a:xfrm>
         </p:spPr>
         <p:txBody>
-          <a:bodyPr/>
+          <a:bodyPr>
+            <a:normAutofit/>
+          </a:bodyPr>
           <a:lstStyle>
-            <a:lvl1pPr marL="0" indent="0" algn="ctr">
+            <a:lvl1pPr marL="0" indent="0" algn="l">
               <a:buNone/>
-              <a:defRPr sz="2400"/>
+              <a:defRPr sz="2200" baseline="0">
+                <a:solidFill>
+                  <a:schemeClr val="tx1">
+                    <a:lumMod val="75000"/>
+                  </a:schemeClr>
+                </a:solidFill>
+              </a:defRPr>
             </a:lvl1pPr>
             <a:lvl2pPr marL="457200" indent="0" algn="ctr">
               <a:buNone/>
-              <a:defRPr sz="2000"/>
+              <a:defRPr sz="2200"/>
             </a:lvl2pPr>
             <a:lvl3pPr marL="914400" indent="0" algn="ctr">
               <a:buNone/>
-              <a:defRPr sz="1800"/>
+              <a:defRPr sz="2200"/>
             </a:lvl3pPr>
             <a:lvl4pPr marL="1371600" indent="0" algn="ctr">
               <a:buNone/>
-              <a:defRPr sz="1600"/>
+              <a:defRPr sz="2000"/>
             </a:lvl4pPr>
             <a:lvl5pPr marL="1828800" indent="0" algn="ctr">
               <a:buNone/>
-              <a:defRPr sz="1600"/>
+              <a:defRPr sz="2000"/>
             </a:lvl5pPr>
             <a:lvl6pPr marL="2286000" indent="0" algn="ctr">
               <a:buNone/>
-              <a:defRPr sz="1600"/>
+              <a:defRPr sz="2000"/>
             </a:lvl6pPr>
             <a:lvl7pPr marL="2743200" indent="0" algn="ctr">
               <a:buNone/>
-              <a:defRPr sz="1600"/>
+              <a:defRPr sz="2000"/>
             </a:lvl7pPr>
             <a:lvl8pPr marL="3200400" indent="0" algn="ctr">
               <a:buNone/>
-              <a:defRPr sz="1600"/>
+              <a:defRPr sz="2000"/>
             </a:lvl8pPr>
             <a:lvl9pPr marL="3657600" indent="0" algn="ctr">
               <a:buNone/>
-              <a:defRPr sz="1600"/>
+              <a:defRPr sz="2000"/>
             </a:lvl9pPr>
           </a:lstStyle>
           <a:p>
@@ -867,18 +1271,13 @@
               <a:rPr lang="en-US"/>
               <a:t>Click to edit Master subtitle style</a:t>
             </a:r>
-          </a:p>
-        </p:txBody>
-      </p:sp>
-      <p:sp>
-        <p:nvSpPr>
-          <p:cNvPr id="4" name="Date Placeholder 3">
-            <a:extLst>
-              <a:ext uri="{FF2B5EF4-FFF2-40B4-BE49-F238E27FC236}">
-                <a16:creationId xmlns:a16="http://schemas.microsoft.com/office/drawing/2014/main" id="{4219F319-0DFC-4100-9555-1B267F3A8E28}"/>
-              </a:ext>
-            </a:extLst>
-          </p:cNvPr>
+            <a:endParaRPr lang="en-US" dirty="0"/>
+          </a:p>
+        </p:txBody>
+      </p:sp>
+      <p:sp>
+        <p:nvSpPr>
+          <p:cNvPr id="4" name="Date Placeholder 3"/>
           <p:cNvSpPr>
             <a:spLocks noGrp="1"/>
           </p:cNvSpPr>
@@ -889,11 +1288,21 @@
         <p:spPr/>
         <p:txBody>
           <a:bodyPr/>
-          <a:lstStyle/>
+          <a:lstStyle>
+            <a:lvl1pPr>
+              <a:defRPr>
+                <a:solidFill>
+                  <a:schemeClr val="tx1">
+                    <a:lumMod val="50000"/>
+                  </a:schemeClr>
+                </a:solidFill>
+              </a:defRPr>
+            </a:lvl1pPr>
+          </a:lstStyle>
           <a:p>
             <a:fld id="{57C9CE0C-6448-44D5-A666-5A3472CFB03D}" type="datetimeFigureOut">
               <a:rPr lang="en-US" smtClean="0"/>
-              <a:t>11/16/2017</a:t>
+              <a:t>11/19/2017</a:t>
             </a:fld>
             <a:endParaRPr lang="en-US"/>
           </a:p>
@@ -901,13 +1310,7 @@
       </p:sp>
       <p:sp>
         <p:nvSpPr>
-          <p:cNvPr id="5" name="Footer Placeholder 4">
-            <a:extLst>
-              <a:ext uri="{FF2B5EF4-FFF2-40B4-BE49-F238E27FC236}">
-                <a16:creationId xmlns:a16="http://schemas.microsoft.com/office/drawing/2014/main" id="{AEB606E5-9CE1-47B4-AB46-0258C76FEFAB}"/>
-              </a:ext>
-            </a:extLst>
-          </p:cNvPr>
+          <p:cNvPr id="5" name="Footer Placeholder 4"/>
           <p:cNvSpPr>
             <a:spLocks noGrp="1"/>
           </p:cNvSpPr>
@@ -918,7 +1321,17 @@
         <p:spPr/>
         <p:txBody>
           <a:bodyPr/>
-          <a:lstStyle/>
+          <a:lstStyle>
+            <a:lvl1pPr>
+              <a:defRPr>
+                <a:solidFill>
+                  <a:schemeClr val="tx1">
+                    <a:lumMod val="65000"/>
+                  </a:schemeClr>
+                </a:solidFill>
+              </a:defRPr>
+            </a:lvl1pPr>
+          </a:lstStyle>
           <a:p>
             <a:endParaRPr lang="en-US"/>
           </a:p>
@@ -926,13 +1339,7 @@
       </p:sp>
       <p:sp>
         <p:nvSpPr>
-          <p:cNvPr id="6" name="Slide Number Placeholder 5">
-            <a:extLst>
-              <a:ext uri="{FF2B5EF4-FFF2-40B4-BE49-F238E27FC236}">
-                <a16:creationId xmlns:a16="http://schemas.microsoft.com/office/drawing/2014/main" id="{0DF99E0A-33F5-4402-89FE-A8B933B4A6C3}"/>
-              </a:ext>
-            </a:extLst>
-          </p:cNvPr>
+          <p:cNvPr id="6" name="Slide Number Placeholder 5"/>
           <p:cNvSpPr>
             <a:spLocks noGrp="1"/>
           </p:cNvSpPr>
@@ -943,7 +1350,17 @@
         <p:spPr/>
         <p:txBody>
           <a:bodyPr/>
-          <a:lstStyle/>
+          <a:lstStyle>
+            <a:lvl1pPr>
+              <a:defRPr>
+                <a:solidFill>
+                  <a:schemeClr val="tx1">
+                    <a:lumMod val="65000"/>
+                  </a:schemeClr>
+                </a:solidFill>
+              </a:defRPr>
+            </a:lvl1pPr>
+          </a:lstStyle>
           <a:p>
             <a:fld id="{0109D46F-B3D0-4E88-AD32-CEE8E09769CD}" type="slidenum">
               <a:rPr lang="en-US" smtClean="0"/>
@@ -953,15 +1370,53 @@
           </a:p>
         </p:txBody>
       </p:sp>
+      <p:sp>
+        <p:nvSpPr>
+          <p:cNvPr id="7" name="Rectangle 6"/>
+          <p:cNvSpPr/>
+          <p:nvPr/>
+        </p:nvSpPr>
+        <p:spPr>
+          <a:xfrm>
+            <a:off x="0" y="0"/>
+            <a:ext cx="457200" cy="6858000"/>
+          </a:xfrm>
+          <a:prstGeom prst="rect">
+            <a:avLst/>
+          </a:prstGeom>
+          <a:solidFill>
+            <a:schemeClr val="accent1"/>
+          </a:solidFill>
+          <a:ln>
+            <a:noFill/>
+          </a:ln>
+        </p:spPr>
+        <p:style>
+          <a:lnRef idx="2">
+            <a:schemeClr val="accent1">
+              <a:shade val="50000"/>
+            </a:schemeClr>
+          </a:lnRef>
+          <a:fillRef idx="1">
+            <a:schemeClr val="accent1"/>
+          </a:fillRef>
+          <a:effectRef idx="0">
+            <a:schemeClr val="accent1"/>
+          </a:effectRef>
+          <a:fontRef idx="minor">
+            <a:schemeClr val="lt1"/>
+          </a:fontRef>
+        </p:style>
+      </p:sp>
     </p:spTree>
     <p:extLst>
       <p:ext uri="{BB962C8B-B14F-4D97-AF65-F5344CB8AC3E}">
-        <p14:creationId xmlns:p14="http://schemas.microsoft.com/office/powerpoint/2010/main" val="2446935453"/>
+        <p14:creationId xmlns:p14="http://schemas.microsoft.com/office/powerpoint/2010/main" val="2647006181"/>
       </p:ext>
     </p:extLst>
   </p:cSld>
   <p:clrMapOvr>
-    <a:masterClrMapping/>
+    <a:overrideClrMapping bg1="dk1" tx1="lt1" bg2="dk2" tx2="lt2" accent1="accent1" accent2="accent2" accent3="accent3" accent4="accent4" accent5="accent5" accent6="accent6" hlink="hlink" folHlink="folHlink"/>
   </p:clrMapOvr>
 </p:sldLayout>
 </file>
@@ -985,13 +1440,7 @@
       </p:grpSpPr>
       <p:sp>
         <p:nvSpPr>
-          <p:cNvPr id="2" name="Title 1">
-            <a:extLst>
-              <a:ext uri="{FF2B5EF4-FFF2-40B4-BE49-F238E27FC236}">
-                <a16:creationId xmlns:a16="http://schemas.microsoft.com/office/drawing/2014/main" id="{FA691ACB-C937-4337-B5E9-118F9D15E657}"/>
-              </a:ext>
-            </a:extLst>
-          </p:cNvPr>
+          <p:cNvPr id="2" name="Title 1"/>
           <p:cNvSpPr>
             <a:spLocks noGrp="1"/>
           </p:cNvSpPr>
@@ -1008,18 +1457,13 @@
               <a:rPr lang="en-US"/>
               <a:t>Click to edit Master title style</a:t>
             </a:r>
-          </a:p>
-        </p:txBody>
-      </p:sp>
-      <p:sp>
-        <p:nvSpPr>
-          <p:cNvPr id="3" name="Vertical Text Placeholder 2">
-            <a:extLst>
-              <a:ext uri="{FF2B5EF4-FFF2-40B4-BE49-F238E27FC236}">
-                <a16:creationId xmlns:a16="http://schemas.microsoft.com/office/drawing/2014/main" id="{2907883C-FF57-4A7B-9EB7-DC74CCE77234}"/>
-              </a:ext>
-            </a:extLst>
-          </p:cNvPr>
+            <a:endParaRPr lang="en-US" dirty="0"/>
+          </a:p>
+        </p:txBody>
+      </p:sp>
+      <p:sp>
+        <p:nvSpPr>
+          <p:cNvPr id="3" name="Vertical Text Placeholder 2"/>
           <p:cNvSpPr>
             <a:spLocks noGrp="1"/>
           </p:cNvSpPr>
@@ -1065,18 +1509,13 @@
               <a:rPr lang="en-US"/>
               <a:t>Fifth level</a:t>
             </a:r>
-          </a:p>
-        </p:txBody>
-      </p:sp>
-      <p:sp>
-        <p:nvSpPr>
-          <p:cNvPr id="4" name="Date Placeholder 3">
-            <a:extLst>
-              <a:ext uri="{FF2B5EF4-FFF2-40B4-BE49-F238E27FC236}">
-                <a16:creationId xmlns:a16="http://schemas.microsoft.com/office/drawing/2014/main" id="{16652077-9152-40A6-A4C3-782762EDCB9D}"/>
-              </a:ext>
-            </a:extLst>
-          </p:cNvPr>
+            <a:endParaRPr lang="en-US" dirty="0"/>
+          </a:p>
+        </p:txBody>
+      </p:sp>
+      <p:sp>
+        <p:nvSpPr>
+          <p:cNvPr id="4" name="Date Placeholder 3"/>
           <p:cNvSpPr>
             <a:spLocks noGrp="1"/>
           </p:cNvSpPr>
@@ -1091,7 +1530,7 @@
           <a:p>
             <a:fld id="{57C9CE0C-6448-44D5-A666-5A3472CFB03D}" type="datetimeFigureOut">
               <a:rPr lang="en-US" smtClean="0"/>
-              <a:t>11/16/2017</a:t>
+              <a:t>11/19/2017</a:t>
             </a:fld>
             <a:endParaRPr lang="en-US"/>
           </a:p>
@@ -1099,13 +1538,7 @@
       </p:sp>
       <p:sp>
         <p:nvSpPr>
-          <p:cNvPr id="5" name="Footer Placeholder 4">
-            <a:extLst>
-              <a:ext uri="{FF2B5EF4-FFF2-40B4-BE49-F238E27FC236}">
-                <a16:creationId xmlns:a16="http://schemas.microsoft.com/office/drawing/2014/main" id="{4CDB33B2-09E9-410D-B3CD-1815AA8EBDEC}"/>
-              </a:ext>
-            </a:extLst>
-          </p:cNvPr>
+          <p:cNvPr id="5" name="Footer Placeholder 4"/>
           <p:cNvSpPr>
             <a:spLocks noGrp="1"/>
           </p:cNvSpPr>
@@ -1124,13 +1557,7 @@
       </p:sp>
       <p:sp>
         <p:nvSpPr>
-          <p:cNvPr id="6" name="Slide Number Placeholder 5">
-            <a:extLst>
-              <a:ext uri="{FF2B5EF4-FFF2-40B4-BE49-F238E27FC236}">
-                <a16:creationId xmlns:a16="http://schemas.microsoft.com/office/drawing/2014/main" id="{EC9CA3D3-FA5F-447D-9E01-A662F6E2A27E}"/>
-              </a:ext>
-            </a:extLst>
-          </p:cNvPr>
+          <p:cNvPr id="6" name="Slide Number Placeholder 5"/>
           <p:cNvSpPr>
             <a:spLocks noGrp="1"/>
           </p:cNvSpPr>
@@ -1154,7 +1581,7 @@
     </p:spTree>
     <p:extLst>
       <p:ext uri="{BB962C8B-B14F-4D97-AF65-F5344CB8AC3E}">
-        <p14:creationId xmlns:p14="http://schemas.microsoft.com/office/powerpoint/2010/main" val="1651591651"/>
+        <p14:creationId xmlns:p14="http://schemas.microsoft.com/office/powerpoint/2010/main" val="1993766844"/>
       </p:ext>
     </p:extLst>
   </p:cSld>
@@ -1183,13 +1610,7 @@
       </p:grpSpPr>
       <p:sp>
         <p:nvSpPr>
-          <p:cNvPr id="2" name="Vertical Title 1">
-            <a:extLst>
-              <a:ext uri="{FF2B5EF4-FFF2-40B4-BE49-F238E27FC236}">
-                <a16:creationId xmlns:a16="http://schemas.microsoft.com/office/drawing/2014/main" id="{C057F197-31E8-4734-8698-48B57B52BE78}"/>
-              </a:ext>
-            </a:extLst>
-          </p:cNvPr>
+          <p:cNvPr id="2" name="Vertical Title 1"/>
           <p:cNvSpPr>
             <a:spLocks noGrp="1"/>
           </p:cNvSpPr>
@@ -1199,8 +1620,8 @@
         </p:nvSpPr>
         <p:spPr>
           <a:xfrm>
-            <a:off x="8724900" y="365125"/>
-            <a:ext cx="2628900" cy="5811838"/>
+            <a:off x="8648700" y="381000"/>
+            <a:ext cx="2476500" cy="5897562"/>
           </a:xfrm>
         </p:spPr>
         <p:txBody>
@@ -1211,18 +1632,13 @@
               <a:rPr lang="en-US"/>
               <a:t>Click to edit Master title style</a:t>
             </a:r>
-          </a:p>
-        </p:txBody>
-      </p:sp>
-      <p:sp>
-        <p:nvSpPr>
-          <p:cNvPr id="3" name="Vertical Text Placeholder 2">
-            <a:extLst>
-              <a:ext uri="{FF2B5EF4-FFF2-40B4-BE49-F238E27FC236}">
-                <a16:creationId xmlns:a16="http://schemas.microsoft.com/office/drawing/2014/main" id="{CD651A9D-E537-4CFB-A955-3ED47D3601D2}"/>
-              </a:ext>
-            </a:extLst>
-          </p:cNvPr>
+            <a:endParaRPr lang="en-US" dirty="0"/>
+          </a:p>
+        </p:txBody>
+      </p:sp>
+      <p:sp>
+        <p:nvSpPr>
+          <p:cNvPr id="3" name="Vertical Text Placeholder 2"/>
           <p:cNvSpPr>
             <a:spLocks noGrp="1"/>
           </p:cNvSpPr>
@@ -1232,8 +1648,8 @@
         </p:nvSpPr>
         <p:spPr>
           <a:xfrm>
-            <a:off x="838200" y="365125"/>
-            <a:ext cx="7734300" cy="5811838"/>
+            <a:off x="762000" y="381000"/>
+            <a:ext cx="7734300" cy="5897562"/>
           </a:xfrm>
         </p:spPr>
         <p:txBody>
@@ -1273,18 +1689,13 @@
               <a:rPr lang="en-US"/>
               <a:t>Fifth level</a:t>
             </a:r>
-          </a:p>
-        </p:txBody>
-      </p:sp>
-      <p:sp>
-        <p:nvSpPr>
-          <p:cNvPr id="4" name="Date Placeholder 3">
-            <a:extLst>
-              <a:ext uri="{FF2B5EF4-FFF2-40B4-BE49-F238E27FC236}">
-                <a16:creationId xmlns:a16="http://schemas.microsoft.com/office/drawing/2014/main" id="{50821C80-3EF7-4156-8557-660604FF1B0B}"/>
-              </a:ext>
-            </a:extLst>
-          </p:cNvPr>
+            <a:endParaRPr lang="en-US" dirty="0"/>
+          </a:p>
+        </p:txBody>
+      </p:sp>
+      <p:sp>
+        <p:nvSpPr>
+          <p:cNvPr id="4" name="Date Placeholder 3"/>
           <p:cNvSpPr>
             <a:spLocks noGrp="1"/>
           </p:cNvSpPr>
@@ -1299,7 +1710,7 @@
           <a:p>
             <a:fld id="{57C9CE0C-6448-44D5-A666-5A3472CFB03D}" type="datetimeFigureOut">
               <a:rPr lang="en-US" smtClean="0"/>
-              <a:t>11/16/2017</a:t>
+              <a:t>11/19/2017</a:t>
             </a:fld>
             <a:endParaRPr lang="en-US"/>
           </a:p>
@@ -1307,13 +1718,7 @@
       </p:sp>
       <p:sp>
         <p:nvSpPr>
-          <p:cNvPr id="5" name="Footer Placeholder 4">
-            <a:extLst>
-              <a:ext uri="{FF2B5EF4-FFF2-40B4-BE49-F238E27FC236}">
-                <a16:creationId xmlns:a16="http://schemas.microsoft.com/office/drawing/2014/main" id="{8319B6CD-0C7C-42FB-92F0-BF791E44A94F}"/>
-              </a:ext>
-            </a:extLst>
-          </p:cNvPr>
+          <p:cNvPr id="5" name="Footer Placeholder 4"/>
           <p:cNvSpPr>
             <a:spLocks noGrp="1"/>
           </p:cNvSpPr>
@@ -1332,13 +1737,7 @@
       </p:sp>
       <p:sp>
         <p:nvSpPr>
-          <p:cNvPr id="6" name="Slide Number Placeholder 5">
-            <a:extLst>
-              <a:ext uri="{FF2B5EF4-FFF2-40B4-BE49-F238E27FC236}">
-                <a16:creationId xmlns:a16="http://schemas.microsoft.com/office/drawing/2014/main" id="{470B6EE0-FD5E-4745-8C27-FC3883EB5C5C}"/>
-              </a:ext>
-            </a:extLst>
-          </p:cNvPr>
+          <p:cNvPr id="6" name="Slide Number Placeholder 5"/>
           <p:cNvSpPr>
             <a:spLocks noGrp="1"/>
           </p:cNvSpPr>
@@ -1362,7 +1761,7 @@
     </p:spTree>
     <p:extLst>
       <p:ext uri="{BB962C8B-B14F-4D97-AF65-F5344CB8AC3E}">
-        <p14:creationId xmlns:p14="http://schemas.microsoft.com/office/powerpoint/2010/main" val="2885467298"/>
+        <p14:creationId xmlns:p14="http://schemas.microsoft.com/office/powerpoint/2010/main" val="2219907113"/>
       </p:ext>
     </p:extLst>
   </p:cSld>
@@ -1391,13 +1790,7 @@
       </p:grpSpPr>
       <p:sp>
         <p:nvSpPr>
-          <p:cNvPr id="2" name="Title 1">
-            <a:extLst>
-              <a:ext uri="{FF2B5EF4-FFF2-40B4-BE49-F238E27FC236}">
-                <a16:creationId xmlns:a16="http://schemas.microsoft.com/office/drawing/2014/main" id="{B535493E-87FA-4CAD-89D6-51EFFD569D09}"/>
-              </a:ext>
-            </a:extLst>
-          </p:cNvPr>
+          <p:cNvPr id="2" name="Title 1"/>
           <p:cNvSpPr>
             <a:spLocks noGrp="1"/>
           </p:cNvSpPr>
@@ -1414,18 +1807,13 @@
               <a:rPr lang="en-US"/>
               <a:t>Click to edit Master title style</a:t>
             </a:r>
-          </a:p>
-        </p:txBody>
-      </p:sp>
-      <p:sp>
-        <p:nvSpPr>
-          <p:cNvPr id="3" name="Content Placeholder 2">
-            <a:extLst>
-              <a:ext uri="{FF2B5EF4-FFF2-40B4-BE49-F238E27FC236}">
-                <a16:creationId xmlns:a16="http://schemas.microsoft.com/office/drawing/2014/main" id="{9AB84DF1-11C9-4037-B438-48935620FCED}"/>
-              </a:ext>
-            </a:extLst>
-          </p:cNvPr>
+            <a:endParaRPr lang="en-US" dirty="0"/>
+          </a:p>
+        </p:txBody>
+      </p:sp>
+      <p:sp>
+        <p:nvSpPr>
+          <p:cNvPr id="3" name="Content Placeholder 2"/>
           <p:cNvSpPr>
             <a:spLocks noGrp="1"/>
           </p:cNvSpPr>
@@ -1471,18 +1859,13 @@
               <a:rPr lang="en-US"/>
               <a:t>Fifth level</a:t>
             </a:r>
-          </a:p>
-        </p:txBody>
-      </p:sp>
-      <p:sp>
-        <p:nvSpPr>
-          <p:cNvPr id="4" name="Date Placeholder 3">
-            <a:extLst>
-              <a:ext uri="{FF2B5EF4-FFF2-40B4-BE49-F238E27FC236}">
-                <a16:creationId xmlns:a16="http://schemas.microsoft.com/office/drawing/2014/main" id="{A5F43383-8B7A-46D0-90A0-528313EF64A1}"/>
-              </a:ext>
-            </a:extLst>
-          </p:cNvPr>
+            <a:endParaRPr lang="en-US" dirty="0"/>
+          </a:p>
+        </p:txBody>
+      </p:sp>
+      <p:sp>
+        <p:nvSpPr>
+          <p:cNvPr id="4" name="Date Placeholder 3"/>
           <p:cNvSpPr>
             <a:spLocks noGrp="1"/>
           </p:cNvSpPr>
@@ -1497,7 +1880,7 @@
           <a:p>
             <a:fld id="{57C9CE0C-6448-44D5-A666-5A3472CFB03D}" type="datetimeFigureOut">
               <a:rPr lang="en-US" smtClean="0"/>
-              <a:t>11/16/2017</a:t>
+              <a:t>11/19/2017</a:t>
             </a:fld>
             <a:endParaRPr lang="en-US"/>
           </a:p>
@@ -1505,13 +1888,7 @@
       </p:sp>
       <p:sp>
         <p:nvSpPr>
-          <p:cNvPr id="5" name="Footer Placeholder 4">
-            <a:extLst>
-              <a:ext uri="{FF2B5EF4-FFF2-40B4-BE49-F238E27FC236}">
-                <a16:creationId xmlns:a16="http://schemas.microsoft.com/office/drawing/2014/main" id="{D850FC46-1395-4148-8CBD-2917FE7014DF}"/>
-              </a:ext>
-            </a:extLst>
-          </p:cNvPr>
+          <p:cNvPr id="5" name="Footer Placeholder 4"/>
           <p:cNvSpPr>
             <a:spLocks noGrp="1"/>
           </p:cNvSpPr>
@@ -1530,13 +1907,7 @@
       </p:sp>
       <p:sp>
         <p:nvSpPr>
-          <p:cNvPr id="6" name="Slide Number Placeholder 5">
-            <a:extLst>
-              <a:ext uri="{FF2B5EF4-FFF2-40B4-BE49-F238E27FC236}">
-                <a16:creationId xmlns:a16="http://schemas.microsoft.com/office/drawing/2014/main" id="{94000B14-0F10-4F82-BB59-87E87703366A}"/>
-              </a:ext>
-            </a:extLst>
-          </p:cNvPr>
+          <p:cNvPr id="6" name="Slide Number Placeholder 5"/>
           <p:cNvSpPr>
             <a:spLocks noGrp="1"/>
           </p:cNvSpPr>
@@ -1560,7 +1931,7 @@
     </p:spTree>
     <p:extLst>
       <p:ext uri="{BB962C8B-B14F-4D97-AF65-F5344CB8AC3E}">
-        <p14:creationId xmlns:p14="http://schemas.microsoft.com/office/powerpoint/2010/main" val="1143572698"/>
+        <p14:creationId xmlns:p14="http://schemas.microsoft.com/office/powerpoint/2010/main" val="474153089"/>
       </p:ext>
     </p:extLst>
   </p:cSld>
@@ -1589,13 +1960,7 @@
       </p:grpSpPr>
       <p:sp>
         <p:nvSpPr>
-          <p:cNvPr id="2" name="Title 1">
-            <a:extLst>
-              <a:ext uri="{FF2B5EF4-FFF2-40B4-BE49-F238E27FC236}">
-                <a16:creationId xmlns:a16="http://schemas.microsoft.com/office/drawing/2014/main" id="{9791E506-6AD7-4093-8417-EE452626A253}"/>
-              </a:ext>
-            </a:extLst>
-          </p:cNvPr>
+          <p:cNvPr id="2" name="Title 1"/>
           <p:cNvSpPr>
             <a:spLocks noGrp="1"/>
           </p:cNvSpPr>
@@ -1605,15 +1970,20 @@
         </p:nvSpPr>
         <p:spPr>
           <a:xfrm>
-            <a:off x="831850" y="1709738"/>
-            <a:ext cx="10515600" cy="2852737"/>
+            <a:off x="1261872" y="758952"/>
+            <a:ext cx="9418320" cy="4041648"/>
           </a:xfrm>
         </p:spPr>
         <p:txBody>
-          <a:bodyPr anchor="b"/>
+          <a:bodyPr anchor="b">
+            <a:normAutofit/>
+          </a:bodyPr>
           <a:lstStyle>
             <a:lvl1pPr>
-              <a:defRPr sz="6000"/>
+              <a:lnSpc>
+                <a:spcPct val="85000"/>
+              </a:lnSpc>
+              <a:defRPr sz="7200" b="0"/>
             </a:lvl1pPr>
           </a:lstStyle>
           <a:p>
@@ -1621,18 +1991,13 @@
               <a:rPr lang="en-US"/>
               <a:t>Click to edit Master title style</a:t>
             </a:r>
-          </a:p>
-        </p:txBody>
-      </p:sp>
-      <p:sp>
-        <p:nvSpPr>
-          <p:cNvPr id="3" name="Text Placeholder 2">
-            <a:extLst>
-              <a:ext uri="{FF2B5EF4-FFF2-40B4-BE49-F238E27FC236}">
-                <a16:creationId xmlns:a16="http://schemas.microsoft.com/office/drawing/2014/main" id="{7AC6C7D2-59E7-4A04-BD6B-161CE24CC556}"/>
-              </a:ext>
-            </a:extLst>
-          </p:cNvPr>
+            <a:endParaRPr lang="en-US" dirty="0"/>
+          </a:p>
+        </p:txBody>
+      </p:sp>
+      <p:sp>
+        <p:nvSpPr>
+          <p:cNvPr id="3" name="Text Placeholder 2"/>
           <p:cNvSpPr>
             <a:spLocks noGrp="1"/>
           </p:cNvSpPr>
@@ -1642,26 +2007,29 @@
         </p:nvSpPr>
         <p:spPr>
           <a:xfrm>
-            <a:off x="831850" y="4589463"/>
-            <a:ext cx="10515600" cy="1500187"/>
+            <a:off x="1261872" y="4800600"/>
+            <a:ext cx="9418320" cy="1691640"/>
           </a:xfrm>
         </p:spPr>
         <p:txBody>
-          <a:bodyPr/>
+          <a:bodyPr anchor="t">
+            <a:normAutofit/>
+          </a:bodyPr>
           <a:lstStyle>
             <a:lvl1pPr marL="0" indent="0">
               <a:buNone/>
-              <a:defRPr sz="2400">
+              <a:defRPr sz="2200">
                 <a:solidFill>
                   <a:schemeClr val="tx1">
-                    <a:tint val="75000"/>
+                    <a:lumMod val="65000"/>
+                    <a:lumOff val="35000"/>
                   </a:schemeClr>
                 </a:solidFill>
               </a:defRPr>
             </a:lvl1pPr>
             <a:lvl2pPr marL="457200" indent="0">
               <a:buNone/>
-              <a:defRPr sz="2000">
+              <a:defRPr sz="1800">
                 <a:solidFill>
                   <a:schemeClr val="tx1">
                     <a:tint val="75000"/>
@@ -1671,7 +2039,7 @@
             </a:lvl2pPr>
             <a:lvl3pPr marL="914400" indent="0">
               <a:buNone/>
-              <a:defRPr sz="1800">
+              <a:defRPr sz="1600">
                 <a:solidFill>
                   <a:schemeClr val="tx1">
                     <a:tint val="75000"/>
@@ -1681,7 +2049,7 @@
             </a:lvl3pPr>
             <a:lvl4pPr marL="1371600" indent="0">
               <a:buNone/>
-              <a:defRPr sz="1600">
+              <a:defRPr sz="1400">
                 <a:solidFill>
                   <a:schemeClr val="tx1">
                     <a:tint val="75000"/>
@@ -1691,7 +2059,7 @@
             </a:lvl4pPr>
             <a:lvl5pPr marL="1828800" indent="0">
               <a:buNone/>
-              <a:defRPr sz="1600">
+              <a:defRPr sz="1400">
                 <a:solidFill>
                   <a:schemeClr val="tx1">
                     <a:tint val="75000"/>
@@ -1701,7 +2069,7 @@
             </a:lvl5pPr>
             <a:lvl6pPr marL="2286000" indent="0">
               <a:buNone/>
-              <a:defRPr sz="1600">
+              <a:defRPr sz="1400">
                 <a:solidFill>
                   <a:schemeClr val="tx1">
                     <a:tint val="75000"/>
@@ -1711,7 +2079,7 @@
             </a:lvl6pPr>
             <a:lvl7pPr marL="2743200" indent="0">
               <a:buNone/>
-              <a:defRPr sz="1600">
+              <a:defRPr sz="1400">
                 <a:solidFill>
                   <a:schemeClr val="tx1">
                     <a:tint val="75000"/>
@@ -1721,7 +2089,7 @@
             </a:lvl7pPr>
             <a:lvl8pPr marL="3200400" indent="0">
               <a:buNone/>
-              <a:defRPr sz="1600">
+              <a:defRPr sz="1400">
                 <a:solidFill>
                   <a:schemeClr val="tx1">
                     <a:tint val="75000"/>
@@ -1731,7 +2099,7 @@
             </a:lvl8pPr>
             <a:lvl9pPr marL="3657600" indent="0">
               <a:buNone/>
-              <a:defRPr sz="1600">
+              <a:defRPr sz="1400">
                 <a:solidFill>
                   <a:schemeClr val="tx1">
                     <a:tint val="75000"/>
@@ -1751,13 +2119,7 @@
       </p:sp>
       <p:sp>
         <p:nvSpPr>
-          <p:cNvPr id="4" name="Date Placeholder 3">
-            <a:extLst>
-              <a:ext uri="{FF2B5EF4-FFF2-40B4-BE49-F238E27FC236}">
-                <a16:creationId xmlns:a16="http://schemas.microsoft.com/office/drawing/2014/main" id="{0F69D69C-88F0-4D91-9AA4-BADADA4F5632}"/>
-              </a:ext>
-            </a:extLst>
-          </p:cNvPr>
+          <p:cNvPr id="4" name="Date Placeholder 3"/>
           <p:cNvSpPr>
             <a:spLocks noGrp="1"/>
           </p:cNvSpPr>
@@ -1772,7 +2134,7 @@
           <a:p>
             <a:fld id="{57C9CE0C-6448-44D5-A666-5A3472CFB03D}" type="datetimeFigureOut">
               <a:rPr lang="en-US" smtClean="0"/>
-              <a:t>11/16/2017</a:t>
+              <a:t>11/19/2017</a:t>
             </a:fld>
             <a:endParaRPr lang="en-US"/>
           </a:p>
@@ -1780,13 +2142,7 @@
       </p:sp>
       <p:sp>
         <p:nvSpPr>
-          <p:cNvPr id="5" name="Footer Placeholder 4">
-            <a:extLst>
-              <a:ext uri="{FF2B5EF4-FFF2-40B4-BE49-F238E27FC236}">
-                <a16:creationId xmlns:a16="http://schemas.microsoft.com/office/drawing/2014/main" id="{617152E5-F8AE-4485-9E43-DDC3833885FC}"/>
-              </a:ext>
-            </a:extLst>
-          </p:cNvPr>
+          <p:cNvPr id="5" name="Footer Placeholder 4"/>
           <p:cNvSpPr>
             <a:spLocks noGrp="1"/>
           </p:cNvSpPr>
@@ -1805,13 +2161,7 @@
       </p:sp>
       <p:sp>
         <p:nvSpPr>
-          <p:cNvPr id="6" name="Slide Number Placeholder 5">
-            <a:extLst>
-              <a:ext uri="{FF2B5EF4-FFF2-40B4-BE49-F238E27FC236}">
-                <a16:creationId xmlns:a16="http://schemas.microsoft.com/office/drawing/2014/main" id="{537AB59A-EE17-4C85-BD49-01D19F39E10A}"/>
-              </a:ext>
-            </a:extLst>
-          </p:cNvPr>
+          <p:cNvPr id="6" name="Slide Number Placeholder 5"/>
           <p:cNvSpPr>
             <a:spLocks noGrp="1"/>
           </p:cNvSpPr>
@@ -1832,10 +2182,48 @@
           </a:p>
         </p:txBody>
       </p:sp>
+      <p:sp>
+        <p:nvSpPr>
+          <p:cNvPr id="7" name="Rectangle 6"/>
+          <p:cNvSpPr/>
+          <p:nvPr/>
+        </p:nvSpPr>
+        <p:spPr>
+          <a:xfrm>
+            <a:off x="0" y="0"/>
+            <a:ext cx="457200" cy="6858000"/>
+          </a:xfrm>
+          <a:prstGeom prst="rect">
+            <a:avLst/>
+          </a:prstGeom>
+          <a:solidFill>
+            <a:schemeClr val="accent1"/>
+          </a:solidFill>
+          <a:ln>
+            <a:noFill/>
+          </a:ln>
+        </p:spPr>
+        <p:style>
+          <a:lnRef idx="2">
+            <a:schemeClr val="accent1">
+              <a:shade val="50000"/>
+            </a:schemeClr>
+          </a:lnRef>
+          <a:fillRef idx="1">
+            <a:schemeClr val="accent1"/>
+          </a:fillRef>
+          <a:effectRef idx="0">
+            <a:schemeClr val="accent1"/>
+          </a:effectRef>
+          <a:fontRef idx="minor">
+            <a:schemeClr val="lt1"/>
+          </a:fontRef>
+        </p:style>
+      </p:sp>
     </p:spTree>
     <p:extLst>
       <p:ext uri="{BB962C8B-B14F-4D97-AF65-F5344CB8AC3E}">
-        <p14:creationId xmlns:p14="http://schemas.microsoft.com/office/powerpoint/2010/main" val="2754629831"/>
+        <p14:creationId xmlns:p14="http://schemas.microsoft.com/office/powerpoint/2010/main" val="2613510946"/>
       </p:ext>
     </p:extLst>
   </p:cSld>
@@ -1864,13 +2252,7 @@
       </p:grpSpPr>
       <p:sp>
         <p:nvSpPr>
-          <p:cNvPr id="2" name="Title 1">
-            <a:extLst>
-              <a:ext uri="{FF2B5EF4-FFF2-40B4-BE49-F238E27FC236}">
-                <a16:creationId xmlns:a16="http://schemas.microsoft.com/office/drawing/2014/main" id="{15C15A7C-84B3-4D38-B449-A17367958555}"/>
-              </a:ext>
-            </a:extLst>
-          </p:cNvPr>
+          <p:cNvPr id="2" name="Title 1"/>
           <p:cNvSpPr>
             <a:spLocks noGrp="1"/>
           </p:cNvSpPr>
@@ -1887,18 +2269,13 @@
               <a:rPr lang="en-US"/>
               <a:t>Click to edit Master title style</a:t>
             </a:r>
-          </a:p>
-        </p:txBody>
-      </p:sp>
-      <p:sp>
-        <p:nvSpPr>
-          <p:cNvPr id="3" name="Content Placeholder 2">
-            <a:extLst>
-              <a:ext uri="{FF2B5EF4-FFF2-40B4-BE49-F238E27FC236}">
-                <a16:creationId xmlns:a16="http://schemas.microsoft.com/office/drawing/2014/main" id="{50518C06-B717-46FF-8413-C19385FAC7E3}"/>
-              </a:ext>
-            </a:extLst>
-          </p:cNvPr>
+            <a:endParaRPr lang="en-US" dirty="0"/>
+          </a:p>
+        </p:txBody>
+      </p:sp>
+      <p:sp>
+        <p:nvSpPr>
+          <p:cNvPr id="3" name="Content Placeholder 2"/>
           <p:cNvSpPr>
             <a:spLocks noGrp="1"/>
           </p:cNvSpPr>
@@ -1908,13 +2285,41 @@
         </p:nvSpPr>
         <p:spPr>
           <a:xfrm>
-            <a:off x="838200" y="1825625"/>
-            <a:ext cx="5181600" cy="4351338"/>
+            <a:off x="1261872" y="1828800"/>
+            <a:ext cx="4480560" cy="4351337"/>
           </a:xfrm>
         </p:spPr>
         <p:txBody>
           <a:bodyPr/>
-          <a:lstStyle/>
+          <a:lstStyle>
+            <a:lvl1pPr>
+              <a:defRPr sz="1800"/>
+            </a:lvl1pPr>
+            <a:lvl2pPr>
+              <a:defRPr sz="1600"/>
+            </a:lvl2pPr>
+            <a:lvl3pPr>
+              <a:defRPr sz="1400"/>
+            </a:lvl3pPr>
+            <a:lvl4pPr>
+              <a:defRPr sz="1400"/>
+            </a:lvl4pPr>
+            <a:lvl5pPr>
+              <a:defRPr sz="1400"/>
+            </a:lvl5pPr>
+            <a:lvl6pPr>
+              <a:defRPr sz="1400"/>
+            </a:lvl6pPr>
+            <a:lvl7pPr>
+              <a:defRPr sz="1400"/>
+            </a:lvl7pPr>
+            <a:lvl8pPr>
+              <a:defRPr sz="1400"/>
+            </a:lvl8pPr>
+            <a:lvl9pPr>
+              <a:defRPr sz="1400"/>
+            </a:lvl9pPr>
+          </a:lstStyle>
           <a:p>
             <a:pPr lvl="0"/>
             <a:r>
@@ -1949,18 +2354,13 @@
               <a:rPr lang="en-US"/>
               <a:t>Fifth level</a:t>
             </a:r>
-          </a:p>
-        </p:txBody>
-      </p:sp>
-      <p:sp>
-        <p:nvSpPr>
-          <p:cNvPr id="4" name="Content Placeholder 3">
-            <a:extLst>
-              <a:ext uri="{FF2B5EF4-FFF2-40B4-BE49-F238E27FC236}">
-                <a16:creationId xmlns:a16="http://schemas.microsoft.com/office/drawing/2014/main" id="{269E76D7-A04C-44DA-AA5C-51C55D8F202D}"/>
-              </a:ext>
-            </a:extLst>
-          </p:cNvPr>
+            <a:endParaRPr lang="en-US" dirty="0"/>
+          </a:p>
+        </p:txBody>
+      </p:sp>
+      <p:sp>
+        <p:nvSpPr>
+          <p:cNvPr id="4" name="Content Placeholder 3"/>
           <p:cNvSpPr>
             <a:spLocks noGrp="1"/>
           </p:cNvSpPr>
@@ -1970,13 +2370,41 @@
         </p:nvSpPr>
         <p:spPr>
           <a:xfrm>
-            <a:off x="6172200" y="1825625"/>
-            <a:ext cx="5181600" cy="4351338"/>
+            <a:off x="6126480" y="1828800"/>
+            <a:ext cx="4480560" cy="4351337"/>
           </a:xfrm>
         </p:spPr>
         <p:txBody>
           <a:bodyPr/>
-          <a:lstStyle/>
+          <a:lstStyle>
+            <a:lvl1pPr>
+              <a:defRPr sz="1800"/>
+            </a:lvl1pPr>
+            <a:lvl2pPr>
+              <a:defRPr sz="1600"/>
+            </a:lvl2pPr>
+            <a:lvl3pPr>
+              <a:defRPr sz="1400"/>
+            </a:lvl3pPr>
+            <a:lvl4pPr>
+              <a:defRPr sz="1400"/>
+            </a:lvl4pPr>
+            <a:lvl5pPr>
+              <a:defRPr sz="1400"/>
+            </a:lvl5pPr>
+            <a:lvl6pPr>
+              <a:defRPr sz="1400"/>
+            </a:lvl6pPr>
+            <a:lvl7pPr>
+              <a:defRPr sz="1400"/>
+            </a:lvl7pPr>
+            <a:lvl8pPr>
+              <a:defRPr sz="1400"/>
+            </a:lvl8pPr>
+            <a:lvl9pPr>
+              <a:defRPr sz="1400"/>
+            </a:lvl9pPr>
+          </a:lstStyle>
           <a:p>
             <a:pPr lvl="0"/>
             <a:r>
@@ -2011,18 +2439,13 @@
               <a:rPr lang="en-US"/>
               <a:t>Fifth level</a:t>
             </a:r>
-          </a:p>
-        </p:txBody>
-      </p:sp>
-      <p:sp>
-        <p:nvSpPr>
-          <p:cNvPr id="5" name="Date Placeholder 4">
-            <a:extLst>
-              <a:ext uri="{FF2B5EF4-FFF2-40B4-BE49-F238E27FC236}">
-                <a16:creationId xmlns:a16="http://schemas.microsoft.com/office/drawing/2014/main" id="{95C2FDB4-3A42-424C-90EA-2CCF2BBB74E0}"/>
-              </a:ext>
-            </a:extLst>
-          </p:cNvPr>
+            <a:endParaRPr lang="en-US" dirty="0"/>
+          </a:p>
+        </p:txBody>
+      </p:sp>
+      <p:sp>
+        <p:nvSpPr>
+          <p:cNvPr id="5" name="Date Placeholder 4"/>
           <p:cNvSpPr>
             <a:spLocks noGrp="1"/>
           </p:cNvSpPr>
@@ -2037,7 +2460,7 @@
           <a:p>
             <a:fld id="{57C9CE0C-6448-44D5-A666-5A3472CFB03D}" type="datetimeFigureOut">
               <a:rPr lang="en-US" smtClean="0"/>
-              <a:t>11/16/2017</a:t>
+              <a:t>11/19/2017</a:t>
             </a:fld>
             <a:endParaRPr lang="en-US"/>
           </a:p>
@@ -2045,13 +2468,7 @@
       </p:sp>
       <p:sp>
         <p:nvSpPr>
-          <p:cNvPr id="6" name="Footer Placeholder 5">
-            <a:extLst>
-              <a:ext uri="{FF2B5EF4-FFF2-40B4-BE49-F238E27FC236}">
-                <a16:creationId xmlns:a16="http://schemas.microsoft.com/office/drawing/2014/main" id="{9A90A25B-1071-46BA-9FF7-9DABF7FB7822}"/>
-              </a:ext>
-            </a:extLst>
-          </p:cNvPr>
+          <p:cNvPr id="6" name="Footer Placeholder 5"/>
           <p:cNvSpPr>
             <a:spLocks noGrp="1"/>
           </p:cNvSpPr>
@@ -2070,13 +2487,7 @@
       </p:sp>
       <p:sp>
         <p:nvSpPr>
-          <p:cNvPr id="7" name="Slide Number Placeholder 6">
-            <a:extLst>
-              <a:ext uri="{FF2B5EF4-FFF2-40B4-BE49-F238E27FC236}">
-                <a16:creationId xmlns:a16="http://schemas.microsoft.com/office/drawing/2014/main" id="{B5BBDEBA-A798-4BC6-A848-7F820AF3C471}"/>
-              </a:ext>
-            </a:extLst>
-          </p:cNvPr>
+          <p:cNvPr id="7" name="Slide Number Placeholder 6"/>
           <p:cNvSpPr>
             <a:spLocks noGrp="1"/>
           </p:cNvSpPr>
@@ -2100,13 +2511,18 @@
     </p:spTree>
     <p:extLst>
       <p:ext uri="{BB962C8B-B14F-4D97-AF65-F5344CB8AC3E}">
-        <p14:creationId xmlns:p14="http://schemas.microsoft.com/office/powerpoint/2010/main" val="1173929518"/>
+        <p14:creationId xmlns:p14="http://schemas.microsoft.com/office/powerpoint/2010/main" val="3746244646"/>
       </p:ext>
     </p:extLst>
   </p:cSld>
   <p:clrMapOvr>
     <a:masterClrMapping/>
   </p:clrMapOvr>
+  <p:extLst>
+    <p:ext uri="{DCECCB84-F9BA-43D5-87BE-67443E8EF086}">
+      <p15:sldGuideLst xmlns:p15="http://schemas.microsoft.com/office/powerpoint/2012/main"/>
+    </p:ext>
+  </p:extLst>
 </p:sldLayout>
 </file>
 
@@ -2129,65 +2545,58 @@
       </p:grpSpPr>
       <p:sp>
         <p:nvSpPr>
-          <p:cNvPr id="2" name="Title 1">
-            <a:extLst>
-              <a:ext uri="{FF2B5EF4-FFF2-40B4-BE49-F238E27FC236}">
-                <a16:creationId xmlns:a16="http://schemas.microsoft.com/office/drawing/2014/main" id="{420FE6F4-DF8A-4108-8F7E-AC0B099DF92F}"/>
-              </a:ext>
-            </a:extLst>
-          </p:cNvPr>
+          <p:cNvPr id="10" name="Title 9"/>
           <p:cNvSpPr>
             <a:spLocks noGrp="1"/>
           </p:cNvSpPr>
           <p:nvPr>
             <p:ph type="title"/>
+          </p:nvPr>
+        </p:nvSpPr>
+        <p:spPr/>
+        <p:txBody>
+          <a:bodyPr/>
+          <a:lstStyle/>
+          <a:p>
+            <a:r>
+              <a:rPr lang="en-US"/>
+              <a:t>Click to edit Master title style</a:t>
+            </a:r>
+            <a:endParaRPr lang="en-US" dirty="0"/>
+          </a:p>
+        </p:txBody>
+      </p:sp>
+      <p:sp>
+        <p:nvSpPr>
+          <p:cNvPr id="3" name="Text Placeholder 2"/>
+          <p:cNvSpPr>
+            <a:spLocks noGrp="1"/>
+          </p:cNvSpPr>
+          <p:nvPr>
+            <p:ph type="body" idx="1"/>
           </p:nvPr>
         </p:nvSpPr>
         <p:spPr>
           <a:xfrm>
-            <a:off x="839788" y="365125"/>
-            <a:ext cx="10515600" cy="1325563"/>
+            <a:off x="1261872" y="1713655"/>
+            <a:ext cx="4480560" cy="731520"/>
           </a:xfrm>
         </p:spPr>
         <p:txBody>
-          <a:bodyPr/>
-          <a:lstStyle/>
-          <a:p>
-            <a:r>
-              <a:rPr lang="en-US"/>
-              <a:t>Click to edit Master title style</a:t>
-            </a:r>
-          </a:p>
-        </p:txBody>
-      </p:sp>
-      <p:sp>
-        <p:nvSpPr>
-          <p:cNvPr id="3" name="Text Placeholder 2">
-            <a:extLst>
-              <a:ext uri="{FF2B5EF4-FFF2-40B4-BE49-F238E27FC236}">
-                <a16:creationId xmlns:a16="http://schemas.microsoft.com/office/drawing/2014/main" id="{1E7ADFFE-BB54-44B0-BD4C-DF43767BB00B}"/>
-              </a:ext>
-            </a:extLst>
-          </p:cNvPr>
-          <p:cNvSpPr>
-            <a:spLocks noGrp="1"/>
-          </p:cNvSpPr>
-          <p:nvPr>
-            <p:ph type="body" idx="1"/>
-          </p:nvPr>
-        </p:nvSpPr>
-        <p:spPr>
-          <a:xfrm>
-            <a:off x="839788" y="1681163"/>
-            <a:ext cx="5157787" cy="823912"/>
-          </a:xfrm>
-        </p:spPr>
-        <p:txBody>
-          <a:bodyPr anchor="b"/>
+          <a:bodyPr anchor="b">
+            <a:normAutofit/>
+          </a:bodyPr>
           <a:lstStyle>
             <a:lvl1pPr marL="0" indent="0">
+              <a:spcBef>
+                <a:spcPts val="0"/>
+              </a:spcBef>
               <a:buNone/>
-              <a:defRPr sz="2400" b="1"/>
+              <a:defRPr sz="2000" b="0">
+                <a:solidFill>
+                  <a:schemeClr val="tx2"/>
+                </a:solidFill>
+              </a:defRPr>
             </a:lvl1pPr>
             <a:lvl2pPr marL="457200" indent="0">
               <a:buNone/>
@@ -2233,13 +2642,7 @@
       </p:sp>
       <p:sp>
         <p:nvSpPr>
-          <p:cNvPr id="4" name="Content Placeholder 3">
-            <a:extLst>
-              <a:ext uri="{FF2B5EF4-FFF2-40B4-BE49-F238E27FC236}">
-                <a16:creationId xmlns:a16="http://schemas.microsoft.com/office/drawing/2014/main" id="{4E05477C-D983-457C-A10A-B10D0D77E14C}"/>
-              </a:ext>
-            </a:extLst>
-          </p:cNvPr>
+          <p:cNvPr id="4" name="Content Placeholder 3"/>
           <p:cNvSpPr>
             <a:spLocks noGrp="1"/>
           </p:cNvSpPr>
@@ -2249,13 +2652,41 @@
         </p:nvSpPr>
         <p:spPr>
           <a:xfrm>
-            <a:off x="839788" y="2505075"/>
-            <a:ext cx="5157787" cy="3684588"/>
+            <a:off x="1261872" y="2507550"/>
+            <a:ext cx="4480560" cy="3664650"/>
           </a:xfrm>
         </p:spPr>
         <p:txBody>
           <a:bodyPr/>
-          <a:lstStyle/>
+          <a:lstStyle>
+            <a:lvl1pPr>
+              <a:defRPr sz="1800"/>
+            </a:lvl1pPr>
+            <a:lvl2pPr>
+              <a:defRPr sz="1600"/>
+            </a:lvl2pPr>
+            <a:lvl3pPr>
+              <a:defRPr sz="1400"/>
+            </a:lvl3pPr>
+            <a:lvl4pPr>
+              <a:defRPr sz="1400"/>
+            </a:lvl4pPr>
+            <a:lvl5pPr>
+              <a:defRPr sz="1400"/>
+            </a:lvl5pPr>
+            <a:lvl6pPr>
+              <a:defRPr sz="1400"/>
+            </a:lvl6pPr>
+            <a:lvl7pPr>
+              <a:defRPr sz="1400"/>
+            </a:lvl7pPr>
+            <a:lvl8pPr>
+              <a:defRPr sz="1400"/>
+            </a:lvl8pPr>
+            <a:lvl9pPr>
+              <a:defRPr sz="1400"/>
+            </a:lvl9pPr>
+          </a:lstStyle>
           <a:p>
             <a:pPr lvl="0"/>
             <a:r>
@@ -2290,18 +2721,13 @@
               <a:rPr lang="en-US"/>
               <a:t>Fifth level</a:t>
             </a:r>
-          </a:p>
-        </p:txBody>
-      </p:sp>
-      <p:sp>
-        <p:nvSpPr>
-          <p:cNvPr id="5" name="Text Placeholder 4">
-            <a:extLst>
-              <a:ext uri="{FF2B5EF4-FFF2-40B4-BE49-F238E27FC236}">
-                <a16:creationId xmlns:a16="http://schemas.microsoft.com/office/drawing/2014/main" id="{DAA38316-A2FD-4FDE-BA80-639A536695D7}"/>
-              </a:ext>
-            </a:extLst>
-          </p:cNvPr>
+            <a:endParaRPr lang="en-US" dirty="0"/>
+          </a:p>
+        </p:txBody>
+      </p:sp>
+      <p:sp>
+        <p:nvSpPr>
+          <p:cNvPr id="5" name="Text Placeholder 4"/>
           <p:cNvSpPr>
             <a:spLocks noGrp="1"/>
           </p:cNvSpPr>
@@ -2311,16 +2737,31 @@
         </p:nvSpPr>
         <p:spPr>
           <a:xfrm>
-            <a:off x="6172200" y="1681163"/>
-            <a:ext cx="5183188" cy="823912"/>
+            <a:off x="6126480" y="1713655"/>
+            <a:ext cx="4480560" cy="731520"/>
           </a:xfrm>
         </p:spPr>
         <p:txBody>
-          <a:bodyPr anchor="b"/>
+          <a:bodyPr anchor="b">
+            <a:normAutofit/>
+          </a:bodyPr>
           <a:lstStyle>
             <a:lvl1pPr marL="0" indent="0">
+              <a:lnSpc>
+                <a:spcPct val="95000"/>
+              </a:lnSpc>
+              <a:spcBef>
+                <a:spcPts val="0"/>
+              </a:spcBef>
               <a:buNone/>
-              <a:defRPr sz="2400" b="1"/>
+              <a:defRPr lang="en-US" sz="2000" b="0" kern="1200" dirty="0">
+                <a:solidFill>
+                  <a:schemeClr val="tx2"/>
+                </a:solidFill>
+                <a:latin typeface="+mn-lt"/>
+                <a:ea typeface="+mn-ea"/>
+                <a:cs typeface="+mn-cs"/>
+              </a:defRPr>
             </a:lvl1pPr>
             <a:lvl2pPr marL="457200" indent="0">
               <a:buNone/>
@@ -2356,7 +2797,16 @@
             </a:lvl9pPr>
           </a:lstStyle>
           <a:p>
-            <a:pPr lvl="0"/>
+            <a:pPr marL="0" lvl="0" indent="0" algn="l" defTabSz="914400" rtl="0" eaLnBrk="1" latinLnBrk="0" hangingPunct="1">
+              <a:lnSpc>
+                <a:spcPct val="90000"/>
+              </a:lnSpc>
+              <a:spcBef>
+                <a:spcPts val="2000"/>
+              </a:spcBef>
+              <a:buFontTx/>
+              <a:buNone/>
+            </a:pPr>
             <a:r>
               <a:rPr lang="en-US"/>
               <a:t>Edit Master text styles</a:t>
@@ -2366,13 +2816,7 @@
       </p:sp>
       <p:sp>
         <p:nvSpPr>
-          <p:cNvPr id="6" name="Content Placeholder 5">
-            <a:extLst>
-              <a:ext uri="{FF2B5EF4-FFF2-40B4-BE49-F238E27FC236}">
-                <a16:creationId xmlns:a16="http://schemas.microsoft.com/office/drawing/2014/main" id="{CBD78156-309D-4834-8633-244479BCA38C}"/>
-              </a:ext>
-            </a:extLst>
-          </p:cNvPr>
+          <p:cNvPr id="6" name="Content Placeholder 5"/>
           <p:cNvSpPr>
             <a:spLocks noGrp="1"/>
           </p:cNvSpPr>
@@ -2382,13 +2826,41 @@
         </p:nvSpPr>
         <p:spPr>
           <a:xfrm>
-            <a:off x="6172200" y="2505075"/>
-            <a:ext cx="5183188" cy="3684588"/>
+            <a:off x="6126480" y="2507550"/>
+            <a:ext cx="4480560" cy="3664650"/>
           </a:xfrm>
         </p:spPr>
         <p:txBody>
           <a:bodyPr/>
-          <a:lstStyle/>
+          <a:lstStyle>
+            <a:lvl1pPr>
+              <a:defRPr sz="1800"/>
+            </a:lvl1pPr>
+            <a:lvl2pPr>
+              <a:defRPr sz="1600"/>
+            </a:lvl2pPr>
+            <a:lvl3pPr>
+              <a:defRPr sz="1400"/>
+            </a:lvl3pPr>
+            <a:lvl4pPr>
+              <a:defRPr sz="1400"/>
+            </a:lvl4pPr>
+            <a:lvl5pPr>
+              <a:defRPr sz="1400"/>
+            </a:lvl5pPr>
+            <a:lvl6pPr>
+              <a:defRPr sz="1400"/>
+            </a:lvl6pPr>
+            <a:lvl7pPr>
+              <a:defRPr sz="1400"/>
+            </a:lvl7pPr>
+            <a:lvl8pPr>
+              <a:defRPr sz="1400"/>
+            </a:lvl8pPr>
+            <a:lvl9pPr>
+              <a:defRPr sz="1400"/>
+            </a:lvl9pPr>
+          </a:lstStyle>
           <a:p>
             <a:pPr lvl="0"/>
             <a:r>
@@ -2423,18 +2895,13 @@
               <a:rPr lang="en-US"/>
               <a:t>Fifth level</a:t>
             </a:r>
-          </a:p>
-        </p:txBody>
-      </p:sp>
-      <p:sp>
-        <p:nvSpPr>
-          <p:cNvPr id="7" name="Date Placeholder 6">
-            <a:extLst>
-              <a:ext uri="{FF2B5EF4-FFF2-40B4-BE49-F238E27FC236}">
-                <a16:creationId xmlns:a16="http://schemas.microsoft.com/office/drawing/2014/main" id="{27407D4F-3EE4-476C-B166-5E48037E26C9}"/>
-              </a:ext>
-            </a:extLst>
-          </p:cNvPr>
+            <a:endParaRPr lang="en-US" dirty="0"/>
+          </a:p>
+        </p:txBody>
+      </p:sp>
+      <p:sp>
+        <p:nvSpPr>
+          <p:cNvPr id="7" name="Date Placeholder 6"/>
           <p:cNvSpPr>
             <a:spLocks noGrp="1"/>
           </p:cNvSpPr>
@@ -2449,7 +2916,7 @@
           <a:p>
             <a:fld id="{57C9CE0C-6448-44D5-A666-5A3472CFB03D}" type="datetimeFigureOut">
               <a:rPr lang="en-US" smtClean="0"/>
-              <a:t>11/16/2017</a:t>
+              <a:t>11/19/2017</a:t>
             </a:fld>
             <a:endParaRPr lang="en-US"/>
           </a:p>
@@ -2457,13 +2924,7 @@
       </p:sp>
       <p:sp>
         <p:nvSpPr>
-          <p:cNvPr id="8" name="Footer Placeholder 7">
-            <a:extLst>
-              <a:ext uri="{FF2B5EF4-FFF2-40B4-BE49-F238E27FC236}">
-                <a16:creationId xmlns:a16="http://schemas.microsoft.com/office/drawing/2014/main" id="{DD4E2A52-1A07-4DF2-8B2C-D2D45493C4DA}"/>
-              </a:ext>
-            </a:extLst>
-          </p:cNvPr>
+          <p:cNvPr id="8" name="Footer Placeholder 7"/>
           <p:cNvSpPr>
             <a:spLocks noGrp="1"/>
           </p:cNvSpPr>
@@ -2482,13 +2943,7 @@
       </p:sp>
       <p:sp>
         <p:nvSpPr>
-          <p:cNvPr id="9" name="Slide Number Placeholder 8">
-            <a:extLst>
-              <a:ext uri="{FF2B5EF4-FFF2-40B4-BE49-F238E27FC236}">
-                <a16:creationId xmlns:a16="http://schemas.microsoft.com/office/drawing/2014/main" id="{E1A29F48-663D-4F4F-BFF7-1684DAFEFBA3}"/>
-              </a:ext>
-            </a:extLst>
-          </p:cNvPr>
+          <p:cNvPr id="9" name="Slide Number Placeholder 8"/>
           <p:cNvSpPr>
             <a:spLocks noGrp="1"/>
           </p:cNvSpPr>
@@ -2512,13 +2967,18 @@
     </p:spTree>
     <p:extLst>
       <p:ext uri="{BB962C8B-B14F-4D97-AF65-F5344CB8AC3E}">
-        <p14:creationId xmlns:p14="http://schemas.microsoft.com/office/powerpoint/2010/main" val="3517836403"/>
+        <p14:creationId xmlns:p14="http://schemas.microsoft.com/office/powerpoint/2010/main" val="2202358065"/>
       </p:ext>
     </p:extLst>
   </p:cSld>
   <p:clrMapOvr>
     <a:masterClrMapping/>
   </p:clrMapOvr>
+  <p:extLst>
+    <p:ext uri="{DCECCB84-F9BA-43D5-87BE-67443E8EF086}">
+      <p15:sldGuideLst xmlns:p15="http://schemas.microsoft.com/office/powerpoint/2012/main"/>
+    </p:ext>
+  </p:extLst>
 </p:sldLayout>
 </file>
 
@@ -2541,13 +3001,7 @@
       </p:grpSpPr>
       <p:sp>
         <p:nvSpPr>
-          <p:cNvPr id="2" name="Title 1">
-            <a:extLst>
-              <a:ext uri="{FF2B5EF4-FFF2-40B4-BE49-F238E27FC236}">
-                <a16:creationId xmlns:a16="http://schemas.microsoft.com/office/drawing/2014/main" id="{5ECEBC9D-699A-4706-B29C-E0E5BE7B9431}"/>
-              </a:ext>
-            </a:extLst>
-          </p:cNvPr>
+          <p:cNvPr id="6" name="Title 5"/>
           <p:cNvSpPr>
             <a:spLocks noGrp="1"/>
           </p:cNvSpPr>
@@ -2564,18 +3018,13 @@
               <a:rPr lang="en-US"/>
               <a:t>Click to edit Master title style</a:t>
             </a:r>
-          </a:p>
-        </p:txBody>
-      </p:sp>
-      <p:sp>
-        <p:nvSpPr>
-          <p:cNvPr id="3" name="Date Placeholder 2">
-            <a:extLst>
-              <a:ext uri="{FF2B5EF4-FFF2-40B4-BE49-F238E27FC236}">
-                <a16:creationId xmlns:a16="http://schemas.microsoft.com/office/drawing/2014/main" id="{37C08470-0438-4162-BF67-A38283E5A54E}"/>
-              </a:ext>
-            </a:extLst>
-          </p:cNvPr>
+            <a:endParaRPr lang="en-US" dirty="0"/>
+          </a:p>
+        </p:txBody>
+      </p:sp>
+      <p:sp>
+        <p:nvSpPr>
+          <p:cNvPr id="3" name="Date Placeholder 2"/>
           <p:cNvSpPr>
             <a:spLocks noGrp="1"/>
           </p:cNvSpPr>
@@ -2590,7 +3039,7 @@
           <a:p>
             <a:fld id="{57C9CE0C-6448-44D5-A666-5A3472CFB03D}" type="datetimeFigureOut">
               <a:rPr lang="en-US" smtClean="0"/>
-              <a:t>11/16/2017</a:t>
+              <a:t>11/19/2017</a:t>
             </a:fld>
             <a:endParaRPr lang="en-US"/>
           </a:p>
@@ -2598,13 +3047,7 @@
       </p:sp>
       <p:sp>
         <p:nvSpPr>
-          <p:cNvPr id="4" name="Footer Placeholder 3">
-            <a:extLst>
-              <a:ext uri="{FF2B5EF4-FFF2-40B4-BE49-F238E27FC236}">
-                <a16:creationId xmlns:a16="http://schemas.microsoft.com/office/drawing/2014/main" id="{FFD3C28C-F5B0-43D7-B697-CEC316FDA5A8}"/>
-              </a:ext>
-            </a:extLst>
-          </p:cNvPr>
+          <p:cNvPr id="4" name="Footer Placeholder 3"/>
           <p:cNvSpPr>
             <a:spLocks noGrp="1"/>
           </p:cNvSpPr>
@@ -2623,13 +3066,7 @@
       </p:sp>
       <p:sp>
         <p:nvSpPr>
-          <p:cNvPr id="5" name="Slide Number Placeholder 4">
-            <a:extLst>
-              <a:ext uri="{FF2B5EF4-FFF2-40B4-BE49-F238E27FC236}">
-                <a16:creationId xmlns:a16="http://schemas.microsoft.com/office/drawing/2014/main" id="{DEE0A0AF-C8A9-450C-9CB0-988ABFF0DC43}"/>
-              </a:ext>
-            </a:extLst>
-          </p:cNvPr>
+          <p:cNvPr id="5" name="Slide Number Placeholder 4"/>
           <p:cNvSpPr>
             <a:spLocks noGrp="1"/>
           </p:cNvSpPr>
@@ -2653,7 +3090,7 @@
     </p:spTree>
     <p:extLst>
       <p:ext uri="{BB962C8B-B14F-4D97-AF65-F5344CB8AC3E}">
-        <p14:creationId xmlns:p14="http://schemas.microsoft.com/office/powerpoint/2010/main" val="246991461"/>
+        <p14:creationId xmlns:p14="http://schemas.microsoft.com/office/powerpoint/2010/main" val="2458612757"/>
       </p:ext>
     </p:extLst>
   </p:cSld>
@@ -2682,13 +3119,7 @@
       </p:grpSpPr>
       <p:sp>
         <p:nvSpPr>
-          <p:cNvPr id="2" name="Date Placeholder 1">
-            <a:extLst>
-              <a:ext uri="{FF2B5EF4-FFF2-40B4-BE49-F238E27FC236}">
-                <a16:creationId xmlns:a16="http://schemas.microsoft.com/office/drawing/2014/main" id="{42915459-8491-4F59-9E51-AB27F922E08F}"/>
-              </a:ext>
-            </a:extLst>
-          </p:cNvPr>
+          <p:cNvPr id="2" name="Date Placeholder 1"/>
           <p:cNvSpPr>
             <a:spLocks noGrp="1"/>
           </p:cNvSpPr>
@@ -2703,7 +3134,7 @@
           <a:p>
             <a:fld id="{57C9CE0C-6448-44D5-A666-5A3472CFB03D}" type="datetimeFigureOut">
               <a:rPr lang="en-US" smtClean="0"/>
-              <a:t>11/16/2017</a:t>
+              <a:t>11/19/2017</a:t>
             </a:fld>
             <a:endParaRPr lang="en-US"/>
           </a:p>
@@ -2711,13 +3142,7 @@
       </p:sp>
       <p:sp>
         <p:nvSpPr>
-          <p:cNvPr id="3" name="Footer Placeholder 2">
-            <a:extLst>
-              <a:ext uri="{FF2B5EF4-FFF2-40B4-BE49-F238E27FC236}">
-                <a16:creationId xmlns:a16="http://schemas.microsoft.com/office/drawing/2014/main" id="{FE5149B0-82A5-4C9C-9CEF-EC920CACB078}"/>
-              </a:ext>
-            </a:extLst>
-          </p:cNvPr>
+          <p:cNvPr id="3" name="Footer Placeholder 2"/>
           <p:cNvSpPr>
             <a:spLocks noGrp="1"/>
           </p:cNvSpPr>
@@ -2736,13 +3161,7 @@
       </p:sp>
       <p:sp>
         <p:nvSpPr>
-          <p:cNvPr id="4" name="Slide Number Placeholder 3">
-            <a:extLst>
-              <a:ext uri="{FF2B5EF4-FFF2-40B4-BE49-F238E27FC236}">
-                <a16:creationId xmlns:a16="http://schemas.microsoft.com/office/drawing/2014/main" id="{1229F50C-8794-467F-A268-FE845F1FA33B}"/>
-              </a:ext>
-            </a:extLst>
-          </p:cNvPr>
+          <p:cNvPr id="4" name="Slide Number Placeholder 3"/>
           <p:cNvSpPr>
             <a:spLocks noGrp="1"/>
           </p:cNvSpPr>
@@ -2766,7 +3185,7 @@
     </p:spTree>
     <p:extLst>
       <p:ext uri="{BB962C8B-B14F-4D97-AF65-F5344CB8AC3E}">
-        <p14:creationId xmlns:p14="http://schemas.microsoft.com/office/powerpoint/2010/main" val="3959565876"/>
+        <p14:creationId xmlns:p14="http://schemas.microsoft.com/office/powerpoint/2010/main" val="2253627171"/>
       </p:ext>
     </p:extLst>
   </p:cSld>
@@ -2795,13 +3214,7 @@
       </p:grpSpPr>
       <p:sp>
         <p:nvSpPr>
-          <p:cNvPr id="2" name="Title 1">
-            <a:extLst>
-              <a:ext uri="{FF2B5EF4-FFF2-40B4-BE49-F238E27FC236}">
-                <a16:creationId xmlns:a16="http://schemas.microsoft.com/office/drawing/2014/main" id="{F4126B49-C165-470B-9AF0-C5C101348508}"/>
-              </a:ext>
-            </a:extLst>
-          </p:cNvPr>
+          <p:cNvPr id="2" name="Title 1"/>
           <p:cNvSpPr>
             <a:spLocks noGrp="1"/>
           </p:cNvSpPr>
@@ -2811,15 +3224,17 @@
         </p:nvSpPr>
         <p:spPr>
           <a:xfrm>
-            <a:off x="839788" y="457200"/>
-            <a:ext cx="3932237" cy="1600200"/>
+            <a:off x="841248" y="457200"/>
+            <a:ext cx="3200400" cy="1600197"/>
           </a:xfrm>
         </p:spPr>
         <p:txBody>
-          <a:bodyPr anchor="b"/>
+          <a:bodyPr anchor="b">
+            <a:normAutofit/>
+          </a:bodyPr>
           <a:lstStyle>
             <a:lvl1pPr>
-              <a:defRPr sz="3200"/>
+              <a:defRPr sz="3200" b="0" baseline="0"/>
             </a:lvl1pPr>
           </a:lstStyle>
           <a:p>
@@ -2827,18 +3242,13 @@
               <a:rPr lang="en-US"/>
               <a:t>Click to edit Master title style</a:t>
             </a:r>
-          </a:p>
-        </p:txBody>
-      </p:sp>
-      <p:sp>
-        <p:nvSpPr>
-          <p:cNvPr id="3" name="Content Placeholder 2">
-            <a:extLst>
-              <a:ext uri="{FF2B5EF4-FFF2-40B4-BE49-F238E27FC236}">
-                <a16:creationId xmlns:a16="http://schemas.microsoft.com/office/drawing/2014/main" id="{41FB02C5-1486-4C4F-AF63-0770D7EACB87}"/>
-              </a:ext>
-            </a:extLst>
-          </p:cNvPr>
+            <a:endParaRPr lang="en-US" dirty="0"/>
+          </a:p>
+        </p:txBody>
+      </p:sp>
+      <p:sp>
+        <p:nvSpPr>
+          <p:cNvPr id="3" name="Content Placeholder 2"/>
           <p:cNvSpPr>
             <a:spLocks noGrp="1"/>
           </p:cNvSpPr>
@@ -2848,39 +3258,39 @@
         </p:nvSpPr>
         <p:spPr>
           <a:xfrm>
-            <a:off x="5183188" y="987425"/>
-            <a:ext cx="6172200" cy="4873625"/>
+            <a:off x="4504267" y="685800"/>
+            <a:ext cx="6079066" cy="5486400"/>
           </a:xfrm>
         </p:spPr>
         <p:txBody>
           <a:bodyPr/>
           <a:lstStyle>
             <a:lvl1pPr>
-              <a:defRPr sz="3200"/>
+              <a:defRPr sz="2000"/>
             </a:lvl1pPr>
             <a:lvl2pPr>
-              <a:defRPr sz="2800"/>
+              <a:defRPr sz="1800"/>
             </a:lvl2pPr>
             <a:lvl3pPr>
-              <a:defRPr sz="2400"/>
+              <a:defRPr sz="1600"/>
             </a:lvl3pPr>
             <a:lvl4pPr>
-              <a:defRPr sz="2000"/>
+              <a:defRPr sz="1400"/>
             </a:lvl4pPr>
             <a:lvl5pPr>
-              <a:defRPr sz="2000"/>
+              <a:defRPr sz="1400"/>
             </a:lvl5pPr>
             <a:lvl6pPr>
-              <a:defRPr sz="2000"/>
+              <a:defRPr sz="1400"/>
             </a:lvl6pPr>
             <a:lvl7pPr>
-              <a:defRPr sz="2000"/>
+              <a:defRPr sz="1400"/>
             </a:lvl7pPr>
             <a:lvl8pPr>
-              <a:defRPr sz="2000"/>
+              <a:defRPr sz="1400"/>
             </a:lvl8pPr>
             <a:lvl9pPr>
-              <a:defRPr sz="2000"/>
+              <a:defRPr sz="1400"/>
             </a:lvl9pPr>
           </a:lstStyle>
           <a:p>
@@ -2917,18 +3327,13 @@
               <a:rPr lang="en-US"/>
               <a:t>Fifth level</a:t>
             </a:r>
-          </a:p>
-        </p:txBody>
-      </p:sp>
-      <p:sp>
-        <p:nvSpPr>
-          <p:cNvPr id="4" name="Text Placeholder 3">
-            <a:extLst>
-              <a:ext uri="{FF2B5EF4-FFF2-40B4-BE49-F238E27FC236}">
-                <a16:creationId xmlns:a16="http://schemas.microsoft.com/office/drawing/2014/main" id="{5DB251C1-E790-47A6-94E4-C95F06BD3401}"/>
-              </a:ext>
-            </a:extLst>
-          </p:cNvPr>
+            <a:endParaRPr lang="en-US" dirty="0"/>
+          </a:p>
+        </p:txBody>
+      </p:sp>
+      <p:sp>
+        <p:nvSpPr>
+          <p:cNvPr id="4" name="Text Placeholder 3"/>
           <p:cNvSpPr>
             <a:spLocks noGrp="1"/>
           </p:cNvSpPr>
@@ -2938,48 +3343,56 @@
         </p:nvSpPr>
         <p:spPr>
           <a:xfrm>
-            <a:off x="839788" y="2057400"/>
-            <a:ext cx="3932237" cy="3811588"/>
+            <a:off x="841248" y="2099734"/>
+            <a:ext cx="3200400" cy="3810001"/>
           </a:xfrm>
         </p:spPr>
         <p:txBody>
-          <a:bodyPr/>
+          <a:bodyPr>
+            <a:normAutofit/>
+          </a:bodyPr>
           <a:lstStyle>
             <a:lvl1pPr marL="0" indent="0">
+              <a:lnSpc>
+                <a:spcPct val="114000"/>
+              </a:lnSpc>
+              <a:spcBef>
+                <a:spcPts val="800"/>
+              </a:spcBef>
               <a:buNone/>
-              <a:defRPr sz="1600"/>
+              <a:defRPr sz="1300"/>
             </a:lvl1pPr>
             <a:lvl2pPr marL="457200" indent="0">
               <a:buNone/>
-              <a:defRPr sz="1400"/>
+              <a:defRPr sz="1200"/>
             </a:lvl2pPr>
             <a:lvl3pPr marL="914400" indent="0">
               <a:buNone/>
-              <a:defRPr sz="1200"/>
+              <a:defRPr sz="1000"/>
             </a:lvl3pPr>
             <a:lvl4pPr marL="1371600" indent="0">
               <a:buNone/>
-              <a:defRPr sz="1000"/>
+              <a:defRPr sz="900"/>
             </a:lvl4pPr>
             <a:lvl5pPr marL="1828800" indent="0">
               <a:buNone/>
-              <a:defRPr sz="1000"/>
+              <a:defRPr sz="900"/>
             </a:lvl5pPr>
             <a:lvl6pPr marL="2286000" indent="0">
               <a:buNone/>
-              <a:defRPr sz="1000"/>
+              <a:defRPr sz="900"/>
             </a:lvl6pPr>
             <a:lvl7pPr marL="2743200" indent="0">
               <a:buNone/>
-              <a:defRPr sz="1000"/>
+              <a:defRPr sz="900"/>
             </a:lvl7pPr>
             <a:lvl8pPr marL="3200400" indent="0">
               <a:buNone/>
-              <a:defRPr sz="1000"/>
+              <a:defRPr sz="900"/>
             </a:lvl8pPr>
             <a:lvl9pPr marL="3657600" indent="0">
               <a:buNone/>
-              <a:defRPr sz="1000"/>
+              <a:defRPr sz="900"/>
             </a:lvl9pPr>
           </a:lstStyle>
           <a:p>
@@ -2993,13 +3406,7 @@
       </p:sp>
       <p:sp>
         <p:nvSpPr>
-          <p:cNvPr id="5" name="Date Placeholder 4">
-            <a:extLst>
-              <a:ext uri="{FF2B5EF4-FFF2-40B4-BE49-F238E27FC236}">
-                <a16:creationId xmlns:a16="http://schemas.microsoft.com/office/drawing/2014/main" id="{00E37B4E-41D1-4861-BB8A-1F997C2BD4DB}"/>
-              </a:ext>
-            </a:extLst>
-          </p:cNvPr>
+          <p:cNvPr id="5" name="Date Placeholder 4"/>
           <p:cNvSpPr>
             <a:spLocks noGrp="1"/>
           </p:cNvSpPr>
@@ -3014,7 +3421,7 @@
           <a:p>
             <a:fld id="{57C9CE0C-6448-44D5-A666-5A3472CFB03D}" type="datetimeFigureOut">
               <a:rPr lang="en-US" smtClean="0"/>
-              <a:t>11/16/2017</a:t>
+              <a:t>11/19/2017</a:t>
             </a:fld>
             <a:endParaRPr lang="en-US"/>
           </a:p>
@@ -3022,13 +3429,7 @@
       </p:sp>
       <p:sp>
         <p:nvSpPr>
-          <p:cNvPr id="6" name="Footer Placeholder 5">
-            <a:extLst>
-              <a:ext uri="{FF2B5EF4-FFF2-40B4-BE49-F238E27FC236}">
-                <a16:creationId xmlns:a16="http://schemas.microsoft.com/office/drawing/2014/main" id="{A0D8E8B2-27E3-4783-8594-2992FEBB9D23}"/>
-              </a:ext>
-            </a:extLst>
-          </p:cNvPr>
+          <p:cNvPr id="6" name="Footer Placeholder 5"/>
           <p:cNvSpPr>
             <a:spLocks noGrp="1"/>
           </p:cNvSpPr>
@@ -3047,13 +3448,7 @@
       </p:sp>
       <p:sp>
         <p:nvSpPr>
-          <p:cNvPr id="7" name="Slide Number Placeholder 6">
-            <a:extLst>
-              <a:ext uri="{FF2B5EF4-FFF2-40B4-BE49-F238E27FC236}">
-                <a16:creationId xmlns:a16="http://schemas.microsoft.com/office/drawing/2014/main" id="{C1B99336-D634-43EB-86DC-7BADB30779E5}"/>
-              </a:ext>
-            </a:extLst>
-          </p:cNvPr>
+          <p:cNvPr id="7" name="Slide Number Placeholder 6"/>
           <p:cNvSpPr>
             <a:spLocks noGrp="1"/>
           </p:cNvSpPr>
@@ -3077,13 +3472,18 @@
     </p:spTree>
     <p:extLst>
       <p:ext uri="{BB962C8B-B14F-4D97-AF65-F5344CB8AC3E}">
-        <p14:creationId xmlns:p14="http://schemas.microsoft.com/office/powerpoint/2010/main" val="721980602"/>
+        <p14:creationId xmlns:p14="http://schemas.microsoft.com/office/powerpoint/2010/main" val="965125632"/>
       </p:ext>
     </p:extLst>
   </p:cSld>
   <p:clrMapOvr>
     <a:masterClrMapping/>
   </p:clrMapOvr>
+  <p:extLst>
+    <p:ext uri="{DCECCB84-F9BA-43D5-87BE-67443E8EF086}">
+      <p15:sldGuideLst xmlns:p15="http://schemas.microsoft.com/office/powerpoint/2012/main"/>
+    </p:ext>
+  </p:extLst>
 </p:sldLayout>
 </file>
 
@@ -3106,31 +3506,69 @@
       </p:grpSpPr>
       <p:sp>
         <p:nvSpPr>
-          <p:cNvPr id="2" name="Title 1">
-            <a:extLst>
-              <a:ext uri="{FF2B5EF4-FFF2-40B4-BE49-F238E27FC236}">
-                <a16:creationId xmlns:a16="http://schemas.microsoft.com/office/drawing/2014/main" id="{D83230D9-4469-43B7-A0B3-94A384DF10BE}"/>
-              </a:ext>
-            </a:extLst>
-          </p:cNvPr>
-          <p:cNvSpPr>
-            <a:spLocks noGrp="1"/>
-          </p:cNvSpPr>
-          <p:nvPr>
-            <p:ph type="title"/>
-          </p:nvPr>
+          <p:cNvPr id="8" name="Rectangle 7"/>
+          <p:cNvSpPr/>
+          <p:nvPr/>
         </p:nvSpPr>
         <p:spPr>
           <a:xfrm>
-            <a:off x="839788" y="457200"/>
-            <a:ext cx="3932237" cy="1600200"/>
+            <a:off x="0" y="5105400"/>
+            <a:ext cx="11292840" cy="1752600"/>
+          </a:xfrm>
+          <a:prstGeom prst="rect">
+            <a:avLst/>
+          </a:prstGeom>
+          <a:solidFill>
+            <a:srgbClr val="000000"/>
+          </a:solidFill>
+          <a:ln>
+            <a:noFill/>
+          </a:ln>
+        </p:spPr>
+        <p:style>
+          <a:lnRef idx="2">
+            <a:schemeClr val="accent1">
+              <a:shade val="50000"/>
+            </a:schemeClr>
+          </a:lnRef>
+          <a:fillRef idx="1">
+            <a:schemeClr val="accent1"/>
+          </a:fillRef>
+          <a:effectRef idx="0">
+            <a:schemeClr val="accent1"/>
+          </a:effectRef>
+          <a:fontRef idx="minor">
+            <a:schemeClr val="lt1"/>
+          </a:fontRef>
+        </p:style>
+      </p:sp>
+      <p:sp>
+        <p:nvSpPr>
+          <p:cNvPr id="2" name="Title 1"/>
+          <p:cNvSpPr>
+            <a:spLocks noGrp="1"/>
+          </p:cNvSpPr>
+          <p:nvPr>
+            <p:ph type="title"/>
+          </p:nvPr>
+        </p:nvSpPr>
+        <p:spPr>
+          <a:xfrm>
+            <a:off x="914400" y="5257800"/>
+            <a:ext cx="9982200" cy="914400"/>
           </a:xfrm>
         </p:spPr>
         <p:txBody>
-          <a:bodyPr anchor="b"/>
+          <a:bodyPr anchor="b">
+            <a:normAutofit/>
+          </a:bodyPr>
           <a:lstStyle>
             <a:lvl1pPr>
-              <a:defRPr sz="3200"/>
+              <a:defRPr sz="2800" b="0">
+                <a:solidFill>
+                  <a:schemeClr val="bg1"/>
+                </a:solidFill>
+              </a:defRPr>
             </a:lvl1pPr>
           </a:lstStyle>
           <a:p>
@@ -3138,20 +3576,15 @@
               <a:rPr lang="en-US"/>
               <a:t>Click to edit Master title style</a:t>
             </a:r>
-          </a:p>
-        </p:txBody>
-      </p:sp>
-      <p:sp>
-        <p:nvSpPr>
-          <p:cNvPr id="3" name="Picture Placeholder 2">
-            <a:extLst>
-              <a:ext uri="{FF2B5EF4-FFF2-40B4-BE49-F238E27FC236}">
-                <a16:creationId xmlns:a16="http://schemas.microsoft.com/office/drawing/2014/main" id="{54EF2334-4B93-4E7B-917E-1764F2B705CD}"/>
-              </a:ext>
-            </a:extLst>
-          </p:cNvPr>
-          <p:cNvSpPr>
-            <a:spLocks noGrp="1"/>
+            <a:endParaRPr lang="en-US" dirty="0"/>
+          </a:p>
+        </p:txBody>
+      </p:sp>
+      <p:sp>
+        <p:nvSpPr>
+          <p:cNvPr id="3" name="Picture Placeholder 2"/>
+          <p:cNvSpPr>
+            <a:spLocks noGrp="1" noChangeAspect="1"/>
           </p:cNvSpPr>
           <p:nvPr>
             <p:ph type="pic" idx="1"/>
@@ -3159,16 +3592,23 @@
         </p:nvSpPr>
         <p:spPr>
           <a:xfrm>
-            <a:off x="5183188" y="987425"/>
-            <a:ext cx="6172200" cy="4873625"/>
+            <a:off x="0" y="0"/>
+            <a:ext cx="11292840" cy="5128923"/>
           </a:xfrm>
+          <a:solidFill>
+            <a:schemeClr val="accent1"/>
+          </a:solidFill>
         </p:spPr>
         <p:txBody>
-          <a:bodyPr/>
+          <a:bodyPr anchor="t"/>
           <a:lstStyle>
             <a:lvl1pPr marL="0" indent="0">
               <a:buNone/>
-              <a:defRPr sz="3200"/>
+              <a:defRPr sz="3200">
+                <a:solidFill>
+                  <a:schemeClr val="bg1"/>
+                </a:solidFill>
+              </a:defRPr>
             </a:lvl1pPr>
             <a:lvl2pPr marL="457200" indent="0">
               <a:buNone/>
@@ -3204,19 +3644,17 @@
             </a:lvl9pPr>
           </a:lstStyle>
           <a:p>
-            <a:endParaRPr lang="en-US"/>
-          </a:p>
-        </p:txBody>
-      </p:sp>
-      <p:sp>
-        <p:nvSpPr>
-          <p:cNvPr id="4" name="Text Placeholder 3">
-            <a:extLst>
-              <a:ext uri="{FF2B5EF4-FFF2-40B4-BE49-F238E27FC236}">
-                <a16:creationId xmlns:a16="http://schemas.microsoft.com/office/drawing/2014/main" id="{71449D09-EBBA-448C-9431-042EBC556713}"/>
-              </a:ext>
-            </a:extLst>
-          </p:cNvPr>
+            <a:r>
+              <a:rPr lang="en-US"/>
+              <a:t>Click icon to add picture</a:t>
+            </a:r>
+            <a:endParaRPr lang="en-US" dirty="0"/>
+          </a:p>
+        </p:txBody>
+      </p:sp>
+      <p:sp>
+        <p:nvSpPr>
+          <p:cNvPr id="4" name="Text Placeholder 3"/>
           <p:cNvSpPr>
             <a:spLocks noGrp="1"/>
           </p:cNvSpPr>
@@ -3226,48 +3664,62 @@
         </p:nvSpPr>
         <p:spPr>
           <a:xfrm>
-            <a:off x="839788" y="2057400"/>
-            <a:ext cx="3932237" cy="3811588"/>
+            <a:off x="914400" y="6108589"/>
+            <a:ext cx="9982200" cy="597011"/>
           </a:xfrm>
         </p:spPr>
         <p:txBody>
-          <a:bodyPr/>
+          <a:bodyPr>
+            <a:normAutofit/>
+          </a:bodyPr>
           <a:lstStyle>
             <a:lvl1pPr marL="0" indent="0">
+              <a:lnSpc>
+                <a:spcPct val="100000"/>
+              </a:lnSpc>
+              <a:spcBef>
+                <a:spcPts val="800"/>
+              </a:spcBef>
               <a:buNone/>
-              <a:defRPr sz="1600"/>
+              <a:defRPr sz="1300">
+                <a:solidFill>
+                  <a:schemeClr val="bg1">
+                    <a:lumMod val="85000"/>
+                  </a:schemeClr>
+                </a:solidFill>
+              </a:defRPr>
             </a:lvl1pPr>
             <a:lvl2pPr marL="457200" indent="0">
               <a:buNone/>
-              <a:defRPr sz="1400"/>
+              <a:defRPr sz="1200"/>
             </a:lvl2pPr>
             <a:lvl3pPr marL="914400" indent="0">
               <a:buNone/>
-              <a:defRPr sz="1200"/>
+              <a:defRPr sz="1000"/>
             </a:lvl3pPr>
             <a:lvl4pPr marL="1371600" indent="0">
               <a:buNone/>
-              <a:defRPr sz="1000"/>
+              <a:defRPr sz="900"/>
             </a:lvl4pPr>
             <a:lvl5pPr marL="1828800" indent="0">
               <a:buNone/>
-              <a:defRPr sz="1000"/>
+              <a:defRPr sz="900"/>
             </a:lvl5pPr>
             <a:lvl6pPr marL="2286000" indent="0">
               <a:buNone/>
-              <a:defRPr sz="1000"/>
+              <a:defRPr sz="900"/>
             </a:lvl6pPr>
             <a:lvl7pPr marL="2743200" indent="0">
               <a:buNone/>
-              <a:defRPr sz="1000"/>
+              <a:defRPr sz="900"/>
             </a:lvl7pPr>
             <a:lvl8pPr marL="3200400" indent="0">
               <a:buNone/>
-              <a:defRPr sz="1000"/>
+              <a:defRPr sz="900"/>
             </a:lvl8pPr>
             <a:lvl9pPr marL="3657600" indent="0">
               <a:buNone/>
-              <a:defRPr sz="1000"/>
+              <a:defRPr sz="900"/>
             </a:lvl9pPr>
           </a:lstStyle>
           <a:p>
@@ -3281,13 +3733,7 @@
       </p:sp>
       <p:sp>
         <p:nvSpPr>
-          <p:cNvPr id="5" name="Date Placeholder 4">
-            <a:extLst>
-              <a:ext uri="{FF2B5EF4-FFF2-40B4-BE49-F238E27FC236}">
-                <a16:creationId xmlns:a16="http://schemas.microsoft.com/office/drawing/2014/main" id="{37C6C0CB-5DF5-4BBE-87CC-2FBD0D597902}"/>
-              </a:ext>
-            </a:extLst>
-          </p:cNvPr>
+          <p:cNvPr id="5" name="Date Placeholder 4"/>
           <p:cNvSpPr>
             <a:spLocks noGrp="1"/>
           </p:cNvSpPr>
@@ -3302,7 +3748,7 @@
           <a:p>
             <a:fld id="{57C9CE0C-6448-44D5-A666-5A3472CFB03D}" type="datetimeFigureOut">
               <a:rPr lang="en-US" smtClean="0"/>
-              <a:t>11/16/2017</a:t>
+              <a:t>11/19/2017</a:t>
             </a:fld>
             <a:endParaRPr lang="en-US"/>
           </a:p>
@@ -3310,13 +3756,7 @@
       </p:sp>
       <p:sp>
         <p:nvSpPr>
-          <p:cNvPr id="6" name="Footer Placeholder 5">
-            <a:extLst>
-              <a:ext uri="{FF2B5EF4-FFF2-40B4-BE49-F238E27FC236}">
-                <a16:creationId xmlns:a16="http://schemas.microsoft.com/office/drawing/2014/main" id="{E65072D6-0E86-420C-AEDF-01D8E13A31A4}"/>
-              </a:ext>
-            </a:extLst>
-          </p:cNvPr>
+          <p:cNvPr id="6" name="Footer Placeholder 5"/>
           <p:cNvSpPr>
             <a:spLocks noGrp="1"/>
           </p:cNvSpPr>
@@ -3329,19 +3769,13 @@
           <a:bodyPr/>
           <a:lstStyle/>
           <a:p>
-            <a:endParaRPr lang="en-US"/>
-          </a:p>
-        </p:txBody>
-      </p:sp>
-      <p:sp>
-        <p:nvSpPr>
-          <p:cNvPr id="7" name="Slide Number Placeholder 6">
-            <a:extLst>
-              <a:ext uri="{FF2B5EF4-FFF2-40B4-BE49-F238E27FC236}">
-                <a16:creationId xmlns:a16="http://schemas.microsoft.com/office/drawing/2014/main" id="{685DAF69-58D4-463C-A021-CF9B8ABDD84A}"/>
-              </a:ext>
-            </a:extLst>
-          </p:cNvPr>
+            <a:endParaRPr lang="en-US" dirty="0"/>
+          </a:p>
+        </p:txBody>
+      </p:sp>
+      <p:sp>
+        <p:nvSpPr>
+          <p:cNvPr id="7" name="Slide Number Placeholder 6"/>
           <p:cNvSpPr>
             <a:spLocks noGrp="1"/>
           </p:cNvSpPr>
@@ -3365,7 +3799,7 @@
     </p:spTree>
     <p:extLst>
       <p:ext uri="{BB962C8B-B14F-4D97-AF65-F5344CB8AC3E}">
-        <p14:creationId xmlns:p14="http://schemas.microsoft.com/office/powerpoint/2010/main" val="2507305459"/>
+        <p14:creationId xmlns:p14="http://schemas.microsoft.com/office/powerpoint/2010/main" val="1650712124"/>
       </p:ext>
     </p:extLst>
   </p:cSld>
@@ -3399,31 +3833,65 @@
       </p:grpSpPr>
       <p:sp>
         <p:nvSpPr>
-          <p:cNvPr id="2" name="Title Placeholder 1">
-            <a:extLst>
-              <a:ext uri="{FF2B5EF4-FFF2-40B4-BE49-F238E27FC236}">
-                <a16:creationId xmlns:a16="http://schemas.microsoft.com/office/drawing/2014/main" id="{FBDD49B2-B5B3-439E-A305-614FE5F16AD2}"/>
-              </a:ext>
-            </a:extLst>
-          </p:cNvPr>
-          <p:cNvSpPr>
-            <a:spLocks noGrp="1"/>
-          </p:cNvSpPr>
-          <p:nvPr>
-            <p:ph type="title"/>
-          </p:nvPr>
+          <p:cNvPr id="7" name="Rectangle 6"/>
+          <p:cNvSpPr/>
+          <p:nvPr/>
         </p:nvSpPr>
         <p:spPr>
           <a:xfrm>
-            <a:off x="838200" y="365125"/>
-            <a:ext cx="10515600" cy="1325563"/>
+            <a:off x="11292840" y="0"/>
+            <a:ext cx="914400" cy="6858000"/>
+          </a:xfrm>
+          <a:prstGeom prst="rect">
+            <a:avLst/>
+          </a:prstGeom>
+          <a:solidFill>
+            <a:schemeClr val="tx2">
+              <a:lumMod val="75000"/>
+            </a:schemeClr>
+          </a:solidFill>
+          <a:ln>
+            <a:noFill/>
+          </a:ln>
+        </p:spPr>
+        <p:style>
+          <a:lnRef idx="2">
+            <a:schemeClr val="accent1">
+              <a:shade val="50000"/>
+            </a:schemeClr>
+          </a:lnRef>
+          <a:fillRef idx="1">
+            <a:schemeClr val="accent1"/>
+          </a:fillRef>
+          <a:effectRef idx="0">
+            <a:schemeClr val="accent1"/>
+          </a:effectRef>
+          <a:fontRef idx="minor">
+            <a:schemeClr val="lt1"/>
+          </a:fontRef>
+        </p:style>
+      </p:sp>
+      <p:sp>
+        <p:nvSpPr>
+          <p:cNvPr id="2" name="Title Placeholder 1"/>
+          <p:cNvSpPr>
+            <a:spLocks noGrp="1"/>
+          </p:cNvSpPr>
+          <p:nvPr>
+            <p:ph type="title"/>
+          </p:nvPr>
+        </p:nvSpPr>
+        <p:spPr>
+          <a:xfrm>
+            <a:off x="1261872" y="365760"/>
+            <a:ext cx="9692640" cy="1325562"/>
           </a:xfrm>
           <a:prstGeom prst="rect">
             <a:avLst/>
           </a:prstGeom>
         </p:spPr>
         <p:txBody>
-          <a:bodyPr vert="horz" lIns="91440" tIns="45720" rIns="91440" bIns="45720" rtlCol="0" anchor="ctr">
+          <a:bodyPr vert="horz" lIns="91440" tIns="45720" rIns="91440" bIns="45720" rtlCol="0" anchor="b">
             <a:normAutofit/>
           </a:bodyPr>
           <a:lstStyle/>
@@ -3432,18 +3900,13 @@
               <a:rPr lang="en-US"/>
               <a:t>Click to edit Master title style</a:t>
             </a:r>
-          </a:p>
-        </p:txBody>
-      </p:sp>
-      <p:sp>
-        <p:nvSpPr>
-          <p:cNvPr id="3" name="Text Placeholder 2">
-            <a:extLst>
-              <a:ext uri="{FF2B5EF4-FFF2-40B4-BE49-F238E27FC236}">
-                <a16:creationId xmlns:a16="http://schemas.microsoft.com/office/drawing/2014/main" id="{DE6FB17A-70AB-4110-ADBD-7238DA746994}"/>
-              </a:ext>
-            </a:extLst>
-          </p:cNvPr>
+            <a:endParaRPr lang="en-US" dirty="0"/>
+          </a:p>
+        </p:txBody>
+      </p:sp>
+      <p:sp>
+        <p:nvSpPr>
+          <p:cNvPr id="3" name="Text Placeholder 2"/>
           <p:cNvSpPr>
             <a:spLocks noGrp="1"/>
           </p:cNvSpPr>
@@ -3453,8 +3916,8 @@
         </p:nvSpPr>
         <p:spPr>
           <a:xfrm>
-            <a:off x="838200" y="1825625"/>
-            <a:ext cx="10515600" cy="4351338"/>
+            <a:off x="1261872" y="1828800"/>
+            <a:ext cx="8595360" cy="4351337"/>
           </a:xfrm>
           <a:prstGeom prst="rect">
             <a:avLst/>
@@ -3499,18 +3962,13 @@
               <a:rPr lang="en-US"/>
               <a:t>Fifth level</a:t>
             </a:r>
-          </a:p>
-        </p:txBody>
-      </p:sp>
-      <p:sp>
-        <p:nvSpPr>
-          <p:cNvPr id="4" name="Date Placeholder 3">
-            <a:extLst>
-              <a:ext uri="{FF2B5EF4-FFF2-40B4-BE49-F238E27FC236}">
-                <a16:creationId xmlns:a16="http://schemas.microsoft.com/office/drawing/2014/main" id="{A10F8611-7712-4A8C-AD53-95517715E10D}"/>
-              </a:ext>
-            </a:extLst>
-          </p:cNvPr>
+            <a:endParaRPr lang="en-US" dirty="0"/>
+          </a:p>
+        </p:txBody>
+      </p:sp>
+      <p:sp>
+        <p:nvSpPr>
+          <p:cNvPr id="4" name="Date Placeholder 3"/>
           <p:cNvSpPr>
             <a:spLocks noGrp="1"/>
           </p:cNvSpPr>
@@ -3519,9 +3977,9 @@
           </p:nvPr>
         </p:nvSpPr>
         <p:spPr>
-          <a:xfrm>
-            <a:off x="838200" y="6356350"/>
-            <a:ext cx="2743200" cy="365125"/>
+          <a:xfrm rot="16200000">
+            <a:off x="10797542" y="998537"/>
+            <a:ext cx="1904999" cy="365125"/>
           </a:xfrm>
           <a:prstGeom prst="rect">
             <a:avLst/>
@@ -3530,11 +3988,12 @@
         <p:txBody>
           <a:bodyPr vert="horz" lIns="91440" tIns="45720" rIns="91440" bIns="45720" rtlCol="0" anchor="ctr"/>
           <a:lstStyle>
-            <a:lvl1pPr algn="l">
-              <a:defRPr sz="1200">
+            <a:lvl1pPr algn="r">
+              <a:defRPr sz="1050" b="0">
                 <a:solidFill>
-                  <a:schemeClr val="tx1">
-                    <a:tint val="75000"/>
+                  <a:schemeClr val="tx2">
+                    <a:lumMod val="20000"/>
+                    <a:lumOff val="80000"/>
                   </a:schemeClr>
                 </a:solidFill>
               </a:defRPr>
@@ -3543,7 +4002,7 @@
           <a:p>
             <a:fld id="{57C9CE0C-6448-44D5-A666-5A3472CFB03D}" type="datetimeFigureOut">
               <a:rPr lang="en-US" smtClean="0"/>
-              <a:t>11/16/2017</a:t>
+              <a:t>11/19/2017</a:t>
             </a:fld>
             <a:endParaRPr lang="en-US"/>
           </a:p>
@@ -3551,13 +4010,7 @@
       </p:sp>
       <p:sp>
         <p:nvSpPr>
-          <p:cNvPr id="5" name="Footer Placeholder 4">
-            <a:extLst>
-              <a:ext uri="{FF2B5EF4-FFF2-40B4-BE49-F238E27FC236}">
-                <a16:creationId xmlns:a16="http://schemas.microsoft.com/office/drawing/2014/main" id="{206EADF5-195C-4378-9CF0-AB0D66C6106D}"/>
-              </a:ext>
-            </a:extLst>
-          </p:cNvPr>
+          <p:cNvPr id="5" name="Footer Placeholder 4"/>
           <p:cNvSpPr>
             <a:spLocks noGrp="1"/>
           </p:cNvSpPr>
@@ -3566,9 +4019,9 @@
           </p:nvPr>
         </p:nvSpPr>
         <p:spPr>
-          <a:xfrm>
-            <a:off x="4038600" y="6356350"/>
-            <a:ext cx="4114800" cy="365125"/>
+          <a:xfrm rot="16200000">
+            <a:off x="9959341" y="4046537"/>
+            <a:ext cx="3581400" cy="365125"/>
           </a:xfrm>
           <a:prstGeom prst="rect">
             <a:avLst/>
@@ -3577,11 +4030,12 @@
         <p:txBody>
           <a:bodyPr vert="horz" lIns="91440" tIns="45720" rIns="91440" bIns="45720" rtlCol="0" anchor="ctr"/>
           <a:lstStyle>
-            <a:lvl1pPr algn="ctr">
-              <a:defRPr sz="1200">
+            <a:lvl1pPr algn="l">
+              <a:defRPr sz="1050">
                 <a:solidFill>
-                  <a:schemeClr val="tx1">
-                    <a:tint val="75000"/>
+                  <a:schemeClr val="tx2">
+                    <a:lumMod val="20000"/>
+                    <a:lumOff val="80000"/>
                   </a:schemeClr>
                 </a:solidFill>
               </a:defRPr>
@@ -3594,13 +4048,7 @@
       </p:sp>
       <p:sp>
         <p:nvSpPr>
-          <p:cNvPr id="6" name="Slide Number Placeholder 5">
-            <a:extLst>
-              <a:ext uri="{FF2B5EF4-FFF2-40B4-BE49-F238E27FC236}">
-                <a16:creationId xmlns:a16="http://schemas.microsoft.com/office/drawing/2014/main" id="{9B728992-CC4B-414E-916B-605AE39939A9}"/>
-              </a:ext>
-            </a:extLst>
-          </p:cNvPr>
+          <p:cNvPr id="6" name="Slide Number Placeholder 5"/>
           <p:cNvSpPr>
             <a:spLocks noGrp="1"/>
           </p:cNvSpPr>
@@ -3610,21 +4058,24 @@
         </p:nvSpPr>
         <p:spPr>
           <a:xfrm>
-            <a:off x="8610600" y="6356350"/>
-            <a:ext cx="2743200" cy="365125"/>
+            <a:off x="11292840" y="6172200"/>
+            <a:ext cx="914400" cy="593725"/>
           </a:xfrm>
           <a:prstGeom prst="rect">
             <a:avLst/>
           </a:prstGeom>
         </p:spPr>
         <p:txBody>
-          <a:bodyPr vert="horz" lIns="91440" tIns="45720" rIns="91440" bIns="45720" rtlCol="0" anchor="ctr"/>
+          <a:bodyPr vert="horz" lIns="45720" tIns="45720" rIns="45720" bIns="45720" rtlCol="0" anchor="ctr">
+            <a:normAutofit/>
+          </a:bodyPr>
           <a:lstStyle>
-            <a:lvl1pPr algn="r">
-              <a:defRPr sz="1200">
+            <a:lvl1pPr algn="ctr">
+              <a:defRPr sz="3600">
                 <a:solidFill>
-                  <a:schemeClr val="tx1">
-                    <a:tint val="75000"/>
+                  <a:schemeClr val="tx2">
+                    <a:lumMod val="60000"/>
+                    <a:lumOff val="40000"/>
                   </a:schemeClr>
                 </a:solidFill>
               </a:defRPr>
@@ -3642,23 +4093,23 @@
     </p:spTree>
     <p:extLst>
       <p:ext uri="{BB962C8B-B14F-4D97-AF65-F5344CB8AC3E}">
-        <p14:creationId xmlns:p14="http://schemas.microsoft.com/office/powerpoint/2010/main" val="2926737179"/>
+        <p14:creationId xmlns:p14="http://schemas.microsoft.com/office/powerpoint/2010/main" val="3337142204"/>
       </p:ext>
     </p:extLst>
   </p:cSld>
   <p:clrMap bg1="lt1" tx1="dk1" bg2="lt2" tx2="dk2" accent1="accent1" accent2="accent2" accent3="accent3" accent4="accent4" accent5="accent5" accent6="accent6" hlink="hlink" folHlink="folHlink"/>
   <p:sldLayoutIdLst>
-    <p:sldLayoutId id="2147483649" r:id="rId1"/>
-    <p:sldLayoutId id="2147483650" r:id="rId2"/>
-    <p:sldLayoutId id="2147483651" r:id="rId3"/>
-    <p:sldLayoutId id="2147483652" r:id="rId4"/>
-    <p:sldLayoutId id="2147483653" r:id="rId5"/>
-    <p:sldLayoutId id="2147483654" r:id="rId6"/>
-    <p:sldLayoutId id="2147483655" r:id="rId7"/>
-    <p:sldLayoutId id="2147483656" r:id="rId8"/>
-    <p:sldLayoutId id="2147483657" r:id="rId9"/>
-    <p:sldLayoutId id="2147483658" r:id="rId10"/>
-    <p:sldLayoutId id="2147483659" r:id="rId11"/>
+    <p:sldLayoutId id="2147483785" r:id="rId1"/>
+    <p:sldLayoutId id="2147483786" r:id="rId2"/>
+    <p:sldLayoutId id="2147483787" r:id="rId3"/>
+    <p:sldLayoutId id="2147483788" r:id="rId4"/>
+    <p:sldLayoutId id="2147483789" r:id="rId5"/>
+    <p:sldLayoutId id="2147483790" r:id="rId6"/>
+    <p:sldLayoutId id="2147483791" r:id="rId7"/>
+    <p:sldLayoutId id="2147483792" r:id="rId8"/>
+    <p:sldLayoutId id="2147483793" r:id="rId9"/>
+    <p:sldLayoutId id="2147483794" r:id="rId10"/>
+    <p:sldLayoutId id="2147483795" r:id="rId11"/>
   </p:sldLayoutIdLst>
   <p:txStyles>
     <p:titleStyle>
@@ -3670,7 +4121,7 @@
           <a:spcPct val="0"/>
         </a:spcBef>
         <a:buNone/>
-        <a:defRPr sz="4400" kern="1200">
+        <a:defRPr sz="4400" kern="1200" spc="-50" baseline="0">
           <a:solidFill>
             <a:schemeClr val="tx1"/>
           </a:solidFill>
@@ -3681,16 +4132,23 @@
       </a:lvl1pPr>
     </p:titleStyle>
     <p:bodyStyle>
-      <a:lvl1pPr marL="228600" indent="-228600" algn="l" defTabSz="914400" rtl="0" eaLnBrk="1" latinLnBrk="0" hangingPunct="1">
+      <a:lvl1pPr marL="182880" indent="-182880" algn="l" defTabSz="914400" rtl="0" eaLnBrk="1" latinLnBrk="0" hangingPunct="1">
         <a:lnSpc>
-          <a:spcPct val="90000"/>
+          <a:spcPct val="95000"/>
         </a:lnSpc>
         <a:spcBef>
-          <a:spcPts val="1000"/>
+          <a:spcPts val="1400"/>
         </a:spcBef>
-        <a:buFont typeface="Arial" panose="020B0604020202020204" pitchFamily="34" charset="0"/>
+        <a:spcAft>
+          <a:spcPts val="200"/>
+        </a:spcAft>
+        <a:buClr>
+          <a:schemeClr val="accent1"/>
+        </a:buClr>
+        <a:buSzPct val="80000"/>
+        <a:buFont typeface="Arial" pitchFamily="34" charset="0"/>
         <a:buChar char="•"/>
-        <a:defRPr sz="2800" kern="1200">
+        <a:defRPr sz="1800" kern="1200" spc="10" baseline="0">
           <a:solidFill>
             <a:schemeClr val="tx1"/>
           </a:solidFill>
@@ -3699,144 +4157,216 @@
           <a:cs typeface="+mn-cs"/>
         </a:defRPr>
       </a:lvl1pPr>
-      <a:lvl2pPr marL="685800" indent="-228600" algn="l" defTabSz="914400" rtl="0" eaLnBrk="1" latinLnBrk="0" hangingPunct="1">
+      <a:lvl2pPr marL="457200" indent="-182880" algn="l" defTabSz="914400" rtl="0" eaLnBrk="1" latinLnBrk="0" hangingPunct="1">
         <a:lnSpc>
           <a:spcPct val="90000"/>
         </a:lnSpc>
         <a:spcBef>
-          <a:spcPts val="500"/>
+          <a:spcPts val="300"/>
         </a:spcBef>
-        <a:buFont typeface="Arial" panose="020B0604020202020204" pitchFamily="34" charset="0"/>
-        <a:buChar char="•"/>
-        <a:defRPr sz="2400" kern="1200">
+        <a:spcAft>
+          <a:spcPts val="300"/>
+        </a:spcAft>
+        <a:buClr>
+          <a:schemeClr val="accent1"/>
+        </a:buClr>
+        <a:buFont typeface="Wingdings 2" pitchFamily="18" charset="2"/>
+        <a:buChar char=""/>
+        <a:defRPr sz="1600" kern="1200">
           <a:solidFill>
-            <a:schemeClr val="tx1"/>
+            <a:schemeClr val="tx1">
+              <a:lumMod val="85000"/>
+              <a:lumOff val="15000"/>
+            </a:schemeClr>
           </a:solidFill>
           <a:latin typeface="+mn-lt"/>
           <a:ea typeface="+mn-ea"/>
           <a:cs typeface="+mn-cs"/>
         </a:defRPr>
       </a:lvl2pPr>
-      <a:lvl3pPr marL="1143000" indent="-228600" algn="l" defTabSz="914400" rtl="0" eaLnBrk="1" latinLnBrk="0" hangingPunct="1">
+      <a:lvl3pPr marL="731520" indent="-182880" algn="l" defTabSz="914400" rtl="0" eaLnBrk="1" latinLnBrk="0" hangingPunct="1">
         <a:lnSpc>
           <a:spcPct val="90000"/>
         </a:lnSpc>
         <a:spcBef>
-          <a:spcPts val="500"/>
+          <a:spcPts val="300"/>
         </a:spcBef>
-        <a:buFont typeface="Arial" panose="020B0604020202020204" pitchFamily="34" charset="0"/>
-        <a:buChar char="•"/>
-        <a:defRPr sz="2000" kern="1200">
+        <a:spcAft>
+          <a:spcPts val="300"/>
+        </a:spcAft>
+        <a:buClr>
+          <a:schemeClr val="accent1"/>
+        </a:buClr>
+        <a:buFont typeface="Wingdings 2" pitchFamily="18" charset="2"/>
+        <a:buChar char=""/>
+        <a:defRPr sz="1400" kern="1200">
           <a:solidFill>
-            <a:schemeClr val="tx1"/>
+            <a:schemeClr val="tx1">
+              <a:lumMod val="85000"/>
+              <a:lumOff val="15000"/>
+            </a:schemeClr>
           </a:solidFill>
           <a:latin typeface="+mn-lt"/>
           <a:ea typeface="+mn-ea"/>
           <a:cs typeface="+mn-cs"/>
         </a:defRPr>
       </a:lvl3pPr>
-      <a:lvl4pPr marL="1600200" indent="-228600" algn="l" defTabSz="914400" rtl="0" eaLnBrk="1" latinLnBrk="0" hangingPunct="1">
+      <a:lvl4pPr marL="1005840" indent="-182880" algn="l" defTabSz="914400" rtl="0" eaLnBrk="1" latinLnBrk="0" hangingPunct="1">
         <a:lnSpc>
           <a:spcPct val="90000"/>
         </a:lnSpc>
         <a:spcBef>
-          <a:spcPts val="500"/>
+          <a:spcPts val="300"/>
         </a:spcBef>
-        <a:buFont typeface="Arial" panose="020B0604020202020204" pitchFamily="34" charset="0"/>
-        <a:buChar char="•"/>
-        <a:defRPr sz="1800" kern="1200">
+        <a:spcAft>
+          <a:spcPts val="300"/>
+        </a:spcAft>
+        <a:buClr>
+          <a:schemeClr val="accent1"/>
+        </a:buClr>
+        <a:buFont typeface="Wingdings 2" pitchFamily="18" charset="2"/>
+        <a:buChar char=""/>
+        <a:defRPr sz="1400" kern="1200">
           <a:solidFill>
-            <a:schemeClr val="tx1"/>
+            <a:schemeClr val="tx1">
+              <a:lumMod val="85000"/>
+              <a:lumOff val="15000"/>
+            </a:schemeClr>
           </a:solidFill>
           <a:latin typeface="+mn-lt"/>
           <a:ea typeface="+mn-ea"/>
           <a:cs typeface="+mn-cs"/>
         </a:defRPr>
       </a:lvl4pPr>
-      <a:lvl5pPr marL="2057400" indent="-228600" algn="l" defTabSz="914400" rtl="0" eaLnBrk="1" latinLnBrk="0" hangingPunct="1">
+      <a:lvl5pPr marL="1280160" indent="-182880" algn="l" defTabSz="914400" rtl="0" eaLnBrk="1" latinLnBrk="0" hangingPunct="1">
         <a:lnSpc>
           <a:spcPct val="90000"/>
         </a:lnSpc>
         <a:spcBef>
-          <a:spcPts val="500"/>
+          <a:spcPts val="300"/>
         </a:spcBef>
-        <a:buFont typeface="Arial" panose="020B0604020202020204" pitchFamily="34" charset="0"/>
-        <a:buChar char="•"/>
-        <a:defRPr sz="1800" kern="1200">
+        <a:spcAft>
+          <a:spcPts val="300"/>
+        </a:spcAft>
+        <a:buClr>
+          <a:schemeClr val="accent1"/>
+        </a:buClr>
+        <a:buFont typeface="Wingdings 2" pitchFamily="18" charset="2"/>
+        <a:buChar char=""/>
+        <a:defRPr sz="1400" kern="1200">
           <a:solidFill>
-            <a:schemeClr val="tx1"/>
+            <a:schemeClr val="tx1">
+              <a:lumMod val="85000"/>
+              <a:lumOff val="15000"/>
+            </a:schemeClr>
           </a:solidFill>
           <a:latin typeface="+mn-lt"/>
           <a:ea typeface="+mn-ea"/>
           <a:cs typeface="+mn-cs"/>
         </a:defRPr>
       </a:lvl5pPr>
-      <a:lvl6pPr marL="2514600" indent="-228600" algn="l" defTabSz="914400" rtl="0" eaLnBrk="1" latinLnBrk="0" hangingPunct="1">
+      <a:lvl6pPr marL="1600000" indent="-228600" algn="l" defTabSz="914400" rtl="0" eaLnBrk="1" latinLnBrk="0" hangingPunct="1">
         <a:lnSpc>
           <a:spcPct val="90000"/>
         </a:lnSpc>
         <a:spcBef>
-          <a:spcPts val="500"/>
+          <a:spcPts val="300"/>
         </a:spcBef>
-        <a:buFont typeface="Arial" panose="020B0604020202020204" pitchFamily="34" charset="0"/>
-        <a:buChar char="•"/>
-        <a:defRPr sz="1800" kern="1200">
+        <a:spcAft>
+          <a:spcPts val="300"/>
+        </a:spcAft>
+        <a:buClr>
+          <a:schemeClr val="accent1"/>
+        </a:buClr>
+        <a:buFont typeface="Wingdings 2" pitchFamily="18" charset="2"/>
+        <a:buChar char=""/>
+        <a:defRPr sz="1400" kern="1200">
           <a:solidFill>
-            <a:schemeClr val="tx1"/>
+            <a:schemeClr val="tx1">
+              <a:lumMod val="85000"/>
+              <a:lumOff val="15000"/>
+            </a:schemeClr>
           </a:solidFill>
           <a:latin typeface="+mn-lt"/>
           <a:ea typeface="+mn-ea"/>
           <a:cs typeface="+mn-cs"/>
         </a:defRPr>
       </a:lvl6pPr>
-      <a:lvl7pPr marL="2971800" indent="-228600" algn="l" defTabSz="914400" rtl="0" eaLnBrk="1" latinLnBrk="0" hangingPunct="1">
+      <a:lvl7pPr marL="1900000" indent="-228600" algn="l" defTabSz="914400" rtl="0" eaLnBrk="1" latinLnBrk="0" hangingPunct="1">
         <a:lnSpc>
           <a:spcPct val="90000"/>
         </a:lnSpc>
         <a:spcBef>
-          <a:spcPts val="500"/>
+          <a:spcPts val="300"/>
         </a:spcBef>
-        <a:buFont typeface="Arial" panose="020B0604020202020204" pitchFamily="34" charset="0"/>
-        <a:buChar char="•"/>
-        <a:defRPr sz="1800" kern="1200">
+        <a:spcAft>
+          <a:spcPts val="300"/>
+        </a:spcAft>
+        <a:buClr>
+          <a:schemeClr val="accent1"/>
+        </a:buClr>
+        <a:buFont typeface="Wingdings 2" pitchFamily="18" charset="2"/>
+        <a:buChar char=""/>
+        <a:defRPr sz="1400" kern="1200">
           <a:solidFill>
-            <a:schemeClr val="tx1"/>
+            <a:schemeClr val="tx1">
+              <a:lumMod val="85000"/>
+              <a:lumOff val="15000"/>
+            </a:schemeClr>
           </a:solidFill>
           <a:latin typeface="+mn-lt"/>
           <a:ea typeface="+mn-ea"/>
           <a:cs typeface="+mn-cs"/>
         </a:defRPr>
       </a:lvl7pPr>
-      <a:lvl8pPr marL="3429000" indent="-228600" algn="l" defTabSz="914400" rtl="0" eaLnBrk="1" latinLnBrk="0" hangingPunct="1">
+      <a:lvl8pPr marL="2200000" indent="-228600" algn="l" defTabSz="914400" rtl="0" eaLnBrk="1" latinLnBrk="0" hangingPunct="1">
         <a:lnSpc>
           <a:spcPct val="90000"/>
         </a:lnSpc>
         <a:spcBef>
-          <a:spcPts val="500"/>
+          <a:spcPts val="300"/>
         </a:spcBef>
-        <a:buFont typeface="Arial" panose="020B0604020202020204" pitchFamily="34" charset="0"/>
-        <a:buChar char="•"/>
-        <a:defRPr sz="1800" kern="1200">
+        <a:spcAft>
+          <a:spcPts val="300"/>
+        </a:spcAft>
+        <a:buClr>
+          <a:schemeClr val="accent1"/>
+        </a:buClr>
+        <a:buFont typeface="Wingdings 2" pitchFamily="18" charset="2"/>
+        <a:buChar char=""/>
+        <a:defRPr sz="1400" kern="1200">
           <a:solidFill>
-            <a:schemeClr val="tx1"/>
+            <a:schemeClr val="tx1">
+              <a:lumMod val="85000"/>
+              <a:lumOff val="15000"/>
+            </a:schemeClr>
           </a:solidFill>
           <a:latin typeface="+mn-lt"/>
           <a:ea typeface="+mn-ea"/>
           <a:cs typeface="+mn-cs"/>
         </a:defRPr>
       </a:lvl8pPr>
-      <a:lvl9pPr marL="3886200" indent="-228600" algn="l" defTabSz="914400" rtl="0" eaLnBrk="1" latinLnBrk="0" hangingPunct="1">
+      <a:lvl9pPr marL="2500000" indent="-228600" algn="l" defTabSz="914400" rtl="0" eaLnBrk="1" latinLnBrk="0" hangingPunct="1">
         <a:lnSpc>
           <a:spcPct val="90000"/>
         </a:lnSpc>
         <a:spcBef>
-          <a:spcPts val="500"/>
+          <a:spcPts val="300"/>
         </a:spcBef>
-        <a:buFont typeface="Arial" panose="020B0604020202020204" pitchFamily="34" charset="0"/>
-        <a:buChar char="•"/>
-        <a:defRPr sz="1800" kern="1200">
+        <a:spcAft>
+          <a:spcPts val="300"/>
+        </a:spcAft>
+        <a:buClr>
+          <a:schemeClr val="accent1"/>
+        </a:buClr>
+        <a:buFont typeface="Wingdings 2" pitchFamily="18" charset="2"/>
+        <a:buChar char=""/>
+        <a:defRPr sz="1400" kern="1200">
           <a:solidFill>
-            <a:schemeClr val="tx1"/>
+            <a:schemeClr val="tx1">
+              <a:lumMod val="85000"/>
+              <a:lumOff val="15000"/>
+            </a:schemeClr>
           </a:solidFill>
           <a:latin typeface="+mn-lt"/>
           <a:ea typeface="+mn-ea"/>
@@ -3940,6 +4470,11 @@
       </a:lvl9pPr>
     </p:otherStyle>
   </p:txStyles>
+  <p:extLst>
+    <p:ext uri="{27BBF7A9-308A-43DC-89C8-2F10F3537804}">
+      <p15:sldGuideLst xmlns:p15="http://schemas.microsoft.com/office/powerpoint/2012/main"/>
+    </p:ext>
+  </p:extLst>
 </p:sldMaster>
 </file>
 
@@ -3979,7 +4514,7 @@
         <p:spPr/>
         <p:txBody>
           <a:bodyPr>
-            <a:normAutofit fontScale="90000"/>
+            <a:normAutofit/>
           </a:bodyPr>
           <a:lstStyle/>
           <a:p>
@@ -4053,7 +4588,7 @@
           <p:cNvPr id="2" name="Title 1">
             <a:extLst>
               <a:ext uri="{FF2B5EF4-FFF2-40B4-BE49-F238E27FC236}">
-                <a16:creationId xmlns:a16="http://schemas.microsoft.com/office/drawing/2014/main" id="{0F755DD8-FF90-4BBA-8A85-B89A76ECCAB0}"/>
+                <a16:creationId xmlns:a16="http://schemas.microsoft.com/office/drawing/2014/main" id="{8A2A12C5-D84C-4B9D-B4C0-DA4667F358E1}"/>
               </a:ext>
             </a:extLst>
           </p:cNvPr>
@@ -4071,50 +4606,47 @@
           <a:p>
             <a:r>
               <a:rPr lang="en-US" dirty="0"/>
-              <a:t>Connectivity of scientific publications</a:t>
-            </a:r>
-          </a:p>
-        </p:txBody>
-      </p:sp>
-      <p:sp>
-        <p:nvSpPr>
-          <p:cNvPr id="3" name="Content Placeholder 2">
+              <a:t>Graphs representing node connectivity</a:t>
+            </a:r>
+          </a:p>
+        </p:txBody>
+      </p:sp>
+      <p:pic>
+        <p:nvPicPr>
+          <p:cNvPr id="4" name="Content Placeholder 3">
             <a:extLst>
               <a:ext uri="{FF2B5EF4-FFF2-40B4-BE49-F238E27FC236}">
-                <a16:creationId xmlns:a16="http://schemas.microsoft.com/office/drawing/2014/main" id="{3300BF74-C619-44B4-B834-56427E54A75C}"/>
+                <a16:creationId xmlns:a16="http://schemas.microsoft.com/office/drawing/2014/main" id="{7B877D8C-3404-46EB-B659-6B6F95FBF9F5}"/>
               </a:ext>
             </a:extLst>
           </p:cNvPr>
-          <p:cNvSpPr>
-            <a:spLocks noGrp="1"/>
-          </p:cNvSpPr>
+          <p:cNvPicPr>
+            <a:picLocks noGrp="1" noChangeAspect="1"/>
+          </p:cNvPicPr>
           <p:nvPr>
             <p:ph idx="1"/>
           </p:nvPr>
-        </p:nvSpPr>
-        <p:spPr/>
-        <p:txBody>
-          <a:bodyPr/>
-          <a:lstStyle/>
-          <a:p>
-            <a:r>
-              <a:rPr lang="en-US" dirty="0" err="1"/>
-              <a:t>Ycite</a:t>
-            </a:r>
-            <a:r>
-              <a:rPr lang="en-US" dirty="0"/>
-              <a:t> = 3</a:t>
-            </a:r>
-          </a:p>
-          <a:p>
-            <a:endParaRPr lang="en-US" dirty="0"/>
-          </a:p>
-        </p:txBody>
-      </p:sp>
+        </p:nvPicPr>
+        <p:blipFill>
+          <a:blip r:embed="rId3"/>
+          <a:stretch>
+            <a:fillRect/>
+          </a:stretch>
+        </p:blipFill>
+        <p:spPr>
+          <a:xfrm>
+            <a:off x="1330169" y="1828800"/>
+            <a:ext cx="8458512" cy="4351338"/>
+          </a:xfrm>
+          <a:prstGeom prst="rect">
+            <a:avLst/>
+          </a:prstGeom>
+        </p:spPr>
+      </p:pic>
     </p:spTree>
     <p:extLst>
       <p:ext uri="{BB962C8B-B14F-4D97-AF65-F5344CB8AC3E}">
-        <p14:creationId xmlns:p14="http://schemas.microsoft.com/office/powerpoint/2010/main" val="744084084"/>
+        <p14:creationId xmlns:p14="http://schemas.microsoft.com/office/powerpoint/2010/main" val="3610140674"/>
       </p:ext>
     </p:extLst>
   </p:cSld>
@@ -4146,7 +4678,7 @@
           <p:cNvPr id="2" name="Title 1">
             <a:extLst>
               <a:ext uri="{FF2B5EF4-FFF2-40B4-BE49-F238E27FC236}">
-                <a16:creationId xmlns:a16="http://schemas.microsoft.com/office/drawing/2014/main" id="{E6AAADC9-8DDC-4D52-B4FC-D84B56163888}"/>
+                <a16:creationId xmlns:a16="http://schemas.microsoft.com/office/drawing/2014/main" id="{6E8FF2E1-6A7D-4ECF-8D29-65FAC9D056DD}"/>
               </a:ext>
             </a:extLst>
           </p:cNvPr>
@@ -4164,7 +4696,7 @@
           <a:p>
             <a:r>
               <a:rPr lang="en-US" dirty="0"/>
-              <a:t>Power law for large k</a:t>
+              <a:t>Existing Models for complex topology</a:t>
             </a:r>
           </a:p>
         </p:txBody>
@@ -4174,7 +4706,7 @@
           <p:cNvPr id="3" name="Content Placeholder 2">
             <a:extLst>
               <a:ext uri="{FF2B5EF4-FFF2-40B4-BE49-F238E27FC236}">
-                <a16:creationId xmlns:a16="http://schemas.microsoft.com/office/drawing/2014/main" id="{CBD9C724-0C17-42D7-82BE-22778FC85D60}"/>
+                <a16:creationId xmlns:a16="http://schemas.microsoft.com/office/drawing/2014/main" id="{9DE0A452-352C-4487-9E7A-2A7757B54410}"/>
               </a:ext>
             </a:extLst>
           </p:cNvPr>
@@ -4191,8 +4723,131 @@
           <a:lstStyle/>
           <a:p>
             <a:r>
+              <a:rPr lang="en-US" dirty="0" err="1"/>
+              <a:t>Erdős</a:t>
+            </a:r>
+            <a:r>
               <a:rPr lang="en-US" dirty="0"/>
-              <a:t>Generally the exponent variable falls between 2.1 and 4</a:t>
+              <a:t>–</a:t>
+            </a:r>
+            <a:r>
+              <a:rPr lang="en-US" dirty="0" err="1"/>
+              <a:t>Rényi</a:t>
+            </a:r>
+            <a:endParaRPr lang="en-US" dirty="0"/>
+          </a:p>
+          <a:p>
+            <a:pPr lvl="1"/>
+            <a:r>
+              <a:rPr lang="en-US" dirty="0"/>
+              <a:t>Starts with N vertices and each vertex has an equal chance to attach to any other vertex with </a:t>
+            </a:r>
+            <a:r>
+              <a:rPr lang="en-US" dirty="0" err="1"/>
+              <a:t>probablility</a:t>
+            </a:r>
+            <a:r>
+              <a:rPr lang="en-US" dirty="0"/>
+              <a:t> p</a:t>
+            </a:r>
+          </a:p>
+          <a:p>
+            <a:pPr lvl="1"/>
+            <a:r>
+              <a:rPr lang="en-US" dirty="0"/>
+              <a:t>Follows a Poisson distribution</a:t>
+            </a:r>
+          </a:p>
+          <a:p>
+            <a:pPr lvl="2"/>
+            <a:r>
+              <a:rPr lang="en-US" dirty="0"/>
+              <a:t>Vertices have no affect on where other vertices connect</a:t>
+            </a:r>
+          </a:p>
+          <a:p>
+            <a:pPr lvl="2"/>
+            <a:r>
+              <a:rPr lang="en-US" dirty="0"/>
+              <a:t>Does not follow the power-law in scale-free networks</a:t>
+            </a:r>
+          </a:p>
+          <a:p>
+            <a:r>
+              <a:rPr lang="en-US" dirty="0"/>
+              <a:t>Watts-</a:t>
+            </a:r>
+            <a:r>
+              <a:rPr lang="en-US" dirty="0" err="1"/>
+              <a:t>Strogatz</a:t>
+            </a:r>
+            <a:r>
+              <a:rPr lang="en-US" dirty="0"/>
+              <a:t> </a:t>
+            </a:r>
+          </a:p>
+          <a:p>
+            <a:pPr lvl="1"/>
+            <a:r>
+              <a:rPr lang="en-US" dirty="0"/>
+              <a:t>Creates graphs with small-world properties</a:t>
+            </a:r>
+          </a:p>
+          <a:p>
+            <a:pPr lvl="2"/>
+            <a:r>
+              <a:rPr lang="en-US" dirty="0"/>
+              <a:t>Vertices are connected with their neighbors</a:t>
+            </a:r>
+          </a:p>
+          <a:p>
+            <a:pPr lvl="2"/>
+            <a:r>
+              <a:rPr lang="en-US" dirty="0"/>
+              <a:t>Each edge connects to the next vertices with </a:t>
+            </a:r>
+            <a:r>
+              <a:rPr lang="en-US" dirty="0" err="1"/>
+              <a:t>probablility</a:t>
+            </a:r>
+            <a:r>
+              <a:rPr lang="en-US" dirty="0"/>
+              <a:t> p</a:t>
+            </a:r>
+          </a:p>
+          <a:p>
+            <a:pPr lvl="1"/>
+            <a:r>
+              <a:rPr lang="en-US" dirty="0"/>
+              <a:t>Leading to six degrees of separation</a:t>
+            </a:r>
+          </a:p>
+          <a:p>
+            <a:pPr lvl="2"/>
+            <a:r>
+              <a:rPr lang="en-US" b="1" dirty="0"/>
+              <a:t>“Six degrees of separation</a:t>
+            </a:r>
+            <a:r>
+              <a:rPr lang="en-US" dirty="0"/>
+              <a:t> is the idea that all living things and everything else in the world are six or fewer steps away” (</a:t>
+            </a:r>
+            <a:r>
+              <a:rPr lang="en-US" dirty="0">
+                <a:hlinkClick r:id="rId3"/>
+              </a:rPr>
+              <a:t>https://en.wikipedia.org/wiki/Six_degrees_of_separation</a:t>
+            </a:r>
+            <a:r>
+              <a:rPr lang="en-US" dirty="0"/>
+              <a:t>)</a:t>
+            </a:r>
+          </a:p>
+          <a:p>
+            <a:pPr lvl="1"/>
+            <a:r>
+              <a:rPr lang="en-US" dirty="0"/>
+              <a:t>Also follows a Poisson distribution</a:t>
             </a:r>
           </a:p>
         </p:txBody>
@@ -4200,7 +4855,7 @@
     </p:spTree>
     <p:extLst>
       <p:ext uri="{BB962C8B-B14F-4D97-AF65-F5344CB8AC3E}">
-        <p14:creationId xmlns:p14="http://schemas.microsoft.com/office/powerpoint/2010/main" val="3844910140"/>
+        <p14:creationId xmlns:p14="http://schemas.microsoft.com/office/powerpoint/2010/main" val="2143160802"/>
       </p:ext>
     </p:extLst>
   </p:cSld>
@@ -4232,7 +4887,7 @@
           <p:cNvPr id="2" name="Title 1">
             <a:extLst>
               <a:ext uri="{FF2B5EF4-FFF2-40B4-BE49-F238E27FC236}">
-                <a16:creationId xmlns:a16="http://schemas.microsoft.com/office/drawing/2014/main" id="{6E8FF2E1-6A7D-4ECF-8D29-65FAC9D056DD}"/>
+                <a16:creationId xmlns:a16="http://schemas.microsoft.com/office/drawing/2014/main" id="{CABAE0FA-D5E4-4BBC-98A8-D6A054DC97C9}"/>
               </a:ext>
             </a:extLst>
           </p:cNvPr>
@@ -4245,12 +4900,14 @@
         </p:nvSpPr>
         <p:spPr/>
         <p:txBody>
-          <a:bodyPr/>
+          <a:bodyPr>
+            <a:normAutofit fontScale="90000"/>
+          </a:bodyPr>
           <a:lstStyle/>
           <a:p>
             <a:r>
               <a:rPr lang="en-US" dirty="0"/>
-              <a:t>Existing Models for complex topology</a:t>
+              <a:t>Fallacy of existing models for modeling networks with complex topology</a:t>
             </a:r>
           </a:p>
         </p:txBody>
@@ -4260,7 +4917,7 @@
           <p:cNvPr id="3" name="Content Placeholder 2">
             <a:extLst>
               <a:ext uri="{FF2B5EF4-FFF2-40B4-BE49-F238E27FC236}">
-                <a16:creationId xmlns:a16="http://schemas.microsoft.com/office/drawing/2014/main" id="{9DE0A452-352C-4487-9E7A-2A7757B54410}"/>
+                <a16:creationId xmlns:a16="http://schemas.microsoft.com/office/drawing/2014/main" id="{C3BD0041-66BC-4E5E-9BCB-ADD73917935E}"/>
               </a:ext>
             </a:extLst>
           </p:cNvPr>
@@ -4273,70 +4930,46 @@
         </p:nvSpPr>
         <p:spPr/>
         <p:txBody>
-          <a:bodyPr/>
-          <a:lstStyle/>
-          <a:p>
-            <a:r>
-              <a:rPr lang="en-US" dirty="0" err="1"/>
-              <a:t>Erdo˝s</a:t>
-            </a:r>
+          <a:bodyPr>
+            <a:normAutofit/>
+          </a:bodyPr>
+          <a:lstStyle/>
+          <a:p>
             <a:r>
               <a:rPr lang="en-US" dirty="0"/>
-              <a:t> and </a:t>
-            </a:r>
-            <a:r>
-              <a:rPr lang="en-US" dirty="0" err="1"/>
-              <a:t>Re´nyi</a:t>
-            </a:r>
+              <a:t>As vertices increase, the probability of being connected to any one particular vertex decreases exponentially</a:t>
+            </a:r>
+          </a:p>
+          <a:p>
             <a:r>
               <a:rPr lang="en-US" dirty="0"/>
-              <a:t> </a:t>
+              <a:t>In real world networks a high k occurs often.  Think of celebrities followed on Instagram or papers cited in academia</a:t>
+            </a:r>
+          </a:p>
+          <a:p>
+            <a:r>
+              <a:rPr lang="en-US" dirty="0"/>
+              <a:t>Both assume new vertices aren’t being added</a:t>
             </a:r>
           </a:p>
           <a:p>
             <a:pPr lvl="1"/>
             <a:r>
               <a:rPr lang="en-US" dirty="0"/>
-              <a:t>Assumes starting with N vertices and connect each pair of vertices with probability p</a:t>
+              <a:t>Real systems the number of vertices N is constantly increasing</a:t>
             </a:r>
           </a:p>
           <a:p>
             <a:r>
               <a:rPr lang="en-US" dirty="0"/>
-              <a:t>Watts and </a:t>
-            </a:r>
-            <a:r>
-              <a:rPr lang="en-US" dirty="0" err="1"/>
-              <a:t>Strogatz</a:t>
-            </a:r>
+              <a:t>Don’t take into account how new vertices prefer to connect to well established vertices</a:t>
+            </a:r>
+          </a:p>
+          <a:p>
+            <a:pPr lvl="1"/>
             <a:r>
               <a:rPr lang="en-US" dirty="0"/>
-              <a:t> </a:t>
-            </a:r>
-          </a:p>
-          <a:p>
-            <a:pPr lvl="1"/>
-            <a:r>
-              <a:rPr lang="en-US" dirty="0"/>
-              <a:t> N vertices form a one-dimensional lattice, each vertex being connected to its two nearest and next-nearest neighbors. With probability p, each edge is reconnected to a vertex chosen at random.</a:t>
-            </a:r>
-          </a:p>
-          <a:p>
-            <a:pPr lvl="1"/>
-            <a:r>
-              <a:rPr lang="en-US" dirty="0"/>
-              <a:t>Leading to six degrees of separation</a:t>
-            </a:r>
-          </a:p>
-          <a:p>
-            <a:pPr lvl="2"/>
-            <a:r>
-              <a:rPr lang="en-US" b="1" dirty="0"/>
-              <a:t>Six degrees of separation</a:t>
-            </a:r>
-            <a:r>
-              <a:rPr lang="en-US" dirty="0"/>
-              <a:t> is the idea that all living things and everything else in the world are six or fewer steps away (https://en.wikipedia.org/wiki/Six_degrees_of_separation)</a:t>
+              <a:t>Ex: a new actor is more likely to be case in a supporting role with an already established actor</a:t>
             </a:r>
           </a:p>
         </p:txBody>
@@ -4344,7 +4977,7 @@
     </p:spTree>
     <p:extLst>
       <p:ext uri="{BB962C8B-B14F-4D97-AF65-F5344CB8AC3E}">
-        <p14:creationId xmlns:p14="http://schemas.microsoft.com/office/powerpoint/2010/main" val="2143160802"/>
+        <p14:creationId xmlns:p14="http://schemas.microsoft.com/office/powerpoint/2010/main" val="3147715305"/>
       </p:ext>
     </p:extLst>
   </p:cSld>
@@ -4376,132 +5009,6 @@
           <p:cNvPr id="2" name="Title 1">
             <a:extLst>
               <a:ext uri="{FF2B5EF4-FFF2-40B4-BE49-F238E27FC236}">
-                <a16:creationId xmlns:a16="http://schemas.microsoft.com/office/drawing/2014/main" id="{CABAE0FA-D5E4-4BBC-98A8-D6A054DC97C9}"/>
-              </a:ext>
-            </a:extLst>
-          </p:cNvPr>
-          <p:cNvSpPr>
-            <a:spLocks noGrp="1"/>
-          </p:cNvSpPr>
-          <p:nvPr>
-            <p:ph type="title"/>
-          </p:nvPr>
-        </p:nvSpPr>
-        <p:spPr/>
-        <p:txBody>
-          <a:bodyPr/>
-          <a:lstStyle/>
-          <a:p>
-            <a:r>
-              <a:rPr lang="en-US" dirty="0"/>
-              <a:t>Fallacy of existing models</a:t>
-            </a:r>
-          </a:p>
-        </p:txBody>
-      </p:sp>
-      <p:sp>
-        <p:nvSpPr>
-          <p:cNvPr id="3" name="Content Placeholder 2">
-            <a:extLst>
-              <a:ext uri="{FF2B5EF4-FFF2-40B4-BE49-F238E27FC236}">
-                <a16:creationId xmlns:a16="http://schemas.microsoft.com/office/drawing/2014/main" id="{C3BD0041-66BC-4E5E-9BCB-ADD73917935E}"/>
-              </a:ext>
-            </a:extLst>
-          </p:cNvPr>
-          <p:cNvSpPr>
-            <a:spLocks noGrp="1"/>
-          </p:cNvSpPr>
-          <p:nvPr>
-            <p:ph idx="1"/>
-          </p:nvPr>
-        </p:nvSpPr>
-        <p:spPr/>
-        <p:txBody>
-          <a:bodyPr>
-            <a:normAutofit fontScale="85000" lnSpcReduction="20000"/>
-          </a:bodyPr>
-          <a:lstStyle/>
-          <a:p>
-            <a:r>
-              <a:rPr lang="en-US" dirty="0"/>
-              <a:t> A common feature of the ER and WS models is that the probability of finding a highly connected vertex (that is, a large k) decreases exponentially with k; thus, vertices with large connectivity are practically absent</a:t>
-            </a:r>
-          </a:p>
-          <a:p>
-            <a:r>
-              <a:rPr lang="en-US" dirty="0"/>
-              <a:t>The power-law tail characterizing P(k) for the networks studied indicates that highly connected vertices have a large chance of occurring</a:t>
-            </a:r>
-          </a:p>
-          <a:p>
-            <a:r>
-              <a:rPr lang="en-US" dirty="0"/>
-              <a:t>In real world networks a high k occurs often.  Think of celebrities followed on Instagram or papers cited in academia</a:t>
-            </a:r>
-          </a:p>
-          <a:p>
-            <a:r>
-              <a:rPr lang="en-US" dirty="0"/>
-              <a:t>Both assume that we start with a fixed number N, that are then randomly connected or reconnected without modifying N</a:t>
-            </a:r>
-          </a:p>
-          <a:p>
-            <a:pPr lvl="1"/>
-            <a:r>
-              <a:rPr lang="en-US" dirty="0"/>
-              <a:t>Real systems the number of vertices N is constantly increasing</a:t>
-            </a:r>
-          </a:p>
-          <a:p>
-            <a:r>
-              <a:rPr lang="en-US" dirty="0"/>
-              <a:t>Assume connectivity is random and uniform, when in reality the connectivity of new nodes have preferential connectivity</a:t>
-            </a:r>
-          </a:p>
-          <a:p>
-            <a:pPr lvl="1"/>
-            <a:r>
-              <a:rPr lang="en-US" dirty="0"/>
-              <a:t>Ex: a new actor is more likely to be case in a supporting role with an already established actor</a:t>
-            </a:r>
-          </a:p>
-        </p:txBody>
-      </p:sp>
-    </p:spTree>
-    <p:extLst>
-      <p:ext uri="{BB962C8B-B14F-4D97-AF65-F5344CB8AC3E}">
-        <p14:creationId xmlns:p14="http://schemas.microsoft.com/office/powerpoint/2010/main" val="3147715305"/>
-      </p:ext>
-    </p:extLst>
-  </p:cSld>
-  <p:clrMapOvr>
-    <a:masterClrMapping/>
-  </p:clrMapOvr>
-</p:sld>
-</file>
-
-<file path=ppt/slides/slide14.xml><?xml version="1.0" encoding="utf-8"?>
-<p:sld xmlns:a="http://schemas.openxmlformats.org/drawingml/2006/main" xmlns:r="http://schemas.openxmlformats.org/officeDocument/2006/relationships" xmlns:p="http://schemas.openxmlformats.org/presentationml/2006/main">
-  <p:cSld>
-    <p:spTree>
-      <p:nvGrpSpPr>
-        <p:cNvPr id="1" name=""/>
-        <p:cNvGrpSpPr/>
-        <p:nvPr/>
-      </p:nvGrpSpPr>
-      <p:grpSpPr>
-        <a:xfrm>
-          <a:off x="0" y="0"/>
-          <a:ext cx="0" cy="0"/>
-          <a:chOff x="0" y="0"/>
-          <a:chExt cx="0" cy="0"/>
-        </a:xfrm>
-      </p:grpSpPr>
-      <p:sp>
-        <p:nvSpPr>
-          <p:cNvPr id="2" name="Title 1">
-            <a:extLst>
-              <a:ext uri="{FF2B5EF4-FFF2-40B4-BE49-F238E27FC236}">
                 <a16:creationId xmlns:a16="http://schemas.microsoft.com/office/drawing/2014/main" id="{9E003FD4-C14D-4E93-87EF-6A1F46EBC702}"/>
               </a:ext>
             </a:extLst>
@@ -4515,12 +5022,14 @@
         </p:nvSpPr>
         <p:spPr/>
         <p:txBody>
-          <a:bodyPr/>
+          <a:bodyPr>
+            <a:normAutofit/>
+          </a:bodyPr>
           <a:lstStyle/>
           <a:p>
             <a:r>
               <a:rPr lang="en-US" dirty="0"/>
-              <a:t>New equation based off connecting new vertices to existing, well established vertices</a:t>
+              <a:t>Create model based preferential treatment of vertices</a:t>
             </a:r>
           </a:p>
         </p:txBody>
@@ -4625,12 +5134,6 @@
                   <a:t>Have to devise an equation that fits that distribution, where some are above and some are below that general probability</a:t>
                 </a:r>
               </a:p>
-              <a:p>
-                <a:r>
-                  <a:rPr lang="en-US" dirty="0"/>
-                  <a:t>“rich-get-richer” phenomenon </a:t>
-                </a:r>
-              </a:p>
             </p:txBody>
           </p:sp>
         </mc:Choice>
@@ -4655,7 +5158,7 @@
               <a:blipFill>
                 <a:blip r:embed="rId2"/>
                 <a:stretch>
-                  <a:fillRect l="-1043" t="-2241" r="-1391"/>
+                  <a:fillRect l="-142" t="-1120" r="-355"/>
                 </a:stretch>
               </a:blipFill>
             </p:spPr>
@@ -4687,6 +5190,433 @@
 </p:sld>
 </file>
 
+<file path=ppt/slides/slide14.xml><?xml version="1.0" encoding="utf-8"?>
+<p:sld xmlns:a="http://schemas.openxmlformats.org/drawingml/2006/main" xmlns:r="http://schemas.openxmlformats.org/officeDocument/2006/relationships" xmlns:p="http://schemas.openxmlformats.org/presentationml/2006/main">
+  <p:cSld>
+    <p:spTree>
+      <p:nvGrpSpPr>
+        <p:cNvPr id="1" name=""/>
+        <p:cNvGrpSpPr/>
+        <p:nvPr/>
+      </p:nvGrpSpPr>
+      <p:grpSpPr>
+        <a:xfrm>
+          <a:off x="0" y="0"/>
+          <a:ext cx="0" cy="0"/>
+          <a:chOff x="0" y="0"/>
+          <a:chExt cx="0" cy="0"/>
+        </a:xfrm>
+      </p:grpSpPr>
+      <p:sp>
+        <p:nvSpPr>
+          <p:cNvPr id="2" name="Title 1">
+            <a:extLst>
+              <a:ext uri="{FF2B5EF4-FFF2-40B4-BE49-F238E27FC236}">
+                <a16:creationId xmlns:a16="http://schemas.microsoft.com/office/drawing/2014/main" id="{493ACED2-5A94-48A2-A2CB-11C520788162}"/>
+              </a:ext>
+            </a:extLst>
+          </p:cNvPr>
+          <p:cNvSpPr>
+            <a:spLocks noGrp="1"/>
+          </p:cNvSpPr>
+          <p:nvPr>
+            <p:ph type="title"/>
+          </p:nvPr>
+        </p:nvSpPr>
+        <p:spPr/>
+        <p:txBody>
+          <a:bodyPr/>
+          <a:lstStyle/>
+          <a:p>
+            <a:r>
+              <a:rPr lang="en-US" dirty="0"/>
+              <a:t>Model creation steps</a:t>
+            </a:r>
+          </a:p>
+        </p:txBody>
+      </p:sp>
+      <mc:AlternateContent xmlns:mc="http://schemas.openxmlformats.org/markup-compatibility/2006">
+        <mc:Choice xmlns:a14="http://schemas.microsoft.com/office/drawing/2010/main" Requires="a14">
+          <p:sp>
+            <p:nvSpPr>
+              <p:cNvPr id="3" name="Content Placeholder 2">
+                <a:extLst>
+                  <a:ext uri="{FF2B5EF4-FFF2-40B4-BE49-F238E27FC236}">
+                    <a16:creationId xmlns:a16="http://schemas.microsoft.com/office/drawing/2014/main" id="{D351910A-2972-41F5-8CFB-CE24A9037234}"/>
+                  </a:ext>
+                </a:extLst>
+              </p:cNvPr>
+              <p:cNvSpPr>
+                <a:spLocks noGrp="1"/>
+              </p:cNvSpPr>
+              <p:nvPr>
+                <p:ph idx="1"/>
+              </p:nvPr>
+            </p:nvSpPr>
+            <p:spPr/>
+            <p:txBody>
+              <a:bodyPr/>
+              <a:lstStyle/>
+              <a:p>
+                <a:r>
+                  <a:rPr lang="en-US" dirty="0"/>
+                  <a:t>Starts with a small amount of </a:t>
+                </a:r>
+                <a14:m>
+                  <m:oMath xmlns:m="http://schemas.openxmlformats.org/officeDocument/2006/math">
+                    <m:sSub>
+                      <m:sSubPr>
+                        <m:ctrlPr>
+                          <a:rPr lang="en-US" i="1" smtClean="0">
+                            <a:latin typeface="Cambria Math" panose="02040503050406030204" pitchFamily="18" charset="0"/>
+                          </a:rPr>
+                        </m:ctrlPr>
+                      </m:sSubPr>
+                      <m:e>
+                        <m:r>
+                          <a:rPr lang="en-US" b="0" i="1" smtClean="0">
+                            <a:latin typeface="Cambria Math" panose="02040503050406030204" pitchFamily="18" charset="0"/>
+                          </a:rPr>
+                          <m:t>𝑚</m:t>
+                        </m:r>
+                      </m:e>
+                      <m:sub>
+                        <m:r>
+                          <a:rPr lang="en-US" b="0" i="1" smtClean="0">
+                            <a:latin typeface="Cambria Math" panose="02040503050406030204" pitchFamily="18" charset="0"/>
+                          </a:rPr>
+                          <m:t>0</m:t>
+                        </m:r>
+                      </m:sub>
+                    </m:sSub>
+                  </m:oMath>
+                </a14:m>
+                <a:r>
+                  <a:rPr lang="en-US" dirty="0"/>
+                  <a:t> vertices</a:t>
+                </a:r>
+              </a:p>
+              <a:p>
+                <a:r>
+                  <a:rPr lang="en-US" dirty="0"/>
+                  <a:t>Each step add a vertex with an amount of edges smaller than previous vertices </a:t>
+                </a:r>
+                <a14:m>
+                  <m:oMath xmlns:m="http://schemas.openxmlformats.org/officeDocument/2006/math">
+                    <m:r>
+                      <a:rPr lang="en-US" b="0" i="1" smtClean="0">
+                        <a:latin typeface="Cambria Math" panose="02040503050406030204" pitchFamily="18" charset="0"/>
+                      </a:rPr>
+                      <m:t>𝑚</m:t>
+                    </m:r>
+                    <m:r>
+                      <a:rPr lang="en-US" b="0" i="1" smtClean="0">
+                        <a:latin typeface="Cambria Math" panose="02040503050406030204" pitchFamily="18" charset="0"/>
+                      </a:rPr>
+                      <m:t>(≤</m:t>
+                    </m:r>
+                    <m:sSub>
+                      <m:sSubPr>
+                        <m:ctrlPr>
+                          <a:rPr lang="en-US" b="0" i="1" smtClean="0">
+                            <a:latin typeface="Cambria Math" panose="02040503050406030204" pitchFamily="18" charset="0"/>
+                            <a:ea typeface="Cambria Math" panose="02040503050406030204" pitchFamily="18" charset="0"/>
+                          </a:rPr>
+                        </m:ctrlPr>
+                      </m:sSubPr>
+                      <m:e>
+                        <m:r>
+                          <a:rPr lang="en-US" b="0" i="1" smtClean="0">
+                            <a:latin typeface="Cambria Math" panose="02040503050406030204" pitchFamily="18" charset="0"/>
+                            <a:ea typeface="Cambria Math" panose="02040503050406030204" pitchFamily="18" charset="0"/>
+                          </a:rPr>
+                          <m:t>𝑚</m:t>
+                        </m:r>
+                      </m:e>
+                      <m:sub>
+                        <m:r>
+                          <a:rPr lang="en-US" b="0" i="1" smtClean="0">
+                            <a:latin typeface="Cambria Math" panose="02040503050406030204" pitchFamily="18" charset="0"/>
+                            <a:ea typeface="Cambria Math" panose="02040503050406030204" pitchFamily="18" charset="0"/>
+                          </a:rPr>
+                          <m:t>0</m:t>
+                        </m:r>
+                      </m:sub>
+                    </m:sSub>
+                    <m:r>
+                      <a:rPr lang="en-US" b="0" i="1" smtClean="0">
+                        <a:latin typeface="Cambria Math" panose="02040503050406030204" pitchFamily="18" charset="0"/>
+                        <a:ea typeface="Cambria Math" panose="02040503050406030204" pitchFamily="18" charset="0"/>
+                      </a:rPr>
+                      <m:t>)</m:t>
+                    </m:r>
+                  </m:oMath>
+                </a14:m>
+                <a:endParaRPr lang="en-US" dirty="0"/>
+              </a:p>
+              <a:p>
+                <a:r>
+                  <a:rPr lang="en-US" dirty="0"/>
+                  <a:t>Gives a higher chance for a new vertex to attach to a well established vertex</a:t>
+                </a:r>
+              </a:p>
+              <a:p>
+                <a:pPr lvl="1"/>
+                <a:r>
+                  <a:rPr lang="en-US" dirty="0"/>
+                  <a:t>The % chance to attach to a vertex is determined by taking the edges for the given vertex and dividing it by the total number of edges</a:t>
+                </a:r>
+              </a:p>
+              <a:p>
+                <a:pPr lvl="1"/>
+                <a14:m>
+                  <m:oMath xmlns:m="http://schemas.openxmlformats.org/officeDocument/2006/math">
+                    <m:r>
+                      <m:rPr>
+                        <m:nor/>
+                      </m:rPr>
+                      <a:rPr lang="en-US"/>
+                      <m:t>∏</m:t>
+                    </m:r>
+                    <m:r>
+                      <m:rPr>
+                        <m:nor/>
+                      </m:rPr>
+                      <a:rPr lang="en-US" b="0" i="0" smtClean="0"/>
+                      <m:t>(</m:t>
+                    </m:r>
+                    <m:sSub>
+                      <m:sSubPr>
+                        <m:ctrlPr>
+                          <a:rPr lang="en-US" b="0" i="1" smtClean="0">
+                            <a:latin typeface="Cambria Math" panose="02040503050406030204" pitchFamily="18" charset="0"/>
+                          </a:rPr>
+                        </m:ctrlPr>
+                      </m:sSubPr>
+                      <m:e>
+                        <m:r>
+                          <a:rPr lang="en-US" b="0" i="1" smtClean="0">
+                            <a:latin typeface="Cambria Math" panose="02040503050406030204" pitchFamily="18" charset="0"/>
+                          </a:rPr>
+                          <m:t>𝑘</m:t>
+                        </m:r>
+                      </m:e>
+                      <m:sub>
+                        <m:r>
+                          <a:rPr lang="en-US" b="0" i="1" smtClean="0">
+                            <a:latin typeface="Cambria Math" panose="02040503050406030204" pitchFamily="18" charset="0"/>
+                          </a:rPr>
+                          <m:t>𝑖</m:t>
+                        </m:r>
+                      </m:sub>
+                    </m:sSub>
+                    <m:r>
+                      <a:rPr lang="en-US" b="0" i="1" smtClean="0">
+                        <a:latin typeface="Cambria Math" panose="02040503050406030204" pitchFamily="18" charset="0"/>
+                      </a:rPr>
+                      <m:t>)=</m:t>
+                    </m:r>
+                    <m:f>
+                      <m:fPr>
+                        <m:ctrlPr>
+                          <a:rPr lang="en-US" b="0" i="1" smtClean="0">
+                            <a:latin typeface="Cambria Math" panose="02040503050406030204" pitchFamily="18" charset="0"/>
+                          </a:rPr>
+                        </m:ctrlPr>
+                      </m:fPr>
+                      <m:num>
+                        <m:sSub>
+                          <m:sSubPr>
+                            <m:ctrlPr>
+                              <a:rPr lang="en-US" b="0" i="1" smtClean="0">
+                                <a:latin typeface="Cambria Math" panose="02040503050406030204" pitchFamily="18" charset="0"/>
+                              </a:rPr>
+                            </m:ctrlPr>
+                          </m:sSubPr>
+                          <m:e>
+                            <m:r>
+                              <a:rPr lang="en-US" b="0" i="1" smtClean="0">
+                                <a:latin typeface="Cambria Math" panose="02040503050406030204" pitchFamily="18" charset="0"/>
+                              </a:rPr>
+                              <m:t>𝑘</m:t>
+                            </m:r>
+                          </m:e>
+                          <m:sub>
+                            <m:r>
+                              <a:rPr lang="en-US" b="0" i="1" smtClean="0">
+                                <a:latin typeface="Cambria Math" panose="02040503050406030204" pitchFamily="18" charset="0"/>
+                              </a:rPr>
+                              <m:t>𝑖</m:t>
+                            </m:r>
+                          </m:sub>
+                        </m:sSub>
+                      </m:num>
+                      <m:den>
+                        <m:nary>
+                          <m:naryPr>
+                            <m:chr m:val="∑"/>
+                            <m:supHide m:val="on"/>
+                            <m:ctrlPr>
+                              <a:rPr lang="en-US" b="0" i="1" smtClean="0">
+                                <a:latin typeface="Cambria Math" panose="02040503050406030204" pitchFamily="18" charset="0"/>
+                              </a:rPr>
+                            </m:ctrlPr>
+                          </m:naryPr>
+                          <m:sub>
+                            <m:r>
+                              <m:rPr>
+                                <m:brk m:alnAt="7"/>
+                              </m:rPr>
+                              <a:rPr lang="en-US" b="0" i="1" smtClean="0">
+                                <a:latin typeface="Cambria Math" panose="02040503050406030204" pitchFamily="18" charset="0"/>
+                              </a:rPr>
+                              <m:t>𝑗</m:t>
+                            </m:r>
+                          </m:sub>
+                          <m:sup/>
+                          <m:e>
+                            <m:sSub>
+                              <m:sSubPr>
+                                <m:ctrlPr>
+                                  <a:rPr lang="en-US" b="0" i="1" smtClean="0">
+                                    <a:latin typeface="Cambria Math" panose="02040503050406030204" pitchFamily="18" charset="0"/>
+                                  </a:rPr>
+                                </m:ctrlPr>
+                              </m:sSubPr>
+                              <m:e>
+                                <m:r>
+                                  <a:rPr lang="en-US" b="0" i="1" smtClean="0">
+                                    <a:latin typeface="Cambria Math" panose="02040503050406030204" pitchFamily="18" charset="0"/>
+                                  </a:rPr>
+                                  <m:t>𝑘</m:t>
+                                </m:r>
+                              </m:e>
+                              <m:sub>
+                                <m:r>
+                                  <a:rPr lang="en-US" b="0" i="1" smtClean="0">
+                                    <a:latin typeface="Cambria Math" panose="02040503050406030204" pitchFamily="18" charset="0"/>
+                                  </a:rPr>
+                                  <m:t>𝑗</m:t>
+                                </m:r>
+                              </m:sub>
+                            </m:sSub>
+                          </m:e>
+                        </m:nary>
+                      </m:den>
+                    </m:f>
+                  </m:oMath>
+                </a14:m>
+                <a:endParaRPr lang="en-US" dirty="0"/>
+              </a:p>
+              <a:p>
+                <a:r>
+                  <a:rPr lang="en-US" dirty="0"/>
+                  <a:t>Over time the model had a power law with exponent variable </a:t>
+                </a:r>
+              </a:p>
+              <a:p>
+                <a:pPr lvl="1"/>
+                <a14:m>
+                  <m:oMath xmlns:m="http://schemas.openxmlformats.org/officeDocument/2006/math">
+                    <m:sSub>
+                      <m:sSubPr>
+                        <m:ctrlPr>
+                          <a:rPr lang="en-US" i="1" smtClean="0">
+                            <a:latin typeface="Cambria Math" panose="02040503050406030204" pitchFamily="18" charset="0"/>
+                          </a:rPr>
+                        </m:ctrlPr>
+                      </m:sSubPr>
+                      <m:e>
+                        <m:r>
+                          <a:rPr lang="en-US" i="1" smtClean="0">
+                            <a:latin typeface="Cambria Math" panose="02040503050406030204" pitchFamily="18" charset="0"/>
+                            <a:ea typeface="Cambria Math" panose="02040503050406030204" pitchFamily="18" charset="0"/>
+                          </a:rPr>
+                          <m:t>𝛾</m:t>
+                        </m:r>
+                      </m:e>
+                      <m:sub>
+                        <m:r>
+                          <a:rPr lang="en-US" b="0" i="1" smtClean="0">
+                            <a:latin typeface="Cambria Math" panose="02040503050406030204" pitchFamily="18" charset="0"/>
+                          </a:rPr>
+                          <m:t>𝑚𝑜𝑑𝑒𝑙</m:t>
+                        </m:r>
+                      </m:sub>
+                    </m:sSub>
+                    <m:r>
+                      <a:rPr lang="en-US" b="0" i="1" smtClean="0">
+                        <a:latin typeface="Cambria Math" panose="02040503050406030204" pitchFamily="18" charset="0"/>
+                      </a:rPr>
+                      <m:t>=2.9</m:t>
+                    </m:r>
+                    <m:r>
+                      <a:rPr lang="en-US" b="0" i="1" smtClean="0">
+                        <a:latin typeface="Cambria Math" panose="02040503050406030204" pitchFamily="18" charset="0"/>
+                        <a:ea typeface="Cambria Math" panose="02040503050406030204" pitchFamily="18" charset="0"/>
+                      </a:rPr>
+                      <m:t>±0.1</m:t>
+                    </m:r>
+                  </m:oMath>
+                </a14:m>
+                <a:endParaRPr lang="en-US" dirty="0"/>
+              </a:p>
+            </p:txBody>
+          </p:sp>
+        </mc:Choice>
+        <mc:Fallback>
+          <p:sp>
+            <p:nvSpPr>
+              <p:cNvPr id="3" name="Content Placeholder 2">
+                <a:extLst>
+                  <a:ext uri="{FF2B5EF4-FFF2-40B4-BE49-F238E27FC236}">
+                    <a16:creationId xmlns:a16="http://schemas.microsoft.com/office/drawing/2014/main" id="{D351910A-2972-41F5-8CFB-CE24A9037234}"/>
+                  </a:ext>
+                </a:extLst>
+              </p:cNvPr>
+              <p:cNvSpPr>
+                <a:spLocks noGrp="1" noRot="1" noChangeAspect="1" noMove="1" noResize="1" noEditPoints="1" noAdjustHandles="1" noChangeArrowheads="1" noChangeShapeType="1" noTextEdit="1"/>
+              </p:cNvSpPr>
+              <p:nvPr>
+                <p:ph idx="1"/>
+              </p:nvPr>
+            </p:nvSpPr>
+            <p:spPr>
+              <a:blipFill>
+                <a:blip r:embed="rId2"/>
+                <a:stretch>
+                  <a:fillRect l="-142" t="-1120"/>
+                </a:stretch>
+              </a:blipFill>
+            </p:spPr>
+            <p:txBody>
+              <a:bodyPr/>
+              <a:lstStyle/>
+              <a:p>
+                <a:r>
+                  <a:rPr lang="en-US">
+                    <a:noFill/>
+                  </a:rPr>
+                  <a:t> </a:t>
+                </a:r>
+              </a:p>
+            </p:txBody>
+          </p:sp>
+        </mc:Fallback>
+      </mc:AlternateContent>
+    </p:spTree>
+    <p:extLst>
+      <p:ext uri="{BB962C8B-B14F-4D97-AF65-F5344CB8AC3E}">
+        <p14:creationId xmlns:p14="http://schemas.microsoft.com/office/powerpoint/2010/main" val="596620399"/>
+      </p:ext>
+    </p:extLst>
+  </p:cSld>
+  <p:clrMapOvr>
+    <a:masterClrMapping/>
+  </p:clrMapOvr>
+</p:sld>
+</file>
+
 <file path=ppt/slides/slide15.xml><?xml version="1.0" encoding="utf-8"?>
 <p:sld xmlns:a="http://schemas.openxmlformats.org/drawingml/2006/main" xmlns:r="http://schemas.openxmlformats.org/officeDocument/2006/relationships" xmlns:p="http://schemas.openxmlformats.org/presentationml/2006/main">
   <p:cSld>
@@ -4709,7 +5639,7 @@
           <p:cNvPr id="2" name="Title 1">
             <a:extLst>
               <a:ext uri="{FF2B5EF4-FFF2-40B4-BE49-F238E27FC236}">
-                <a16:creationId xmlns:a16="http://schemas.microsoft.com/office/drawing/2014/main" id="{B7CC12BA-E9D0-41B1-AB84-4F42F691D83D}"/>
+                <a16:creationId xmlns:a16="http://schemas.microsoft.com/office/drawing/2014/main" id="{AD625577-35B3-43A8-B67A-CAA698C85A59}"/>
               </a:ext>
             </a:extLst>
           </p:cNvPr>
@@ -4722,54 +5652,394 @@
         </p:nvSpPr>
         <p:spPr/>
         <p:txBody>
-          <a:bodyPr/>
+          <a:bodyPr>
+            <a:normAutofit fontScale="90000"/>
+          </a:bodyPr>
           <a:lstStyle/>
           <a:p>
             <a:r>
               <a:rPr lang="en-US" dirty="0"/>
-              <a:t>Strength 1</a:t>
-            </a:r>
-          </a:p>
-        </p:txBody>
-      </p:sp>
-      <p:sp>
-        <p:nvSpPr>
-          <p:cNvPr id="3" name="Content Placeholder 2">
-            <a:extLst>
-              <a:ext uri="{FF2B5EF4-FFF2-40B4-BE49-F238E27FC236}">
-                <a16:creationId xmlns:a16="http://schemas.microsoft.com/office/drawing/2014/main" id="{9E41210F-988E-4F6F-A7F8-2A9B6A220B78}"/>
-              </a:ext>
-            </a:extLst>
-          </p:cNvPr>
-          <p:cNvSpPr>
-            <a:spLocks noGrp="1"/>
-          </p:cNvSpPr>
-          <p:nvPr>
-            <p:ph idx="1"/>
-          </p:nvPr>
-        </p:nvSpPr>
-        <p:spPr/>
-        <p:txBody>
-          <a:bodyPr/>
-          <a:lstStyle/>
-          <a:p>
-            <a:r>
-              <a:rPr lang="en-US" dirty="0"/>
-              <a:t>Gives examples of networks with lots of vertices and relatively small amount of vertices and did analysis of both</a:t>
-            </a:r>
-          </a:p>
-          <a:p>
-            <a:r>
-              <a:rPr lang="en-US" dirty="0"/>
-              <a:t>Helped the reader see a good example of the range of the exponent variable as well give the reader a reference for estimating the exponent variable for a system they might be studying</a:t>
-            </a:r>
-          </a:p>
-        </p:txBody>
-      </p:sp>
+              <a:t>Developing models to prove add new nodes and adding based on preferential treatment is necessary</a:t>
+            </a:r>
+          </a:p>
+        </p:txBody>
+      </p:sp>
+      <mc:AlternateContent xmlns:mc="http://schemas.openxmlformats.org/markup-compatibility/2006">
+        <mc:Choice xmlns:a14="http://schemas.microsoft.com/office/drawing/2010/main" Requires="a14">
+          <p:sp>
+            <p:nvSpPr>
+              <p:cNvPr id="3" name="Content Placeholder 2">
+                <a:extLst>
+                  <a:ext uri="{FF2B5EF4-FFF2-40B4-BE49-F238E27FC236}">
+                    <a16:creationId xmlns:a16="http://schemas.microsoft.com/office/drawing/2014/main" id="{FC4C78AD-57AF-4E55-8832-81631C0199DC}"/>
+                  </a:ext>
+                </a:extLst>
+              </p:cNvPr>
+              <p:cNvSpPr>
+                <a:spLocks noGrp="1"/>
+              </p:cNvSpPr>
+              <p:nvPr>
+                <p:ph idx="1"/>
+              </p:nvPr>
+            </p:nvSpPr>
+            <p:spPr/>
+            <p:txBody>
+              <a:bodyPr/>
+              <a:lstStyle/>
+              <a:p>
+                <a:r>
+                  <a:rPr lang="en-US" dirty="0"/>
+                  <a:t>Model without preferential treatment</a:t>
+                </a:r>
+              </a:p>
+              <a:p>
+                <a:pPr lvl="1"/>
+                <a:r>
+                  <a:rPr lang="en-US" dirty="0"/>
+                  <a:t>Changed the model to show how preferential attachment matters when a network is developing</a:t>
+                </a:r>
+              </a:p>
+              <a:p>
+                <a:pPr lvl="1"/>
+                <a:r>
+                  <a:rPr lang="en-US" dirty="0"/>
+                  <a:t>Made the chance for a new vertex to any existing vertex a constant</a:t>
+                </a:r>
+              </a:p>
+              <a:p>
+                <a:pPr lvl="2"/>
+                <a14:m>
+                  <m:oMath xmlns:m="http://schemas.openxmlformats.org/officeDocument/2006/math">
+                    <m:r>
+                      <m:rPr>
+                        <m:nor/>
+                      </m:rPr>
+                      <a:rPr lang="en-US"/>
+                      <m:t>∏</m:t>
+                    </m:r>
+                    <m:r>
+                      <m:rPr>
+                        <m:nor/>
+                      </m:rPr>
+                      <a:rPr lang="en-US" b="0" i="0" smtClean="0"/>
+                      <m:t>(</m:t>
+                    </m:r>
+                    <m:r>
+                      <m:rPr>
+                        <m:nor/>
+                      </m:rPr>
+                      <a:rPr lang="en-US" b="0" i="0" smtClean="0"/>
+                      <m:t>k</m:t>
+                    </m:r>
+                    <m:r>
+                      <m:rPr>
+                        <m:nor/>
+                      </m:rPr>
+                      <a:rPr lang="en-US" b="0" i="0" smtClean="0"/>
+                      <m:t>)=</m:t>
+                    </m:r>
+                    <m:r>
+                      <m:rPr>
+                        <m:nor/>
+                      </m:rPr>
+                      <a:rPr lang="en-US" b="0" i="0" smtClean="0"/>
+                      <m:t>const</m:t>
+                    </m:r>
+                    <m:r>
+                      <m:rPr>
+                        <m:nor/>
+                      </m:rPr>
+                      <a:rPr lang="en-US" b="0" i="0" smtClean="0"/>
+                      <m:t>=</m:t>
+                    </m:r>
+                    <m:f>
+                      <m:fPr>
+                        <m:ctrlPr>
+                          <a:rPr lang="en-US" b="0" i="1" smtClean="0">
+                            <a:latin typeface="Cambria Math" panose="02040503050406030204" pitchFamily="18" charset="0"/>
+                          </a:rPr>
+                        </m:ctrlPr>
+                      </m:fPr>
+                      <m:num>
+                        <m:r>
+                          <a:rPr lang="en-US" b="0" i="1" smtClean="0">
+                            <a:latin typeface="Cambria Math" panose="02040503050406030204" pitchFamily="18" charset="0"/>
+                          </a:rPr>
+                          <m:t>1</m:t>
+                        </m:r>
+                      </m:num>
+                      <m:den>
+                        <m:sSub>
+                          <m:sSubPr>
+                            <m:ctrlPr>
+                              <a:rPr lang="en-US" b="0" i="1" smtClean="0">
+                                <a:latin typeface="Cambria Math" panose="02040503050406030204" pitchFamily="18" charset="0"/>
+                              </a:rPr>
+                            </m:ctrlPr>
+                          </m:sSubPr>
+                          <m:e>
+                            <m:r>
+                              <a:rPr lang="en-US" b="0" i="1" smtClean="0">
+                                <a:latin typeface="Cambria Math" panose="02040503050406030204" pitchFamily="18" charset="0"/>
+                              </a:rPr>
+                              <m:t>𝑚</m:t>
+                            </m:r>
+                          </m:e>
+                          <m:sub>
+                            <m:r>
+                              <a:rPr lang="en-US" b="0" i="1" smtClean="0">
+                                <a:latin typeface="Cambria Math" panose="02040503050406030204" pitchFamily="18" charset="0"/>
+                              </a:rPr>
+                              <m:t>0</m:t>
+                            </m:r>
+                          </m:sub>
+                        </m:sSub>
+                        <m:r>
+                          <a:rPr lang="en-US" b="0" i="1" smtClean="0">
+                            <a:latin typeface="Cambria Math" panose="02040503050406030204" pitchFamily="18" charset="0"/>
+                          </a:rPr>
+                          <m:t>+</m:t>
+                        </m:r>
+                        <m:r>
+                          <a:rPr lang="en-US" b="0" i="1" smtClean="0">
+                            <a:latin typeface="Cambria Math" panose="02040503050406030204" pitchFamily="18" charset="0"/>
+                          </a:rPr>
+                          <m:t>𝑡</m:t>
+                        </m:r>
+                        <m:r>
+                          <a:rPr lang="en-US" b="0" i="1" smtClean="0">
+                            <a:latin typeface="Cambria Math" panose="02040503050406030204" pitchFamily="18" charset="0"/>
+                          </a:rPr>
+                          <m:t>−1</m:t>
+                        </m:r>
+                      </m:den>
+                    </m:f>
+                  </m:oMath>
+                </a14:m>
+                <a:endParaRPr lang="en-US" dirty="0"/>
+              </a:p>
+              <a:p>
+                <a:pPr lvl="1"/>
+                <a:r>
+                  <a:rPr lang="en-US" dirty="0"/>
+                  <a:t>Found that eventually the connectivity of nodes does not follow power-law</a:t>
+                </a:r>
+              </a:p>
+              <a:p>
+                <a:r>
+                  <a:rPr lang="en-US" dirty="0"/>
+                  <a:t>Model without new nodes added</a:t>
+                </a:r>
+              </a:p>
+              <a:p>
+                <a:pPr lvl="1"/>
+                <a:r>
+                  <a:rPr lang="en-US" dirty="0"/>
+                  <a:t>Start with N vertices and no edges</a:t>
+                </a:r>
+              </a:p>
+              <a:p>
+                <a:pPr lvl="2"/>
+                <a:r>
+                  <a:rPr lang="en-US" dirty="0"/>
+                  <a:t>New vertices are not added</a:t>
+                </a:r>
+              </a:p>
+              <a:p>
+                <a:pPr lvl="1"/>
+                <a:r>
+                  <a:rPr lang="en-US" dirty="0"/>
+                  <a:t>Connect vertices with </a:t>
+                </a:r>
+                <a14:m>
+                  <m:oMath xmlns:m="http://schemas.openxmlformats.org/officeDocument/2006/math">
+                    <m:r>
+                      <m:rPr>
+                        <m:nor/>
+                      </m:rPr>
+                      <a:rPr lang="en-US"/>
+                      <m:t>∏(</m:t>
+                    </m:r>
+                    <m:sSub>
+                      <m:sSubPr>
+                        <m:ctrlPr>
+                          <a:rPr lang="en-US" i="1">
+                            <a:latin typeface="Cambria Math" panose="02040503050406030204" pitchFamily="18" charset="0"/>
+                          </a:rPr>
+                        </m:ctrlPr>
+                      </m:sSubPr>
+                      <m:e>
+                        <m:r>
+                          <a:rPr lang="en-US" i="1">
+                            <a:latin typeface="Cambria Math" panose="02040503050406030204" pitchFamily="18" charset="0"/>
+                          </a:rPr>
+                          <m:t>𝑘</m:t>
+                        </m:r>
+                      </m:e>
+                      <m:sub>
+                        <m:r>
+                          <a:rPr lang="en-US" i="1">
+                            <a:latin typeface="Cambria Math" panose="02040503050406030204" pitchFamily="18" charset="0"/>
+                          </a:rPr>
+                          <m:t>𝑖</m:t>
+                        </m:r>
+                      </m:sub>
+                    </m:sSub>
+                    <m:r>
+                      <a:rPr lang="en-US" i="1">
+                        <a:latin typeface="Cambria Math" panose="02040503050406030204" pitchFamily="18" charset="0"/>
+                      </a:rPr>
+                      <m:t>)=</m:t>
+                    </m:r>
+                    <m:f>
+                      <m:fPr>
+                        <m:ctrlPr>
+                          <a:rPr lang="en-US" i="1">
+                            <a:latin typeface="Cambria Math" panose="02040503050406030204" pitchFamily="18" charset="0"/>
+                          </a:rPr>
+                        </m:ctrlPr>
+                      </m:fPr>
+                      <m:num>
+                        <m:sSub>
+                          <m:sSubPr>
+                            <m:ctrlPr>
+                              <a:rPr lang="en-US" i="1">
+                                <a:latin typeface="Cambria Math" panose="02040503050406030204" pitchFamily="18" charset="0"/>
+                              </a:rPr>
+                            </m:ctrlPr>
+                          </m:sSubPr>
+                          <m:e>
+                            <m:r>
+                              <a:rPr lang="en-US" i="1">
+                                <a:latin typeface="Cambria Math" panose="02040503050406030204" pitchFamily="18" charset="0"/>
+                              </a:rPr>
+                              <m:t>𝑘</m:t>
+                            </m:r>
+                          </m:e>
+                          <m:sub>
+                            <m:r>
+                              <a:rPr lang="en-US" i="1">
+                                <a:latin typeface="Cambria Math" panose="02040503050406030204" pitchFamily="18" charset="0"/>
+                              </a:rPr>
+                              <m:t>𝑖</m:t>
+                            </m:r>
+                          </m:sub>
+                        </m:sSub>
+                      </m:num>
+                      <m:den>
+                        <m:nary>
+                          <m:naryPr>
+                            <m:chr m:val="∑"/>
+                            <m:supHide m:val="on"/>
+                            <m:ctrlPr>
+                              <a:rPr lang="en-US" i="1">
+                                <a:latin typeface="Cambria Math" panose="02040503050406030204" pitchFamily="18" charset="0"/>
+                              </a:rPr>
+                            </m:ctrlPr>
+                          </m:naryPr>
+                          <m:sub>
+                            <m:r>
+                              <m:rPr>
+                                <m:brk m:alnAt="7"/>
+                              </m:rPr>
+                              <a:rPr lang="en-US" i="1">
+                                <a:latin typeface="Cambria Math" panose="02040503050406030204" pitchFamily="18" charset="0"/>
+                              </a:rPr>
+                              <m:t>𝑗</m:t>
+                            </m:r>
+                          </m:sub>
+                          <m:sup/>
+                          <m:e>
+                            <m:sSub>
+                              <m:sSubPr>
+                                <m:ctrlPr>
+                                  <a:rPr lang="en-US" i="1">
+                                    <a:latin typeface="Cambria Math" panose="02040503050406030204" pitchFamily="18" charset="0"/>
+                                  </a:rPr>
+                                </m:ctrlPr>
+                              </m:sSubPr>
+                              <m:e>
+                                <m:r>
+                                  <a:rPr lang="en-US" i="1">
+                                    <a:latin typeface="Cambria Math" panose="02040503050406030204" pitchFamily="18" charset="0"/>
+                                  </a:rPr>
+                                  <m:t>𝑘</m:t>
+                                </m:r>
+                              </m:e>
+                              <m:sub>
+                                <m:r>
+                                  <a:rPr lang="en-US" i="1">
+                                    <a:latin typeface="Cambria Math" panose="02040503050406030204" pitchFamily="18" charset="0"/>
+                                  </a:rPr>
+                                  <m:t>𝑗</m:t>
+                                </m:r>
+                              </m:sub>
+                            </m:sSub>
+                          </m:e>
+                        </m:nary>
+                      </m:den>
+                    </m:f>
+                  </m:oMath>
+                </a14:m>
+                <a:r>
+                  <a:rPr lang="en-US" dirty="0"/>
+                  <a:t> (preferential treatment)</a:t>
+                </a:r>
+              </a:p>
+              <a:p>
+                <a:pPr lvl="1"/>
+                <a:r>
+                  <a:rPr lang="en-US" dirty="0"/>
+                  <a:t>Find that the model follows power law at the beginning, but without new nodes eventually does not</a:t>
+                </a:r>
+              </a:p>
+            </p:txBody>
+          </p:sp>
+        </mc:Choice>
+        <mc:Fallback>
+          <p:sp>
+            <p:nvSpPr>
+              <p:cNvPr id="3" name="Content Placeholder 2">
+                <a:extLst>
+                  <a:ext uri="{FF2B5EF4-FFF2-40B4-BE49-F238E27FC236}">
+                    <a16:creationId xmlns:a16="http://schemas.microsoft.com/office/drawing/2014/main" id="{FC4C78AD-57AF-4E55-8832-81631C0199DC}"/>
+                  </a:ext>
+                </a:extLst>
+              </p:cNvPr>
+              <p:cNvSpPr>
+                <a:spLocks noGrp="1" noRot="1" noChangeAspect="1" noMove="1" noResize="1" noEditPoints="1" noAdjustHandles="1" noChangeArrowheads="1" noChangeShapeType="1" noTextEdit="1"/>
+              </p:cNvSpPr>
+              <p:nvPr>
+                <p:ph idx="1"/>
+              </p:nvPr>
+            </p:nvSpPr>
+            <p:spPr>
+              <a:blipFill>
+                <a:blip r:embed="rId2"/>
+                <a:stretch>
+                  <a:fillRect l="-142" t="-980"/>
+                </a:stretch>
+              </a:blipFill>
+            </p:spPr>
+            <p:txBody>
+              <a:bodyPr/>
+              <a:lstStyle/>
+              <a:p>
+                <a:r>
+                  <a:rPr lang="en-US">
+                    <a:noFill/>
+                  </a:rPr>
+                  <a:t> </a:t>
+                </a:r>
+              </a:p>
+            </p:txBody>
+          </p:sp>
+        </mc:Fallback>
+      </mc:AlternateContent>
     </p:spTree>
     <p:extLst>
       <p:ext uri="{BB962C8B-B14F-4D97-AF65-F5344CB8AC3E}">
-        <p14:creationId xmlns:p14="http://schemas.microsoft.com/office/powerpoint/2010/main" val="646189694"/>
+        <p14:creationId xmlns:p14="http://schemas.microsoft.com/office/powerpoint/2010/main" val="3340734734"/>
       </p:ext>
     </p:extLst>
   </p:cSld>
@@ -4801,7 +6071,7 @@
           <p:cNvPr id="2" name="Title 1">
             <a:extLst>
               <a:ext uri="{FF2B5EF4-FFF2-40B4-BE49-F238E27FC236}">
-                <a16:creationId xmlns:a16="http://schemas.microsoft.com/office/drawing/2014/main" id="{BC9249B8-B6CD-4F01-81CD-3EA781B7138B}"/>
+                <a16:creationId xmlns:a16="http://schemas.microsoft.com/office/drawing/2014/main" id="{126DD808-2808-436A-9992-CB9A18DC1E6B}"/>
               </a:ext>
             </a:extLst>
           </p:cNvPr>
@@ -4819,55 +6089,596 @@
           <a:p>
             <a:r>
               <a:rPr lang="en-US" dirty="0"/>
-              <a:t>Strength 2</a:t>
-            </a:r>
-          </a:p>
-        </p:txBody>
-      </p:sp>
-      <p:sp>
-        <p:nvSpPr>
-          <p:cNvPr id="3" name="Content Placeholder 2">
+              <a:t>Model results</a:t>
+            </a:r>
+          </a:p>
+        </p:txBody>
+      </p:sp>
+      <p:pic>
+        <p:nvPicPr>
+          <p:cNvPr id="4" name="Content Placeholder 3">
             <a:extLst>
               <a:ext uri="{FF2B5EF4-FFF2-40B4-BE49-F238E27FC236}">
-                <a16:creationId xmlns:a16="http://schemas.microsoft.com/office/drawing/2014/main" id="{9E013E68-490C-4592-9D27-E1580E259AA3}"/>
+                <a16:creationId xmlns:a16="http://schemas.microsoft.com/office/drawing/2014/main" id="{F3942A67-E748-4C81-9785-2A857F66D708}"/>
               </a:ext>
             </a:extLst>
           </p:cNvPr>
-          <p:cNvSpPr>
-            <a:spLocks noGrp="1"/>
-          </p:cNvSpPr>
+          <p:cNvPicPr>
+            <a:picLocks noGrp="1" noChangeAspect="1"/>
+          </p:cNvPicPr>
           <p:nvPr>
             <p:ph idx="1"/>
           </p:nvPr>
-        </p:nvSpPr>
-        <p:spPr/>
-        <p:txBody>
-          <a:bodyPr/>
-          <a:lstStyle/>
-          <a:p>
-            <a:r>
-              <a:rPr lang="en-US" dirty="0"/>
-              <a:t>Takes the existing models and explains what is wrong with them and gives improvements to real systems</a:t>
-            </a:r>
-          </a:p>
-          <a:p>
-            <a:r>
-              <a:rPr lang="en-US" dirty="0"/>
-              <a:t>This shows that there is definitely more work to do in this field</a:t>
-            </a:r>
-          </a:p>
-          <a:p>
-            <a:r>
-              <a:rPr lang="en-US" dirty="0"/>
-              <a:t>Shows how their new findings relate to the real-world by using real, measurable examples</a:t>
-            </a:r>
-          </a:p>
-        </p:txBody>
-      </p:sp>
+        </p:nvPicPr>
+        <p:blipFill>
+          <a:blip r:embed="rId3"/>
+          <a:stretch>
+            <a:fillRect/>
+          </a:stretch>
+        </p:blipFill>
+        <p:spPr>
+          <a:xfrm>
+            <a:off x="6624958" y="3835152"/>
+            <a:ext cx="4329554" cy="2344985"/>
+          </a:xfrm>
+          <a:prstGeom prst="rect">
+            <a:avLst/>
+          </a:prstGeom>
+        </p:spPr>
+      </p:pic>
+      <p:pic>
+        <p:nvPicPr>
+          <p:cNvPr id="5" name="Content Placeholder 3">
+            <a:extLst>
+              <a:ext uri="{FF2B5EF4-FFF2-40B4-BE49-F238E27FC236}">
+                <a16:creationId xmlns:a16="http://schemas.microsoft.com/office/drawing/2014/main" id="{09A58A67-9CD9-4444-8321-59EE583E7B43}"/>
+              </a:ext>
+            </a:extLst>
+          </p:cNvPr>
+          <p:cNvPicPr>
+            <a:picLocks noChangeAspect="1"/>
+          </p:cNvPicPr>
+          <p:nvPr/>
+        </p:nvPicPr>
+        <p:blipFill>
+          <a:blip r:embed="rId4"/>
+          <a:stretch>
+            <a:fillRect/>
+          </a:stretch>
+        </p:blipFill>
+        <p:spPr>
+          <a:xfrm>
+            <a:off x="6396123" y="1490166"/>
+            <a:ext cx="4558389" cy="2344986"/>
+          </a:xfrm>
+          <a:prstGeom prst="rect">
+            <a:avLst/>
+          </a:prstGeom>
+        </p:spPr>
+      </p:pic>
+      <mc:AlternateContent xmlns:mc="http://schemas.openxmlformats.org/markup-compatibility/2006">
+        <mc:Choice xmlns:a14="http://schemas.microsoft.com/office/drawing/2010/main" Requires="a14">
+          <p:sp>
+            <p:nvSpPr>
+              <p:cNvPr id="6" name="Content Placeholder 2">
+                <a:extLst>
+                  <a:ext uri="{FF2B5EF4-FFF2-40B4-BE49-F238E27FC236}">
+                    <a16:creationId xmlns:a16="http://schemas.microsoft.com/office/drawing/2014/main" id="{2C218E12-ABD5-40F6-AC2A-8B03E6B1CD7A}"/>
+                  </a:ext>
+                </a:extLst>
+              </p:cNvPr>
+              <p:cNvSpPr txBox="1">
+                <a:spLocks/>
+              </p:cNvSpPr>
+              <p:nvPr/>
+            </p:nvSpPr>
+            <p:spPr>
+              <a:xfrm>
+                <a:off x="1261872" y="1828800"/>
+                <a:ext cx="5278887" cy="4351337"/>
+              </a:xfrm>
+              <a:prstGeom prst="rect">
+                <a:avLst/>
+              </a:prstGeom>
+            </p:spPr>
+            <p:txBody>
+              <a:bodyPr vert="horz" lIns="91440" tIns="45720" rIns="91440" bIns="45720" rtlCol="0">
+                <a:normAutofit fontScale="92500" lnSpcReduction="10000"/>
+              </a:bodyPr>
+              <a:lstStyle>
+                <a:lvl1pPr marL="182880" indent="-182880" algn="l" defTabSz="914400" rtl="0" eaLnBrk="1" latinLnBrk="0" hangingPunct="1">
+                  <a:lnSpc>
+                    <a:spcPct val="95000"/>
+                  </a:lnSpc>
+                  <a:spcBef>
+                    <a:spcPts val="1400"/>
+                  </a:spcBef>
+                  <a:spcAft>
+                    <a:spcPts val="200"/>
+                  </a:spcAft>
+                  <a:buClr>
+                    <a:schemeClr val="accent1"/>
+                  </a:buClr>
+                  <a:buSzPct val="80000"/>
+                  <a:buFont typeface="Arial" pitchFamily="34" charset="0"/>
+                  <a:buChar char="•"/>
+                  <a:defRPr sz="1800" kern="1200" spc="10" baseline="0">
+                    <a:solidFill>
+                      <a:schemeClr val="tx1"/>
+                    </a:solidFill>
+                    <a:latin typeface="+mn-lt"/>
+                    <a:ea typeface="+mn-ea"/>
+                    <a:cs typeface="+mn-cs"/>
+                  </a:defRPr>
+                </a:lvl1pPr>
+                <a:lvl2pPr marL="457200" indent="-182880" algn="l" defTabSz="914400" rtl="0" eaLnBrk="1" latinLnBrk="0" hangingPunct="1">
+                  <a:lnSpc>
+                    <a:spcPct val="90000"/>
+                  </a:lnSpc>
+                  <a:spcBef>
+                    <a:spcPts val="300"/>
+                  </a:spcBef>
+                  <a:spcAft>
+                    <a:spcPts val="300"/>
+                  </a:spcAft>
+                  <a:buClr>
+                    <a:schemeClr val="accent1"/>
+                  </a:buClr>
+                  <a:buFont typeface="Wingdings 2" pitchFamily="18" charset="2"/>
+                  <a:buChar char=""/>
+                  <a:defRPr sz="1600" kern="1200">
+                    <a:solidFill>
+                      <a:schemeClr val="tx1">
+                        <a:lumMod val="85000"/>
+                        <a:lumOff val="15000"/>
+                      </a:schemeClr>
+                    </a:solidFill>
+                    <a:latin typeface="+mn-lt"/>
+                    <a:ea typeface="+mn-ea"/>
+                    <a:cs typeface="+mn-cs"/>
+                  </a:defRPr>
+                </a:lvl2pPr>
+                <a:lvl3pPr marL="731520" indent="-182880" algn="l" defTabSz="914400" rtl="0" eaLnBrk="1" latinLnBrk="0" hangingPunct="1">
+                  <a:lnSpc>
+                    <a:spcPct val="90000"/>
+                  </a:lnSpc>
+                  <a:spcBef>
+                    <a:spcPts val="300"/>
+                  </a:spcBef>
+                  <a:spcAft>
+                    <a:spcPts val="300"/>
+                  </a:spcAft>
+                  <a:buClr>
+                    <a:schemeClr val="accent1"/>
+                  </a:buClr>
+                  <a:buFont typeface="Wingdings 2" pitchFamily="18" charset="2"/>
+                  <a:buChar char=""/>
+                  <a:defRPr sz="1400" kern="1200">
+                    <a:solidFill>
+                      <a:schemeClr val="tx1">
+                        <a:lumMod val="85000"/>
+                        <a:lumOff val="15000"/>
+                      </a:schemeClr>
+                    </a:solidFill>
+                    <a:latin typeface="+mn-lt"/>
+                    <a:ea typeface="+mn-ea"/>
+                    <a:cs typeface="+mn-cs"/>
+                  </a:defRPr>
+                </a:lvl3pPr>
+                <a:lvl4pPr marL="1005840" indent="-182880" algn="l" defTabSz="914400" rtl="0" eaLnBrk="1" latinLnBrk="0" hangingPunct="1">
+                  <a:lnSpc>
+                    <a:spcPct val="90000"/>
+                  </a:lnSpc>
+                  <a:spcBef>
+                    <a:spcPts val="300"/>
+                  </a:spcBef>
+                  <a:spcAft>
+                    <a:spcPts val="300"/>
+                  </a:spcAft>
+                  <a:buClr>
+                    <a:schemeClr val="accent1"/>
+                  </a:buClr>
+                  <a:buFont typeface="Wingdings 2" pitchFamily="18" charset="2"/>
+                  <a:buChar char=""/>
+                  <a:defRPr sz="1400" kern="1200">
+                    <a:solidFill>
+                      <a:schemeClr val="tx1">
+                        <a:lumMod val="85000"/>
+                        <a:lumOff val="15000"/>
+                      </a:schemeClr>
+                    </a:solidFill>
+                    <a:latin typeface="+mn-lt"/>
+                    <a:ea typeface="+mn-ea"/>
+                    <a:cs typeface="+mn-cs"/>
+                  </a:defRPr>
+                </a:lvl4pPr>
+                <a:lvl5pPr marL="1280160" indent="-182880" algn="l" defTabSz="914400" rtl="0" eaLnBrk="1" latinLnBrk="0" hangingPunct="1">
+                  <a:lnSpc>
+                    <a:spcPct val="90000"/>
+                  </a:lnSpc>
+                  <a:spcBef>
+                    <a:spcPts val="300"/>
+                  </a:spcBef>
+                  <a:spcAft>
+                    <a:spcPts val="300"/>
+                  </a:spcAft>
+                  <a:buClr>
+                    <a:schemeClr val="accent1"/>
+                  </a:buClr>
+                  <a:buFont typeface="Wingdings 2" pitchFamily="18" charset="2"/>
+                  <a:buChar char=""/>
+                  <a:defRPr sz="1400" kern="1200">
+                    <a:solidFill>
+                      <a:schemeClr val="tx1">
+                        <a:lumMod val="85000"/>
+                        <a:lumOff val="15000"/>
+                      </a:schemeClr>
+                    </a:solidFill>
+                    <a:latin typeface="+mn-lt"/>
+                    <a:ea typeface="+mn-ea"/>
+                    <a:cs typeface="+mn-cs"/>
+                  </a:defRPr>
+                </a:lvl5pPr>
+                <a:lvl6pPr marL="1600000" indent="-228600" algn="l" defTabSz="914400" rtl="0" eaLnBrk="1" latinLnBrk="0" hangingPunct="1">
+                  <a:lnSpc>
+                    <a:spcPct val="90000"/>
+                  </a:lnSpc>
+                  <a:spcBef>
+                    <a:spcPts val="300"/>
+                  </a:spcBef>
+                  <a:spcAft>
+                    <a:spcPts val="300"/>
+                  </a:spcAft>
+                  <a:buClr>
+                    <a:schemeClr val="accent1"/>
+                  </a:buClr>
+                  <a:buFont typeface="Wingdings 2" pitchFamily="18" charset="2"/>
+                  <a:buChar char=""/>
+                  <a:defRPr sz="1400" kern="1200">
+                    <a:solidFill>
+                      <a:schemeClr val="tx1">
+                        <a:lumMod val="85000"/>
+                        <a:lumOff val="15000"/>
+                      </a:schemeClr>
+                    </a:solidFill>
+                    <a:latin typeface="+mn-lt"/>
+                    <a:ea typeface="+mn-ea"/>
+                    <a:cs typeface="+mn-cs"/>
+                  </a:defRPr>
+                </a:lvl6pPr>
+                <a:lvl7pPr marL="1900000" indent="-228600" algn="l" defTabSz="914400" rtl="0" eaLnBrk="1" latinLnBrk="0" hangingPunct="1">
+                  <a:lnSpc>
+                    <a:spcPct val="90000"/>
+                  </a:lnSpc>
+                  <a:spcBef>
+                    <a:spcPts val="300"/>
+                  </a:spcBef>
+                  <a:spcAft>
+                    <a:spcPts val="300"/>
+                  </a:spcAft>
+                  <a:buClr>
+                    <a:schemeClr val="accent1"/>
+                  </a:buClr>
+                  <a:buFont typeface="Wingdings 2" pitchFamily="18" charset="2"/>
+                  <a:buChar char=""/>
+                  <a:defRPr sz="1400" kern="1200">
+                    <a:solidFill>
+                      <a:schemeClr val="tx1">
+                        <a:lumMod val="85000"/>
+                        <a:lumOff val="15000"/>
+                      </a:schemeClr>
+                    </a:solidFill>
+                    <a:latin typeface="+mn-lt"/>
+                    <a:ea typeface="+mn-ea"/>
+                    <a:cs typeface="+mn-cs"/>
+                  </a:defRPr>
+                </a:lvl7pPr>
+                <a:lvl8pPr marL="2200000" indent="-228600" algn="l" defTabSz="914400" rtl="0" eaLnBrk="1" latinLnBrk="0" hangingPunct="1">
+                  <a:lnSpc>
+                    <a:spcPct val="90000"/>
+                  </a:lnSpc>
+                  <a:spcBef>
+                    <a:spcPts val="300"/>
+                  </a:spcBef>
+                  <a:spcAft>
+                    <a:spcPts val="300"/>
+                  </a:spcAft>
+                  <a:buClr>
+                    <a:schemeClr val="accent1"/>
+                  </a:buClr>
+                  <a:buFont typeface="Wingdings 2" pitchFamily="18" charset="2"/>
+                  <a:buChar char=""/>
+                  <a:defRPr sz="1400" kern="1200">
+                    <a:solidFill>
+                      <a:schemeClr val="tx1">
+                        <a:lumMod val="85000"/>
+                        <a:lumOff val="15000"/>
+                      </a:schemeClr>
+                    </a:solidFill>
+                    <a:latin typeface="+mn-lt"/>
+                    <a:ea typeface="+mn-ea"/>
+                    <a:cs typeface="+mn-cs"/>
+                  </a:defRPr>
+                </a:lvl8pPr>
+                <a:lvl9pPr marL="2500000" indent="-228600" algn="l" defTabSz="914400" rtl="0" eaLnBrk="1" latinLnBrk="0" hangingPunct="1">
+                  <a:lnSpc>
+                    <a:spcPct val="90000"/>
+                  </a:lnSpc>
+                  <a:spcBef>
+                    <a:spcPts val="300"/>
+                  </a:spcBef>
+                  <a:spcAft>
+                    <a:spcPts val="300"/>
+                  </a:spcAft>
+                  <a:buClr>
+                    <a:schemeClr val="accent1"/>
+                  </a:buClr>
+                  <a:buFont typeface="Wingdings 2" pitchFamily="18" charset="2"/>
+                  <a:buChar char=""/>
+                  <a:defRPr sz="1400" kern="1200">
+                    <a:solidFill>
+                      <a:schemeClr val="tx1">
+                        <a:lumMod val="85000"/>
+                        <a:lumOff val="15000"/>
+                      </a:schemeClr>
+                    </a:solidFill>
+                    <a:latin typeface="+mn-lt"/>
+                    <a:ea typeface="+mn-ea"/>
+                    <a:cs typeface="+mn-cs"/>
+                  </a:defRPr>
+                </a:lvl9pPr>
+              </a:lstStyle>
+              <a:p>
+                <a:r>
+                  <a:rPr lang="en-US" dirty="0"/>
+                  <a:t>Top model is the correct power-law scaling of actual </a:t>
+                </a:r>
+              </a:p>
+              <a:p>
+                <a:r>
+                  <a:rPr lang="en-US" dirty="0"/>
+                  <a:t>Bottom results are the results when:</a:t>
+                </a:r>
+              </a:p>
+              <a:p>
+                <a:pPr lvl="1"/>
+                <a:r>
+                  <a:rPr lang="en-US" dirty="0"/>
+                  <a:t>A – no new vertices are added </a:t>
+                </a:r>
+              </a:p>
+              <a:p>
+                <a:pPr lvl="1"/>
+                <a:r>
+                  <a:rPr lang="en-US" dirty="0"/>
+                  <a:t>B – constant probability to attach to a vertex</a:t>
+                </a:r>
+              </a:p>
+              <a:p>
+                <a:pPr lvl="1"/>
+                <a:r>
+                  <a:rPr lang="en-US" dirty="0"/>
+                  <a:t>C – the connectivity of a vertex over time with power law scaling</a:t>
+                </a:r>
+              </a:p>
+              <a:p>
+                <a:pPr lvl="2"/>
+                <a:r>
+                  <a:rPr lang="en-US" dirty="0"/>
+                  <a:t>Shows a “rich-get-richer” phenomenon </a:t>
+                </a:r>
+              </a:p>
+              <a:p>
+                <a:r>
+                  <a:rPr lang="en-US" dirty="0"/>
+                  <a:t>Over time the connectivity of a network can be calculated as</a:t>
+                </a:r>
+              </a:p>
+              <a:p>
+                <a:pPr lvl="1"/>
+                <a14:m>
+                  <m:oMath xmlns:m="http://schemas.openxmlformats.org/officeDocument/2006/math">
+                    <m:r>
+                      <a:rPr lang="en-US" b="0" i="1" smtClean="0">
+                        <a:latin typeface="Cambria Math" panose="02040503050406030204" pitchFamily="18" charset="0"/>
+                      </a:rPr>
+                      <m:t>𝑃</m:t>
+                    </m:r>
+                    <m:d>
+                      <m:dPr>
+                        <m:ctrlPr>
+                          <a:rPr lang="en-US" b="0" i="1" smtClean="0">
+                            <a:latin typeface="Cambria Math" panose="02040503050406030204" pitchFamily="18" charset="0"/>
+                          </a:rPr>
+                        </m:ctrlPr>
+                      </m:dPr>
+                      <m:e>
+                        <m:r>
+                          <a:rPr lang="en-US" b="0" i="1" smtClean="0">
+                            <a:latin typeface="Cambria Math" panose="02040503050406030204" pitchFamily="18" charset="0"/>
+                          </a:rPr>
+                          <m:t>𝑘</m:t>
+                        </m:r>
+                      </m:e>
+                    </m:d>
+                    <m:r>
+                      <a:rPr lang="en-US" b="0" i="1" smtClean="0">
+                        <a:latin typeface="Cambria Math" panose="02040503050406030204" pitchFamily="18" charset="0"/>
+                      </a:rPr>
+                      <m:t>=</m:t>
+                    </m:r>
+                    <m:f>
+                      <m:fPr>
+                        <m:ctrlPr>
+                          <a:rPr lang="en-US" b="0" i="1" smtClean="0">
+                            <a:latin typeface="Cambria Math" panose="02040503050406030204" pitchFamily="18" charset="0"/>
+                          </a:rPr>
+                        </m:ctrlPr>
+                      </m:fPr>
+                      <m:num>
+                        <m:r>
+                          <a:rPr lang="en-US" b="0" i="1" smtClean="0">
+                            <a:latin typeface="Cambria Math" panose="02040503050406030204" pitchFamily="18" charset="0"/>
+                          </a:rPr>
+                          <m:t>2</m:t>
+                        </m:r>
+                        <m:sSup>
+                          <m:sSupPr>
+                            <m:ctrlPr>
+                              <a:rPr lang="en-US" b="0" i="1" smtClean="0">
+                                <a:latin typeface="Cambria Math" panose="02040503050406030204" pitchFamily="18" charset="0"/>
+                              </a:rPr>
+                            </m:ctrlPr>
+                          </m:sSupPr>
+                          <m:e>
+                            <m:r>
+                              <a:rPr lang="en-US" b="0" i="1" smtClean="0">
+                                <a:latin typeface="Cambria Math" panose="02040503050406030204" pitchFamily="18" charset="0"/>
+                              </a:rPr>
+                              <m:t>𝑚</m:t>
+                            </m:r>
+                          </m:e>
+                          <m:sup>
+                            <m:r>
+                              <a:rPr lang="en-US" b="0" i="1" smtClean="0">
+                                <a:latin typeface="Cambria Math" panose="02040503050406030204" pitchFamily="18" charset="0"/>
+                              </a:rPr>
+                              <m:t>2</m:t>
+                            </m:r>
+                          </m:sup>
+                        </m:sSup>
+                      </m:num>
+                      <m:den>
+                        <m:sSup>
+                          <m:sSupPr>
+                            <m:ctrlPr>
+                              <a:rPr lang="en-US" b="0" i="1" smtClean="0">
+                                <a:latin typeface="Cambria Math" panose="02040503050406030204" pitchFamily="18" charset="0"/>
+                              </a:rPr>
+                            </m:ctrlPr>
+                          </m:sSupPr>
+                          <m:e>
+                            <m:r>
+                              <a:rPr lang="en-US" b="0" i="1" smtClean="0">
+                                <a:latin typeface="Cambria Math" panose="02040503050406030204" pitchFamily="18" charset="0"/>
+                              </a:rPr>
+                              <m:t>𝑘</m:t>
+                            </m:r>
+                          </m:e>
+                          <m:sup>
+                            <m:r>
+                              <a:rPr lang="en-US" b="0" i="1" smtClean="0">
+                                <a:latin typeface="Cambria Math" panose="02040503050406030204" pitchFamily="18" charset="0"/>
+                              </a:rPr>
+                              <m:t>3</m:t>
+                            </m:r>
+                          </m:sup>
+                        </m:sSup>
+                      </m:den>
+                    </m:f>
+                  </m:oMath>
+                </a14:m>
+                <a:endParaRPr lang="en-US" dirty="0"/>
+              </a:p>
+              <a:p>
+                <a:pPr lvl="1"/>
+                <a:r>
+                  <a:rPr lang="en-US" dirty="0"/>
+                  <a:t>For the model gives </a:t>
+                </a:r>
+                <a14:m>
+                  <m:oMath xmlns:m="http://schemas.openxmlformats.org/officeDocument/2006/math">
+                    <m:r>
+                      <a:rPr lang="en-US" i="1" smtClean="0">
+                        <a:latin typeface="Cambria Math" panose="02040503050406030204" pitchFamily="18" charset="0"/>
+                        <a:ea typeface="Cambria Math" panose="02040503050406030204" pitchFamily="18" charset="0"/>
+                      </a:rPr>
+                      <m:t>𝛾</m:t>
+                    </m:r>
+                    <m:r>
+                      <a:rPr lang="en-US" b="0" i="1" smtClean="0">
+                        <a:latin typeface="Cambria Math" panose="02040503050406030204" pitchFamily="18" charset="0"/>
+                        <a:ea typeface="Cambria Math" panose="02040503050406030204" pitchFamily="18" charset="0"/>
+                      </a:rPr>
+                      <m:t>=3</m:t>
+                    </m:r>
+                  </m:oMath>
+                </a14:m>
+                <a:endParaRPr lang="en-US" dirty="0"/>
+              </a:p>
+              <a:p>
+                <a:pPr lvl="2"/>
+                <a:r>
+                  <a:rPr lang="en-US" dirty="0"/>
+                  <a:t>Fits the scale-free distribution</a:t>
+                </a:r>
+              </a:p>
+              <a:p>
+                <a:pPr lvl="2"/>
+                <a:r>
+                  <a:rPr lang="en-US" dirty="0"/>
+                  <a:t>Can’t account for intricacies of real-networks</a:t>
+                </a:r>
+              </a:p>
+              <a:p>
+                <a:pPr lvl="2"/>
+                <a:r>
+                  <a:rPr lang="en-US" dirty="0"/>
+                  <a:t>Doesn’t account for networks that also remove connections</a:t>
+                </a:r>
+              </a:p>
+            </p:txBody>
+          </p:sp>
+        </mc:Choice>
+        <mc:Fallback>
+          <p:sp>
+            <p:nvSpPr>
+              <p:cNvPr id="6" name="Content Placeholder 2">
+                <a:extLst>
+                  <a:ext uri="{FF2B5EF4-FFF2-40B4-BE49-F238E27FC236}">
+                    <a16:creationId xmlns:a16="http://schemas.microsoft.com/office/drawing/2014/main" id="{2C218E12-ABD5-40F6-AC2A-8B03E6B1CD7A}"/>
+                  </a:ext>
+                </a:extLst>
+              </p:cNvPr>
+              <p:cNvSpPr txBox="1">
+                <a:spLocks noRot="1" noChangeAspect="1" noMove="1" noResize="1" noEditPoints="1" noAdjustHandles="1" noChangeArrowheads="1" noChangeShapeType="1" noTextEdit="1"/>
+              </p:cNvSpPr>
+              <p:nvPr/>
+            </p:nvSpPr>
+            <p:spPr>
+              <a:xfrm>
+                <a:off x="1261872" y="1828800"/>
+                <a:ext cx="5278887" cy="4351337"/>
+              </a:xfrm>
+              <a:prstGeom prst="rect">
+                <a:avLst/>
+              </a:prstGeom>
+              <a:blipFill>
+                <a:blip r:embed="rId5"/>
+                <a:stretch>
+                  <a:fillRect l="-115" t="-1261" b="-140"/>
+                </a:stretch>
+              </a:blipFill>
+            </p:spPr>
+            <p:txBody>
+              <a:bodyPr/>
+              <a:lstStyle/>
+              <a:p>
+                <a:r>
+                  <a:rPr lang="en-US">
+                    <a:noFill/>
+                  </a:rPr>
+                  <a:t> </a:t>
+                </a:r>
+              </a:p>
+            </p:txBody>
+          </p:sp>
+        </mc:Fallback>
+      </mc:AlternateContent>
     </p:spTree>
     <p:extLst>
       <p:ext uri="{BB962C8B-B14F-4D97-AF65-F5344CB8AC3E}">
-        <p14:creationId xmlns:p14="http://schemas.microsoft.com/office/powerpoint/2010/main" val="2012162582"/>
+        <p14:creationId xmlns:p14="http://schemas.microsoft.com/office/powerpoint/2010/main" val="25947415"/>
       </p:ext>
     </p:extLst>
   </p:cSld>
@@ -4899,7 +6710,7 @@
           <p:cNvPr id="2" name="Title 1">
             <a:extLst>
               <a:ext uri="{FF2B5EF4-FFF2-40B4-BE49-F238E27FC236}">
-                <a16:creationId xmlns:a16="http://schemas.microsoft.com/office/drawing/2014/main" id="{412BF725-EBBE-4B16-9D08-5EA43A06D571}"/>
+                <a16:creationId xmlns:a16="http://schemas.microsoft.com/office/drawing/2014/main" id="{B7CC12BA-E9D0-41B1-AB84-4F42F691D83D}"/>
               </a:ext>
             </a:extLst>
           </p:cNvPr>
@@ -4917,7 +6728,7 @@
           <a:p>
             <a:r>
               <a:rPr lang="en-US" dirty="0"/>
-              <a:t>Strength 3</a:t>
+              <a:t>Strength 1</a:t>
             </a:r>
           </a:p>
         </p:txBody>
@@ -4927,7 +6738,7 @@
           <p:cNvPr id="3" name="Content Placeholder 2">
             <a:extLst>
               <a:ext uri="{FF2B5EF4-FFF2-40B4-BE49-F238E27FC236}">
-                <a16:creationId xmlns:a16="http://schemas.microsoft.com/office/drawing/2014/main" id="{876B6F13-7DA4-4EC6-AEAB-951F5EF8C310}"/>
+                <a16:creationId xmlns:a16="http://schemas.microsoft.com/office/drawing/2014/main" id="{9E41210F-988E-4F6F-A7F8-2A9B6A220B78}"/>
               </a:ext>
             </a:extLst>
           </p:cNvPr>
@@ -4943,14 +6754,23 @@
           <a:bodyPr/>
           <a:lstStyle/>
           <a:p>
-            <a:endParaRPr lang="en-US"/>
+            <a:r>
+              <a:rPr lang="en-US" dirty="0"/>
+              <a:t>Gives examples of networks with lots of vertices and relatively small amount of vertices and did analysis of both</a:t>
+            </a:r>
+          </a:p>
+          <a:p>
+            <a:r>
+              <a:rPr lang="en-US" dirty="0"/>
+              <a:t>Helped the reader see a good example of the range of the exponent variable as well give the reader a reference for estimating the exponent variable for a system they might be studying</a:t>
+            </a:r>
           </a:p>
         </p:txBody>
       </p:sp>
     </p:spTree>
     <p:extLst>
       <p:ext uri="{BB962C8B-B14F-4D97-AF65-F5344CB8AC3E}">
-        <p14:creationId xmlns:p14="http://schemas.microsoft.com/office/powerpoint/2010/main" val="1700241533"/>
+        <p14:creationId xmlns:p14="http://schemas.microsoft.com/office/powerpoint/2010/main" val="646189694"/>
       </p:ext>
     </p:extLst>
   </p:cSld>
@@ -4982,7 +6802,7 @@
           <p:cNvPr id="2" name="Title 1">
             <a:extLst>
               <a:ext uri="{FF2B5EF4-FFF2-40B4-BE49-F238E27FC236}">
-                <a16:creationId xmlns:a16="http://schemas.microsoft.com/office/drawing/2014/main" id="{EE4C501E-4A5E-4950-90D5-6FE04DED60FB}"/>
+                <a16:creationId xmlns:a16="http://schemas.microsoft.com/office/drawing/2014/main" id="{BC9249B8-B6CD-4F01-81CD-3EA781B7138B}"/>
               </a:ext>
             </a:extLst>
           </p:cNvPr>
@@ -5000,7 +6820,7 @@
           <a:p>
             <a:r>
               <a:rPr lang="en-US" dirty="0"/>
-              <a:t>Weakness 1</a:t>
+              <a:t>Strength 2</a:t>
             </a:r>
           </a:p>
         </p:txBody>
@@ -5010,7 +6830,7 @@
           <p:cNvPr id="3" name="Content Placeholder 2">
             <a:extLst>
               <a:ext uri="{FF2B5EF4-FFF2-40B4-BE49-F238E27FC236}">
-                <a16:creationId xmlns:a16="http://schemas.microsoft.com/office/drawing/2014/main" id="{7F925886-C4AC-4DE3-B6DD-7B7FF4594BE2}"/>
+                <a16:creationId xmlns:a16="http://schemas.microsoft.com/office/drawing/2014/main" id="{9E013E68-490C-4592-9D27-E1580E259AA3}"/>
               </a:ext>
             </a:extLst>
           </p:cNvPr>
@@ -5028,19 +6848,19 @@
           <a:p>
             <a:r>
               <a:rPr lang="en-US" dirty="0"/>
-              <a:t>Don’t explain the method of how they found the topology of the complex networks they analyzed</a:t>
+              <a:t>Takes the existing models and explains what is wrong with them and gives improvements to real systems</a:t>
             </a:r>
           </a:p>
           <a:p>
             <a:r>
               <a:rPr lang="en-US" dirty="0"/>
-              <a:t>Unable to determine how good their results were</a:t>
+              <a:t>This shows that there is definitely more work to do in this field</a:t>
             </a:r>
           </a:p>
           <a:p>
             <a:r>
               <a:rPr lang="en-US" dirty="0"/>
-              <a:t>Makes it difficult to replicate their findings</a:t>
+              <a:t>Shows how their new findings relate to the real-world by using real, measurable examples</a:t>
             </a:r>
           </a:p>
         </p:txBody>
@@ -5048,7 +6868,7 @@
     </p:spTree>
     <p:extLst>
       <p:ext uri="{BB962C8B-B14F-4D97-AF65-F5344CB8AC3E}">
-        <p14:creationId xmlns:p14="http://schemas.microsoft.com/office/powerpoint/2010/main" val="1490933926"/>
+        <p14:creationId xmlns:p14="http://schemas.microsoft.com/office/powerpoint/2010/main" val="2012162582"/>
       </p:ext>
     </p:extLst>
   </p:cSld>
@@ -5080,7 +6900,7 @@
           <p:cNvPr id="2" name="Title 1">
             <a:extLst>
               <a:ext uri="{FF2B5EF4-FFF2-40B4-BE49-F238E27FC236}">
-                <a16:creationId xmlns:a16="http://schemas.microsoft.com/office/drawing/2014/main" id="{E94AE765-5BB2-4B78-83F5-265410D66140}"/>
+                <a16:creationId xmlns:a16="http://schemas.microsoft.com/office/drawing/2014/main" id="{412BF725-EBBE-4B16-9D08-5EA43A06D571}"/>
               </a:ext>
             </a:extLst>
           </p:cNvPr>
@@ -5098,7 +6918,7 @@
           <a:p>
             <a:r>
               <a:rPr lang="en-US" dirty="0"/>
-              <a:t>Weakness 2</a:t>
+              <a:t>Strength 3</a:t>
             </a:r>
           </a:p>
         </p:txBody>
@@ -5108,7 +6928,7 @@
           <p:cNvPr id="3" name="Content Placeholder 2">
             <a:extLst>
               <a:ext uri="{FF2B5EF4-FFF2-40B4-BE49-F238E27FC236}">
-                <a16:creationId xmlns:a16="http://schemas.microsoft.com/office/drawing/2014/main" id="{EC37E7D1-F561-42F3-B326-6BCF6D5E5F8B}"/>
+                <a16:creationId xmlns:a16="http://schemas.microsoft.com/office/drawing/2014/main" id="{876B6F13-7DA4-4EC6-AEAB-951F5EF8C310}"/>
               </a:ext>
             </a:extLst>
           </p:cNvPr>
@@ -5131,7 +6951,7 @@
     </p:spTree>
     <p:extLst>
       <p:ext uri="{BB962C8B-B14F-4D97-AF65-F5344CB8AC3E}">
-        <p14:creationId xmlns:p14="http://schemas.microsoft.com/office/powerpoint/2010/main" val="96959833"/>
+        <p14:creationId xmlns:p14="http://schemas.microsoft.com/office/powerpoint/2010/main" val="1700241533"/>
       </p:ext>
     </p:extLst>
   </p:cSld>
@@ -5202,19 +7022,14 @@
             <p:ph idx="1"/>
           </p:nvPr>
         </p:nvSpPr>
-        <p:spPr>
-          <a:xfrm>
-            <a:off x="838200" y="1825625"/>
-            <a:ext cx="10515600" cy="4351338"/>
-          </a:xfrm>
-        </p:spPr>
+        <p:spPr/>
         <p:txBody>
           <a:bodyPr/>
           <a:lstStyle/>
           <a:p>
             <a:r>
               <a:rPr lang="en-US" dirty="0"/>
-              <a:t>Gives methods for describing large expanding systems</a:t>
+              <a:t>Takes advantage of new technologies to predict model systems with complex topology</a:t>
             </a:r>
           </a:p>
           <a:p>
@@ -5232,17 +7047,8 @@
           <a:p>
             <a:r>
               <a:rPr lang="en-US" dirty="0"/>
-              <a:t>The paper gives equations for predicting exactly how these networks expand</a:t>
-            </a:r>
-          </a:p>
-          <a:p>
-            <a:r>
-              <a:rPr lang="en-US" dirty="0"/>
-              <a:t>The systems are referred to as Scale-free networks</a:t>
-            </a:r>
-          </a:p>
-          <a:p>
-            <a:endParaRPr lang="en-US" dirty="0"/>
+              <a:t>Creates a model which simulates these systems</a:t>
+            </a:r>
           </a:p>
           <a:p>
             <a:endParaRPr lang="en-US" dirty="0"/>
@@ -5284,7 +7090,7 @@
           <p:cNvPr id="2" name="Title 1">
             <a:extLst>
               <a:ext uri="{FF2B5EF4-FFF2-40B4-BE49-F238E27FC236}">
-                <a16:creationId xmlns:a16="http://schemas.microsoft.com/office/drawing/2014/main" id="{167BAE0A-133F-43B9-911E-03B080FB771E}"/>
+                <a16:creationId xmlns:a16="http://schemas.microsoft.com/office/drawing/2014/main" id="{EE4C501E-4A5E-4950-90D5-6FE04DED60FB}"/>
               </a:ext>
             </a:extLst>
           </p:cNvPr>
@@ -5302,7 +7108,7 @@
           <a:p>
             <a:r>
               <a:rPr lang="en-US" dirty="0"/>
-              <a:t>Weakness 3</a:t>
+              <a:t>Weakness 1</a:t>
             </a:r>
           </a:p>
         </p:txBody>
@@ -5312,7 +7118,7 @@
           <p:cNvPr id="3" name="Content Placeholder 2">
             <a:extLst>
               <a:ext uri="{FF2B5EF4-FFF2-40B4-BE49-F238E27FC236}">
-                <a16:creationId xmlns:a16="http://schemas.microsoft.com/office/drawing/2014/main" id="{021CA70C-0D18-415B-A6DB-AFD6DB430661}"/>
+                <a16:creationId xmlns:a16="http://schemas.microsoft.com/office/drawing/2014/main" id="{7F925886-C4AC-4DE3-B6DD-7B7FF4594BE2}"/>
               </a:ext>
             </a:extLst>
           </p:cNvPr>
@@ -5328,14 +7134,29 @@
           <a:bodyPr/>
           <a:lstStyle/>
           <a:p>
-            <a:endParaRPr lang="en-US"/>
+            <a:r>
+              <a:rPr lang="en-US" dirty="0"/>
+              <a:t>Don’t explain the method of how they found the topology of the complex networks they analyzed</a:t>
+            </a:r>
+          </a:p>
+          <a:p>
+            <a:r>
+              <a:rPr lang="en-US" dirty="0"/>
+              <a:t>Unable to determine how good their results were</a:t>
+            </a:r>
+          </a:p>
+          <a:p>
+            <a:r>
+              <a:rPr lang="en-US" dirty="0"/>
+              <a:t>Makes it difficult to replicate their findings</a:t>
+            </a:r>
           </a:p>
         </p:txBody>
       </p:sp>
     </p:spTree>
     <p:extLst>
       <p:ext uri="{BB962C8B-B14F-4D97-AF65-F5344CB8AC3E}">
-        <p14:creationId xmlns:p14="http://schemas.microsoft.com/office/powerpoint/2010/main" val="2571844273"/>
+        <p14:creationId xmlns:p14="http://schemas.microsoft.com/office/powerpoint/2010/main" val="1490933926"/>
       </p:ext>
     </p:extLst>
   </p:cSld>
@@ -5367,6 +7188,172 @@
           <p:cNvPr id="2" name="Title 1">
             <a:extLst>
               <a:ext uri="{FF2B5EF4-FFF2-40B4-BE49-F238E27FC236}">
+                <a16:creationId xmlns:a16="http://schemas.microsoft.com/office/drawing/2014/main" id="{E94AE765-5BB2-4B78-83F5-265410D66140}"/>
+              </a:ext>
+            </a:extLst>
+          </p:cNvPr>
+          <p:cNvSpPr>
+            <a:spLocks noGrp="1"/>
+          </p:cNvSpPr>
+          <p:nvPr>
+            <p:ph type="title"/>
+          </p:nvPr>
+        </p:nvSpPr>
+        <p:spPr/>
+        <p:txBody>
+          <a:bodyPr/>
+          <a:lstStyle/>
+          <a:p>
+            <a:r>
+              <a:rPr lang="en-US" dirty="0"/>
+              <a:t>Weakness 2</a:t>
+            </a:r>
+          </a:p>
+        </p:txBody>
+      </p:sp>
+      <p:sp>
+        <p:nvSpPr>
+          <p:cNvPr id="3" name="Content Placeholder 2">
+            <a:extLst>
+              <a:ext uri="{FF2B5EF4-FFF2-40B4-BE49-F238E27FC236}">
+                <a16:creationId xmlns:a16="http://schemas.microsoft.com/office/drawing/2014/main" id="{EC37E7D1-F561-42F3-B326-6BCF6D5E5F8B}"/>
+              </a:ext>
+            </a:extLst>
+          </p:cNvPr>
+          <p:cNvSpPr>
+            <a:spLocks noGrp="1"/>
+          </p:cNvSpPr>
+          <p:nvPr>
+            <p:ph idx="1"/>
+          </p:nvPr>
+        </p:nvSpPr>
+        <p:spPr/>
+        <p:txBody>
+          <a:bodyPr/>
+          <a:lstStyle/>
+          <a:p>
+            <a:endParaRPr lang="en-US"/>
+          </a:p>
+        </p:txBody>
+      </p:sp>
+    </p:spTree>
+    <p:extLst>
+      <p:ext uri="{BB962C8B-B14F-4D97-AF65-F5344CB8AC3E}">
+        <p14:creationId xmlns:p14="http://schemas.microsoft.com/office/powerpoint/2010/main" val="96959833"/>
+      </p:ext>
+    </p:extLst>
+  </p:cSld>
+  <p:clrMapOvr>
+    <a:masterClrMapping/>
+  </p:clrMapOvr>
+</p:sld>
+</file>
+
+<file path=ppt/slides/slide22.xml><?xml version="1.0" encoding="utf-8"?>
+<p:sld xmlns:a="http://schemas.openxmlformats.org/drawingml/2006/main" xmlns:r="http://schemas.openxmlformats.org/officeDocument/2006/relationships" xmlns:p="http://schemas.openxmlformats.org/presentationml/2006/main">
+  <p:cSld>
+    <p:spTree>
+      <p:nvGrpSpPr>
+        <p:cNvPr id="1" name=""/>
+        <p:cNvGrpSpPr/>
+        <p:nvPr/>
+      </p:nvGrpSpPr>
+      <p:grpSpPr>
+        <a:xfrm>
+          <a:off x="0" y="0"/>
+          <a:ext cx="0" cy="0"/>
+          <a:chOff x="0" y="0"/>
+          <a:chExt cx="0" cy="0"/>
+        </a:xfrm>
+      </p:grpSpPr>
+      <p:sp>
+        <p:nvSpPr>
+          <p:cNvPr id="2" name="Title 1">
+            <a:extLst>
+              <a:ext uri="{FF2B5EF4-FFF2-40B4-BE49-F238E27FC236}">
+                <a16:creationId xmlns:a16="http://schemas.microsoft.com/office/drawing/2014/main" id="{167BAE0A-133F-43B9-911E-03B080FB771E}"/>
+              </a:ext>
+            </a:extLst>
+          </p:cNvPr>
+          <p:cNvSpPr>
+            <a:spLocks noGrp="1"/>
+          </p:cNvSpPr>
+          <p:nvPr>
+            <p:ph type="title"/>
+          </p:nvPr>
+        </p:nvSpPr>
+        <p:spPr/>
+        <p:txBody>
+          <a:bodyPr/>
+          <a:lstStyle/>
+          <a:p>
+            <a:r>
+              <a:rPr lang="en-US" dirty="0"/>
+              <a:t>Weakness 3</a:t>
+            </a:r>
+          </a:p>
+        </p:txBody>
+      </p:sp>
+      <p:sp>
+        <p:nvSpPr>
+          <p:cNvPr id="3" name="Content Placeholder 2">
+            <a:extLst>
+              <a:ext uri="{FF2B5EF4-FFF2-40B4-BE49-F238E27FC236}">
+                <a16:creationId xmlns:a16="http://schemas.microsoft.com/office/drawing/2014/main" id="{021CA70C-0D18-415B-A6DB-AFD6DB430661}"/>
+              </a:ext>
+            </a:extLst>
+          </p:cNvPr>
+          <p:cNvSpPr>
+            <a:spLocks noGrp="1"/>
+          </p:cNvSpPr>
+          <p:nvPr>
+            <p:ph idx="1"/>
+          </p:nvPr>
+        </p:nvSpPr>
+        <p:spPr/>
+        <p:txBody>
+          <a:bodyPr/>
+          <a:lstStyle/>
+          <a:p>
+            <a:endParaRPr lang="en-US"/>
+          </a:p>
+        </p:txBody>
+      </p:sp>
+    </p:spTree>
+    <p:extLst>
+      <p:ext uri="{BB962C8B-B14F-4D97-AF65-F5344CB8AC3E}">
+        <p14:creationId xmlns:p14="http://schemas.microsoft.com/office/powerpoint/2010/main" val="2571844273"/>
+      </p:ext>
+    </p:extLst>
+  </p:cSld>
+  <p:clrMapOvr>
+    <a:masterClrMapping/>
+  </p:clrMapOvr>
+</p:sld>
+</file>
+
+<file path=ppt/slides/slide23.xml><?xml version="1.0" encoding="utf-8"?>
+<p:sld xmlns:a="http://schemas.openxmlformats.org/drawingml/2006/main" xmlns:r="http://schemas.openxmlformats.org/officeDocument/2006/relationships" xmlns:p="http://schemas.openxmlformats.org/presentationml/2006/main">
+  <p:cSld>
+    <p:spTree>
+      <p:nvGrpSpPr>
+        <p:cNvPr id="1" name=""/>
+        <p:cNvGrpSpPr/>
+        <p:nvPr/>
+      </p:nvGrpSpPr>
+      <p:grpSpPr>
+        <a:xfrm>
+          <a:off x="0" y="0"/>
+          <a:ext cx="0" cy="0"/>
+          <a:chOff x="0" y="0"/>
+          <a:chExt cx="0" cy="0"/>
+        </a:xfrm>
+      </p:grpSpPr>
+      <p:sp>
+        <p:nvSpPr>
+          <p:cNvPr id="2" name="Title 1">
+            <a:extLst>
+              <a:ext uri="{FF2B5EF4-FFF2-40B4-BE49-F238E27FC236}">
                 <a16:creationId xmlns:a16="http://schemas.microsoft.com/office/drawing/2014/main" id="{5D4F588D-78F3-46B1-BDB7-415CAC36CFF6}"/>
               </a:ext>
             </a:extLst>
@@ -5443,7 +7430,7 @@
 </p:sld>
 </file>
 
-<file path=ppt/slides/slide22.xml><?xml version="1.0" encoding="utf-8"?>
+<file path=ppt/slides/slide24.xml><?xml version="1.0" encoding="utf-8"?>
 <p:sld xmlns:a="http://schemas.openxmlformats.org/drawingml/2006/main" xmlns:r="http://schemas.openxmlformats.org/officeDocument/2006/relationships" xmlns:p="http://schemas.openxmlformats.org/presentationml/2006/main">
   <p:cSld>
     <p:spTree>
@@ -5590,7 +7577,7 @@
         <p:spPr/>
         <p:txBody>
           <a:bodyPr>
-            <a:normAutofit fontScale="92500" lnSpcReduction="20000"/>
+            <a:normAutofit/>
           </a:bodyPr>
           <a:lstStyle/>
           <a:p>
@@ -5756,7 +7743,7 @@
           <a:p>
             <a:r>
               <a:rPr lang="en-US" dirty="0"/>
-              <a:t>No good way to describe systems composed of nonidentical elements that have diverse and nonlocal interactions</a:t>
+              <a:t>No good way to describe these systems</a:t>
             </a:r>
           </a:p>
           <a:p>
@@ -5768,13 +7755,7 @@
           <a:p>
             <a:r>
               <a:rPr lang="en-US" dirty="0"/>
-              <a:t>Now large systems are well documented </a:t>
-            </a:r>
-          </a:p>
-          <a:p>
-            <a:r>
-              <a:rPr lang="en-US" dirty="0"/>
-              <a:t>Current models don’t consider the growth and preferential attachment of new vertices of the systems</a:t>
+              <a:t>Current models don’t consider the growth and in real systems new vertices tend to link more often to established vertices</a:t>
             </a:r>
           </a:p>
           <a:p>
@@ -5866,32 +7847,14 @@
           <a:p>
             <a:r>
               <a:rPr lang="en-US" dirty="0"/>
-              <a:t>Predict how networks with complex topology will grow</a:t>
+              <a:t>Make a model that simulates real networks that follow the scale free distribution</a:t>
             </a:r>
           </a:p>
           <a:p>
             <a:r>
               <a:rPr lang="en-US" dirty="0"/>
-              <a:t>Find where new vertices are added</a:t>
-            </a:r>
-          </a:p>
-          <a:p>
-            <a:r>
-              <a:rPr lang="en-US" dirty="0"/>
-              <a:t>Explain how these systems self organize</a:t>
-            </a:r>
-          </a:p>
-          <a:p>
-            <a:r>
-              <a:rPr lang="en-US" dirty="0"/>
-              <a:t>Expand upon current models of how networks with complex topology already exist, with how they expand and where new vertices want to attach themselves</a:t>
-            </a:r>
-          </a:p>
-          <a:p>
-            <a:pPr marL="0" indent="0">
-              <a:buNone/>
-            </a:pPr>
-            <a:endParaRPr lang="en-US" dirty="0"/>
+              <a:t>Show how current models fail when trying to model these networks</a:t>
+            </a:r>
           </a:p>
         </p:txBody>
       </p:sp>
@@ -6049,7 +8012,14 @@
                 </a14:m>
                 <a:r>
                   <a:rPr lang="en-US" dirty="0"/>
-                  <a:t> P(k) is the probability that a vertex in the network interacts with k other vertices</a:t>
+                  <a:t> </a:t>
+                </a:r>
+              </a:p>
+              <a:p>
+                <a:pPr lvl="1"/>
+                <a:r>
+                  <a:rPr lang="en-US" dirty="0"/>
+                  <a:t>P(k) is the probability that a vertex in the network interacts with k other vertices</a:t>
                 </a:r>
               </a:p>
               <a:p>
@@ -6086,9 +8056,9 @@
             </p:nvSpPr>
             <p:spPr>
               <a:blipFill>
-                <a:blip r:embed="rId2"/>
+                <a:blip r:embed="rId3"/>
                 <a:stretch>
-                  <a:fillRect l="-1043" t="-2241"/>
+                  <a:fillRect l="-142" t="-980"/>
                 </a:stretch>
               </a:blipFill>
             </p:spPr>
@@ -6208,7 +8178,7 @@
               <a:p>
                 <a:r>
                   <a:rPr lang="en-US" dirty="0"/>
-                  <a:t>K represents the number of edges adjacent to a given vertices</a:t>
+                  <a:t>K represents the number of edges adjacent to a given vertex</a:t>
                 </a:r>
               </a:p>
               <a:p>
@@ -6347,9 +8317,12 @@
                     </m:r>
                   </m:oMath>
                 </a14:m>
+                <a:endParaRPr lang="en-US" dirty="0"/>
+              </a:p>
+              <a:p>
                 <a:r>
                   <a:rPr lang="en-US" dirty="0"/>
-                  <a:t> </a:t>
+                  <a:t>N = 212,250 vertices </a:t>
                 </a:r>
               </a:p>
             </p:txBody>
@@ -6376,7 +8349,7 @@
               <a:blipFill>
                 <a:blip r:embed="rId2"/>
                 <a:stretch>
-                  <a:fillRect l="-1043" t="-2241"/>
+                  <a:fillRect l="-142" t="-980"/>
                 </a:stretch>
               </a:blipFill>
             </p:spPr>
@@ -6453,56 +8426,141 @@
           </a:p>
         </p:txBody>
       </p:sp>
-      <p:sp>
-        <p:nvSpPr>
-          <p:cNvPr id="3" name="Content Placeholder 2">
-            <a:extLst>
-              <a:ext uri="{FF2B5EF4-FFF2-40B4-BE49-F238E27FC236}">
-                <a16:creationId xmlns:a16="http://schemas.microsoft.com/office/drawing/2014/main" id="{10EBE264-009F-492D-A99F-03D728AA3CAA}"/>
-              </a:ext>
-            </a:extLst>
-          </p:cNvPr>
-          <p:cNvSpPr>
-            <a:spLocks noGrp="1"/>
-          </p:cNvSpPr>
-          <p:nvPr>
-            <p:ph idx="1"/>
-          </p:nvPr>
-        </p:nvSpPr>
-        <p:spPr/>
-        <p:txBody>
-          <a:bodyPr/>
-          <a:lstStyle/>
-          <a:p>
-            <a:r>
-              <a:rPr lang="en-US" dirty="0"/>
-              <a:t>Vertices are web pages</a:t>
-            </a:r>
-          </a:p>
-          <a:p>
-            <a:r>
-              <a:rPr lang="en-US" dirty="0"/>
-              <a:t>Edges are links</a:t>
-            </a:r>
-          </a:p>
-          <a:p>
-            <a:r>
-              <a:rPr lang="en-US" dirty="0"/>
-              <a:t>Used bots to comb the web to collect hyperlinks to other web pages</a:t>
-            </a:r>
-          </a:p>
-          <a:p>
-            <a:r>
-              <a:rPr lang="en-US" dirty="0" err="1"/>
-              <a:t>Ywww</a:t>
-            </a:r>
-            <a:r>
-              <a:rPr lang="en-US" dirty="0"/>
-              <a:t> = 2.1 +- 0.1</a:t>
-            </a:r>
-          </a:p>
-        </p:txBody>
-      </p:sp>
+      <mc:AlternateContent xmlns:mc="http://schemas.openxmlformats.org/markup-compatibility/2006">
+        <mc:Choice xmlns:a14="http://schemas.microsoft.com/office/drawing/2010/main" Requires="a14">
+          <p:sp>
+            <p:nvSpPr>
+              <p:cNvPr id="3" name="Content Placeholder 2">
+                <a:extLst>
+                  <a:ext uri="{FF2B5EF4-FFF2-40B4-BE49-F238E27FC236}">
+                    <a16:creationId xmlns:a16="http://schemas.microsoft.com/office/drawing/2014/main" id="{10EBE264-009F-492D-A99F-03D728AA3CAA}"/>
+                  </a:ext>
+                </a:extLst>
+              </p:cNvPr>
+              <p:cNvSpPr>
+                <a:spLocks noGrp="1"/>
+              </p:cNvSpPr>
+              <p:nvPr>
+                <p:ph idx="1"/>
+              </p:nvPr>
+            </p:nvSpPr>
+            <p:spPr/>
+            <p:txBody>
+              <a:bodyPr/>
+              <a:lstStyle/>
+              <a:p>
+                <a:r>
+                  <a:rPr lang="en-US" dirty="0"/>
+                  <a:t>Vertices are web pages</a:t>
+                </a:r>
+              </a:p>
+              <a:p>
+                <a:r>
+                  <a:rPr lang="en-US" dirty="0"/>
+                  <a:t>Edges are links</a:t>
+                </a:r>
+              </a:p>
+              <a:p>
+                <a:r>
+                  <a:rPr lang="en-US" dirty="0"/>
+                  <a:t>Used bots to comb the web to collect hyperlinks to other web pages</a:t>
+                </a:r>
+              </a:p>
+              <a:p>
+                <a14:m>
+                  <m:oMath xmlns:m="http://schemas.openxmlformats.org/officeDocument/2006/math">
+                    <m:sSub>
+                      <m:sSubPr>
+                        <m:ctrlPr>
+                          <a:rPr lang="en-US" i="1" smtClean="0">
+                            <a:latin typeface="Cambria Math" panose="02040503050406030204" pitchFamily="18" charset="0"/>
+                          </a:rPr>
+                        </m:ctrlPr>
+                      </m:sSubPr>
+                      <m:e>
+                        <m:r>
+                          <a:rPr lang="en-US" i="1" smtClean="0">
+                            <a:latin typeface="Cambria Math" panose="02040503050406030204" pitchFamily="18" charset="0"/>
+                            <a:ea typeface="Cambria Math" panose="02040503050406030204" pitchFamily="18" charset="0"/>
+                          </a:rPr>
+                          <m:t>𝛾</m:t>
+                        </m:r>
+                      </m:e>
+                      <m:sub>
+                        <m:r>
+                          <a:rPr lang="en-US" b="0" i="1" smtClean="0">
+                            <a:latin typeface="Cambria Math" panose="02040503050406030204" pitchFamily="18" charset="0"/>
+                          </a:rPr>
+                          <m:t>𝑤𝑤𝑤</m:t>
+                        </m:r>
+                      </m:sub>
+                    </m:sSub>
+                    <m:r>
+                      <a:rPr lang="en-US" b="0" i="1" smtClean="0">
+                        <a:latin typeface="Cambria Math" panose="02040503050406030204" pitchFamily="18" charset="0"/>
+                      </a:rPr>
+                      <m:t>=2.1</m:t>
+                    </m:r>
+                    <m:r>
+                      <a:rPr lang="en-US" b="0" i="1" smtClean="0">
+                        <a:latin typeface="Cambria Math" panose="02040503050406030204" pitchFamily="18" charset="0"/>
+                        <a:ea typeface="Cambria Math" panose="02040503050406030204" pitchFamily="18" charset="0"/>
+                      </a:rPr>
+                      <m:t>±0.1</m:t>
+                    </m:r>
+                  </m:oMath>
+                </a14:m>
+                <a:endParaRPr lang="en-US" dirty="0"/>
+              </a:p>
+              <a:p>
+                <a:r>
+                  <a:rPr lang="en-US" dirty="0"/>
+                  <a:t>N = 325,729 vertices</a:t>
+                </a:r>
+              </a:p>
+            </p:txBody>
+          </p:sp>
+        </mc:Choice>
+        <mc:Fallback>
+          <p:sp>
+            <p:nvSpPr>
+              <p:cNvPr id="3" name="Content Placeholder 2">
+                <a:extLst>
+                  <a:ext uri="{FF2B5EF4-FFF2-40B4-BE49-F238E27FC236}">
+                    <a16:creationId xmlns:a16="http://schemas.microsoft.com/office/drawing/2014/main" id="{10EBE264-009F-492D-A99F-03D728AA3CAA}"/>
+                  </a:ext>
+                </a:extLst>
+              </p:cNvPr>
+              <p:cNvSpPr>
+                <a:spLocks noGrp="1" noRot="1" noChangeAspect="1" noMove="1" noResize="1" noEditPoints="1" noAdjustHandles="1" noChangeArrowheads="1" noChangeShapeType="1" noTextEdit="1"/>
+              </p:cNvSpPr>
+              <p:nvPr>
+                <p:ph idx="1"/>
+              </p:nvPr>
+            </p:nvSpPr>
+            <p:spPr>
+              <a:blipFill>
+                <a:blip r:embed="rId2"/>
+                <a:stretch>
+                  <a:fillRect l="-142" t="-980"/>
+                </a:stretch>
+              </a:blipFill>
+            </p:spPr>
+            <p:txBody>
+              <a:bodyPr/>
+              <a:lstStyle/>
+              <a:p>
+                <a:r>
+                  <a:rPr lang="en-US">
+                    <a:noFill/>
+                  </a:rPr>
+                  <a:t> </a:t>
+                </a:r>
+              </a:p>
+            </p:txBody>
+          </p:sp>
+        </mc:Fallback>
+      </mc:AlternateContent>
     </p:spTree>
     <p:extLst>
       <p:ext uri="{BB962C8B-B14F-4D97-AF65-F5344CB8AC3E}">
@@ -6561,68 +8619,142 @@
           </a:p>
         </p:txBody>
       </p:sp>
-      <p:sp>
-        <p:nvSpPr>
-          <p:cNvPr id="3" name="Content Placeholder 2">
-            <a:extLst>
-              <a:ext uri="{FF2B5EF4-FFF2-40B4-BE49-F238E27FC236}">
-                <a16:creationId xmlns:a16="http://schemas.microsoft.com/office/drawing/2014/main" id="{86FE2F93-74A6-4533-8525-4B96E8F3CE7B}"/>
-              </a:ext>
-            </a:extLst>
-          </p:cNvPr>
-          <p:cNvSpPr>
-            <a:spLocks noGrp="1"/>
-          </p:cNvSpPr>
-          <p:nvPr>
-            <p:ph idx="1"/>
-          </p:nvPr>
-        </p:nvSpPr>
-        <p:spPr/>
-        <p:txBody>
-          <a:bodyPr/>
-          <a:lstStyle/>
-          <a:p>
-            <a:r>
-              <a:rPr lang="en-US" dirty="0"/>
-              <a:t>Reflects the historical patterns of urban and industrial development</a:t>
-            </a:r>
-          </a:p>
-          <a:p>
-            <a:r>
-              <a:rPr lang="en-US" dirty="0"/>
-              <a:t>Vertices are generators, transformers and substations</a:t>
-            </a:r>
-          </a:p>
-          <a:p>
-            <a:r>
-              <a:rPr lang="en-US" dirty="0"/>
-              <a:t>Edges are power lines</a:t>
-            </a:r>
-          </a:p>
-          <a:p>
-            <a:r>
-              <a:rPr lang="en-US" dirty="0"/>
-              <a:t>Only 4941 vertices</a:t>
-            </a:r>
-          </a:p>
-          <a:p>
-            <a:r>
-              <a:rPr lang="en-US" dirty="0"/>
-              <a:t>Due to small number of vertices the scaling region is less prominent</a:t>
-            </a:r>
-          </a:p>
-          <a:p>
-            <a:r>
-              <a:rPr lang="en-US" dirty="0" err="1"/>
-              <a:t>Ypower</a:t>
-            </a:r>
-            <a:r>
-              <a:rPr lang="en-US" dirty="0"/>
-              <a:t> ~= 4</a:t>
-            </a:r>
-          </a:p>
-        </p:txBody>
-      </p:sp>
+      <mc:AlternateContent xmlns:mc="http://schemas.openxmlformats.org/markup-compatibility/2006">
+        <mc:Choice xmlns:a14="http://schemas.microsoft.com/office/drawing/2010/main" Requires="a14">
+          <p:sp>
+            <p:nvSpPr>
+              <p:cNvPr id="3" name="Content Placeholder 2">
+                <a:extLst>
+                  <a:ext uri="{FF2B5EF4-FFF2-40B4-BE49-F238E27FC236}">
+                    <a16:creationId xmlns:a16="http://schemas.microsoft.com/office/drawing/2014/main" id="{86FE2F93-74A6-4533-8525-4B96E8F3CE7B}"/>
+                  </a:ext>
+                </a:extLst>
+              </p:cNvPr>
+              <p:cNvSpPr>
+                <a:spLocks noGrp="1"/>
+              </p:cNvSpPr>
+              <p:nvPr>
+                <p:ph idx="1"/>
+              </p:nvPr>
+            </p:nvSpPr>
+            <p:spPr/>
+            <p:txBody>
+              <a:bodyPr/>
+              <a:lstStyle/>
+              <a:p>
+                <a:r>
+                  <a:rPr lang="en-US" dirty="0"/>
+                  <a:t>Vertices are generators, transformers and substations</a:t>
+                </a:r>
+              </a:p>
+              <a:p>
+                <a:r>
+                  <a:rPr lang="en-US" dirty="0"/>
+                  <a:t>Edges are power lines</a:t>
+                </a:r>
+              </a:p>
+              <a:p>
+                <a:r>
+                  <a:rPr lang="en-US" dirty="0"/>
+                  <a:t>Due to small number of vertices there is a relatively high exponent variable</a:t>
+                </a:r>
+              </a:p>
+              <a:p>
+                <a14:m>
+                  <m:oMath xmlns:m="http://schemas.openxmlformats.org/officeDocument/2006/math">
+                    <m:sSub>
+                      <m:sSubPr>
+                        <m:ctrlPr>
+                          <a:rPr lang="en-US" i="1" smtClean="0">
+                            <a:latin typeface="Cambria Math" panose="02040503050406030204" pitchFamily="18" charset="0"/>
+                          </a:rPr>
+                        </m:ctrlPr>
+                      </m:sSubPr>
+                      <m:e>
+                        <m:r>
+                          <a:rPr lang="en-US" i="1" smtClean="0">
+                            <a:latin typeface="Cambria Math" panose="02040503050406030204" pitchFamily="18" charset="0"/>
+                            <a:ea typeface="Cambria Math" panose="02040503050406030204" pitchFamily="18" charset="0"/>
+                          </a:rPr>
+                          <m:t>𝛾</m:t>
+                        </m:r>
+                      </m:e>
+                      <m:sub>
+                        <m:r>
+                          <a:rPr lang="en-US" b="0" i="1" smtClean="0">
+                            <a:latin typeface="Cambria Math" panose="02040503050406030204" pitchFamily="18" charset="0"/>
+                          </a:rPr>
+                          <m:t>𝑝𝑜𝑤𝑒𝑟</m:t>
+                        </m:r>
+                      </m:sub>
+                    </m:sSub>
+                    <m:r>
+                      <a:rPr lang="en-US" i="1">
+                        <a:latin typeface="Cambria Math" panose="02040503050406030204" pitchFamily="18" charset="0"/>
+                        <a:ea typeface="Cambria Math" panose="02040503050406030204" pitchFamily="18" charset="0"/>
+                      </a:rPr>
+                      <m:t>≅</m:t>
+                    </m:r>
+                    <m:r>
+                      <a:rPr lang="en-US" b="0" i="1" smtClean="0">
+                        <a:latin typeface="Cambria Math" panose="02040503050406030204" pitchFamily="18" charset="0"/>
+                        <a:ea typeface="Cambria Math" panose="02040503050406030204" pitchFamily="18" charset="0"/>
+                      </a:rPr>
+                      <m:t>4</m:t>
+                    </m:r>
+                  </m:oMath>
+                </a14:m>
+                <a:endParaRPr lang="en-US" dirty="0"/>
+              </a:p>
+              <a:p>
+                <a:r>
+                  <a:rPr lang="en-US" dirty="0"/>
+                  <a:t>N = 4941 vertices</a:t>
+                </a:r>
+              </a:p>
+            </p:txBody>
+          </p:sp>
+        </mc:Choice>
+        <mc:Fallback>
+          <p:sp>
+            <p:nvSpPr>
+              <p:cNvPr id="3" name="Content Placeholder 2">
+                <a:extLst>
+                  <a:ext uri="{FF2B5EF4-FFF2-40B4-BE49-F238E27FC236}">
+                    <a16:creationId xmlns:a16="http://schemas.microsoft.com/office/drawing/2014/main" id="{86FE2F93-74A6-4533-8525-4B96E8F3CE7B}"/>
+                  </a:ext>
+                </a:extLst>
+              </p:cNvPr>
+              <p:cNvSpPr>
+                <a:spLocks noGrp="1" noRot="1" noChangeAspect="1" noMove="1" noResize="1" noEditPoints="1" noAdjustHandles="1" noChangeArrowheads="1" noChangeShapeType="1" noTextEdit="1"/>
+              </p:cNvSpPr>
+              <p:nvPr>
+                <p:ph idx="1"/>
+              </p:nvPr>
+            </p:nvSpPr>
+            <p:spPr>
+              <a:blipFill>
+                <a:blip r:embed="rId2"/>
+                <a:stretch>
+                  <a:fillRect l="-142" t="-980"/>
+                </a:stretch>
+              </a:blipFill>
+            </p:spPr>
+            <p:txBody>
+              <a:bodyPr/>
+              <a:lstStyle/>
+              <a:p>
+                <a:r>
+                  <a:rPr lang="en-US">
+                    <a:noFill/>
+                  </a:rPr>
+                  <a:t> </a:t>
+                </a:r>
+              </a:p>
+            </p:txBody>
+          </p:sp>
+        </mc:Fallback>
+      </mc:AlternateContent>
     </p:spTree>
     <p:extLst>
       <p:ext uri="{BB962C8B-B14F-4D97-AF65-F5344CB8AC3E}">
@@ -6637,110 +8769,58 @@
 </file>
 
 <file path=ppt/theme/theme1.xml><?xml version="1.0" encoding="utf-8"?>
-<a:theme xmlns:a="http://schemas.openxmlformats.org/drawingml/2006/main" name="Office Theme">
+<a:theme xmlns:a="http://schemas.openxmlformats.org/drawingml/2006/main" name="View">
   <a:themeElements>
-    <a:clrScheme name="Office">
+    <a:clrScheme name="View">
       <a:dk1>
-        <a:sysClr val="windowText" lastClr="000000"/>
+        <a:srgbClr val="000000"/>
       </a:dk1>
       <a:lt1>
-        <a:sysClr val="window" lastClr="FFFFFF"/>
+        <a:srgbClr val="FFFFFF"/>
       </a:lt1>
       <a:dk2>
-        <a:srgbClr val="44546A"/>
+        <a:srgbClr val="46464A"/>
       </a:dk2>
       <a:lt2>
-        <a:srgbClr val="E7E6E6"/>
+        <a:srgbClr val="D6D3CC"/>
       </a:lt2>
       <a:accent1>
-        <a:srgbClr val="4472C4"/>
+        <a:srgbClr val="6F6F74"/>
       </a:accent1>
       <a:accent2>
-        <a:srgbClr val="ED7D31"/>
+        <a:srgbClr val="92A9B9"/>
       </a:accent2>
       <a:accent3>
-        <a:srgbClr val="A5A5A5"/>
+        <a:srgbClr val="A7B789"/>
       </a:accent3>
       <a:accent4>
-        <a:srgbClr val="FFC000"/>
+        <a:srgbClr val="B9A489"/>
       </a:accent4>
       <a:accent5>
-        <a:srgbClr val="5B9BD5"/>
+        <a:srgbClr val="8D6374"/>
       </a:accent5>
       <a:accent6>
-        <a:srgbClr val="70AD47"/>
+        <a:srgbClr val="9B7362"/>
       </a:accent6>
       <a:hlink>
-        <a:srgbClr val="0563C1"/>
+        <a:srgbClr val="67AABF"/>
       </a:hlink>
       <a:folHlink>
-        <a:srgbClr val="954F72"/>
+        <a:srgbClr val="ABAFA5"/>
       </a:folHlink>
     </a:clrScheme>
-    <a:fontScheme name="Office">
+    <a:fontScheme name="View">
       <a:majorFont>
-        <a:latin typeface="Calibri Light" panose="020F0302020204030204"/>
+        <a:latin typeface="Century Schoolbook" panose="02040604050505020304"/>
         <a:ea typeface=""/>
         <a:cs typeface=""/>
-        <a:font script="Jpan" typeface="游ゴシック Light"/>
+        <a:font script="Jpan" typeface="ＭＳ ゴシック"/>
         <a:font script="Hang" typeface="맑은 고딕"/>
-        <a:font script="Hans" typeface="等线 Light"/>
+        <a:font script="Hans" typeface="宋体"/>
         <a:font script="Hant" typeface="新細明體"/>
-        <a:font script="Arab" typeface="Times New Roman"/>
-        <a:font script="Hebr" typeface="Times New Roman"/>
-        <a:font script="Thai" typeface="Angsana New"/>
-        <a:font script="Ethi" typeface="Nyala"/>
-        <a:font script="Beng" typeface="Vrinda"/>
-        <a:font script="Gujr" typeface="Shruti"/>
-        <a:font script="Khmr" typeface="MoolBoran"/>
-        <a:font script="Knda" typeface="Tunga"/>
-        <a:font script="Guru" typeface="Raavi"/>
-        <a:font script="Cans" typeface="Euphemia"/>
-        <a:font script="Cher" typeface="Plantagenet Cherokee"/>
-        <a:font script="Yiii" typeface="Microsoft Yi Baiti"/>
-        <a:font script="Tibt" typeface="Microsoft Himalaya"/>
-        <a:font script="Thaa" typeface="MV Boli"/>
-        <a:font script="Deva" typeface="Mangal"/>
-        <a:font script="Telu" typeface="Gautami"/>
-        <a:font script="Taml" typeface="Latha"/>
-        <a:font script="Syrc" typeface="Estrangelo Edessa"/>
-        <a:font script="Orya" typeface="Kalinga"/>
-        <a:font script="Mlym" typeface="Kartika"/>
-        <a:font script="Laoo" typeface="DokChampa"/>
-        <a:font script="Sinh" typeface="Iskoola Pota"/>
-        <a:font script="Mong" typeface="Mongolian Baiti"/>
-        <a:font script="Viet" typeface="Times New Roman"/>
-        <a:font script="Uigh" typeface="Microsoft Uighur"/>
-        <a:font script="Geor" typeface="Sylfaen"/>
-        <a:font script="Armn" typeface="Arial"/>
-        <a:font script="Bugi" typeface="Leelawadee UI"/>
-        <a:font script="Bopo" typeface="Microsoft JhengHei"/>
-        <a:font script="Java" typeface="Javanese Text"/>
-        <a:font script="Lisu" typeface="Segoe UI"/>
-        <a:font script="Mymr" typeface="Myanmar Text"/>
-        <a:font script="Nkoo" typeface="Ebrima"/>
-        <a:font script="Olck" typeface="Nirmala UI"/>
-        <a:font script="Osma" typeface="Ebrima"/>
-        <a:font script="Phag" typeface="Phagspa"/>
-        <a:font script="Syrn" typeface="Estrangelo Edessa"/>
-        <a:font script="Syrj" typeface="Estrangelo Edessa"/>
-        <a:font script="Syre" typeface="Estrangelo Edessa"/>
-        <a:font script="Sora" typeface="Nirmala UI"/>
-        <a:font script="Tale" typeface="Microsoft Tai Le"/>
-        <a:font script="Talu" typeface="Microsoft New Tai Lue"/>
-        <a:font script="Tfng" typeface="Ebrima"/>
-      </a:majorFont>
-      <a:minorFont>
-        <a:latin typeface="Calibri" panose="020F0502020204030204"/>
-        <a:ea typeface=""/>
-        <a:cs typeface=""/>
-        <a:font script="Jpan" typeface="游ゴシック"/>
-        <a:font script="Hang" typeface="맑은 고딕"/>
-        <a:font script="Hans" typeface="等线"/>
-        <a:font script="Hant" typeface="新細明體"/>
-        <a:font script="Arab" typeface="Arial"/>
-        <a:font script="Hebr" typeface="Arial"/>
-        <a:font script="Thai" typeface="Cordia New"/>
+        <a:font script="Arab" typeface="Tahoma"/>
+        <a:font script="Hebr" typeface="Gisha"/>
+        <a:font script="Thai" typeface="DilleniaUPC"/>
         <a:font script="Ethi" typeface="Nyala"/>
         <a:font script="Beng" typeface="Vrinda"/>
         <a:font script="Gujr" typeface="Shruti"/>
@@ -6761,107 +8841,86 @@
         <a:font script="Laoo" typeface="DokChampa"/>
         <a:font script="Sinh" typeface="Iskoola Pota"/>
         <a:font script="Mong" typeface="Mongolian Baiti"/>
-        <a:font script="Viet" typeface="Arial"/>
+        <a:font script="Viet" typeface="Tahoma"/>
         <a:font script="Uigh" typeface="Microsoft Uighur"/>
         <a:font script="Geor" typeface="Sylfaen"/>
-        <a:font script="Armn" typeface="Arial"/>
-        <a:font script="Bugi" typeface="Leelawadee UI"/>
-        <a:font script="Bopo" typeface="Microsoft JhengHei"/>
-        <a:font script="Java" typeface="Javanese Text"/>
-        <a:font script="Lisu" typeface="Segoe UI"/>
-        <a:font script="Mymr" typeface="Myanmar Text"/>
-        <a:font script="Nkoo" typeface="Ebrima"/>
-        <a:font script="Olck" typeface="Nirmala UI"/>
-        <a:font script="Osma" typeface="Ebrima"/>
-        <a:font script="Phag" typeface="Phagspa"/>
-        <a:font script="Syrn" typeface="Estrangelo Edessa"/>
-        <a:font script="Syrj" typeface="Estrangelo Edessa"/>
-        <a:font script="Syre" typeface="Estrangelo Edessa"/>
-        <a:font script="Sora" typeface="Nirmala UI"/>
-        <a:font script="Tale" typeface="Microsoft Tai Le"/>
-        <a:font script="Talu" typeface="Microsoft New Tai Lue"/>
-        <a:font script="Tfng" typeface="Ebrima"/>
+      </a:majorFont>
+      <a:minorFont>
+        <a:latin typeface="Century Schoolbook" panose="02040604050505020304"/>
+        <a:ea typeface=""/>
+        <a:cs typeface=""/>
+        <a:font script="Jpan" typeface="ＭＳ ゴシック"/>
+        <a:font script="Hang" typeface="맑은 고딕"/>
+        <a:font script="Hans" typeface="宋体"/>
+        <a:font script="Hant" typeface="新細明體"/>
+        <a:font script="Arab" typeface="Tahoma"/>
+        <a:font script="Hebr" typeface="Gisha"/>
+        <a:font script="Thai" typeface="DilleniaUPC"/>
+        <a:font script="Ethi" typeface="Nyala"/>
+        <a:font script="Beng" typeface="Vrinda"/>
+        <a:font script="Gujr" typeface="Shruti"/>
+        <a:font script="Khmr" typeface="DaunPenh"/>
+        <a:font script="Knda" typeface="Tunga"/>
+        <a:font script="Guru" typeface="Raavi"/>
+        <a:font script="Cans" typeface="Euphemia"/>
+        <a:font script="Cher" typeface="Plantagenet Cherokee"/>
+        <a:font script="Yiii" typeface="Microsoft Yi Baiti"/>
+        <a:font script="Tibt" typeface="Microsoft Himalaya"/>
+        <a:font script="Thaa" typeface="MV Boli"/>
+        <a:font script="Deva" typeface="Mangal"/>
+        <a:font script="Telu" typeface="Gautami"/>
+        <a:font script="Taml" typeface="Latha"/>
+        <a:font script="Syrc" typeface="Estrangelo Edessa"/>
+        <a:font script="Orya" typeface="Kalinga"/>
+        <a:font script="Mlym" typeface="Kartika"/>
+        <a:font script="Laoo" typeface="DokChampa"/>
+        <a:font script="Sinh" typeface="Iskoola Pota"/>
+        <a:font script="Mong" typeface="Mongolian Baiti"/>
+        <a:font script="Viet" typeface="Verdana"/>
+        <a:font script="Uigh" typeface="Microsoft Uighur"/>
+        <a:font script="Geor" typeface="Sylfaen"/>
       </a:minorFont>
     </a:fontScheme>
-    <a:fmtScheme name="Office">
+    <a:fmtScheme name="View">
       <a:fillStyleLst>
         <a:solidFill>
           <a:schemeClr val="phClr"/>
         </a:solidFill>
-        <a:gradFill rotWithShape="1">
-          <a:gsLst>
-            <a:gs pos="0">
-              <a:schemeClr val="phClr">
-                <a:lumMod val="110000"/>
-                <a:satMod val="105000"/>
-                <a:tint val="67000"/>
-              </a:schemeClr>
-            </a:gs>
-            <a:gs pos="50000">
-              <a:schemeClr val="phClr">
-                <a:lumMod val="105000"/>
-                <a:satMod val="103000"/>
-                <a:tint val="73000"/>
-              </a:schemeClr>
-            </a:gs>
-            <a:gs pos="100000">
-              <a:schemeClr val="phClr">
-                <a:lumMod val="105000"/>
-                <a:satMod val="109000"/>
-                <a:tint val="81000"/>
-              </a:schemeClr>
-            </a:gs>
-          </a:gsLst>
-          <a:lin ang="5400000" scaled="0"/>
-        </a:gradFill>
-        <a:gradFill rotWithShape="1">
-          <a:gsLst>
-            <a:gs pos="0">
-              <a:schemeClr val="phClr">
-                <a:satMod val="103000"/>
-                <a:lumMod val="102000"/>
-                <a:tint val="94000"/>
-              </a:schemeClr>
-            </a:gs>
-            <a:gs pos="50000">
-              <a:schemeClr val="phClr">
-                <a:satMod val="110000"/>
-                <a:lumMod val="100000"/>
-                <a:shade val="100000"/>
-              </a:schemeClr>
-            </a:gs>
-            <a:gs pos="100000">
-              <a:schemeClr val="phClr">
-                <a:lumMod val="99000"/>
-                <a:satMod val="120000"/>
-                <a:shade val="78000"/>
-              </a:schemeClr>
-            </a:gs>
-          </a:gsLst>
-          <a:lin ang="5400000" scaled="0"/>
-        </a:gradFill>
+        <a:solidFill>
+          <a:schemeClr val="phClr">
+            <a:tint val="60000"/>
+            <a:satMod val="120000"/>
+          </a:schemeClr>
+        </a:solidFill>
+        <a:solidFill>
+          <a:schemeClr val="phClr">
+            <a:shade val="75000"/>
+            <a:satMod val="160000"/>
+          </a:schemeClr>
+        </a:solidFill>
       </a:fillStyleLst>
       <a:lnStyleLst>
-        <a:ln w="6350" cap="flat" cmpd="sng" algn="ctr">
+        <a:ln w="9525" cap="flat" cmpd="sng" algn="ctr">
           <a:solidFill>
             <a:schemeClr val="phClr"/>
           </a:solidFill>
           <a:prstDash val="solid"/>
-          <a:miter lim="800000"/>
         </a:ln>
-        <a:ln w="12700" cap="flat" cmpd="sng" algn="ctr">
+        <a:ln w="13970" cap="flat" cmpd="sng" algn="ctr">
           <a:solidFill>
             <a:schemeClr val="phClr"/>
           </a:solidFill>
           <a:prstDash val="solid"/>
-          <a:miter lim="800000"/>
         </a:ln>
-        <a:ln w="19050" cap="flat" cmpd="sng" algn="ctr">
+        <a:ln w="17145" cap="flat" cmpd="sng" algn="ctr">
           <a:solidFill>
-            <a:schemeClr val="phClr"/>
+            <a:schemeClr val="phClr">
+              <a:shade val="95000"/>
+              <a:alpha val="95000"/>
+              <a:satMod val="150000"/>
+            </a:schemeClr>
           </a:solidFill>
           <a:prstDash val="solid"/>
-          <a:miter lim="800000"/>
         </a:ln>
       </a:lnStyleLst>
       <a:effectStyleLst>
@@ -6869,16 +8928,52 @@
           <a:effectLst/>
         </a:effectStyle>
         <a:effectStyle>
-          <a:effectLst/>
+          <a:effectLst>
+            <a:outerShdw blurRad="50800" dist="15240" dir="5400000" algn="tl" rotWithShape="0">
+              <a:srgbClr val="000000">
+                <a:alpha val="75000"/>
+              </a:srgbClr>
+            </a:outerShdw>
+          </a:effectLst>
+          <a:scene3d>
+            <a:camera prst="orthographicFront">
+              <a:rot lat="0" lon="0" rev="0"/>
+            </a:camera>
+            <a:lightRig rig="brightRoom" dir="tl"/>
+          </a:scene3d>
+          <a:sp3d contourW="9525" prstMaterial="flat">
+            <a:bevelT w="0" h="0" prst="coolSlant"/>
+            <a:contourClr>
+              <a:schemeClr val="phClr">
+                <a:shade val="35000"/>
+                <a:satMod val="130000"/>
+              </a:schemeClr>
+            </a:contourClr>
+          </a:sp3d>
         </a:effectStyle>
         <a:effectStyle>
           <a:effectLst>
-            <a:outerShdw blurRad="57150" dist="19050" dir="5400000" algn="ctr" rotWithShape="0">
+            <a:outerShdw blurRad="76200" dist="25400" dir="5400000" algn="tl" rotWithShape="0">
               <a:srgbClr val="000000">
-                <a:alpha val="63000"/>
+                <a:alpha val="55000"/>
               </a:srgbClr>
             </a:outerShdw>
           </a:effectLst>
+          <a:scene3d>
+            <a:camera prst="orthographicFront">
+              <a:rot lat="0" lon="0" rev="0"/>
+            </a:camera>
+            <a:lightRig rig="brightRoom" dir="tl"/>
+          </a:scene3d>
+          <a:sp3d contourW="19050" prstMaterial="flat">
+            <a:bevelT w="0" h="0" prst="coolSlant"/>
+            <a:contourClr>
+              <a:schemeClr val="phClr">
+                <a:shade val="25000"/>
+                <a:satMod val="140000"/>
+              </a:schemeClr>
+            </a:contourClr>
+          </a:sp3d>
         </a:effectStyle>
       </a:effectStyleLst>
       <a:bgFillStyleLst>
@@ -6895,28 +8990,23 @@
           <a:gsLst>
             <a:gs pos="0">
               <a:schemeClr val="phClr">
-                <a:tint val="93000"/>
-                <a:satMod val="150000"/>
+                <a:tint val="94000"/>
                 <a:shade val="98000"/>
+                <a:satMod val="130000"/>
                 <a:lumMod val="102000"/>
-              </a:schemeClr>
-            </a:gs>
-            <a:gs pos="50000">
-              <a:schemeClr val="phClr">
-                <a:tint val="98000"/>
-                <a:satMod val="130000"/>
-                <a:shade val="90000"/>
-                <a:lumMod val="103000"/>
               </a:schemeClr>
             </a:gs>
             <a:gs pos="100000">
               <a:schemeClr val="phClr">
-                <a:shade val="63000"/>
-                <a:satMod val="120000"/>
+                <a:tint val="98000"/>
+                <a:shade val="78000"/>
+                <a:satMod val="140000"/>
               </a:schemeClr>
             </a:gs>
           </a:gsLst>
-          <a:lin ang="5400000" scaled="0"/>
+          <a:path path="circle">
+            <a:fillToRect l="100000" t="100000" r="100000" b="100000"/>
+          </a:path>
         </a:gradFill>
       </a:bgFillStyleLst>
     </a:fmtScheme>
@@ -6925,7 +9015,7 @@
   <a:extraClrSchemeLst/>
   <a:extLst>
     <a:ext uri="{05A4C25C-085E-4340-85A3-A5531E510DB2}">
-      <thm15:themeFamily xmlns:thm15="http://schemas.microsoft.com/office/thememl/2012/main" name="Office Theme" id="{62F939B6-93AF-4DB8-9C6B-D6C7DFDC589F}" vid="{4A3C46E8-61CC-4603-A589-7422A47A8E4A}"/>
+      <thm15:themeFamily xmlns:thm15="http://schemas.microsoft.com/office/thememl/2012/main" name="View" id="{BA0EB5A6-F2D4-4F82-977B-64ADEE4A2A69}" vid="{3969A8A2-35DB-4E3B-8885-16FD20568674}"/>
     </a:ext>
   </a:extLst>
 </a:theme>

--- a/CAP6675 - Complex Adaptive Systems/EmergenceOfScalingPresentation/PresentationDraft2.pptx
+++ b/CAP6675 - Complex Adaptive Systems/EmergenceOfScalingPresentation/PresentationDraft2.pptx
@@ -5,7 +5,7 @@
     <p:sldMasterId id="2147483784" r:id="rId1"/>
   </p:sldMasterIdLst>
   <p:notesMasterIdLst>
-    <p:notesMasterId r:id="rId26"/>
+    <p:notesMasterId r:id="rId24"/>
   </p:notesMasterIdLst>
   <p:sldIdLst>
     <p:sldId id="256" r:id="rId2"/>
@@ -15,23 +15,21 @@
     <p:sldId id="258" r:id="rId6"/>
     <p:sldId id="259" r:id="rId7"/>
     <p:sldId id="270" r:id="rId8"/>
-    <p:sldId id="271" r:id="rId9"/>
-    <p:sldId id="272" r:id="rId10"/>
-    <p:sldId id="278" r:id="rId11"/>
-    <p:sldId id="275" r:id="rId12"/>
-    <p:sldId id="276" r:id="rId13"/>
-    <p:sldId id="277" r:id="rId14"/>
-    <p:sldId id="279" r:id="rId15"/>
-    <p:sldId id="281" r:id="rId16"/>
-    <p:sldId id="280" r:id="rId17"/>
-    <p:sldId id="260" r:id="rId18"/>
-    <p:sldId id="261" r:id="rId19"/>
-    <p:sldId id="262" r:id="rId20"/>
-    <p:sldId id="263" r:id="rId21"/>
-    <p:sldId id="264" r:id="rId22"/>
-    <p:sldId id="265" r:id="rId23"/>
-    <p:sldId id="266" r:id="rId24"/>
-    <p:sldId id="267" r:id="rId25"/>
+    <p:sldId id="275" r:id="rId9"/>
+    <p:sldId id="276" r:id="rId10"/>
+    <p:sldId id="277" r:id="rId11"/>
+    <p:sldId id="279" r:id="rId12"/>
+    <p:sldId id="281" r:id="rId13"/>
+    <p:sldId id="280" r:id="rId14"/>
+    <p:sldId id="260" r:id="rId15"/>
+    <p:sldId id="261" r:id="rId16"/>
+    <p:sldId id="262" r:id="rId17"/>
+    <p:sldId id="263" r:id="rId18"/>
+    <p:sldId id="264" r:id="rId19"/>
+    <p:sldId id="265" r:id="rId20"/>
+    <p:sldId id="266" r:id="rId21"/>
+    <p:sldId id="267" r:id="rId22"/>
+    <p:sldId id="282" r:id="rId23"/>
   </p:sldIdLst>
   <p:sldSz cx="12192000" cy="6858000"/>
   <p:notesSz cx="6858000" cy="9144000"/>
@@ -801,6 +799,18 @@
               <a:t>The examples are explained in the following pages</a:t>
             </a:r>
           </a:p>
+          <a:p>
+            <a:r>
+              <a:rPr lang="en-US" dirty="0"/>
+              <a:t>Power law represents some having majority of resources but having little resources is most common.  Distribution of wealth is a common example</a:t>
+            </a:r>
+          </a:p>
+          <a:p>
+            <a:r>
+              <a:rPr lang="en-US" dirty="0"/>
+              <a:t>Didn’t describe how they obtained the values for the power law</a:t>
+            </a:r>
+          </a:p>
         </p:txBody>
       </p:sp>
       <p:sp>
@@ -885,34 +895,16 @@
           <a:p>
             <a:r>
               <a:rPr lang="en-US" dirty="0"/>
-              <a:t>Notice how all of the graphs generally look the same, with a negative exponential slope</a:t>
-            </a:r>
-          </a:p>
-          <a:p>
-            <a:pPr marL="0" marR="0" lvl="0" indent="0" algn="l" defTabSz="914400" rtl="0" eaLnBrk="1" fontAlgn="auto" latinLnBrk="0" hangingPunct="1">
-              <a:lnSpc>
-                <a:spcPct val="100000"/>
-              </a:lnSpc>
-              <a:spcBef>
-                <a:spcPts val="0"/>
-              </a:spcBef>
-              <a:spcAft>
-                <a:spcPts val="0"/>
-              </a:spcAft>
-              <a:buClrTx/>
-              <a:buSzTx/>
-              <a:buFontTx/>
-              <a:buNone/>
-              <a:tabLst/>
-              <a:defRPr/>
-            </a:pPr>
-            <a:r>
-              <a:rPr lang="en-US" dirty="0"/>
-              <a:t>Generally the exponent variable falls between 2.1 and 4</a:t>
-            </a:r>
-          </a:p>
-          <a:p>
-            <a:endParaRPr lang="en-US" dirty="0"/>
+              <a:t>Several years ago, I heard a statistic about how I would be connected with a celebrity on </a:t>
+            </a:r>
+            <a:r>
+              <a:rPr lang="en-US" dirty="0" err="1"/>
+              <a:t>facebook</a:t>
+            </a:r>
+            <a:r>
+              <a:rPr lang="en-US" dirty="0"/>
+              <a:t> by going through 6 of my friends of friends</a:t>
+            </a:r>
           </a:p>
         </p:txBody>
       </p:sp>
@@ -933,7 +925,7 @@
           <a:p>
             <a:fld id="{A8186687-787D-4E33-8883-0B042C92307A}" type="slidenum">
               <a:rPr lang="en-US" smtClean="0"/>
-              <a:t>10</a:t>
+              <a:t>8</a:t>
             </a:fld>
             <a:endParaRPr lang="en-US"/>
           </a:p>
@@ -942,7 +934,7 @@
     </p:spTree>
     <p:extLst>
       <p:ext uri="{BB962C8B-B14F-4D97-AF65-F5344CB8AC3E}">
-        <p14:creationId xmlns:p14="http://schemas.microsoft.com/office/powerpoint/2010/main" val="549726870"/>
+        <p14:creationId xmlns:p14="http://schemas.microsoft.com/office/powerpoint/2010/main" val="796785604"/>
       </p:ext>
     </p:extLst>
   </p:cSld>
@@ -998,15 +990,7 @@
           <a:p>
             <a:r>
               <a:rPr lang="en-US" dirty="0"/>
-              <a:t>Several years ago, I heard a statistic about how I would be connected with a celebrity on </a:t>
-            </a:r>
-            <a:r>
-              <a:rPr lang="en-US" dirty="0" err="1"/>
-              <a:t>facebook</a:t>
-            </a:r>
-            <a:r>
-              <a:rPr lang="en-US" dirty="0"/>
-              <a:t> by going through 6 of my friends of friends</a:t>
+              <a:t>This showed that their theory would produce a scale free network</a:t>
             </a:r>
           </a:p>
         </p:txBody>
@@ -1037,7 +1021,7 @@
     </p:spTree>
     <p:extLst>
       <p:ext uri="{BB962C8B-B14F-4D97-AF65-F5344CB8AC3E}">
-        <p14:creationId xmlns:p14="http://schemas.microsoft.com/office/powerpoint/2010/main" val="796785604"/>
+        <p14:creationId xmlns:p14="http://schemas.microsoft.com/office/powerpoint/2010/main" val="1108055071"/>
       </p:ext>
     </p:extLst>
   </p:cSld>
@@ -1115,7 +1099,7 @@
           <a:p>
             <a:fld id="{A8186687-787D-4E33-8883-0B042C92307A}" type="slidenum">
               <a:rPr lang="en-US" smtClean="0"/>
-              <a:t>16</a:t>
+              <a:t>13</a:t>
             </a:fld>
             <a:endParaRPr lang="en-US"/>
           </a:p>
@@ -4588,427 +4572,6 @@
           <p:cNvPr id="2" name="Title 1">
             <a:extLst>
               <a:ext uri="{FF2B5EF4-FFF2-40B4-BE49-F238E27FC236}">
-                <a16:creationId xmlns:a16="http://schemas.microsoft.com/office/drawing/2014/main" id="{8A2A12C5-D84C-4B9D-B4C0-DA4667F358E1}"/>
-              </a:ext>
-            </a:extLst>
-          </p:cNvPr>
-          <p:cNvSpPr>
-            <a:spLocks noGrp="1"/>
-          </p:cNvSpPr>
-          <p:nvPr>
-            <p:ph type="title"/>
-          </p:nvPr>
-        </p:nvSpPr>
-        <p:spPr/>
-        <p:txBody>
-          <a:bodyPr/>
-          <a:lstStyle/>
-          <a:p>
-            <a:r>
-              <a:rPr lang="en-US" dirty="0"/>
-              <a:t>Graphs representing node connectivity</a:t>
-            </a:r>
-          </a:p>
-        </p:txBody>
-      </p:sp>
-      <p:pic>
-        <p:nvPicPr>
-          <p:cNvPr id="4" name="Content Placeholder 3">
-            <a:extLst>
-              <a:ext uri="{FF2B5EF4-FFF2-40B4-BE49-F238E27FC236}">
-                <a16:creationId xmlns:a16="http://schemas.microsoft.com/office/drawing/2014/main" id="{7B877D8C-3404-46EB-B659-6B6F95FBF9F5}"/>
-              </a:ext>
-            </a:extLst>
-          </p:cNvPr>
-          <p:cNvPicPr>
-            <a:picLocks noGrp="1" noChangeAspect="1"/>
-          </p:cNvPicPr>
-          <p:nvPr>
-            <p:ph idx="1"/>
-          </p:nvPr>
-        </p:nvPicPr>
-        <p:blipFill>
-          <a:blip r:embed="rId3"/>
-          <a:stretch>
-            <a:fillRect/>
-          </a:stretch>
-        </p:blipFill>
-        <p:spPr>
-          <a:xfrm>
-            <a:off x="1330169" y="1828800"/>
-            <a:ext cx="8458512" cy="4351338"/>
-          </a:xfrm>
-          <a:prstGeom prst="rect">
-            <a:avLst/>
-          </a:prstGeom>
-        </p:spPr>
-      </p:pic>
-    </p:spTree>
-    <p:extLst>
-      <p:ext uri="{BB962C8B-B14F-4D97-AF65-F5344CB8AC3E}">
-        <p14:creationId xmlns:p14="http://schemas.microsoft.com/office/powerpoint/2010/main" val="3610140674"/>
-      </p:ext>
-    </p:extLst>
-  </p:cSld>
-  <p:clrMapOvr>
-    <a:masterClrMapping/>
-  </p:clrMapOvr>
-</p:sld>
-</file>
-
-<file path=ppt/slides/slide11.xml><?xml version="1.0" encoding="utf-8"?>
-<p:sld xmlns:a="http://schemas.openxmlformats.org/drawingml/2006/main" xmlns:r="http://schemas.openxmlformats.org/officeDocument/2006/relationships" xmlns:p="http://schemas.openxmlformats.org/presentationml/2006/main">
-  <p:cSld>
-    <p:spTree>
-      <p:nvGrpSpPr>
-        <p:cNvPr id="1" name=""/>
-        <p:cNvGrpSpPr/>
-        <p:nvPr/>
-      </p:nvGrpSpPr>
-      <p:grpSpPr>
-        <a:xfrm>
-          <a:off x="0" y="0"/>
-          <a:ext cx="0" cy="0"/>
-          <a:chOff x="0" y="0"/>
-          <a:chExt cx="0" cy="0"/>
-        </a:xfrm>
-      </p:grpSpPr>
-      <p:sp>
-        <p:nvSpPr>
-          <p:cNvPr id="2" name="Title 1">
-            <a:extLst>
-              <a:ext uri="{FF2B5EF4-FFF2-40B4-BE49-F238E27FC236}">
-                <a16:creationId xmlns:a16="http://schemas.microsoft.com/office/drawing/2014/main" id="{6E8FF2E1-6A7D-4ECF-8D29-65FAC9D056DD}"/>
-              </a:ext>
-            </a:extLst>
-          </p:cNvPr>
-          <p:cNvSpPr>
-            <a:spLocks noGrp="1"/>
-          </p:cNvSpPr>
-          <p:nvPr>
-            <p:ph type="title"/>
-          </p:nvPr>
-        </p:nvSpPr>
-        <p:spPr/>
-        <p:txBody>
-          <a:bodyPr/>
-          <a:lstStyle/>
-          <a:p>
-            <a:r>
-              <a:rPr lang="en-US" dirty="0"/>
-              <a:t>Existing Models for complex topology</a:t>
-            </a:r>
-          </a:p>
-        </p:txBody>
-      </p:sp>
-      <p:sp>
-        <p:nvSpPr>
-          <p:cNvPr id="3" name="Content Placeholder 2">
-            <a:extLst>
-              <a:ext uri="{FF2B5EF4-FFF2-40B4-BE49-F238E27FC236}">
-                <a16:creationId xmlns:a16="http://schemas.microsoft.com/office/drawing/2014/main" id="{9DE0A452-352C-4487-9E7A-2A7757B54410}"/>
-              </a:ext>
-            </a:extLst>
-          </p:cNvPr>
-          <p:cNvSpPr>
-            <a:spLocks noGrp="1"/>
-          </p:cNvSpPr>
-          <p:nvPr>
-            <p:ph idx="1"/>
-          </p:nvPr>
-        </p:nvSpPr>
-        <p:spPr/>
-        <p:txBody>
-          <a:bodyPr/>
-          <a:lstStyle/>
-          <a:p>
-            <a:r>
-              <a:rPr lang="en-US" dirty="0" err="1"/>
-              <a:t>Erdős</a:t>
-            </a:r>
-            <a:r>
-              <a:rPr lang="en-US" dirty="0"/>
-              <a:t>–</a:t>
-            </a:r>
-            <a:r>
-              <a:rPr lang="en-US" dirty="0" err="1"/>
-              <a:t>Rényi</a:t>
-            </a:r>
-            <a:endParaRPr lang="en-US" dirty="0"/>
-          </a:p>
-          <a:p>
-            <a:pPr lvl="1"/>
-            <a:r>
-              <a:rPr lang="en-US" dirty="0"/>
-              <a:t>Starts with N vertices and each vertex has an equal chance to attach to any other vertex with </a:t>
-            </a:r>
-            <a:r>
-              <a:rPr lang="en-US" dirty="0" err="1"/>
-              <a:t>probablility</a:t>
-            </a:r>
-            <a:r>
-              <a:rPr lang="en-US" dirty="0"/>
-              <a:t> p</a:t>
-            </a:r>
-          </a:p>
-          <a:p>
-            <a:pPr lvl="1"/>
-            <a:r>
-              <a:rPr lang="en-US" dirty="0"/>
-              <a:t>Follows a Poisson distribution</a:t>
-            </a:r>
-          </a:p>
-          <a:p>
-            <a:pPr lvl="2"/>
-            <a:r>
-              <a:rPr lang="en-US" dirty="0"/>
-              <a:t>Vertices have no affect on where other vertices connect</a:t>
-            </a:r>
-          </a:p>
-          <a:p>
-            <a:pPr lvl="2"/>
-            <a:r>
-              <a:rPr lang="en-US" dirty="0"/>
-              <a:t>Does not follow the power-law in scale-free networks</a:t>
-            </a:r>
-          </a:p>
-          <a:p>
-            <a:r>
-              <a:rPr lang="en-US" dirty="0"/>
-              <a:t>Watts-</a:t>
-            </a:r>
-            <a:r>
-              <a:rPr lang="en-US" dirty="0" err="1"/>
-              <a:t>Strogatz</a:t>
-            </a:r>
-            <a:r>
-              <a:rPr lang="en-US" dirty="0"/>
-              <a:t> </a:t>
-            </a:r>
-          </a:p>
-          <a:p>
-            <a:pPr lvl="1"/>
-            <a:r>
-              <a:rPr lang="en-US" dirty="0"/>
-              <a:t>Creates graphs with small-world properties</a:t>
-            </a:r>
-          </a:p>
-          <a:p>
-            <a:pPr lvl="2"/>
-            <a:r>
-              <a:rPr lang="en-US" dirty="0"/>
-              <a:t>Vertices are connected with their neighbors</a:t>
-            </a:r>
-          </a:p>
-          <a:p>
-            <a:pPr lvl="2"/>
-            <a:r>
-              <a:rPr lang="en-US" dirty="0"/>
-              <a:t>Each edge connects to the next vertices with </a:t>
-            </a:r>
-            <a:r>
-              <a:rPr lang="en-US" dirty="0" err="1"/>
-              <a:t>probablility</a:t>
-            </a:r>
-            <a:r>
-              <a:rPr lang="en-US" dirty="0"/>
-              <a:t> p</a:t>
-            </a:r>
-          </a:p>
-          <a:p>
-            <a:pPr lvl="1"/>
-            <a:r>
-              <a:rPr lang="en-US" dirty="0"/>
-              <a:t>Leading to six degrees of separation</a:t>
-            </a:r>
-          </a:p>
-          <a:p>
-            <a:pPr lvl="2"/>
-            <a:r>
-              <a:rPr lang="en-US" b="1" dirty="0"/>
-              <a:t>“Six degrees of separation</a:t>
-            </a:r>
-            <a:r>
-              <a:rPr lang="en-US" dirty="0"/>
-              <a:t> is the idea that all living things and everything else in the world are six or fewer steps away” (</a:t>
-            </a:r>
-            <a:r>
-              <a:rPr lang="en-US" dirty="0">
-                <a:hlinkClick r:id="rId3"/>
-              </a:rPr>
-              <a:t>https://en.wikipedia.org/wiki/Six_degrees_of_separation</a:t>
-            </a:r>
-            <a:r>
-              <a:rPr lang="en-US" dirty="0"/>
-              <a:t>)</a:t>
-            </a:r>
-          </a:p>
-          <a:p>
-            <a:pPr lvl="1"/>
-            <a:r>
-              <a:rPr lang="en-US" dirty="0"/>
-              <a:t>Also follows a Poisson distribution</a:t>
-            </a:r>
-          </a:p>
-        </p:txBody>
-      </p:sp>
-    </p:spTree>
-    <p:extLst>
-      <p:ext uri="{BB962C8B-B14F-4D97-AF65-F5344CB8AC3E}">
-        <p14:creationId xmlns:p14="http://schemas.microsoft.com/office/powerpoint/2010/main" val="2143160802"/>
-      </p:ext>
-    </p:extLst>
-  </p:cSld>
-  <p:clrMapOvr>
-    <a:masterClrMapping/>
-  </p:clrMapOvr>
-</p:sld>
-</file>
-
-<file path=ppt/slides/slide12.xml><?xml version="1.0" encoding="utf-8"?>
-<p:sld xmlns:a="http://schemas.openxmlformats.org/drawingml/2006/main" xmlns:r="http://schemas.openxmlformats.org/officeDocument/2006/relationships" xmlns:p="http://schemas.openxmlformats.org/presentationml/2006/main">
-  <p:cSld>
-    <p:spTree>
-      <p:nvGrpSpPr>
-        <p:cNvPr id="1" name=""/>
-        <p:cNvGrpSpPr/>
-        <p:nvPr/>
-      </p:nvGrpSpPr>
-      <p:grpSpPr>
-        <a:xfrm>
-          <a:off x="0" y="0"/>
-          <a:ext cx="0" cy="0"/>
-          <a:chOff x="0" y="0"/>
-          <a:chExt cx="0" cy="0"/>
-        </a:xfrm>
-      </p:grpSpPr>
-      <p:sp>
-        <p:nvSpPr>
-          <p:cNvPr id="2" name="Title 1">
-            <a:extLst>
-              <a:ext uri="{FF2B5EF4-FFF2-40B4-BE49-F238E27FC236}">
-                <a16:creationId xmlns:a16="http://schemas.microsoft.com/office/drawing/2014/main" id="{CABAE0FA-D5E4-4BBC-98A8-D6A054DC97C9}"/>
-              </a:ext>
-            </a:extLst>
-          </p:cNvPr>
-          <p:cNvSpPr>
-            <a:spLocks noGrp="1"/>
-          </p:cNvSpPr>
-          <p:nvPr>
-            <p:ph type="title"/>
-          </p:nvPr>
-        </p:nvSpPr>
-        <p:spPr/>
-        <p:txBody>
-          <a:bodyPr>
-            <a:normAutofit fontScale="90000"/>
-          </a:bodyPr>
-          <a:lstStyle/>
-          <a:p>
-            <a:r>
-              <a:rPr lang="en-US" dirty="0"/>
-              <a:t>Fallacy of existing models for modeling networks with complex topology</a:t>
-            </a:r>
-          </a:p>
-        </p:txBody>
-      </p:sp>
-      <p:sp>
-        <p:nvSpPr>
-          <p:cNvPr id="3" name="Content Placeholder 2">
-            <a:extLst>
-              <a:ext uri="{FF2B5EF4-FFF2-40B4-BE49-F238E27FC236}">
-                <a16:creationId xmlns:a16="http://schemas.microsoft.com/office/drawing/2014/main" id="{C3BD0041-66BC-4E5E-9BCB-ADD73917935E}"/>
-              </a:ext>
-            </a:extLst>
-          </p:cNvPr>
-          <p:cNvSpPr>
-            <a:spLocks noGrp="1"/>
-          </p:cNvSpPr>
-          <p:nvPr>
-            <p:ph idx="1"/>
-          </p:nvPr>
-        </p:nvSpPr>
-        <p:spPr/>
-        <p:txBody>
-          <a:bodyPr>
-            <a:normAutofit/>
-          </a:bodyPr>
-          <a:lstStyle/>
-          <a:p>
-            <a:r>
-              <a:rPr lang="en-US" dirty="0"/>
-              <a:t>As vertices increase, the probability of being connected to any one particular vertex decreases exponentially</a:t>
-            </a:r>
-          </a:p>
-          <a:p>
-            <a:r>
-              <a:rPr lang="en-US" dirty="0"/>
-              <a:t>In real world networks a high k occurs often.  Think of celebrities followed on Instagram or papers cited in academia</a:t>
-            </a:r>
-          </a:p>
-          <a:p>
-            <a:r>
-              <a:rPr lang="en-US" dirty="0"/>
-              <a:t>Both assume new vertices aren’t being added</a:t>
-            </a:r>
-          </a:p>
-          <a:p>
-            <a:pPr lvl="1"/>
-            <a:r>
-              <a:rPr lang="en-US" dirty="0"/>
-              <a:t>Real systems the number of vertices N is constantly increasing</a:t>
-            </a:r>
-          </a:p>
-          <a:p>
-            <a:r>
-              <a:rPr lang="en-US" dirty="0"/>
-              <a:t>Don’t take into account how new vertices prefer to connect to well established vertices</a:t>
-            </a:r>
-          </a:p>
-          <a:p>
-            <a:pPr lvl="1"/>
-            <a:r>
-              <a:rPr lang="en-US" dirty="0"/>
-              <a:t>Ex: a new actor is more likely to be case in a supporting role with an already established actor</a:t>
-            </a:r>
-          </a:p>
-        </p:txBody>
-      </p:sp>
-    </p:spTree>
-    <p:extLst>
-      <p:ext uri="{BB962C8B-B14F-4D97-AF65-F5344CB8AC3E}">
-        <p14:creationId xmlns:p14="http://schemas.microsoft.com/office/powerpoint/2010/main" val="3147715305"/>
-      </p:ext>
-    </p:extLst>
-  </p:cSld>
-  <p:clrMapOvr>
-    <a:masterClrMapping/>
-  </p:clrMapOvr>
-</p:sld>
-</file>
-
-<file path=ppt/slides/slide13.xml><?xml version="1.0" encoding="utf-8"?>
-<p:sld xmlns:a="http://schemas.openxmlformats.org/drawingml/2006/main" xmlns:r="http://schemas.openxmlformats.org/officeDocument/2006/relationships" xmlns:p="http://schemas.openxmlformats.org/presentationml/2006/main">
-  <p:cSld>
-    <p:spTree>
-      <p:nvGrpSpPr>
-        <p:cNvPr id="1" name=""/>
-        <p:cNvGrpSpPr/>
-        <p:nvPr/>
-      </p:nvGrpSpPr>
-      <p:grpSpPr>
-        <a:xfrm>
-          <a:off x="0" y="0"/>
-          <a:ext cx="0" cy="0"/>
-          <a:chOff x="0" y="0"/>
-          <a:chExt cx="0" cy="0"/>
-        </a:xfrm>
-      </p:grpSpPr>
-      <p:sp>
-        <p:nvSpPr>
-          <p:cNvPr id="2" name="Title 1">
-            <a:extLst>
-              <a:ext uri="{FF2B5EF4-FFF2-40B4-BE49-F238E27FC236}">
                 <a16:creationId xmlns:a16="http://schemas.microsoft.com/office/drawing/2014/main" id="{9E003FD4-C14D-4E93-87EF-6A1F46EBC702}"/>
               </a:ext>
             </a:extLst>
@@ -5059,7 +4622,7 @@
               <a:p>
                 <a:r>
                   <a:rPr lang="en-US" dirty="0"/>
-                  <a:t>Know the network connectivity of a node is based on </a:t>
+                  <a:t>Know the network connectivity of a vertex is based on </a:t>
                 </a:r>
                 <a14:m>
                   <m:oMath xmlns:m="http://schemas.openxmlformats.org/officeDocument/2006/math">
@@ -5131,7 +4694,13 @@
               <a:p>
                 <a:r>
                   <a:rPr lang="en-US" dirty="0"/>
-                  <a:t>Have to devise an equation that fits that distribution, where some are above and some are below that general probability</a:t>
+                  <a:t>Account for new nodes being added</a:t>
+                </a:r>
+              </a:p>
+              <a:p>
+                <a:r>
+                  <a:rPr lang="en-US" dirty="0"/>
+                  <a:t>Account for preferential links to popular nodes</a:t>
                 </a:r>
               </a:p>
             </p:txBody>
@@ -5158,7 +4727,7 @@
               <a:blipFill>
                 <a:blip r:embed="rId2"/>
                 <a:stretch>
-                  <a:fillRect l="-142" t="-1120" r="-355"/>
+                  <a:fillRect l="-142" t="-1120"/>
                 </a:stretch>
               </a:blipFill>
             </p:spPr>
@@ -5190,7 +4759,7 @@
 </p:sld>
 </file>
 
-<file path=ppt/slides/slide14.xml><?xml version="1.0" encoding="utf-8"?>
+<file path=ppt/slides/slide11.xml><?xml version="1.0" encoding="utf-8"?>
 <p:sld xmlns:a="http://schemas.openxmlformats.org/drawingml/2006/main" xmlns:r="http://schemas.openxmlformats.org/officeDocument/2006/relationships" xmlns:p="http://schemas.openxmlformats.org/presentationml/2006/main">
   <p:cSld>
     <p:spTree>
@@ -5583,7 +5152,7 @@
             </p:nvSpPr>
             <p:spPr>
               <a:blipFill>
-                <a:blip r:embed="rId2"/>
+                <a:blip r:embed="rId3"/>
                 <a:stretch>
                   <a:fillRect l="-142" t="-1120"/>
                 </a:stretch>
@@ -5617,7 +5186,7 @@
 </p:sld>
 </file>
 
-<file path=ppt/slides/slide15.xml><?xml version="1.0" encoding="utf-8"?>
+<file path=ppt/slides/slide12.xml><?xml version="1.0" encoding="utf-8"?>
 <p:sld xmlns:a="http://schemas.openxmlformats.org/drawingml/2006/main" xmlns:r="http://schemas.openxmlformats.org/officeDocument/2006/relationships" xmlns:p="http://schemas.openxmlformats.org/presentationml/2006/main">
   <p:cSld>
     <p:spTree>
@@ -6049,7 +5618,7 @@
 </p:sld>
 </file>
 
-<file path=ppt/slides/slide16.xml><?xml version="1.0" encoding="utf-8"?>
+<file path=ppt/slides/slide13.xml><?xml version="1.0" encoding="utf-8"?>
 <p:sld xmlns:a="http://schemas.openxmlformats.org/drawingml/2006/main" xmlns:r="http://schemas.openxmlformats.org/officeDocument/2006/relationships" xmlns:p="http://schemas.openxmlformats.org/presentationml/2006/main">
   <p:cSld>
     <p:spTree>
@@ -6183,7 +5752,7 @@
             </p:spPr>
             <p:txBody>
               <a:bodyPr vert="horz" lIns="91440" tIns="45720" rIns="91440" bIns="45720" rtlCol="0">
-                <a:normAutofit fontScale="92500" lnSpcReduction="10000"/>
+                <a:normAutofit fontScale="92500" lnSpcReduction="20000"/>
               </a:bodyPr>
               <a:lstStyle>
                 <a:lvl1pPr marL="182880" indent="-182880" algn="l" defTabSz="914400" rtl="0" eaLnBrk="1" latinLnBrk="0" hangingPunct="1">
@@ -6444,7 +6013,7 @@
                 <a:pPr lvl="1"/>
                 <a:r>
                   <a:rPr lang="en-US" dirty="0"/>
-                  <a:t>A – no new vertices are added </a:t>
+                  <a:t>A – no new vertices are added. Conforms at first but over time does not</a:t>
                 </a:r>
               </a:p>
               <a:p>
@@ -6656,7 +6225,7 @@
               <a:blipFill>
                 <a:blip r:embed="rId5"/>
                 <a:stretch>
-                  <a:fillRect l="-115" t="-1261" b="-140"/>
+                  <a:fillRect l="-115" t="-1821" r="-577"/>
                 </a:stretch>
               </a:blipFill>
             </p:spPr>
@@ -6688,6 +6257,300 @@
 </p:sld>
 </file>
 
+<file path=ppt/slides/slide14.xml><?xml version="1.0" encoding="utf-8"?>
+<p:sld xmlns:a="http://schemas.openxmlformats.org/drawingml/2006/main" xmlns:r="http://schemas.openxmlformats.org/officeDocument/2006/relationships" xmlns:p="http://schemas.openxmlformats.org/presentationml/2006/main">
+  <p:cSld>
+    <p:spTree>
+      <p:nvGrpSpPr>
+        <p:cNvPr id="1" name=""/>
+        <p:cNvGrpSpPr/>
+        <p:nvPr/>
+      </p:nvGrpSpPr>
+      <p:grpSpPr>
+        <a:xfrm>
+          <a:off x="0" y="0"/>
+          <a:ext cx="0" cy="0"/>
+          <a:chOff x="0" y="0"/>
+          <a:chExt cx="0" cy="0"/>
+        </a:xfrm>
+      </p:grpSpPr>
+      <p:sp>
+        <p:nvSpPr>
+          <p:cNvPr id="2" name="Title 1">
+            <a:extLst>
+              <a:ext uri="{FF2B5EF4-FFF2-40B4-BE49-F238E27FC236}">
+                <a16:creationId xmlns:a16="http://schemas.microsoft.com/office/drawing/2014/main" id="{B7CC12BA-E9D0-41B1-AB84-4F42F691D83D}"/>
+              </a:ext>
+            </a:extLst>
+          </p:cNvPr>
+          <p:cNvSpPr>
+            <a:spLocks noGrp="1"/>
+          </p:cNvSpPr>
+          <p:nvPr>
+            <p:ph type="title"/>
+          </p:nvPr>
+        </p:nvSpPr>
+        <p:spPr/>
+        <p:txBody>
+          <a:bodyPr/>
+          <a:lstStyle/>
+          <a:p>
+            <a:r>
+              <a:rPr lang="en-US" dirty="0"/>
+              <a:t>Strength 1</a:t>
+            </a:r>
+          </a:p>
+        </p:txBody>
+      </p:sp>
+      <p:sp>
+        <p:nvSpPr>
+          <p:cNvPr id="3" name="Content Placeholder 2">
+            <a:extLst>
+              <a:ext uri="{FF2B5EF4-FFF2-40B4-BE49-F238E27FC236}">
+                <a16:creationId xmlns:a16="http://schemas.microsoft.com/office/drawing/2014/main" id="{9E41210F-988E-4F6F-A7F8-2A9B6A220B78}"/>
+              </a:ext>
+            </a:extLst>
+          </p:cNvPr>
+          <p:cNvSpPr>
+            <a:spLocks noGrp="1"/>
+          </p:cNvSpPr>
+          <p:nvPr>
+            <p:ph idx="1"/>
+          </p:nvPr>
+        </p:nvSpPr>
+        <p:spPr/>
+        <p:txBody>
+          <a:bodyPr/>
+          <a:lstStyle/>
+          <a:p>
+            <a:r>
+              <a:rPr lang="en-US" dirty="0"/>
+              <a:t>Gives examples of networks with lots of vertices and relatively small amount of vertices and did analysis of both</a:t>
+            </a:r>
+          </a:p>
+          <a:p>
+            <a:r>
+              <a:rPr lang="en-US" dirty="0"/>
+              <a:t>Helped the reader see a good example of the range of the exponent variable as well give the reader a reference for estimating the exponent variable for a system they might be studying</a:t>
+            </a:r>
+          </a:p>
+          <a:p>
+            <a:r>
+              <a:rPr lang="en-US" dirty="0"/>
+              <a:t>Also, helped the reader identify exactly which type of networks fall under the scale-free umbrella</a:t>
+            </a:r>
+          </a:p>
+        </p:txBody>
+      </p:sp>
+    </p:spTree>
+    <p:extLst>
+      <p:ext uri="{BB962C8B-B14F-4D97-AF65-F5344CB8AC3E}">
+        <p14:creationId xmlns:p14="http://schemas.microsoft.com/office/powerpoint/2010/main" val="646189694"/>
+      </p:ext>
+    </p:extLst>
+  </p:cSld>
+  <p:clrMapOvr>
+    <a:masterClrMapping/>
+  </p:clrMapOvr>
+</p:sld>
+</file>
+
+<file path=ppt/slides/slide15.xml><?xml version="1.0" encoding="utf-8"?>
+<p:sld xmlns:a="http://schemas.openxmlformats.org/drawingml/2006/main" xmlns:r="http://schemas.openxmlformats.org/officeDocument/2006/relationships" xmlns:p="http://schemas.openxmlformats.org/presentationml/2006/main">
+  <p:cSld>
+    <p:spTree>
+      <p:nvGrpSpPr>
+        <p:cNvPr id="1" name=""/>
+        <p:cNvGrpSpPr/>
+        <p:nvPr/>
+      </p:nvGrpSpPr>
+      <p:grpSpPr>
+        <a:xfrm>
+          <a:off x="0" y="0"/>
+          <a:ext cx="0" cy="0"/>
+          <a:chOff x="0" y="0"/>
+          <a:chExt cx="0" cy="0"/>
+        </a:xfrm>
+      </p:grpSpPr>
+      <p:sp>
+        <p:nvSpPr>
+          <p:cNvPr id="2" name="Title 1">
+            <a:extLst>
+              <a:ext uri="{FF2B5EF4-FFF2-40B4-BE49-F238E27FC236}">
+                <a16:creationId xmlns:a16="http://schemas.microsoft.com/office/drawing/2014/main" id="{BC9249B8-B6CD-4F01-81CD-3EA781B7138B}"/>
+              </a:ext>
+            </a:extLst>
+          </p:cNvPr>
+          <p:cNvSpPr>
+            <a:spLocks noGrp="1"/>
+          </p:cNvSpPr>
+          <p:nvPr>
+            <p:ph type="title"/>
+          </p:nvPr>
+        </p:nvSpPr>
+        <p:spPr/>
+        <p:txBody>
+          <a:bodyPr/>
+          <a:lstStyle/>
+          <a:p>
+            <a:r>
+              <a:rPr lang="en-US" dirty="0"/>
+              <a:t>Strength 2</a:t>
+            </a:r>
+          </a:p>
+        </p:txBody>
+      </p:sp>
+      <p:sp>
+        <p:nvSpPr>
+          <p:cNvPr id="3" name="Content Placeholder 2">
+            <a:extLst>
+              <a:ext uri="{FF2B5EF4-FFF2-40B4-BE49-F238E27FC236}">
+                <a16:creationId xmlns:a16="http://schemas.microsoft.com/office/drawing/2014/main" id="{9E013E68-490C-4592-9D27-E1580E259AA3}"/>
+              </a:ext>
+            </a:extLst>
+          </p:cNvPr>
+          <p:cNvSpPr>
+            <a:spLocks noGrp="1"/>
+          </p:cNvSpPr>
+          <p:nvPr>
+            <p:ph idx="1"/>
+          </p:nvPr>
+        </p:nvSpPr>
+        <p:spPr/>
+        <p:txBody>
+          <a:bodyPr/>
+          <a:lstStyle/>
+          <a:p>
+            <a:r>
+              <a:rPr lang="en-US" dirty="0"/>
+              <a:t>Takes the existing models and explains how they don’t work for scale-free networks</a:t>
+            </a:r>
+          </a:p>
+          <a:p>
+            <a:r>
+              <a:rPr lang="en-US" dirty="0"/>
+              <a:t>This allows readers already familiar with the field to quickly see the use of the additional research presented in this paper</a:t>
+            </a:r>
+          </a:p>
+        </p:txBody>
+      </p:sp>
+    </p:spTree>
+    <p:extLst>
+      <p:ext uri="{BB962C8B-B14F-4D97-AF65-F5344CB8AC3E}">
+        <p14:creationId xmlns:p14="http://schemas.microsoft.com/office/powerpoint/2010/main" val="2012162582"/>
+      </p:ext>
+    </p:extLst>
+  </p:cSld>
+  <p:clrMapOvr>
+    <a:masterClrMapping/>
+  </p:clrMapOvr>
+</p:sld>
+</file>
+
+<file path=ppt/slides/slide16.xml><?xml version="1.0" encoding="utf-8"?>
+<p:sld xmlns:a="http://schemas.openxmlformats.org/drawingml/2006/main" xmlns:r="http://schemas.openxmlformats.org/officeDocument/2006/relationships" xmlns:p="http://schemas.openxmlformats.org/presentationml/2006/main">
+  <p:cSld>
+    <p:spTree>
+      <p:nvGrpSpPr>
+        <p:cNvPr id="1" name=""/>
+        <p:cNvGrpSpPr/>
+        <p:nvPr/>
+      </p:nvGrpSpPr>
+      <p:grpSpPr>
+        <a:xfrm>
+          <a:off x="0" y="0"/>
+          <a:ext cx="0" cy="0"/>
+          <a:chOff x="0" y="0"/>
+          <a:chExt cx="0" cy="0"/>
+        </a:xfrm>
+      </p:grpSpPr>
+      <p:sp>
+        <p:nvSpPr>
+          <p:cNvPr id="2" name="Title 1">
+            <a:extLst>
+              <a:ext uri="{FF2B5EF4-FFF2-40B4-BE49-F238E27FC236}">
+                <a16:creationId xmlns:a16="http://schemas.microsoft.com/office/drawing/2014/main" id="{412BF725-EBBE-4B16-9D08-5EA43A06D571}"/>
+              </a:ext>
+            </a:extLst>
+          </p:cNvPr>
+          <p:cNvSpPr>
+            <a:spLocks noGrp="1"/>
+          </p:cNvSpPr>
+          <p:nvPr>
+            <p:ph type="title"/>
+          </p:nvPr>
+        </p:nvSpPr>
+        <p:spPr/>
+        <p:txBody>
+          <a:bodyPr/>
+          <a:lstStyle/>
+          <a:p>
+            <a:r>
+              <a:rPr lang="en-US" dirty="0"/>
+              <a:t>Strength 3</a:t>
+            </a:r>
+          </a:p>
+        </p:txBody>
+      </p:sp>
+      <p:sp>
+        <p:nvSpPr>
+          <p:cNvPr id="3" name="Content Placeholder 2">
+            <a:extLst>
+              <a:ext uri="{FF2B5EF4-FFF2-40B4-BE49-F238E27FC236}">
+                <a16:creationId xmlns:a16="http://schemas.microsoft.com/office/drawing/2014/main" id="{876B6F13-7DA4-4EC6-AEAB-951F5EF8C310}"/>
+              </a:ext>
+            </a:extLst>
+          </p:cNvPr>
+          <p:cNvSpPr>
+            <a:spLocks noGrp="1"/>
+          </p:cNvSpPr>
+          <p:nvPr>
+            <p:ph idx="1"/>
+          </p:nvPr>
+        </p:nvSpPr>
+        <p:spPr/>
+        <p:txBody>
+          <a:bodyPr/>
+          <a:lstStyle/>
+          <a:p>
+            <a:r>
+              <a:rPr lang="en-US" dirty="0"/>
+              <a:t>Creates models which counter their own to demonstrate their model wasn’t a fluke</a:t>
+            </a:r>
+          </a:p>
+          <a:p>
+            <a:r>
+              <a:rPr lang="en-US" dirty="0"/>
+              <a:t>They created a model to show that adding new vertices is necessary for scale-free networks</a:t>
+            </a:r>
+          </a:p>
+          <a:p>
+            <a:r>
+              <a:rPr lang="en-US" dirty="0"/>
+              <a:t>They also created a model to show that preferential treatment is also necessary for scale-free networks</a:t>
+            </a:r>
+          </a:p>
+          <a:p>
+            <a:r>
+              <a:rPr lang="en-US" dirty="0"/>
+              <a:t>Added credibility to the paper and the research contributed to the field as a whole</a:t>
+            </a:r>
+          </a:p>
+        </p:txBody>
+      </p:sp>
+    </p:spTree>
+    <p:extLst>
+      <p:ext uri="{BB962C8B-B14F-4D97-AF65-F5344CB8AC3E}">
+        <p14:creationId xmlns:p14="http://schemas.microsoft.com/office/powerpoint/2010/main" val="1700241533"/>
+      </p:ext>
+    </p:extLst>
+  </p:cSld>
+  <p:clrMapOvr>
+    <a:masterClrMapping/>
+  </p:clrMapOvr>
+</p:sld>
+</file>
+
 <file path=ppt/slides/slide17.xml><?xml version="1.0" encoding="utf-8"?>
 <p:sld xmlns:a="http://schemas.openxmlformats.org/drawingml/2006/main" xmlns:r="http://schemas.openxmlformats.org/officeDocument/2006/relationships" xmlns:p="http://schemas.openxmlformats.org/presentationml/2006/main">
   <p:cSld>
@@ -6710,7 +6573,7 @@
           <p:cNvPr id="2" name="Title 1">
             <a:extLst>
               <a:ext uri="{FF2B5EF4-FFF2-40B4-BE49-F238E27FC236}">
-                <a16:creationId xmlns:a16="http://schemas.microsoft.com/office/drawing/2014/main" id="{B7CC12BA-E9D0-41B1-AB84-4F42F691D83D}"/>
+                <a16:creationId xmlns:a16="http://schemas.microsoft.com/office/drawing/2014/main" id="{EE4C501E-4A5E-4950-90D5-6FE04DED60FB}"/>
               </a:ext>
             </a:extLst>
           </p:cNvPr>
@@ -6728,7 +6591,7 @@
           <a:p>
             <a:r>
               <a:rPr lang="en-US" dirty="0"/>
-              <a:t>Strength 1</a:t>
+              <a:t>Weakness 1</a:t>
             </a:r>
           </a:p>
         </p:txBody>
@@ -6738,7 +6601,7 @@
           <p:cNvPr id="3" name="Content Placeholder 2">
             <a:extLst>
               <a:ext uri="{FF2B5EF4-FFF2-40B4-BE49-F238E27FC236}">
-                <a16:creationId xmlns:a16="http://schemas.microsoft.com/office/drawing/2014/main" id="{9E41210F-988E-4F6F-A7F8-2A9B6A220B78}"/>
+                <a16:creationId xmlns:a16="http://schemas.microsoft.com/office/drawing/2014/main" id="{7F925886-C4AC-4DE3-B6DD-7B7FF4594BE2}"/>
               </a:ext>
             </a:extLst>
           </p:cNvPr>
@@ -6756,13 +6619,19 @@
           <a:p>
             <a:r>
               <a:rPr lang="en-US" dirty="0"/>
-              <a:t>Gives examples of networks with lots of vertices and relatively small amount of vertices and did analysis of both</a:t>
-            </a:r>
-          </a:p>
-          <a:p>
-            <a:r>
-              <a:rPr lang="en-US" dirty="0"/>
-              <a:t>Helped the reader see a good example of the range of the exponent variable as well give the reader a reference for estimating the exponent variable for a system they might be studying</a:t>
+              <a:t>Did not do enough analysis on real systems to show that they use preferential treatment and expanding nodes</a:t>
+            </a:r>
+          </a:p>
+          <a:p>
+            <a:r>
+              <a:rPr lang="en-US" dirty="0"/>
+              <a:t>Could have done their own analysis to show definitively that real systems are scale-free because of the reasons that they think</a:t>
+            </a:r>
+          </a:p>
+          <a:p>
+            <a:r>
+              <a:rPr lang="en-US" dirty="0"/>
+              <a:t>They prove that their methods will produce a scale-free network, but not that real networks are scale free because of preferential treatment</a:t>
             </a:r>
           </a:p>
         </p:txBody>
@@ -6770,7 +6639,7 @@
     </p:spTree>
     <p:extLst>
       <p:ext uri="{BB962C8B-B14F-4D97-AF65-F5344CB8AC3E}">
-        <p14:creationId xmlns:p14="http://schemas.microsoft.com/office/powerpoint/2010/main" val="646189694"/>
+        <p14:creationId xmlns:p14="http://schemas.microsoft.com/office/powerpoint/2010/main" val="1490933926"/>
       </p:ext>
     </p:extLst>
   </p:cSld>
@@ -6802,7 +6671,7 @@
           <p:cNvPr id="2" name="Title 1">
             <a:extLst>
               <a:ext uri="{FF2B5EF4-FFF2-40B4-BE49-F238E27FC236}">
-                <a16:creationId xmlns:a16="http://schemas.microsoft.com/office/drawing/2014/main" id="{BC9249B8-B6CD-4F01-81CD-3EA781B7138B}"/>
+                <a16:creationId xmlns:a16="http://schemas.microsoft.com/office/drawing/2014/main" id="{E94AE765-5BB2-4B78-83F5-265410D66140}"/>
               </a:ext>
             </a:extLst>
           </p:cNvPr>
@@ -6820,7 +6689,7 @@
           <a:p>
             <a:r>
               <a:rPr lang="en-US" dirty="0"/>
-              <a:t>Strength 2</a:t>
+              <a:t>Weakness 2</a:t>
             </a:r>
           </a:p>
         </p:txBody>
@@ -6830,7 +6699,7 @@
           <p:cNvPr id="3" name="Content Placeholder 2">
             <a:extLst>
               <a:ext uri="{FF2B5EF4-FFF2-40B4-BE49-F238E27FC236}">
-                <a16:creationId xmlns:a16="http://schemas.microsoft.com/office/drawing/2014/main" id="{9E013E68-490C-4592-9D27-E1580E259AA3}"/>
+                <a16:creationId xmlns:a16="http://schemas.microsoft.com/office/drawing/2014/main" id="{EC37E7D1-F561-42F3-B326-6BCF6D5E5F8B}"/>
               </a:ext>
             </a:extLst>
           </p:cNvPr>
@@ -6848,19 +6717,30 @@
           <a:p>
             <a:r>
               <a:rPr lang="en-US" dirty="0"/>
-              <a:t>Takes the existing models and explains what is wrong with them and gives improvements to real systems</a:t>
-            </a:r>
-          </a:p>
-          <a:p>
-            <a:r>
-              <a:rPr lang="en-US" dirty="0"/>
-              <a:t>This shows that there is definitely more work to do in this field</a:t>
-            </a:r>
-          </a:p>
-          <a:p>
-            <a:r>
-              <a:rPr lang="en-US" dirty="0"/>
-              <a:t>Shows how their new findings relate to the real-world by using real, measurable examples</a:t>
+              <a:t>Came to the conclusion they set out to without factoring in disconnecting vertices</a:t>
+            </a:r>
+          </a:p>
+          <a:p>
+            <a:r>
+              <a:rPr lang="en-US" dirty="0"/>
+              <a:t>They mentioned this in the paper, but did not explore </a:t>
+            </a:r>
+            <a:r>
+              <a:rPr lang="en-US"/>
+              <a:t>it further</a:t>
+            </a:r>
+            <a:endParaRPr lang="en-US" dirty="0"/>
+          </a:p>
+          <a:p>
+            <a:r>
+              <a:rPr lang="en-US" dirty="0"/>
+              <a:t>This somewhat weakens their results since most of these networks have nodes constantly disconnecting and reconnecting</a:t>
+            </a:r>
+          </a:p>
+          <a:p>
+            <a:r>
+              <a:rPr lang="en-US" dirty="0"/>
+              <a:t>With their research there’s no way to determine how much disconnecting vertices would factor into their results</a:t>
             </a:r>
           </a:p>
         </p:txBody>
@@ -6868,7 +6748,7 @@
     </p:spTree>
     <p:extLst>
       <p:ext uri="{BB962C8B-B14F-4D97-AF65-F5344CB8AC3E}">
-        <p14:creationId xmlns:p14="http://schemas.microsoft.com/office/powerpoint/2010/main" val="2012162582"/>
+        <p14:creationId xmlns:p14="http://schemas.microsoft.com/office/powerpoint/2010/main" val="96959833"/>
       </p:ext>
     </p:extLst>
   </p:cSld>
@@ -6900,7 +6780,7 @@
           <p:cNvPr id="2" name="Title 1">
             <a:extLst>
               <a:ext uri="{FF2B5EF4-FFF2-40B4-BE49-F238E27FC236}">
-                <a16:creationId xmlns:a16="http://schemas.microsoft.com/office/drawing/2014/main" id="{412BF725-EBBE-4B16-9D08-5EA43A06D571}"/>
+                <a16:creationId xmlns:a16="http://schemas.microsoft.com/office/drawing/2014/main" id="{167BAE0A-133F-43B9-911E-03B080FB771E}"/>
               </a:ext>
             </a:extLst>
           </p:cNvPr>
@@ -6918,7 +6798,7 @@
           <a:p>
             <a:r>
               <a:rPr lang="en-US" dirty="0"/>
-              <a:t>Strength 3</a:t>
+              <a:t>Weakness 3</a:t>
             </a:r>
           </a:p>
         </p:txBody>
@@ -6928,7 +6808,7 @@
           <p:cNvPr id="3" name="Content Placeholder 2">
             <a:extLst>
               <a:ext uri="{FF2B5EF4-FFF2-40B4-BE49-F238E27FC236}">
-                <a16:creationId xmlns:a16="http://schemas.microsoft.com/office/drawing/2014/main" id="{876B6F13-7DA4-4EC6-AEAB-951F5EF8C310}"/>
+                <a16:creationId xmlns:a16="http://schemas.microsoft.com/office/drawing/2014/main" id="{021CA70C-0D18-415B-A6DB-AFD6DB430661}"/>
               </a:ext>
             </a:extLst>
           </p:cNvPr>
@@ -6944,14 +6824,56 @@
           <a:bodyPr/>
           <a:lstStyle/>
           <a:p>
-            <a:endParaRPr lang="en-US"/>
+            <a:r>
+              <a:rPr lang="en-US" dirty="0"/>
+              <a:t>In addition to running models without a growing N and without preferential treatment, they could have also run the </a:t>
+            </a:r>
+            <a:r>
+              <a:rPr lang="en-US" dirty="0" err="1"/>
+              <a:t>Erdős</a:t>
+            </a:r>
+            <a:r>
+              <a:rPr lang="en-US" dirty="0"/>
+              <a:t>–</a:t>
+            </a:r>
+            <a:r>
+              <a:rPr lang="en-US" dirty="0" err="1"/>
+              <a:t>Rényi</a:t>
+            </a:r>
+            <a:r>
+              <a:rPr lang="en-US" dirty="0"/>
+              <a:t> and Watts-</a:t>
+            </a:r>
+            <a:r>
+              <a:rPr lang="en-US" dirty="0" err="1"/>
+              <a:t>Strogatz</a:t>
+            </a:r>
+            <a:r>
+              <a:rPr lang="en-US" dirty="0"/>
+              <a:t> models with an increasing N.</a:t>
+            </a:r>
+          </a:p>
+          <a:p>
+            <a:r>
+              <a:rPr lang="en-US" dirty="0"/>
+              <a:t>Both of the previous models were designed to run with a fixed number of vertices. If run with a growing N the author could further prove that preferential treatment is necessary for scale-free networks.</a:t>
+            </a:r>
+          </a:p>
+          <a:p>
+            <a:r>
+              <a:rPr lang="en-US" dirty="0"/>
+              <a:t>Without doing this it is only assumed that the previous models would not work to model growing systems</a:t>
+            </a:r>
+          </a:p>
+          <a:p>
+            <a:endParaRPr lang="en-US" dirty="0"/>
           </a:p>
         </p:txBody>
       </p:sp>
     </p:spTree>
     <p:extLst>
       <p:ext uri="{BB962C8B-B14F-4D97-AF65-F5344CB8AC3E}">
-        <p14:creationId xmlns:p14="http://schemas.microsoft.com/office/powerpoint/2010/main" val="1700241533"/>
+        <p14:creationId xmlns:p14="http://schemas.microsoft.com/office/powerpoint/2010/main" val="2571844273"/>
       </p:ext>
     </p:extLst>
   </p:cSld>
@@ -7029,25 +6951,25 @@
           <a:p>
             <a:r>
               <a:rPr lang="en-US" dirty="0"/>
-              <a:t>Takes advantage of new technologies to predict model systems with complex topology</a:t>
-            </a:r>
-          </a:p>
-          <a:p>
-            <a:r>
-              <a:rPr lang="en-US" dirty="0"/>
-              <a:t>The systems are composed of vertices and edges that link the vertices</a:t>
-            </a:r>
-          </a:p>
-          <a:p>
-            <a:r>
-              <a:rPr lang="en-US" dirty="0"/>
-              <a:t>The systems are constantly adding new vertices and new edges are added</a:t>
-            </a:r>
-          </a:p>
-          <a:p>
-            <a:r>
-              <a:rPr lang="en-US" dirty="0"/>
-              <a:t>Creates a model which simulates these systems</a:t>
+              <a:t>Takes advantage of new technologies and knowledge to model scale-free networks</a:t>
+            </a:r>
+          </a:p>
+          <a:p>
+            <a:r>
+              <a:rPr lang="en-US" dirty="0"/>
+              <a:t>The networks are composed of vertices and edges that link the vertices</a:t>
+            </a:r>
+          </a:p>
+          <a:p>
+            <a:r>
+              <a:rPr lang="en-US" dirty="0"/>
+              <a:t>The networks are constantly adding new vertices and new edges are added</a:t>
+            </a:r>
+          </a:p>
+          <a:p>
+            <a:r>
+              <a:rPr lang="en-US" dirty="0"/>
+              <a:t>The model addresses expanding vertices and how new vertices prefer to link to already well established vertices</a:t>
             </a:r>
           </a:p>
           <a:p>
@@ -7090,7 +7012,7 @@
           <p:cNvPr id="2" name="Title 1">
             <a:extLst>
               <a:ext uri="{FF2B5EF4-FFF2-40B4-BE49-F238E27FC236}">
-                <a16:creationId xmlns:a16="http://schemas.microsoft.com/office/drawing/2014/main" id="{EE4C501E-4A5E-4950-90D5-6FE04DED60FB}"/>
+                <a16:creationId xmlns:a16="http://schemas.microsoft.com/office/drawing/2014/main" id="{5D4F588D-78F3-46B1-BDB7-415CAC36CFF6}"/>
               </a:ext>
             </a:extLst>
           </p:cNvPr>
@@ -7108,7 +7030,7 @@
           <a:p>
             <a:r>
               <a:rPr lang="en-US" dirty="0"/>
-              <a:t>Weakness 1</a:t>
+              <a:t>Extension 1</a:t>
             </a:r>
           </a:p>
         </p:txBody>
@@ -7118,7 +7040,7 @@
           <p:cNvPr id="3" name="Content Placeholder 2">
             <a:extLst>
               <a:ext uri="{FF2B5EF4-FFF2-40B4-BE49-F238E27FC236}">
-                <a16:creationId xmlns:a16="http://schemas.microsoft.com/office/drawing/2014/main" id="{7F925886-C4AC-4DE3-B6DD-7B7FF4594BE2}"/>
+                <a16:creationId xmlns:a16="http://schemas.microsoft.com/office/drawing/2014/main" id="{C49283C8-EFCB-41F0-BEC3-F91E542F9C89}"/>
               </a:ext>
             </a:extLst>
           </p:cNvPr>
@@ -7136,19 +7058,25 @@
           <a:p>
             <a:r>
               <a:rPr lang="en-US" dirty="0"/>
-              <a:t>Don’t explain the method of how they found the topology of the complex networks they analyzed</a:t>
-            </a:r>
-          </a:p>
-          <a:p>
-            <a:r>
-              <a:rPr lang="en-US" dirty="0"/>
-              <a:t>Unable to determine how good their results were</a:t>
-            </a:r>
-          </a:p>
-          <a:p>
-            <a:r>
-              <a:rPr lang="en-US" dirty="0"/>
-              <a:t>Makes it difficult to replicate their findings</a:t>
+              <a:t>Analysis of Twitter users</a:t>
+            </a:r>
+          </a:p>
+          <a:p>
+            <a:r>
+              <a:rPr lang="en-US" dirty="0"/>
+              <a:t>Analyze followers </a:t>
+            </a:r>
+          </a:p>
+          <a:p>
+            <a:r>
+              <a:rPr lang="en-US" dirty="0"/>
+              <a:t>See trends of popular trends over time based off of new followers and links</a:t>
+            </a:r>
+          </a:p>
+          <a:p>
+            <a:r>
+              <a:rPr lang="en-US" dirty="0"/>
+              <a:t>Predict future trends based off of this data</a:t>
             </a:r>
           </a:p>
         </p:txBody>
@@ -7156,7 +7084,7 @@
     </p:spTree>
     <p:extLst>
       <p:ext uri="{BB962C8B-B14F-4D97-AF65-F5344CB8AC3E}">
-        <p14:creationId xmlns:p14="http://schemas.microsoft.com/office/powerpoint/2010/main" val="1490933926"/>
+        <p14:creationId xmlns:p14="http://schemas.microsoft.com/office/powerpoint/2010/main" val="3154303974"/>
       </p:ext>
     </p:extLst>
   </p:cSld>
@@ -7188,7 +7116,7 @@
           <p:cNvPr id="2" name="Title 1">
             <a:extLst>
               <a:ext uri="{FF2B5EF4-FFF2-40B4-BE49-F238E27FC236}">
-                <a16:creationId xmlns:a16="http://schemas.microsoft.com/office/drawing/2014/main" id="{E94AE765-5BB2-4B78-83F5-265410D66140}"/>
+                <a16:creationId xmlns:a16="http://schemas.microsoft.com/office/drawing/2014/main" id="{0705F3F2-EE9D-45A9-B525-FACA47FC88EC}"/>
               </a:ext>
             </a:extLst>
           </p:cNvPr>
@@ -7206,7 +7134,7 @@
           <a:p>
             <a:r>
               <a:rPr lang="en-US" dirty="0"/>
-              <a:t>Weakness 2</a:t>
+              <a:t>Extension 2</a:t>
             </a:r>
           </a:p>
         </p:txBody>
@@ -7216,7 +7144,7 @@
           <p:cNvPr id="3" name="Content Placeholder 2">
             <a:extLst>
               <a:ext uri="{FF2B5EF4-FFF2-40B4-BE49-F238E27FC236}">
-                <a16:creationId xmlns:a16="http://schemas.microsoft.com/office/drawing/2014/main" id="{EC37E7D1-F561-42F3-B326-6BCF6D5E5F8B}"/>
+                <a16:creationId xmlns:a16="http://schemas.microsoft.com/office/drawing/2014/main" id="{90229C8B-FB9E-46D2-AF70-3BAC010F6480}"/>
               </a:ext>
             </a:extLst>
           </p:cNvPr>
@@ -7229,17 +7157,67 @@
         </p:nvSpPr>
         <p:spPr/>
         <p:txBody>
-          <a:bodyPr/>
-          <a:lstStyle/>
-          <a:p>
-            <a:endParaRPr lang="en-US"/>
+          <a:bodyPr>
+            <a:normAutofit fontScale="92500" lnSpcReduction="20000"/>
+          </a:bodyPr>
+          <a:lstStyle/>
+          <a:p>
+            <a:r>
+              <a:rPr lang="en-US" dirty="0"/>
+              <a:t>Redo the experiment, but this time include vertices disconnecting from other vertices</a:t>
+            </a:r>
+          </a:p>
+          <a:p>
+            <a:r>
+              <a:rPr lang="en-US" dirty="0"/>
+              <a:t>To construct the test they would have to consider why vertices might disconnect to other vertices</a:t>
+            </a:r>
+          </a:p>
+          <a:p>
+            <a:r>
+              <a:rPr lang="en-US" dirty="0"/>
+              <a:t>Consider disconnecting an edge from a vertex based on how many other vertices disconnect from that vertex over a period of time.</a:t>
+            </a:r>
+          </a:p>
+          <a:p>
+            <a:pPr lvl="1"/>
+            <a:r>
+              <a:rPr lang="en-US" dirty="0"/>
+              <a:t>For instance in social networks a mass edge disconnect might occur after someone said an offensive statement or has become inactive for too long</a:t>
+            </a:r>
+          </a:p>
+          <a:p>
+            <a:pPr lvl="2"/>
+            <a:r>
+              <a:rPr lang="en-US" dirty="0"/>
+              <a:t>It would follow that if lots of vertices disconnect in a short period of time, it would be likely another vertex would disconnect</a:t>
+            </a:r>
+          </a:p>
+          <a:p>
+            <a:pPr lvl="1"/>
+            <a:r>
+              <a:rPr lang="en-US" dirty="0"/>
+              <a:t>Another example would be in the US electrical grid where disconnects would happen often if a transformer was starting to fail and couldn’t support all of its edges</a:t>
+            </a:r>
+          </a:p>
+          <a:p>
+            <a:r>
+              <a:rPr lang="en-US" dirty="0"/>
+              <a:t>In addition set up experiments where the disconnects happen randomly, over time, or if no new vertices have connected to a given vertex over a period of time</a:t>
+            </a:r>
+          </a:p>
+          <a:p>
+            <a:r>
+              <a:rPr lang="en-US" dirty="0"/>
+              <a:t>This would create a more complete model which would result in more accurate results and a more complete study</a:t>
+            </a:r>
           </a:p>
         </p:txBody>
       </p:sp>
     </p:spTree>
     <p:extLst>
       <p:ext uri="{BB962C8B-B14F-4D97-AF65-F5344CB8AC3E}">
-        <p14:creationId xmlns:p14="http://schemas.microsoft.com/office/powerpoint/2010/main" val="96959833"/>
+        <p14:creationId xmlns:p14="http://schemas.microsoft.com/office/powerpoint/2010/main" val="1238415667"/>
       </p:ext>
     </p:extLst>
   </p:cSld>
@@ -7271,7 +7249,7 @@
           <p:cNvPr id="2" name="Title 1">
             <a:extLst>
               <a:ext uri="{FF2B5EF4-FFF2-40B4-BE49-F238E27FC236}">
-                <a16:creationId xmlns:a16="http://schemas.microsoft.com/office/drawing/2014/main" id="{167BAE0A-133F-43B9-911E-03B080FB771E}"/>
+                <a16:creationId xmlns:a16="http://schemas.microsoft.com/office/drawing/2014/main" id="{BC75C628-4D09-483C-8C45-319BE37855E5}"/>
               </a:ext>
             </a:extLst>
           </p:cNvPr>
@@ -7289,7 +7267,7 @@
           <a:p>
             <a:r>
               <a:rPr lang="en-US" dirty="0"/>
-              <a:t>Weakness 3</a:t>
+              <a:t>References</a:t>
             </a:r>
           </a:p>
         </p:txBody>
@@ -7299,7 +7277,7 @@
           <p:cNvPr id="3" name="Content Placeholder 2">
             <a:extLst>
               <a:ext uri="{FF2B5EF4-FFF2-40B4-BE49-F238E27FC236}">
-                <a16:creationId xmlns:a16="http://schemas.microsoft.com/office/drawing/2014/main" id="{021CA70C-0D18-415B-A6DB-AFD6DB430661}"/>
+                <a16:creationId xmlns:a16="http://schemas.microsoft.com/office/drawing/2014/main" id="{763C280F-3C27-49F8-B093-F28192110EB3}"/>
               </a:ext>
             </a:extLst>
           </p:cNvPr>
@@ -7315,195 +7293,54 @@
           <a:bodyPr/>
           <a:lstStyle/>
           <a:p>
-            <a:endParaRPr lang="en-US"/>
+            <a:r>
+              <a:rPr lang="en-US" dirty="0" err="1"/>
+              <a:t>Barabási</a:t>
+            </a:r>
+            <a:r>
+              <a:rPr lang="en-US" dirty="0"/>
+              <a:t>, A., &amp; Albert, R. (1999). Emergence of Scaling in Random Networks. </a:t>
+            </a:r>
+            <a:r>
+              <a:rPr lang="en-US" i="1" dirty="0"/>
+              <a:t>Science,286</a:t>
+            </a:r>
+            <a:r>
+              <a:rPr lang="en-US" dirty="0"/>
+              <a:t>(5439), 509-512. doi:10.1126/science.286.5439.509 </a:t>
+            </a:r>
+          </a:p>
+          <a:p>
+            <a:r>
+              <a:rPr lang="en-US" dirty="0"/>
+              <a:t>Six degrees of separation. (2017, November 07). Retrieved November 19, 2017, from </a:t>
+            </a:r>
+            <a:r>
+              <a:rPr lang="en-US" dirty="0">
+                <a:hlinkClick r:id="rId2"/>
+              </a:rPr>
+              <a:t>https://en.wikipedia.org/wiki/Six_degrees_of_separation</a:t>
+            </a:r>
+            <a:endParaRPr lang="en-US" dirty="0"/>
+          </a:p>
+          <a:p>
+            <a:r>
+              <a:rPr lang="en-US" dirty="0"/>
+              <a:t>Scale-free network. (2017, October 11). Retrieved November 19, 2017, from https://en.wikipedia.org/wiki/Scale-free_network</a:t>
+            </a:r>
+          </a:p>
+          <a:p>
+            <a:endParaRPr lang="en-US" dirty="0"/>
+          </a:p>
+          <a:p>
+            <a:endParaRPr lang="en-US" dirty="0"/>
           </a:p>
         </p:txBody>
       </p:sp>
     </p:spTree>
     <p:extLst>
       <p:ext uri="{BB962C8B-B14F-4D97-AF65-F5344CB8AC3E}">
-        <p14:creationId xmlns:p14="http://schemas.microsoft.com/office/powerpoint/2010/main" val="2571844273"/>
-      </p:ext>
-    </p:extLst>
-  </p:cSld>
-  <p:clrMapOvr>
-    <a:masterClrMapping/>
-  </p:clrMapOvr>
-</p:sld>
-</file>
-
-<file path=ppt/slides/slide23.xml><?xml version="1.0" encoding="utf-8"?>
-<p:sld xmlns:a="http://schemas.openxmlformats.org/drawingml/2006/main" xmlns:r="http://schemas.openxmlformats.org/officeDocument/2006/relationships" xmlns:p="http://schemas.openxmlformats.org/presentationml/2006/main">
-  <p:cSld>
-    <p:spTree>
-      <p:nvGrpSpPr>
-        <p:cNvPr id="1" name=""/>
-        <p:cNvGrpSpPr/>
-        <p:nvPr/>
-      </p:nvGrpSpPr>
-      <p:grpSpPr>
-        <a:xfrm>
-          <a:off x="0" y="0"/>
-          <a:ext cx="0" cy="0"/>
-          <a:chOff x="0" y="0"/>
-          <a:chExt cx="0" cy="0"/>
-        </a:xfrm>
-      </p:grpSpPr>
-      <p:sp>
-        <p:nvSpPr>
-          <p:cNvPr id="2" name="Title 1">
-            <a:extLst>
-              <a:ext uri="{FF2B5EF4-FFF2-40B4-BE49-F238E27FC236}">
-                <a16:creationId xmlns:a16="http://schemas.microsoft.com/office/drawing/2014/main" id="{5D4F588D-78F3-46B1-BDB7-415CAC36CFF6}"/>
-              </a:ext>
-            </a:extLst>
-          </p:cNvPr>
-          <p:cNvSpPr>
-            <a:spLocks noGrp="1"/>
-          </p:cNvSpPr>
-          <p:nvPr>
-            <p:ph type="title"/>
-          </p:nvPr>
-        </p:nvSpPr>
-        <p:spPr/>
-        <p:txBody>
-          <a:bodyPr/>
-          <a:lstStyle/>
-          <a:p>
-            <a:r>
-              <a:rPr lang="en-US" dirty="0"/>
-              <a:t>Extension 1 – Analysis of Twitter users</a:t>
-            </a:r>
-          </a:p>
-        </p:txBody>
-      </p:sp>
-      <p:sp>
-        <p:nvSpPr>
-          <p:cNvPr id="3" name="Content Placeholder 2">
-            <a:extLst>
-              <a:ext uri="{FF2B5EF4-FFF2-40B4-BE49-F238E27FC236}">
-                <a16:creationId xmlns:a16="http://schemas.microsoft.com/office/drawing/2014/main" id="{C49283C8-EFCB-41F0-BEC3-F91E542F9C89}"/>
-              </a:ext>
-            </a:extLst>
-          </p:cNvPr>
-          <p:cNvSpPr>
-            <a:spLocks noGrp="1"/>
-          </p:cNvSpPr>
-          <p:nvPr>
-            <p:ph idx="1"/>
-          </p:nvPr>
-        </p:nvSpPr>
-        <p:spPr/>
-        <p:txBody>
-          <a:bodyPr/>
-          <a:lstStyle/>
-          <a:p>
-            <a:r>
-              <a:rPr lang="en-US" dirty="0"/>
-              <a:t>Analyze followers </a:t>
-            </a:r>
-          </a:p>
-          <a:p>
-            <a:r>
-              <a:rPr lang="en-US" dirty="0"/>
-              <a:t>See trends of popular trends over time based off of new followers and links</a:t>
-            </a:r>
-          </a:p>
-          <a:p>
-            <a:r>
-              <a:rPr lang="en-US" dirty="0"/>
-              <a:t>Predict future trends based off of this data</a:t>
-            </a:r>
-          </a:p>
-        </p:txBody>
-      </p:sp>
-    </p:spTree>
-    <p:extLst>
-      <p:ext uri="{BB962C8B-B14F-4D97-AF65-F5344CB8AC3E}">
-        <p14:creationId xmlns:p14="http://schemas.microsoft.com/office/powerpoint/2010/main" val="3154303974"/>
-      </p:ext>
-    </p:extLst>
-  </p:cSld>
-  <p:clrMapOvr>
-    <a:masterClrMapping/>
-  </p:clrMapOvr>
-</p:sld>
-</file>
-
-<file path=ppt/slides/slide24.xml><?xml version="1.0" encoding="utf-8"?>
-<p:sld xmlns:a="http://schemas.openxmlformats.org/drawingml/2006/main" xmlns:r="http://schemas.openxmlformats.org/officeDocument/2006/relationships" xmlns:p="http://schemas.openxmlformats.org/presentationml/2006/main">
-  <p:cSld>
-    <p:spTree>
-      <p:nvGrpSpPr>
-        <p:cNvPr id="1" name=""/>
-        <p:cNvGrpSpPr/>
-        <p:nvPr/>
-      </p:nvGrpSpPr>
-      <p:grpSpPr>
-        <a:xfrm>
-          <a:off x="0" y="0"/>
-          <a:ext cx="0" cy="0"/>
-          <a:chOff x="0" y="0"/>
-          <a:chExt cx="0" cy="0"/>
-        </a:xfrm>
-      </p:grpSpPr>
-      <p:sp>
-        <p:nvSpPr>
-          <p:cNvPr id="2" name="Title 1">
-            <a:extLst>
-              <a:ext uri="{FF2B5EF4-FFF2-40B4-BE49-F238E27FC236}">
-                <a16:creationId xmlns:a16="http://schemas.microsoft.com/office/drawing/2014/main" id="{0705F3F2-EE9D-45A9-B525-FACA47FC88EC}"/>
-              </a:ext>
-            </a:extLst>
-          </p:cNvPr>
-          <p:cNvSpPr>
-            <a:spLocks noGrp="1"/>
-          </p:cNvSpPr>
-          <p:nvPr>
-            <p:ph type="title"/>
-          </p:nvPr>
-        </p:nvSpPr>
-        <p:spPr/>
-        <p:txBody>
-          <a:bodyPr/>
-          <a:lstStyle/>
-          <a:p>
-            <a:r>
-              <a:rPr lang="en-US" dirty="0"/>
-              <a:t>Extension 2</a:t>
-            </a:r>
-          </a:p>
-        </p:txBody>
-      </p:sp>
-      <p:sp>
-        <p:nvSpPr>
-          <p:cNvPr id="3" name="Content Placeholder 2">
-            <a:extLst>
-              <a:ext uri="{FF2B5EF4-FFF2-40B4-BE49-F238E27FC236}">
-                <a16:creationId xmlns:a16="http://schemas.microsoft.com/office/drawing/2014/main" id="{90229C8B-FB9E-46D2-AF70-3BAC010F6480}"/>
-              </a:ext>
-            </a:extLst>
-          </p:cNvPr>
-          <p:cNvSpPr>
-            <a:spLocks noGrp="1"/>
-          </p:cNvSpPr>
-          <p:nvPr>
-            <p:ph idx="1"/>
-          </p:nvPr>
-        </p:nvSpPr>
-        <p:spPr/>
-        <p:txBody>
-          <a:bodyPr/>
-          <a:lstStyle/>
-          <a:p>
-            <a:endParaRPr lang="en-US"/>
-          </a:p>
-        </p:txBody>
-      </p:sp>
-    </p:spTree>
-    <p:extLst>
-      <p:ext uri="{BB962C8B-B14F-4D97-AF65-F5344CB8AC3E}">
-        <p14:creationId xmlns:p14="http://schemas.microsoft.com/office/powerpoint/2010/main" val="1238415667"/>
+        <p14:creationId xmlns:p14="http://schemas.microsoft.com/office/powerpoint/2010/main" val="3144404708"/>
       </p:ext>
     </p:extLst>
   </p:cSld>
@@ -7553,7 +7390,7 @@
           <a:p>
             <a:r>
               <a:rPr lang="en-US" dirty="0"/>
-              <a:t>Examples of the systems described in this paper</a:t>
+              <a:t>Examples of the networks described in this paper</a:t>
             </a:r>
           </a:p>
         </p:txBody>
@@ -7853,6 +7690,12 @@
           <a:p>
             <a:r>
               <a:rPr lang="en-US" dirty="0"/>
+              <a:t>Prove that networks can follow the scale free power law distribution via preferential attachment</a:t>
+            </a:r>
+          </a:p>
+          <a:p>
+            <a:r>
+              <a:rPr lang="en-US" dirty="0"/>
               <a:t>Show how current models fail when trying to model these networks</a:t>
             </a:r>
           </a:p>
@@ -7911,7 +7754,7 @@
           <a:p>
             <a:r>
               <a:rPr lang="en-US" dirty="0"/>
-              <a:t>Method</a:t>
+              <a:t>Scale-free networks</a:t>
             </a:r>
           </a:p>
         </p:txBody>
@@ -7934,9 +7777,16 @@
                 <p:ph idx="1"/>
               </p:nvPr>
             </p:nvSpPr>
-            <p:spPr/>
+            <p:spPr>
+              <a:xfrm>
+                <a:off x="1261872" y="1828800"/>
+                <a:ext cx="8595360" cy="4367813"/>
+              </a:xfrm>
+            </p:spPr>
             <p:txBody>
-              <a:bodyPr/>
+              <a:bodyPr>
+                <a:normAutofit/>
+              </a:bodyPr>
               <a:lstStyle/>
               <a:p>
                 <a:r>
@@ -7945,10 +7795,29 @@
                 </a:r>
               </a:p>
               <a:p>
+                <a:r>
+                  <a:rPr lang="en-US" dirty="0"/>
+                  <a:t>Represents two variables where when one variable changes it has a relative affect on the other variable</a:t>
+                </a:r>
+              </a:p>
+              <a:p>
+                <a:r>
+                  <a:rPr lang="en-US" dirty="0"/>
+                  <a:t>Using the internet and bots combing data from sites to obtain the variables for the power law</a:t>
+                </a:r>
+              </a:p>
+              <a:p>
+                <a:r>
+                  <a:rPr lang="en-US" dirty="0"/>
+                  <a:t>Power law</a:t>
+                </a:r>
+              </a:p>
+              <a:p>
+                <a:pPr lvl="1"/>
                 <a14:m>
                   <m:oMath xmlns:m="http://schemas.openxmlformats.org/officeDocument/2006/math">
                     <m:r>
-                      <a:rPr lang="en-US" b="0" i="1" smtClean="0">
+                      <a:rPr lang="en-US" i="1">
                         <a:latin typeface="Cambria Math" panose="02040503050406030204" pitchFamily="18" charset="0"/>
                       </a:rPr>
                       <m:t>𝑃</m:t>
@@ -7956,14 +7825,14 @@
                     <m:d>
                       <m:dPr>
                         <m:ctrlPr>
-                          <a:rPr lang="en-US" b="0" i="1" smtClean="0">
+                          <a:rPr lang="en-US" i="1">
                             <a:latin typeface="Cambria Math" panose="02040503050406030204" pitchFamily="18" charset="0"/>
                           </a:rPr>
                         </m:ctrlPr>
                       </m:dPr>
                       <m:e>
                         <m:r>
-                          <a:rPr lang="en-US" b="0" i="1" smtClean="0">
+                          <a:rPr lang="en-US" i="1">
                             <a:latin typeface="Cambria Math" panose="02040503050406030204" pitchFamily="18" charset="0"/>
                           </a:rPr>
                           <m:t>𝑘</m:t>
@@ -7971,7 +7840,7 @@
                       </m:e>
                     </m:d>
                     <m:r>
-                      <a:rPr lang="en-US" b="0" i="1" smtClean="0">
+                      <a:rPr lang="en-US" i="1">
                         <a:latin typeface="Cambria Math" panose="02040503050406030204" pitchFamily="18" charset="0"/>
                       </a:rPr>
                       <m:t>~</m:t>
@@ -7979,14 +7848,14 @@
                     <m:sSup>
                       <m:sSupPr>
                         <m:ctrlPr>
-                          <a:rPr lang="en-US" b="0" i="1" smtClean="0">
+                          <a:rPr lang="en-US" i="1">
                             <a:latin typeface="Cambria Math" panose="02040503050406030204" pitchFamily="18" charset="0"/>
                           </a:rPr>
                         </m:ctrlPr>
                       </m:sSupPr>
                       <m:e>
                         <m:r>
-                          <a:rPr lang="en-US" b="0" i="1" smtClean="0">
+                          <a:rPr lang="en-US" i="1">
                             <a:latin typeface="Cambria Math" panose="02040503050406030204" pitchFamily="18" charset="0"/>
                           </a:rPr>
                           <m:t>𝑘</m:t>
@@ -7994,13 +7863,13 @@
                       </m:e>
                       <m:sup>
                         <m:r>
-                          <a:rPr lang="en-US" b="0" i="1" smtClean="0">
+                          <a:rPr lang="en-US" i="1">
                             <a:latin typeface="Cambria Math" panose="02040503050406030204" pitchFamily="18" charset="0"/>
                           </a:rPr>
                           <m:t>−</m:t>
                         </m:r>
                         <m:r>
-                          <a:rPr lang="en-US" b="0" i="1" smtClean="0">
+                          <a:rPr lang="en-US" i="1">
                             <a:latin typeface="Cambria Math" panose="02040503050406030204" pitchFamily="18" charset="0"/>
                             <a:ea typeface="Cambria Math" panose="02040503050406030204" pitchFamily="18" charset="0"/>
                           </a:rPr>
@@ -8016,23 +7885,176 @@
                 </a:r>
               </a:p>
               <a:p>
-                <a:pPr lvl="1"/>
+                <a:pPr lvl="2"/>
                 <a:r>
                   <a:rPr lang="en-US" dirty="0"/>
                   <a:t>P(k) is the probability that a vertex in the network interacts with k other vertices</a:t>
                 </a:r>
               </a:p>
               <a:p>
+                <a:pPr lvl="1"/>
                 <a:r>
                   <a:rPr lang="en-US" dirty="0"/>
-                  <a:t>Using the internet and bots combing data from sites to obtain the variables for the power law</a:t>
+                  <a:t>Power-law equation is </a:t>
+                </a:r>
+                <a14:m>
+                  <m:oMath xmlns:m="http://schemas.openxmlformats.org/officeDocument/2006/math">
+                    <m:r>
+                      <a:rPr lang="en-US" i="1">
+                        <a:latin typeface="Cambria Math" panose="02040503050406030204" pitchFamily="18" charset="0"/>
+                      </a:rPr>
+                      <m:t>𝑃</m:t>
+                    </m:r>
+                    <m:d>
+                      <m:dPr>
+                        <m:ctrlPr>
+                          <a:rPr lang="en-US" i="1">
+                            <a:latin typeface="Cambria Math" panose="02040503050406030204" pitchFamily="18" charset="0"/>
+                          </a:rPr>
+                        </m:ctrlPr>
+                      </m:dPr>
+                      <m:e>
+                        <m:r>
+                          <a:rPr lang="en-US" i="1">
+                            <a:latin typeface="Cambria Math" panose="02040503050406030204" pitchFamily="18" charset="0"/>
+                          </a:rPr>
+                          <m:t>𝑘</m:t>
+                        </m:r>
+                      </m:e>
+                    </m:d>
+                    <m:r>
+                      <a:rPr lang="en-US" i="1">
+                        <a:latin typeface="Cambria Math" panose="02040503050406030204" pitchFamily="18" charset="0"/>
+                      </a:rPr>
+                      <m:t>~</m:t>
+                    </m:r>
+                    <m:sSup>
+                      <m:sSupPr>
+                        <m:ctrlPr>
+                          <a:rPr lang="en-US" i="1">
+                            <a:latin typeface="Cambria Math" panose="02040503050406030204" pitchFamily="18" charset="0"/>
+                          </a:rPr>
+                        </m:ctrlPr>
+                      </m:sSupPr>
+                      <m:e>
+                        <m:r>
+                          <a:rPr lang="en-US" i="1">
+                            <a:latin typeface="Cambria Math" panose="02040503050406030204" pitchFamily="18" charset="0"/>
+                          </a:rPr>
+                          <m:t>𝑘</m:t>
+                        </m:r>
+                      </m:e>
+                      <m:sup>
+                        <m:sSub>
+                          <m:sSubPr>
+                            <m:ctrlPr>
+                              <a:rPr lang="en-US" i="1">
+                                <a:latin typeface="Cambria Math" panose="02040503050406030204" pitchFamily="18" charset="0"/>
+                              </a:rPr>
+                            </m:ctrlPr>
+                          </m:sSubPr>
+                          <m:e>
+                            <m:r>
+                              <a:rPr lang="en-US" i="1">
+                                <a:latin typeface="Cambria Math" panose="02040503050406030204" pitchFamily="18" charset="0"/>
+                              </a:rPr>
+                              <m:t>−</m:t>
+                            </m:r>
+                            <m:r>
+                              <a:rPr lang="en-US" i="1">
+                                <a:latin typeface="Cambria Math" panose="02040503050406030204" pitchFamily="18" charset="0"/>
+                                <a:ea typeface="Cambria Math" panose="02040503050406030204" pitchFamily="18" charset="0"/>
+                              </a:rPr>
+                              <m:t>𝛾</m:t>
+                            </m:r>
+                          </m:e>
+                          <m:sub>
+                            <m:r>
+                              <a:rPr lang="en-US" i="1">
+                                <a:latin typeface="Cambria Math" panose="02040503050406030204" pitchFamily="18" charset="0"/>
+                              </a:rPr>
+                              <m:t>𝑎𝑐𝑡𝑜𝑟</m:t>
+                            </m:r>
+                          </m:sub>
+                        </m:sSub>
+                      </m:sup>
+                    </m:sSup>
+                  </m:oMath>
+                </a14:m>
+                <a:r>
+                  <a:rPr lang="en-US" dirty="0"/>
+                  <a:t> where </a:t>
+                </a:r>
+                <a14:m>
+                  <m:oMath xmlns:m="http://schemas.openxmlformats.org/officeDocument/2006/math">
+                    <m:sSub>
+                      <m:sSubPr>
+                        <m:ctrlPr>
+                          <a:rPr lang="en-US" i="1">
+                            <a:latin typeface="Cambria Math" panose="02040503050406030204" pitchFamily="18" charset="0"/>
+                          </a:rPr>
+                        </m:ctrlPr>
+                      </m:sSubPr>
+                      <m:e>
+                        <m:r>
+                          <a:rPr lang="en-US" i="1">
+                            <a:latin typeface="Cambria Math" panose="02040503050406030204" pitchFamily="18" charset="0"/>
+                            <a:ea typeface="Cambria Math" panose="02040503050406030204" pitchFamily="18" charset="0"/>
+                          </a:rPr>
+                          <m:t>𝛾</m:t>
+                        </m:r>
+                      </m:e>
+                      <m:sub>
+                        <m:r>
+                          <a:rPr lang="en-US" i="1">
+                            <a:latin typeface="Cambria Math" panose="02040503050406030204" pitchFamily="18" charset="0"/>
+                          </a:rPr>
+                          <m:t>𝑎𝑐𝑡𝑜𝑟</m:t>
+                        </m:r>
+                      </m:sub>
+                    </m:sSub>
+                    <m:r>
+                      <a:rPr lang="en-US" i="1">
+                        <a:latin typeface="Cambria Math" panose="02040503050406030204" pitchFamily="18" charset="0"/>
+                      </a:rPr>
+                      <m:t>=2.3</m:t>
+                    </m:r>
+                    <m:r>
+                      <a:rPr lang="en-US" i="1">
+                        <a:latin typeface="Cambria Math" panose="02040503050406030204" pitchFamily="18" charset="0"/>
+                        <a:ea typeface="Cambria Math" panose="02040503050406030204" pitchFamily="18" charset="0"/>
+                      </a:rPr>
+                      <m:t>±0.1</m:t>
+                    </m:r>
+                  </m:oMath>
+                </a14:m>
+                <a:endParaRPr lang="en-US" dirty="0"/>
+              </a:p>
+              <a:p>
+                <a:pPr lvl="1"/>
+                <a:r>
+                  <a:rPr lang="en-US" dirty="0"/>
+                  <a:t>K represents the number of edges adjacent to a given vertex</a:t>
+                </a:r>
+              </a:p>
+              <a:p>
+                <a:pPr lvl="1"/>
+                <a:r>
+                  <a:rPr lang="en-US" dirty="0"/>
+                  <a:t>As numbers of edges increases the chance to have a large number of edges decreases</a:t>
                 </a:r>
               </a:p>
               <a:p>
                 <a:r>
                   <a:rPr lang="en-US" dirty="0"/>
-                  <a:t>Used two easily accessible examples</a:t>
+                  <a:t>Used three easily accessible examples</a:t>
                 </a:r>
+              </a:p>
+              <a:p>
+                <a:endParaRPr lang="en-US" dirty="0"/>
+              </a:p>
+              <a:p>
+                <a:endParaRPr lang="en-US" dirty="0"/>
               </a:p>
             </p:txBody>
           </p:sp>
@@ -8055,10 +8077,14 @@
               </p:nvPr>
             </p:nvSpPr>
             <p:spPr>
+              <a:xfrm>
+                <a:off x="1261872" y="1828800"/>
+                <a:ext cx="8595360" cy="4367813"/>
+              </a:xfrm>
               <a:blipFill>
                 <a:blip r:embed="rId3"/>
                 <a:stretch>
-                  <a:fillRect l="-142" t="-980"/>
+                  <a:fillRect l="-142" t="-976" r="-71"/>
                 </a:stretch>
               </a:blipFill>
             </p:spPr>
@@ -8077,6 +8103,88 @@
           </p:sp>
         </mc:Fallback>
       </mc:AlternateContent>
+      <p:pic>
+        <p:nvPicPr>
+          <p:cNvPr id="1028" name="Picture 4" descr="File:Scale-free network sample.png">
+            <a:extLst>
+              <a:ext uri="{FF2B5EF4-FFF2-40B4-BE49-F238E27FC236}">
+                <a16:creationId xmlns:a16="http://schemas.microsoft.com/office/drawing/2014/main" id="{061717E4-29DC-449A-ACA4-1F7A8AB258CC}"/>
+              </a:ext>
+            </a:extLst>
+          </p:cNvPr>
+          <p:cNvPicPr>
+            <a:picLocks noChangeAspect="1" noChangeArrowheads="1"/>
+          </p:cNvPicPr>
+          <p:nvPr/>
+        </p:nvPicPr>
+        <p:blipFill>
+          <a:blip r:embed="rId4">
+            <a:extLst>
+              <a:ext uri="{28A0092B-C50C-407E-A947-70E740481C1C}">
+                <a14:useLocalDpi xmlns:a14="http://schemas.microsoft.com/office/drawing/2010/main" val="0"/>
+              </a:ext>
+            </a:extLst>
+          </a:blip>
+          <a:srcRect/>
+          <a:stretch>
+            <a:fillRect/>
+          </a:stretch>
+        </p:blipFill>
+        <p:spPr bwMode="auto">
+          <a:xfrm>
+            <a:off x="6813245" y="195637"/>
+            <a:ext cx="3974841" cy="1873144"/>
+          </a:xfrm>
+          <a:prstGeom prst="rect">
+            <a:avLst/>
+          </a:prstGeom>
+          <a:noFill/>
+          <a:extLst>
+            <a:ext uri="{909E8E84-426E-40DD-AFC4-6F175D3DCCD1}">
+              <a14:hiddenFill xmlns:a14="http://schemas.microsoft.com/office/drawing/2010/main">
+                <a:solidFill>
+                  <a:srgbClr val="FFFFFF"/>
+                </a:solidFill>
+              </a14:hiddenFill>
+            </a:ext>
+          </a:extLst>
+        </p:spPr>
+      </p:pic>
+      <p:sp>
+        <p:nvSpPr>
+          <p:cNvPr id="4" name="TextBox 3">
+            <a:extLst>
+              <a:ext uri="{FF2B5EF4-FFF2-40B4-BE49-F238E27FC236}">
+                <a16:creationId xmlns:a16="http://schemas.microsoft.com/office/drawing/2014/main" id="{D09F6355-6BA1-464F-9E61-A11E86F112B7}"/>
+              </a:ext>
+            </a:extLst>
+          </p:cNvPr>
+          <p:cNvSpPr txBox="1"/>
+          <p:nvPr/>
+        </p:nvSpPr>
+        <p:spPr>
+          <a:xfrm>
+            <a:off x="7784733" y="2068781"/>
+            <a:ext cx="2537926" cy="215444"/>
+          </a:xfrm>
+          <a:prstGeom prst="rect">
+            <a:avLst/>
+          </a:prstGeom>
+          <a:noFill/>
+        </p:spPr>
+        <p:txBody>
+          <a:bodyPr wrap="square" rtlCol="0">
+            <a:spAutoFit/>
+          </a:bodyPr>
+          <a:lstStyle/>
+          <a:p>
+            <a:r>
+              <a:rPr lang="en-US" sz="800" dirty="0"/>
+              <a:t>https://en.wikipedia.org/wiki/Scale-free_network</a:t>
+            </a:r>
+          </a:p>
+        </p:txBody>
+      </p:sp>
     </p:spTree>
     <p:extLst>
       <p:ext uri="{BB962C8B-B14F-4D97-AF65-F5344CB8AC3E}">
@@ -8130,7 +8238,7 @@
           <a:p>
             <a:r>
               <a:rPr lang="en-US" dirty="0"/>
-              <a:t>Collaboration graph of movie actors</a:t>
+              <a:t>Scale-free networks</a:t>
             </a:r>
           </a:p>
         </p:txBody>
@@ -8155,138 +8263,45 @@
             </p:nvSpPr>
             <p:spPr/>
             <p:txBody>
-              <a:bodyPr/>
+              <a:bodyPr>
+                <a:normAutofit fontScale="85000" lnSpcReduction="20000"/>
+              </a:bodyPr>
               <a:lstStyle/>
               <a:p>
+                <a:r>
+                  <a:rPr lang="en-US" dirty="0"/>
+                  <a:t>Collaboration graph of movie actors</a:t>
+                </a:r>
+              </a:p>
+              <a:p>
+                <a:pPr lvl="1"/>
                 <a:r>
                   <a:rPr lang="en-US" dirty="0"/>
                   <a:t>Vertices are actors</a:t>
                 </a:r>
               </a:p>
               <a:p>
+                <a:pPr lvl="1"/>
                 <a:r>
                   <a:rPr lang="en-US" dirty="0"/>
                   <a:t>Edges are if two actors were cast in the same movie</a:t>
                 </a:r>
               </a:p>
               <a:p>
-                <a:r>
-                  <a:rPr lang="en-US" dirty="0"/>
-                  <a:t>Based off of using real data</a:t>
-                </a:r>
-              </a:p>
-              <a:p>
-                <a:r>
-                  <a:rPr lang="en-US" dirty="0"/>
-                  <a:t>K represents the number of edges adjacent to a given vertex</a:t>
-                </a:r>
-              </a:p>
-              <a:p>
-                <a:r>
-                  <a:rPr lang="en-US" dirty="0"/>
-                  <a:t>Power-law equation is </a:t>
-                </a:r>
-                <a14:m>
-                  <m:oMath xmlns:m="http://schemas.openxmlformats.org/officeDocument/2006/math">
-                    <m:r>
-                      <a:rPr lang="en-US" b="0" i="1" smtClean="0">
-                        <a:latin typeface="Cambria Math" panose="02040503050406030204" pitchFamily="18" charset="0"/>
-                      </a:rPr>
-                      <m:t>𝑃</m:t>
-                    </m:r>
-                    <m:d>
-                      <m:dPr>
-                        <m:ctrlPr>
-                          <a:rPr lang="en-US" b="0" i="1" smtClean="0">
-                            <a:latin typeface="Cambria Math" panose="02040503050406030204" pitchFamily="18" charset="0"/>
-                          </a:rPr>
-                        </m:ctrlPr>
-                      </m:dPr>
-                      <m:e>
-                        <m:r>
-                          <a:rPr lang="en-US" b="0" i="1" smtClean="0">
-                            <a:latin typeface="Cambria Math" panose="02040503050406030204" pitchFamily="18" charset="0"/>
-                          </a:rPr>
-                          <m:t>𝑘</m:t>
-                        </m:r>
-                      </m:e>
-                    </m:d>
-                    <m:r>
-                      <a:rPr lang="en-US" b="0" i="1" smtClean="0">
-                        <a:latin typeface="Cambria Math" panose="02040503050406030204" pitchFamily="18" charset="0"/>
-                      </a:rPr>
-                      <m:t>~</m:t>
-                    </m:r>
-                    <m:sSup>
-                      <m:sSupPr>
-                        <m:ctrlPr>
-                          <a:rPr lang="en-US" b="0" i="1" smtClean="0">
-                            <a:latin typeface="Cambria Math" panose="02040503050406030204" pitchFamily="18" charset="0"/>
-                          </a:rPr>
-                        </m:ctrlPr>
-                      </m:sSupPr>
-                      <m:e>
-                        <m:r>
-                          <a:rPr lang="en-US" b="0" i="1" smtClean="0">
-                            <a:latin typeface="Cambria Math" panose="02040503050406030204" pitchFamily="18" charset="0"/>
-                          </a:rPr>
-                          <m:t>𝑘</m:t>
-                        </m:r>
-                      </m:e>
-                      <m:sup>
-                        <m:sSub>
-                          <m:sSubPr>
-                            <m:ctrlPr>
-                              <a:rPr lang="en-US" b="0" i="1" smtClean="0">
-                                <a:latin typeface="Cambria Math" panose="02040503050406030204" pitchFamily="18" charset="0"/>
-                              </a:rPr>
-                            </m:ctrlPr>
-                          </m:sSubPr>
-                          <m:e>
-                            <m:r>
-                              <a:rPr lang="en-US" b="0" i="1" smtClean="0">
-                                <a:latin typeface="Cambria Math" panose="02040503050406030204" pitchFamily="18" charset="0"/>
-                              </a:rPr>
-                              <m:t>−</m:t>
-                            </m:r>
-                            <m:r>
-                              <a:rPr lang="en-US" b="0" i="1" smtClean="0">
-                                <a:latin typeface="Cambria Math" panose="02040503050406030204" pitchFamily="18" charset="0"/>
-                                <a:ea typeface="Cambria Math" panose="02040503050406030204" pitchFamily="18" charset="0"/>
-                              </a:rPr>
-                              <m:t>𝛾</m:t>
-                            </m:r>
-                          </m:e>
-                          <m:sub>
-                            <m:r>
-                              <a:rPr lang="en-US" b="0" i="1" smtClean="0">
-                                <a:latin typeface="Cambria Math" panose="02040503050406030204" pitchFamily="18" charset="0"/>
-                              </a:rPr>
-                              <m:t>𝑎𝑐𝑡𝑜𝑟</m:t>
-                            </m:r>
-                          </m:sub>
-                        </m:sSub>
-                      </m:sup>
-                    </m:sSup>
-                  </m:oMath>
-                </a14:m>
-                <a:r>
-                  <a:rPr lang="en-US" dirty="0"/>
-                  <a:t> where </a:t>
-                </a:r>
+                <a:pPr lvl="1"/>
                 <a14:m>
                   <m:oMath xmlns:m="http://schemas.openxmlformats.org/officeDocument/2006/math">
                     <m:sSub>
                       <m:sSubPr>
                         <m:ctrlPr>
-                          <a:rPr lang="en-US" i="1" smtClean="0">
+                          <a:rPr lang="en-US" i="1">
                             <a:latin typeface="Cambria Math" panose="02040503050406030204" pitchFamily="18" charset="0"/>
                           </a:rPr>
                         </m:ctrlPr>
                       </m:sSubPr>
                       <m:e>
                         <m:r>
-                          <a:rPr lang="en-US" i="1" smtClean="0">
+                          <a:rPr lang="en-US" i="1">
                             <a:latin typeface="Cambria Math" panose="02040503050406030204" pitchFamily="18" charset="0"/>
                             <a:ea typeface="Cambria Math" panose="02040503050406030204" pitchFamily="18" charset="0"/>
                           </a:rPr>
@@ -8295,7 +8310,7 @@
                       </m:e>
                       <m:sub>
                         <m:r>
-                          <a:rPr lang="en-US" b="0" i="1" smtClean="0">
+                          <a:rPr lang="en-US" i="1">
                             <a:latin typeface="Cambria Math" panose="02040503050406030204" pitchFamily="18" charset="0"/>
                           </a:rPr>
                           <m:t>𝑎𝑐𝑡𝑜𝑟</m:t>
@@ -8303,13 +8318,13 @@
                       </m:sub>
                     </m:sSub>
                     <m:r>
-                      <a:rPr lang="en-US" b="0" i="1" smtClean="0">
+                      <a:rPr lang="en-US" i="1">
                         <a:latin typeface="Cambria Math" panose="02040503050406030204" pitchFamily="18" charset="0"/>
                       </a:rPr>
                       <m:t>=2.3</m:t>
                     </m:r>
                     <m:r>
-                      <a:rPr lang="en-US" b="0" i="1" smtClean="0">
+                      <a:rPr lang="en-US" i="1">
                         <a:latin typeface="Cambria Math" panose="02040503050406030204" pitchFamily="18" charset="0"/>
                         <a:ea typeface="Cambria Math" panose="02040503050406030204" pitchFamily="18" charset="0"/>
                       </a:rPr>
@@ -8320,10 +8335,182 @@
                 <a:endParaRPr lang="en-US" dirty="0"/>
               </a:p>
               <a:p>
+                <a:pPr lvl="1"/>
                 <a:r>
                   <a:rPr lang="en-US" dirty="0"/>
                   <a:t>N = 212,250 vertices </a:t>
                 </a:r>
+              </a:p>
+              <a:p>
+                <a:r>
+                  <a:rPr lang="en-US" dirty="0"/>
+                  <a:t>Internet</a:t>
+                </a:r>
+              </a:p>
+              <a:p>
+                <a:pPr lvl="1"/>
+                <a:r>
+                  <a:rPr lang="en-US" dirty="0"/>
+                  <a:t>Vertices are web pages</a:t>
+                </a:r>
+              </a:p>
+              <a:p>
+                <a:pPr lvl="1"/>
+                <a:r>
+                  <a:rPr lang="en-US" dirty="0"/>
+                  <a:t>Edges are links</a:t>
+                </a:r>
+              </a:p>
+              <a:p>
+                <a:pPr lvl="1"/>
+                <a:r>
+                  <a:rPr lang="en-US" dirty="0"/>
+                  <a:t>Used bots to comb the web to collect hyperlinks to other web pages</a:t>
+                </a:r>
+              </a:p>
+              <a:p>
+                <a:pPr lvl="1"/>
+                <a14:m>
+                  <m:oMath xmlns:m="http://schemas.openxmlformats.org/officeDocument/2006/math">
+                    <m:sSub>
+                      <m:sSubPr>
+                        <m:ctrlPr>
+                          <a:rPr lang="en-US" i="1">
+                            <a:latin typeface="Cambria Math" panose="02040503050406030204" pitchFamily="18" charset="0"/>
+                          </a:rPr>
+                        </m:ctrlPr>
+                      </m:sSubPr>
+                      <m:e>
+                        <m:r>
+                          <a:rPr lang="en-US" i="1">
+                            <a:latin typeface="Cambria Math" panose="02040503050406030204" pitchFamily="18" charset="0"/>
+                            <a:ea typeface="Cambria Math" panose="02040503050406030204" pitchFamily="18" charset="0"/>
+                          </a:rPr>
+                          <m:t>𝛾</m:t>
+                        </m:r>
+                      </m:e>
+                      <m:sub>
+                        <m:r>
+                          <a:rPr lang="en-US" i="1">
+                            <a:latin typeface="Cambria Math" panose="02040503050406030204" pitchFamily="18" charset="0"/>
+                          </a:rPr>
+                          <m:t>𝑤𝑤𝑤</m:t>
+                        </m:r>
+                      </m:sub>
+                    </m:sSub>
+                    <m:r>
+                      <a:rPr lang="en-US" i="1">
+                        <a:latin typeface="Cambria Math" panose="02040503050406030204" pitchFamily="18" charset="0"/>
+                      </a:rPr>
+                      <m:t>=2.1</m:t>
+                    </m:r>
+                    <m:r>
+                      <a:rPr lang="en-US" i="1">
+                        <a:latin typeface="Cambria Math" panose="02040503050406030204" pitchFamily="18" charset="0"/>
+                        <a:ea typeface="Cambria Math" panose="02040503050406030204" pitchFamily="18" charset="0"/>
+                      </a:rPr>
+                      <m:t>±0.1</m:t>
+                    </m:r>
+                  </m:oMath>
+                </a14:m>
+                <a:endParaRPr lang="en-US" dirty="0"/>
+              </a:p>
+              <a:p>
+                <a:pPr lvl="1"/>
+                <a:r>
+                  <a:rPr lang="en-US" dirty="0"/>
+                  <a:t>N = 325,729 vertices</a:t>
+                </a:r>
+              </a:p>
+              <a:p>
+                <a:r>
+                  <a:rPr lang="en-US" dirty="0"/>
+                  <a:t>Electric power grid in the US</a:t>
+                </a:r>
+              </a:p>
+              <a:p>
+                <a:pPr lvl="1"/>
+                <a:r>
+                  <a:rPr lang="en-US" dirty="0"/>
+                  <a:t>Vertices are generators, transformers and substations</a:t>
+                </a:r>
+              </a:p>
+              <a:p>
+                <a:pPr lvl="1"/>
+                <a:r>
+                  <a:rPr lang="en-US" dirty="0"/>
+                  <a:t>Edges are power lines</a:t>
+                </a:r>
+              </a:p>
+              <a:p>
+                <a:pPr lvl="1"/>
+                <a:r>
+                  <a:rPr lang="en-US" dirty="0"/>
+                  <a:t>Due to small number of vertices there is a relatively high exponent variable</a:t>
+                </a:r>
+              </a:p>
+              <a:p>
+                <a:pPr lvl="1"/>
+                <a14:m>
+                  <m:oMath xmlns:m="http://schemas.openxmlformats.org/officeDocument/2006/math">
+                    <m:sSub>
+                      <m:sSubPr>
+                        <m:ctrlPr>
+                          <a:rPr lang="en-US" i="1">
+                            <a:latin typeface="Cambria Math" panose="02040503050406030204" pitchFamily="18" charset="0"/>
+                          </a:rPr>
+                        </m:ctrlPr>
+                      </m:sSubPr>
+                      <m:e>
+                        <m:r>
+                          <a:rPr lang="en-US" i="1">
+                            <a:latin typeface="Cambria Math" panose="02040503050406030204" pitchFamily="18" charset="0"/>
+                            <a:ea typeface="Cambria Math" panose="02040503050406030204" pitchFamily="18" charset="0"/>
+                          </a:rPr>
+                          <m:t>𝛾</m:t>
+                        </m:r>
+                      </m:e>
+                      <m:sub>
+                        <m:r>
+                          <a:rPr lang="en-US" i="1">
+                            <a:latin typeface="Cambria Math" panose="02040503050406030204" pitchFamily="18" charset="0"/>
+                          </a:rPr>
+                          <m:t>𝑝𝑜𝑤𝑒𝑟</m:t>
+                        </m:r>
+                      </m:sub>
+                    </m:sSub>
+                    <m:r>
+                      <a:rPr lang="en-US" i="1">
+                        <a:latin typeface="Cambria Math" panose="02040503050406030204" pitchFamily="18" charset="0"/>
+                        <a:ea typeface="Cambria Math" panose="02040503050406030204" pitchFamily="18" charset="0"/>
+                      </a:rPr>
+                      <m:t>≅</m:t>
+                    </m:r>
+                    <m:r>
+                      <a:rPr lang="en-US" i="1">
+                        <a:latin typeface="Cambria Math" panose="02040503050406030204" pitchFamily="18" charset="0"/>
+                        <a:ea typeface="Cambria Math" panose="02040503050406030204" pitchFamily="18" charset="0"/>
+                      </a:rPr>
+                      <m:t>4</m:t>
+                    </m:r>
+                  </m:oMath>
+                </a14:m>
+                <a:endParaRPr lang="en-US" dirty="0"/>
+              </a:p>
+              <a:p>
+                <a:pPr lvl="1"/>
+                <a:r>
+                  <a:rPr lang="en-US" dirty="0"/>
+                  <a:t>N = 4941 vertices</a:t>
+                </a:r>
+              </a:p>
+              <a:p>
+                <a:pPr lvl="1"/>
+                <a:endParaRPr lang="en-US" dirty="0"/>
+              </a:p>
+              <a:p>
+                <a:pPr lvl="1"/>
+                <a:endParaRPr lang="en-US" dirty="0"/>
               </a:p>
             </p:txBody>
           </p:sp>
@@ -8349,7 +8536,7 @@
               <a:blipFill>
                 <a:blip r:embed="rId2"/>
                 <a:stretch>
-                  <a:fillRect l="-142" t="-980"/>
+                  <a:fillRect t="-1541" b="-140"/>
                 </a:stretch>
               </a:blipFill>
             </p:spPr>
@@ -8368,6 +8555,36 @@
           </p:sp>
         </mc:Fallback>
       </mc:AlternateContent>
+      <p:pic>
+        <p:nvPicPr>
+          <p:cNvPr id="4" name="Content Placeholder 3">
+            <a:extLst>
+              <a:ext uri="{FF2B5EF4-FFF2-40B4-BE49-F238E27FC236}">
+                <a16:creationId xmlns:a16="http://schemas.microsoft.com/office/drawing/2014/main" id="{9F7F0677-07BA-4DEF-BA94-A3F4617F448D}"/>
+              </a:ext>
+            </a:extLst>
+          </p:cNvPr>
+          <p:cNvPicPr>
+            <a:picLocks noChangeAspect="1"/>
+          </p:cNvPicPr>
+          <p:nvPr/>
+        </p:nvPicPr>
+        <p:blipFill>
+          <a:blip r:embed="rId3"/>
+          <a:stretch>
+            <a:fillRect/>
+          </a:stretch>
+        </p:blipFill>
+        <p:spPr>
+          <a:xfrm>
+            <a:off x="6374167" y="1072720"/>
+            <a:ext cx="4580345" cy="2356280"/>
+          </a:xfrm>
+          <a:prstGeom prst="rect">
+            <a:avLst/>
+          </a:prstGeom>
+        </p:spPr>
+      </p:pic>
     </p:spTree>
     <p:extLst>
       <p:ext uri="{BB962C8B-B14F-4D97-AF65-F5344CB8AC3E}">
@@ -8403,7 +8620,7 @@
           <p:cNvPr id="2" name="Title 1">
             <a:extLst>
               <a:ext uri="{FF2B5EF4-FFF2-40B4-BE49-F238E27FC236}">
-                <a16:creationId xmlns:a16="http://schemas.microsoft.com/office/drawing/2014/main" id="{006739FC-3660-43BC-919B-F5D9983E0944}"/>
+                <a16:creationId xmlns:a16="http://schemas.microsoft.com/office/drawing/2014/main" id="{6E8FF2E1-6A7D-4ECF-8D29-65FAC9D056DD}"/>
               </a:ext>
             </a:extLst>
           </p:cNvPr>
@@ -8421,150 +8638,166 @@
           <a:p>
             <a:r>
               <a:rPr lang="en-US" dirty="0"/>
-              <a:t>Internet</a:t>
-            </a:r>
-          </a:p>
-        </p:txBody>
-      </p:sp>
-      <mc:AlternateContent xmlns:mc="http://schemas.openxmlformats.org/markup-compatibility/2006">
-        <mc:Choice xmlns:a14="http://schemas.microsoft.com/office/drawing/2010/main" Requires="a14">
-          <p:sp>
-            <p:nvSpPr>
-              <p:cNvPr id="3" name="Content Placeholder 2">
-                <a:extLst>
-                  <a:ext uri="{FF2B5EF4-FFF2-40B4-BE49-F238E27FC236}">
-                    <a16:creationId xmlns:a16="http://schemas.microsoft.com/office/drawing/2014/main" id="{10EBE264-009F-492D-A99F-03D728AA3CAA}"/>
-                  </a:ext>
-                </a:extLst>
-              </p:cNvPr>
-              <p:cNvSpPr>
-                <a:spLocks noGrp="1"/>
-              </p:cNvSpPr>
-              <p:nvPr>
-                <p:ph idx="1"/>
-              </p:nvPr>
-            </p:nvSpPr>
-            <p:spPr/>
-            <p:txBody>
-              <a:bodyPr/>
-              <a:lstStyle/>
-              <a:p>
-                <a:r>
-                  <a:rPr lang="en-US" dirty="0"/>
-                  <a:t>Vertices are web pages</a:t>
-                </a:r>
-              </a:p>
-              <a:p>
-                <a:r>
-                  <a:rPr lang="en-US" dirty="0"/>
-                  <a:t>Edges are links</a:t>
-                </a:r>
-              </a:p>
-              <a:p>
-                <a:r>
-                  <a:rPr lang="en-US" dirty="0"/>
-                  <a:t>Used bots to comb the web to collect hyperlinks to other web pages</a:t>
-                </a:r>
-              </a:p>
-              <a:p>
-                <a14:m>
-                  <m:oMath xmlns:m="http://schemas.openxmlformats.org/officeDocument/2006/math">
-                    <m:sSub>
-                      <m:sSubPr>
-                        <m:ctrlPr>
-                          <a:rPr lang="en-US" i="1" smtClean="0">
-                            <a:latin typeface="Cambria Math" panose="02040503050406030204" pitchFamily="18" charset="0"/>
-                          </a:rPr>
-                        </m:ctrlPr>
-                      </m:sSubPr>
-                      <m:e>
-                        <m:r>
-                          <a:rPr lang="en-US" i="1" smtClean="0">
-                            <a:latin typeface="Cambria Math" panose="02040503050406030204" pitchFamily="18" charset="0"/>
-                            <a:ea typeface="Cambria Math" panose="02040503050406030204" pitchFamily="18" charset="0"/>
-                          </a:rPr>
-                          <m:t>𝛾</m:t>
-                        </m:r>
-                      </m:e>
-                      <m:sub>
-                        <m:r>
-                          <a:rPr lang="en-US" b="0" i="1" smtClean="0">
-                            <a:latin typeface="Cambria Math" panose="02040503050406030204" pitchFamily="18" charset="0"/>
-                          </a:rPr>
-                          <m:t>𝑤𝑤𝑤</m:t>
-                        </m:r>
-                      </m:sub>
-                    </m:sSub>
-                    <m:r>
-                      <a:rPr lang="en-US" b="0" i="1" smtClean="0">
-                        <a:latin typeface="Cambria Math" panose="02040503050406030204" pitchFamily="18" charset="0"/>
-                      </a:rPr>
-                      <m:t>=2.1</m:t>
-                    </m:r>
-                    <m:r>
-                      <a:rPr lang="en-US" b="0" i="1" smtClean="0">
-                        <a:latin typeface="Cambria Math" panose="02040503050406030204" pitchFamily="18" charset="0"/>
-                        <a:ea typeface="Cambria Math" panose="02040503050406030204" pitchFamily="18" charset="0"/>
-                      </a:rPr>
-                      <m:t>±0.1</m:t>
-                    </m:r>
-                  </m:oMath>
-                </a14:m>
-                <a:endParaRPr lang="en-US" dirty="0"/>
-              </a:p>
-              <a:p>
-                <a:r>
-                  <a:rPr lang="en-US" dirty="0"/>
-                  <a:t>N = 325,729 vertices</a:t>
-                </a:r>
-              </a:p>
-            </p:txBody>
-          </p:sp>
-        </mc:Choice>
-        <mc:Fallback>
-          <p:sp>
-            <p:nvSpPr>
-              <p:cNvPr id="3" name="Content Placeholder 2">
-                <a:extLst>
-                  <a:ext uri="{FF2B5EF4-FFF2-40B4-BE49-F238E27FC236}">
-                    <a16:creationId xmlns:a16="http://schemas.microsoft.com/office/drawing/2014/main" id="{10EBE264-009F-492D-A99F-03D728AA3CAA}"/>
-                  </a:ext>
-                </a:extLst>
-              </p:cNvPr>
-              <p:cNvSpPr>
-                <a:spLocks noGrp="1" noRot="1" noChangeAspect="1" noMove="1" noResize="1" noEditPoints="1" noAdjustHandles="1" noChangeArrowheads="1" noChangeShapeType="1" noTextEdit="1"/>
-              </p:cNvSpPr>
-              <p:nvPr>
-                <p:ph idx="1"/>
-              </p:nvPr>
-            </p:nvSpPr>
-            <p:spPr>
-              <a:blipFill>
-                <a:blip r:embed="rId2"/>
-                <a:stretch>
-                  <a:fillRect l="-142" t="-980"/>
-                </a:stretch>
-              </a:blipFill>
-            </p:spPr>
-            <p:txBody>
-              <a:bodyPr/>
-              <a:lstStyle/>
-              <a:p>
-                <a:r>
-                  <a:rPr lang="en-US">
-                    <a:noFill/>
-                  </a:rPr>
-                  <a:t> </a:t>
-                </a:r>
-              </a:p>
-            </p:txBody>
-          </p:sp>
-        </mc:Fallback>
-      </mc:AlternateContent>
+              <a:t>Existing Models for complex topology</a:t>
+            </a:r>
+          </a:p>
+        </p:txBody>
+      </p:sp>
+      <p:sp>
+        <p:nvSpPr>
+          <p:cNvPr id="3" name="Content Placeholder 2">
+            <a:extLst>
+              <a:ext uri="{FF2B5EF4-FFF2-40B4-BE49-F238E27FC236}">
+                <a16:creationId xmlns:a16="http://schemas.microsoft.com/office/drawing/2014/main" id="{9DE0A452-352C-4487-9E7A-2A7757B54410}"/>
+              </a:ext>
+            </a:extLst>
+          </p:cNvPr>
+          <p:cNvSpPr>
+            <a:spLocks noGrp="1"/>
+          </p:cNvSpPr>
+          <p:nvPr>
+            <p:ph idx="1"/>
+          </p:nvPr>
+        </p:nvSpPr>
+        <p:spPr/>
+        <p:txBody>
+          <a:bodyPr/>
+          <a:lstStyle/>
+          <a:p>
+            <a:r>
+              <a:rPr lang="en-US" dirty="0" err="1"/>
+              <a:t>Erdős</a:t>
+            </a:r>
+            <a:r>
+              <a:rPr lang="en-US" dirty="0"/>
+              <a:t>–</a:t>
+            </a:r>
+            <a:r>
+              <a:rPr lang="en-US" dirty="0" err="1"/>
+              <a:t>Rényi</a:t>
+            </a:r>
+            <a:endParaRPr lang="en-US" dirty="0"/>
+          </a:p>
+          <a:p>
+            <a:pPr lvl="1"/>
+            <a:r>
+              <a:rPr lang="en-US" dirty="0"/>
+              <a:t>Starts with N vertices and each vertex has an equal chance to attach to any other vertex with </a:t>
+            </a:r>
+            <a:r>
+              <a:rPr lang="en-US" dirty="0" err="1"/>
+              <a:t>probablility</a:t>
+            </a:r>
+            <a:r>
+              <a:rPr lang="en-US" dirty="0"/>
+              <a:t> p</a:t>
+            </a:r>
+          </a:p>
+          <a:p>
+            <a:pPr lvl="1"/>
+            <a:r>
+              <a:rPr lang="en-US" dirty="0"/>
+              <a:t>Follows a Poisson distribution</a:t>
+            </a:r>
+          </a:p>
+          <a:p>
+            <a:pPr lvl="2"/>
+            <a:r>
+              <a:rPr lang="en-US" dirty="0"/>
+              <a:t>Vertices have no affect on where other vertices connect</a:t>
+            </a:r>
+          </a:p>
+          <a:p>
+            <a:pPr lvl="2"/>
+            <a:r>
+              <a:rPr lang="en-US" dirty="0"/>
+              <a:t>Does not follow the power-law in scale-free networks</a:t>
+            </a:r>
+          </a:p>
+          <a:p>
+            <a:r>
+              <a:rPr lang="en-US" dirty="0"/>
+              <a:t>Watts-</a:t>
+            </a:r>
+            <a:r>
+              <a:rPr lang="en-US" dirty="0" err="1"/>
+              <a:t>Strogatz</a:t>
+            </a:r>
+            <a:r>
+              <a:rPr lang="en-US" dirty="0"/>
+              <a:t> </a:t>
+            </a:r>
+          </a:p>
+          <a:p>
+            <a:pPr lvl="1"/>
+            <a:r>
+              <a:rPr lang="en-US" dirty="0"/>
+              <a:t>Creates graphs with small-world properties</a:t>
+            </a:r>
+          </a:p>
+          <a:p>
+            <a:pPr lvl="2"/>
+            <a:r>
+              <a:rPr lang="en-US" dirty="0"/>
+              <a:t>Vertices are connected with their neighbors</a:t>
+            </a:r>
+          </a:p>
+          <a:p>
+            <a:pPr lvl="2"/>
+            <a:r>
+              <a:rPr lang="en-US" dirty="0"/>
+              <a:t>Each edge connects to the next vertices with </a:t>
+            </a:r>
+            <a:r>
+              <a:rPr lang="en-US" dirty="0" err="1"/>
+              <a:t>probablility</a:t>
+            </a:r>
+            <a:r>
+              <a:rPr lang="en-US" dirty="0"/>
+              <a:t> p</a:t>
+            </a:r>
+          </a:p>
+          <a:p>
+            <a:pPr lvl="1"/>
+            <a:r>
+              <a:rPr lang="en-US" dirty="0"/>
+              <a:t>Leading to six degrees of separation</a:t>
+            </a:r>
+          </a:p>
+          <a:p>
+            <a:pPr lvl="2"/>
+            <a:r>
+              <a:rPr lang="en-US" b="1" dirty="0"/>
+              <a:t>“Six degrees of separation</a:t>
+            </a:r>
+            <a:r>
+              <a:rPr lang="en-US" dirty="0"/>
+              <a:t> is the idea that all living things and everything else in the world are six or fewer steps away” (</a:t>
+            </a:r>
+            <a:r>
+              <a:rPr lang="en-US" dirty="0">
+                <a:hlinkClick r:id="rId3"/>
+              </a:rPr>
+              <a:t>https://en.wikipedia.org/wiki/Six_degrees_of_separation</a:t>
+            </a:r>
+            <a:r>
+              <a:rPr lang="en-US" dirty="0"/>
+              <a:t>)</a:t>
+            </a:r>
+          </a:p>
+          <a:p>
+            <a:pPr lvl="1"/>
+            <a:r>
+              <a:rPr lang="en-US" dirty="0"/>
+              <a:t>Also follows a Poisson distribution</a:t>
+            </a:r>
+          </a:p>
+        </p:txBody>
+      </p:sp>
     </p:spTree>
     <p:extLst>
       <p:ext uri="{BB962C8B-B14F-4D97-AF65-F5344CB8AC3E}">
-        <p14:creationId xmlns:p14="http://schemas.microsoft.com/office/powerpoint/2010/main" val="1742544799"/>
+        <p14:creationId xmlns:p14="http://schemas.microsoft.com/office/powerpoint/2010/main" val="2143160802"/>
       </p:ext>
     </p:extLst>
   </p:cSld>
@@ -8596,7 +8829,7 @@
           <p:cNvPr id="2" name="Title 1">
             <a:extLst>
               <a:ext uri="{FF2B5EF4-FFF2-40B4-BE49-F238E27FC236}">
-                <a16:creationId xmlns:a16="http://schemas.microsoft.com/office/drawing/2014/main" id="{8EE1B2B3-4128-4387-9C33-C31950B17AA6}"/>
+                <a16:creationId xmlns:a16="http://schemas.microsoft.com/office/drawing/2014/main" id="{CABAE0FA-D5E4-4BBC-98A8-D6A054DC97C9}"/>
               </a:ext>
             </a:extLst>
           </p:cNvPr>
@@ -8609,156 +8842,84 @@
         </p:nvSpPr>
         <p:spPr/>
         <p:txBody>
-          <a:bodyPr/>
-          <a:lstStyle/>
-          <a:p>
-            <a:r>
-              <a:rPr lang="en-US" dirty="0"/>
-              <a:t>Electric power grid in the US</a:t>
-            </a:r>
-          </a:p>
-        </p:txBody>
-      </p:sp>
-      <mc:AlternateContent xmlns:mc="http://schemas.openxmlformats.org/markup-compatibility/2006">
-        <mc:Choice xmlns:a14="http://schemas.microsoft.com/office/drawing/2010/main" Requires="a14">
-          <p:sp>
-            <p:nvSpPr>
-              <p:cNvPr id="3" name="Content Placeholder 2">
-                <a:extLst>
-                  <a:ext uri="{FF2B5EF4-FFF2-40B4-BE49-F238E27FC236}">
-                    <a16:creationId xmlns:a16="http://schemas.microsoft.com/office/drawing/2014/main" id="{86FE2F93-74A6-4533-8525-4B96E8F3CE7B}"/>
-                  </a:ext>
-                </a:extLst>
-              </p:cNvPr>
-              <p:cNvSpPr>
-                <a:spLocks noGrp="1"/>
-              </p:cNvSpPr>
-              <p:nvPr>
-                <p:ph idx="1"/>
-              </p:nvPr>
-            </p:nvSpPr>
-            <p:spPr/>
-            <p:txBody>
-              <a:bodyPr/>
-              <a:lstStyle/>
-              <a:p>
-                <a:r>
-                  <a:rPr lang="en-US" dirty="0"/>
-                  <a:t>Vertices are generators, transformers and substations</a:t>
-                </a:r>
-              </a:p>
-              <a:p>
-                <a:r>
-                  <a:rPr lang="en-US" dirty="0"/>
-                  <a:t>Edges are power lines</a:t>
-                </a:r>
-              </a:p>
-              <a:p>
-                <a:r>
-                  <a:rPr lang="en-US" dirty="0"/>
-                  <a:t>Due to small number of vertices there is a relatively high exponent variable</a:t>
-                </a:r>
-              </a:p>
-              <a:p>
-                <a14:m>
-                  <m:oMath xmlns:m="http://schemas.openxmlformats.org/officeDocument/2006/math">
-                    <m:sSub>
-                      <m:sSubPr>
-                        <m:ctrlPr>
-                          <a:rPr lang="en-US" i="1" smtClean="0">
-                            <a:latin typeface="Cambria Math" panose="02040503050406030204" pitchFamily="18" charset="0"/>
-                          </a:rPr>
-                        </m:ctrlPr>
-                      </m:sSubPr>
-                      <m:e>
-                        <m:r>
-                          <a:rPr lang="en-US" i="1" smtClean="0">
-                            <a:latin typeface="Cambria Math" panose="02040503050406030204" pitchFamily="18" charset="0"/>
-                            <a:ea typeface="Cambria Math" panose="02040503050406030204" pitchFamily="18" charset="0"/>
-                          </a:rPr>
-                          <m:t>𝛾</m:t>
-                        </m:r>
-                      </m:e>
-                      <m:sub>
-                        <m:r>
-                          <a:rPr lang="en-US" b="0" i="1" smtClean="0">
-                            <a:latin typeface="Cambria Math" panose="02040503050406030204" pitchFamily="18" charset="0"/>
-                          </a:rPr>
-                          <m:t>𝑝𝑜𝑤𝑒𝑟</m:t>
-                        </m:r>
-                      </m:sub>
-                    </m:sSub>
-                    <m:r>
-                      <a:rPr lang="en-US" i="1">
-                        <a:latin typeface="Cambria Math" panose="02040503050406030204" pitchFamily="18" charset="0"/>
-                        <a:ea typeface="Cambria Math" panose="02040503050406030204" pitchFamily="18" charset="0"/>
-                      </a:rPr>
-                      <m:t>≅</m:t>
-                    </m:r>
-                    <m:r>
-                      <a:rPr lang="en-US" b="0" i="1" smtClean="0">
-                        <a:latin typeface="Cambria Math" panose="02040503050406030204" pitchFamily="18" charset="0"/>
-                        <a:ea typeface="Cambria Math" panose="02040503050406030204" pitchFamily="18" charset="0"/>
-                      </a:rPr>
-                      <m:t>4</m:t>
-                    </m:r>
-                  </m:oMath>
-                </a14:m>
-                <a:endParaRPr lang="en-US" dirty="0"/>
-              </a:p>
-              <a:p>
-                <a:r>
-                  <a:rPr lang="en-US" dirty="0"/>
-                  <a:t>N = 4941 vertices</a:t>
-                </a:r>
-              </a:p>
-            </p:txBody>
-          </p:sp>
-        </mc:Choice>
-        <mc:Fallback>
-          <p:sp>
-            <p:nvSpPr>
-              <p:cNvPr id="3" name="Content Placeholder 2">
-                <a:extLst>
-                  <a:ext uri="{FF2B5EF4-FFF2-40B4-BE49-F238E27FC236}">
-                    <a16:creationId xmlns:a16="http://schemas.microsoft.com/office/drawing/2014/main" id="{86FE2F93-74A6-4533-8525-4B96E8F3CE7B}"/>
-                  </a:ext>
-                </a:extLst>
-              </p:cNvPr>
-              <p:cNvSpPr>
-                <a:spLocks noGrp="1" noRot="1" noChangeAspect="1" noMove="1" noResize="1" noEditPoints="1" noAdjustHandles="1" noChangeArrowheads="1" noChangeShapeType="1" noTextEdit="1"/>
-              </p:cNvSpPr>
-              <p:nvPr>
-                <p:ph idx="1"/>
-              </p:nvPr>
-            </p:nvSpPr>
-            <p:spPr>
-              <a:blipFill>
-                <a:blip r:embed="rId2"/>
-                <a:stretch>
-                  <a:fillRect l="-142" t="-980"/>
-                </a:stretch>
-              </a:blipFill>
-            </p:spPr>
-            <p:txBody>
-              <a:bodyPr/>
-              <a:lstStyle/>
-              <a:p>
-                <a:r>
-                  <a:rPr lang="en-US">
-                    <a:noFill/>
-                  </a:rPr>
-                  <a:t> </a:t>
-                </a:r>
-              </a:p>
-            </p:txBody>
-          </p:sp>
-        </mc:Fallback>
-      </mc:AlternateContent>
+          <a:bodyPr>
+            <a:normAutofit/>
+          </a:bodyPr>
+          <a:lstStyle/>
+          <a:p>
+            <a:r>
+              <a:rPr lang="en-US" dirty="0"/>
+              <a:t>Fallacy of existing models for modeling scale-free networks</a:t>
+            </a:r>
+          </a:p>
+        </p:txBody>
+      </p:sp>
+      <p:sp>
+        <p:nvSpPr>
+          <p:cNvPr id="3" name="Content Placeholder 2">
+            <a:extLst>
+              <a:ext uri="{FF2B5EF4-FFF2-40B4-BE49-F238E27FC236}">
+                <a16:creationId xmlns:a16="http://schemas.microsoft.com/office/drawing/2014/main" id="{C3BD0041-66BC-4E5E-9BCB-ADD73917935E}"/>
+              </a:ext>
+            </a:extLst>
+          </p:cNvPr>
+          <p:cNvSpPr>
+            <a:spLocks noGrp="1"/>
+          </p:cNvSpPr>
+          <p:nvPr>
+            <p:ph idx="1"/>
+          </p:nvPr>
+        </p:nvSpPr>
+        <p:spPr/>
+        <p:txBody>
+          <a:bodyPr>
+            <a:normAutofit/>
+          </a:bodyPr>
+          <a:lstStyle/>
+          <a:p>
+            <a:r>
+              <a:rPr lang="en-US" dirty="0"/>
+              <a:t>In both of the models how vertices connect to other vertices is mostly random and any one vertex to have a significantly higher k than any other vertex is virtually non-existent</a:t>
+            </a:r>
+          </a:p>
+          <a:p>
+            <a:r>
+              <a:rPr lang="en-US" dirty="0"/>
+              <a:t>In real world networks a high k do occur.  Think of celebrities followed on Instagram or papers cited in academia</a:t>
+            </a:r>
+          </a:p>
+          <a:p>
+            <a:r>
+              <a:rPr lang="en-US" dirty="0"/>
+              <a:t>Both assume new vertices aren’t being added</a:t>
+            </a:r>
+          </a:p>
+          <a:p>
+            <a:pPr lvl="1"/>
+            <a:r>
+              <a:rPr lang="en-US" dirty="0"/>
+              <a:t>Real systems the number of vertices N is constantly increasing</a:t>
+            </a:r>
+          </a:p>
+          <a:p>
+            <a:r>
+              <a:rPr lang="en-US" dirty="0"/>
+              <a:t>Don’t take into account how new vertices prefer to connect to well established vertices</a:t>
+            </a:r>
+          </a:p>
+          <a:p>
+            <a:pPr lvl="1"/>
+            <a:r>
+              <a:rPr lang="en-US" dirty="0"/>
+              <a:t>Ex: a new actor is more likely to be case in a supporting role with an already established actor</a:t>
+            </a:r>
+          </a:p>
+        </p:txBody>
+      </p:sp>
     </p:spTree>
     <p:extLst>
       <p:ext uri="{BB962C8B-B14F-4D97-AF65-F5344CB8AC3E}">
-        <p14:creationId xmlns:p14="http://schemas.microsoft.com/office/powerpoint/2010/main" val="3009452001"/>
+        <p14:creationId xmlns:p14="http://schemas.microsoft.com/office/powerpoint/2010/main" val="3147715305"/>
       </p:ext>
     </p:extLst>
   </p:cSld>

--- a/CAP6675 - Complex Adaptive Systems/EmergenceOfScalingPresentation/PresentationDraft2.pptx
+++ b/CAP6675 - Complex Adaptive Systems/EmergenceOfScalingPresentation/PresentationDraft2.pptx
@@ -7,6 +7,9 @@
   <p:notesMasterIdLst>
     <p:notesMasterId r:id="rId24"/>
   </p:notesMasterIdLst>
+  <p:handoutMasterIdLst>
+    <p:handoutMasterId r:id="rId25"/>
+  </p:handoutMasterIdLst>
   <p:sldIdLst>
     <p:sldId id="256" r:id="rId2"/>
     <p:sldId id="269" r:id="rId3"/>
@@ -32,7 +35,7 @@
     <p:sldId id="282" r:id="rId23"/>
   </p:sldIdLst>
   <p:sldSz cx="12192000" cy="6858000"/>
-  <p:notesSz cx="6858000" cy="9144000"/>
+  <p:notesSz cx="9296400" cy="7010400"/>
   <p:defaultTextStyle>
     <a:defPPr>
       <a:defRPr lang="en-US"/>
@@ -140,6 +143,195 @@
 <p1510:revInfo xmlns:a="http://schemas.openxmlformats.org/drawingml/2006/main" xmlns:r="http://schemas.openxmlformats.org/officeDocument/2006/relationships" xmlns:p1510="http://schemas.microsoft.com/office/powerpoint/2015/10/main"/>
 </file>
 
+<file path=ppt/handoutMasters/handoutMaster1.xml><?xml version="1.0" encoding="utf-8"?>
+<p:handoutMaster xmlns:a="http://schemas.openxmlformats.org/drawingml/2006/main" xmlns:r="http://schemas.openxmlformats.org/officeDocument/2006/relationships" xmlns:p="http://schemas.openxmlformats.org/presentationml/2006/main">
+  <p:cSld>
+    <p:bg>
+      <p:bgRef idx="1001">
+        <a:schemeClr val="bg1"/>
+      </p:bgRef>
+    </p:bg>
+    <p:spTree>
+      <p:nvGrpSpPr>
+        <p:cNvPr id="1" name=""/>
+        <p:cNvGrpSpPr/>
+        <p:nvPr/>
+      </p:nvGrpSpPr>
+      <p:grpSpPr>
+        <a:xfrm>
+          <a:off x="0" y="0"/>
+          <a:ext cx="0" cy="0"/>
+          <a:chOff x="0" y="0"/>
+          <a:chExt cx="0" cy="0"/>
+        </a:xfrm>
+      </p:grpSpPr>
+      <p:sp>
+        <p:nvSpPr>
+          <p:cNvPr id="2" name="Header Placeholder 1">
+            <a:extLst>
+              <a:ext uri="{FF2B5EF4-FFF2-40B4-BE49-F238E27FC236}">
+                <a16:creationId xmlns:a16="http://schemas.microsoft.com/office/drawing/2014/main" id="{2041A479-7DA0-4125-94E0-D71EE700D8F2}"/>
+              </a:ext>
+            </a:extLst>
+          </p:cNvPr>
+          <p:cNvSpPr>
+            <a:spLocks noGrp="1"/>
+          </p:cNvSpPr>
+          <p:nvPr>
+            <p:ph type="hdr" sz="quarter"/>
+          </p:nvPr>
+        </p:nvSpPr>
+        <p:spPr>
+          <a:xfrm>
+            <a:off x="0" y="1"/>
+            <a:ext cx="4028440" cy="351737"/>
+          </a:xfrm>
+          <a:prstGeom prst="rect">
+            <a:avLst/>
+          </a:prstGeom>
+        </p:spPr>
+        <p:txBody>
+          <a:bodyPr vert="horz" lIns="93177" tIns="46589" rIns="93177" bIns="46589" rtlCol="0"/>
+          <a:lstStyle>
+            <a:lvl1pPr algn="l">
+              <a:defRPr sz="1200"/>
+            </a:lvl1pPr>
+          </a:lstStyle>
+          <a:p>
+            <a:endParaRPr lang="en-US"/>
+          </a:p>
+        </p:txBody>
+      </p:sp>
+      <p:sp>
+        <p:nvSpPr>
+          <p:cNvPr id="3" name="Date Placeholder 2">
+            <a:extLst>
+              <a:ext uri="{FF2B5EF4-FFF2-40B4-BE49-F238E27FC236}">
+                <a16:creationId xmlns:a16="http://schemas.microsoft.com/office/drawing/2014/main" id="{4D0C9AFC-1A10-48FB-825A-02E4FB4D1011}"/>
+              </a:ext>
+            </a:extLst>
+          </p:cNvPr>
+          <p:cNvSpPr>
+            <a:spLocks noGrp="1"/>
+          </p:cNvSpPr>
+          <p:nvPr>
+            <p:ph type="dt" sz="quarter" idx="1"/>
+          </p:nvPr>
+        </p:nvSpPr>
+        <p:spPr>
+          <a:xfrm>
+            <a:off x="5265809" y="1"/>
+            <a:ext cx="4028440" cy="351737"/>
+          </a:xfrm>
+          <a:prstGeom prst="rect">
+            <a:avLst/>
+          </a:prstGeom>
+        </p:spPr>
+        <p:txBody>
+          <a:bodyPr vert="horz" lIns="93177" tIns="46589" rIns="93177" bIns="46589" rtlCol="0"/>
+          <a:lstStyle>
+            <a:lvl1pPr algn="r">
+              <a:defRPr sz="1200"/>
+            </a:lvl1pPr>
+          </a:lstStyle>
+          <a:p>
+            <a:fld id="{04CD2F56-2CD4-4469-BE01-5872D91B67BD}" type="datetimeFigureOut">
+              <a:rPr lang="en-US" smtClean="0"/>
+              <a:t>11/19/2017</a:t>
+            </a:fld>
+            <a:endParaRPr lang="en-US"/>
+          </a:p>
+        </p:txBody>
+      </p:sp>
+      <p:sp>
+        <p:nvSpPr>
+          <p:cNvPr id="4" name="Footer Placeholder 3">
+            <a:extLst>
+              <a:ext uri="{FF2B5EF4-FFF2-40B4-BE49-F238E27FC236}">
+                <a16:creationId xmlns:a16="http://schemas.microsoft.com/office/drawing/2014/main" id="{B74055DA-7431-44BA-B777-4E0C57ABE976}"/>
+              </a:ext>
+            </a:extLst>
+          </p:cNvPr>
+          <p:cNvSpPr>
+            <a:spLocks noGrp="1"/>
+          </p:cNvSpPr>
+          <p:nvPr>
+            <p:ph type="ftr" sz="quarter" idx="2"/>
+          </p:nvPr>
+        </p:nvSpPr>
+        <p:spPr>
+          <a:xfrm>
+            <a:off x="0" y="6658664"/>
+            <a:ext cx="4028440" cy="351736"/>
+          </a:xfrm>
+          <a:prstGeom prst="rect">
+            <a:avLst/>
+          </a:prstGeom>
+        </p:spPr>
+        <p:txBody>
+          <a:bodyPr vert="horz" lIns="93177" tIns="46589" rIns="93177" bIns="46589" rtlCol="0" anchor="b"/>
+          <a:lstStyle>
+            <a:lvl1pPr algn="l">
+              <a:defRPr sz="1200"/>
+            </a:lvl1pPr>
+          </a:lstStyle>
+          <a:p>
+            <a:endParaRPr lang="en-US"/>
+          </a:p>
+        </p:txBody>
+      </p:sp>
+      <p:sp>
+        <p:nvSpPr>
+          <p:cNvPr id="5" name="Slide Number Placeholder 4">
+            <a:extLst>
+              <a:ext uri="{FF2B5EF4-FFF2-40B4-BE49-F238E27FC236}">
+                <a16:creationId xmlns:a16="http://schemas.microsoft.com/office/drawing/2014/main" id="{D12E8230-6238-4563-A1A7-F50DD7F9631F}"/>
+              </a:ext>
+            </a:extLst>
+          </p:cNvPr>
+          <p:cNvSpPr>
+            <a:spLocks noGrp="1"/>
+          </p:cNvSpPr>
+          <p:nvPr>
+            <p:ph type="sldNum" sz="quarter" idx="3"/>
+          </p:nvPr>
+        </p:nvSpPr>
+        <p:spPr>
+          <a:xfrm>
+            <a:off x="5265809" y="6658664"/>
+            <a:ext cx="4028440" cy="351736"/>
+          </a:xfrm>
+          <a:prstGeom prst="rect">
+            <a:avLst/>
+          </a:prstGeom>
+        </p:spPr>
+        <p:txBody>
+          <a:bodyPr vert="horz" lIns="93177" tIns="46589" rIns="93177" bIns="46589" rtlCol="0" anchor="b"/>
+          <a:lstStyle>
+            <a:lvl1pPr algn="r">
+              <a:defRPr sz="1200"/>
+            </a:lvl1pPr>
+          </a:lstStyle>
+          <a:p>
+            <a:fld id="{BA04CB69-F721-4615-B221-308F5F3AE791}" type="slidenum">
+              <a:rPr lang="en-US" smtClean="0"/>
+              <a:t>‹#›</a:t>
+            </a:fld>
+            <a:endParaRPr lang="en-US"/>
+          </a:p>
+        </p:txBody>
+      </p:sp>
+    </p:spTree>
+    <p:extLst>
+      <p:ext uri="{BB962C8B-B14F-4D97-AF65-F5344CB8AC3E}">
+        <p14:creationId xmlns:p14="http://schemas.microsoft.com/office/powerpoint/2010/main" val="701821696"/>
+      </p:ext>
+    </p:extLst>
+  </p:cSld>
+  <p:clrMap bg1="lt1" tx1="dk1" bg2="lt2" tx2="dk2" accent1="accent1" accent2="accent2" accent3="accent3" accent4="accent4" accent5="accent5" accent6="accent6" hlink="hlink" folHlink="folHlink"/>
+</p:handoutMaster>
+</file>
+
 <file path=ppt/notesMasters/notesMaster1.xml><?xml version="1.0" encoding="utf-8"?>
 <p:notesMaster xmlns:a="http://schemas.openxmlformats.org/drawingml/2006/main" xmlns:r="http://schemas.openxmlformats.org/officeDocument/2006/relationships" xmlns:p="http://schemas.openxmlformats.org/presentationml/2006/main">
   <p:cSld>
@@ -174,15 +366,15 @@
         </p:nvSpPr>
         <p:spPr>
           <a:xfrm>
-            <a:off x="0" y="0"/>
-            <a:ext cx="2971800" cy="458788"/>
+            <a:off x="0" y="1"/>
+            <a:ext cx="4028440" cy="351737"/>
           </a:xfrm>
           <a:prstGeom prst="rect">
             <a:avLst/>
           </a:prstGeom>
         </p:spPr>
         <p:txBody>
-          <a:bodyPr vert="horz" lIns="91440" tIns="45720" rIns="91440" bIns="45720" rtlCol="0"/>
+          <a:bodyPr vert="horz" lIns="93177" tIns="46589" rIns="93177" bIns="46589" rtlCol="0"/>
           <a:lstStyle>
             <a:lvl1pPr algn="l">
               <a:defRPr sz="1200"/>
@@ -205,15 +397,15 @@
         </p:nvSpPr>
         <p:spPr>
           <a:xfrm>
-            <a:off x="3884613" y="0"/>
-            <a:ext cx="2971800" cy="458788"/>
+            <a:off x="5265809" y="1"/>
+            <a:ext cx="4028440" cy="351737"/>
           </a:xfrm>
           <a:prstGeom prst="rect">
             <a:avLst/>
           </a:prstGeom>
         </p:spPr>
         <p:txBody>
-          <a:bodyPr vert="horz" lIns="91440" tIns="45720" rIns="91440" bIns="45720" rtlCol="0"/>
+          <a:bodyPr vert="horz" lIns="93177" tIns="46589" rIns="93177" bIns="46589" rtlCol="0"/>
           <a:lstStyle>
             <a:lvl1pPr algn="r">
               <a:defRPr sz="1200"/>
@@ -240,8 +432,8 @@
         </p:nvSpPr>
         <p:spPr>
           <a:xfrm>
-            <a:off x="685800" y="1143000"/>
-            <a:ext cx="5486400" cy="3086100"/>
+            <a:off x="2546350" y="876300"/>
+            <a:ext cx="4203700" cy="2365375"/>
           </a:xfrm>
           <a:prstGeom prst="rect">
             <a:avLst/>
@@ -254,7 +446,7 @@
           </a:ln>
         </p:spPr>
         <p:txBody>
-          <a:bodyPr vert="horz" lIns="91440" tIns="45720" rIns="91440" bIns="45720" rtlCol="0" anchor="ctr"/>
+          <a:bodyPr vert="horz" lIns="93177" tIns="46589" rIns="93177" bIns="46589" rtlCol="0" anchor="ctr"/>
           <a:lstStyle/>
           <a:p>
             <a:endParaRPr lang="en-US"/>
@@ -273,15 +465,15 @@
         </p:nvSpPr>
         <p:spPr>
           <a:xfrm>
-            <a:off x="685800" y="4400550"/>
-            <a:ext cx="5486400" cy="3600450"/>
+            <a:off x="929640" y="3373754"/>
+            <a:ext cx="7437120" cy="2760346"/>
           </a:xfrm>
           <a:prstGeom prst="rect">
             <a:avLst/>
           </a:prstGeom>
         </p:spPr>
         <p:txBody>
-          <a:bodyPr vert="horz" lIns="91440" tIns="45720" rIns="91440" bIns="45720" rtlCol="0"/>
+          <a:bodyPr vert="horz" lIns="93177" tIns="46589" rIns="93177" bIns="46589" rtlCol="0"/>
           <a:lstStyle/>
           <a:p>
             <a:pPr lvl="0"/>
@@ -332,15 +524,15 @@
         </p:nvSpPr>
         <p:spPr>
           <a:xfrm>
-            <a:off x="0" y="8685213"/>
-            <a:ext cx="2971800" cy="458787"/>
+            <a:off x="0" y="6658664"/>
+            <a:ext cx="4028440" cy="351736"/>
           </a:xfrm>
           <a:prstGeom prst="rect">
             <a:avLst/>
           </a:prstGeom>
         </p:spPr>
         <p:txBody>
-          <a:bodyPr vert="horz" lIns="91440" tIns="45720" rIns="91440" bIns="45720" rtlCol="0" anchor="b"/>
+          <a:bodyPr vert="horz" lIns="93177" tIns="46589" rIns="93177" bIns="46589" rtlCol="0" anchor="b"/>
           <a:lstStyle>
             <a:lvl1pPr algn="l">
               <a:defRPr sz="1200"/>
@@ -363,15 +555,15 @@
         </p:nvSpPr>
         <p:spPr>
           <a:xfrm>
-            <a:off x="3884613" y="8685213"/>
-            <a:ext cx="2971800" cy="458787"/>
+            <a:off x="5265809" y="6658664"/>
+            <a:ext cx="4028440" cy="351736"/>
           </a:xfrm>
           <a:prstGeom prst="rect">
             <a:avLst/>
           </a:prstGeom>
         </p:spPr>
         <p:txBody>
-          <a:bodyPr vert="horz" lIns="91440" tIns="45720" rIns="91440" bIns="45720" rtlCol="0" anchor="b"/>
+          <a:bodyPr vert="horz" lIns="93177" tIns="46589" rIns="93177" bIns="46589" rtlCol="0" anchor="b"/>
           <a:lstStyle>
             <a:lvl1pPr algn="r">
               <a:defRPr sz="1200"/>
@@ -6723,13 +6915,8 @@
           <a:p>
             <a:r>
               <a:rPr lang="en-US" dirty="0"/>
-              <a:t>They mentioned this in the paper, but did not explore </a:t>
-            </a:r>
-            <a:r>
-              <a:rPr lang="en-US"/>
-              <a:t>it further</a:t>
-            </a:r>
-            <a:endParaRPr lang="en-US" dirty="0"/>
+              <a:t>They mentioned this in the paper, but did not explore it further</a:t>
+            </a:r>
           </a:p>
           <a:p>
             <a:r>
@@ -7690,7 +7877,15 @@
           <a:p>
             <a:r>
               <a:rPr lang="en-US" dirty="0"/>
-              <a:t>Prove that networks can follow the scale free power law distribution via preferential attachment</a:t>
+              <a:t>Prove that networks can self-organize into a </a:t>
+            </a:r>
+            <a:r>
+              <a:rPr lang="en-US"/>
+              <a:t>scale-free state via </a:t>
+            </a:r>
+            <a:r>
+              <a:rPr lang="en-US" dirty="0"/>
+              <a:t>preferential attachment</a:t>
             </a:r>
           </a:p>
           <a:p>
@@ -9475,4 +9670,299 @@
     </a:ext>
   </a:extLst>
 </a:theme>
+</file>
+
+<file path=ppt/theme/theme3.xml><?xml version="1.0" encoding="utf-8"?>
+<a:theme xmlns:a="http://schemas.openxmlformats.org/drawingml/2006/main" name="Office Theme">
+  <a:themeElements>
+    <a:clrScheme name="Office">
+      <a:dk1>
+        <a:sysClr val="windowText" lastClr="000000"/>
+      </a:dk1>
+      <a:lt1>
+        <a:sysClr val="window" lastClr="FFFFFF"/>
+      </a:lt1>
+      <a:dk2>
+        <a:srgbClr val="44546A"/>
+      </a:dk2>
+      <a:lt2>
+        <a:srgbClr val="E7E6E6"/>
+      </a:lt2>
+      <a:accent1>
+        <a:srgbClr val="4472C4"/>
+      </a:accent1>
+      <a:accent2>
+        <a:srgbClr val="ED7D31"/>
+      </a:accent2>
+      <a:accent3>
+        <a:srgbClr val="A5A5A5"/>
+      </a:accent3>
+      <a:accent4>
+        <a:srgbClr val="FFC000"/>
+      </a:accent4>
+      <a:accent5>
+        <a:srgbClr val="5B9BD5"/>
+      </a:accent5>
+      <a:accent6>
+        <a:srgbClr val="70AD47"/>
+      </a:accent6>
+      <a:hlink>
+        <a:srgbClr val="0563C1"/>
+      </a:hlink>
+      <a:folHlink>
+        <a:srgbClr val="954F72"/>
+      </a:folHlink>
+    </a:clrScheme>
+    <a:fontScheme name="Office">
+      <a:majorFont>
+        <a:latin typeface="Calibri Light" panose="020F0302020204030204"/>
+        <a:ea typeface=""/>
+        <a:cs typeface=""/>
+        <a:font script="Jpan" typeface="游ゴシック Light"/>
+        <a:font script="Hang" typeface="맑은 고딕"/>
+        <a:font script="Hans" typeface="等线 Light"/>
+        <a:font script="Hant" typeface="新細明體"/>
+        <a:font script="Arab" typeface="Times New Roman"/>
+        <a:font script="Hebr" typeface="Times New Roman"/>
+        <a:font script="Thai" typeface="Angsana New"/>
+        <a:font script="Ethi" typeface="Nyala"/>
+        <a:font script="Beng" typeface="Vrinda"/>
+        <a:font script="Gujr" typeface="Shruti"/>
+        <a:font script="Khmr" typeface="MoolBoran"/>
+        <a:font script="Knda" typeface="Tunga"/>
+        <a:font script="Guru" typeface="Raavi"/>
+        <a:font script="Cans" typeface="Euphemia"/>
+        <a:font script="Cher" typeface="Plantagenet Cherokee"/>
+        <a:font script="Yiii" typeface="Microsoft Yi Baiti"/>
+        <a:font script="Tibt" typeface="Microsoft Himalaya"/>
+        <a:font script="Thaa" typeface="MV Boli"/>
+        <a:font script="Deva" typeface="Mangal"/>
+        <a:font script="Telu" typeface="Gautami"/>
+        <a:font script="Taml" typeface="Latha"/>
+        <a:font script="Syrc" typeface="Estrangelo Edessa"/>
+        <a:font script="Orya" typeface="Kalinga"/>
+        <a:font script="Mlym" typeface="Kartika"/>
+        <a:font script="Laoo" typeface="DokChampa"/>
+        <a:font script="Sinh" typeface="Iskoola Pota"/>
+        <a:font script="Mong" typeface="Mongolian Baiti"/>
+        <a:font script="Viet" typeface="Times New Roman"/>
+        <a:font script="Uigh" typeface="Microsoft Uighur"/>
+        <a:font script="Geor" typeface="Sylfaen"/>
+        <a:font script="Armn" typeface="Arial"/>
+        <a:font script="Bugi" typeface="Leelawadee UI"/>
+        <a:font script="Bopo" typeface="Microsoft JhengHei"/>
+        <a:font script="Java" typeface="Javanese Text"/>
+        <a:font script="Lisu" typeface="Segoe UI"/>
+        <a:font script="Mymr" typeface="Myanmar Text"/>
+        <a:font script="Nkoo" typeface="Ebrima"/>
+        <a:font script="Olck" typeface="Nirmala UI"/>
+        <a:font script="Osma" typeface="Ebrima"/>
+        <a:font script="Phag" typeface="Phagspa"/>
+        <a:font script="Syrn" typeface="Estrangelo Edessa"/>
+        <a:font script="Syrj" typeface="Estrangelo Edessa"/>
+        <a:font script="Syre" typeface="Estrangelo Edessa"/>
+        <a:font script="Sora" typeface="Nirmala UI"/>
+        <a:font script="Tale" typeface="Microsoft Tai Le"/>
+        <a:font script="Talu" typeface="Microsoft New Tai Lue"/>
+        <a:font script="Tfng" typeface="Ebrima"/>
+      </a:majorFont>
+      <a:minorFont>
+        <a:latin typeface="Calibri" panose="020F0502020204030204"/>
+        <a:ea typeface=""/>
+        <a:cs typeface=""/>
+        <a:font script="Jpan" typeface="游ゴシック"/>
+        <a:font script="Hang" typeface="맑은 고딕"/>
+        <a:font script="Hans" typeface="等线"/>
+        <a:font script="Hant" typeface="新細明體"/>
+        <a:font script="Arab" typeface="Arial"/>
+        <a:font script="Hebr" typeface="Arial"/>
+        <a:font script="Thai" typeface="Cordia New"/>
+        <a:font script="Ethi" typeface="Nyala"/>
+        <a:font script="Beng" typeface="Vrinda"/>
+        <a:font script="Gujr" typeface="Shruti"/>
+        <a:font script="Khmr" typeface="DaunPenh"/>
+        <a:font script="Knda" typeface="Tunga"/>
+        <a:font script="Guru" typeface="Raavi"/>
+        <a:font script="Cans" typeface="Euphemia"/>
+        <a:font script="Cher" typeface="Plantagenet Cherokee"/>
+        <a:font script="Yiii" typeface="Microsoft Yi Baiti"/>
+        <a:font script="Tibt" typeface="Microsoft Himalaya"/>
+        <a:font script="Thaa" typeface="MV Boli"/>
+        <a:font script="Deva" typeface="Mangal"/>
+        <a:font script="Telu" typeface="Gautami"/>
+        <a:font script="Taml" typeface="Latha"/>
+        <a:font script="Syrc" typeface="Estrangelo Edessa"/>
+        <a:font script="Orya" typeface="Kalinga"/>
+        <a:font script="Mlym" typeface="Kartika"/>
+        <a:font script="Laoo" typeface="DokChampa"/>
+        <a:font script="Sinh" typeface="Iskoola Pota"/>
+        <a:font script="Mong" typeface="Mongolian Baiti"/>
+        <a:font script="Viet" typeface="Arial"/>
+        <a:font script="Uigh" typeface="Microsoft Uighur"/>
+        <a:font script="Geor" typeface="Sylfaen"/>
+        <a:font script="Armn" typeface="Arial"/>
+        <a:font script="Bugi" typeface="Leelawadee UI"/>
+        <a:font script="Bopo" typeface="Microsoft JhengHei"/>
+        <a:font script="Java" typeface="Javanese Text"/>
+        <a:font script="Lisu" typeface="Segoe UI"/>
+        <a:font script="Mymr" typeface="Myanmar Text"/>
+        <a:font script="Nkoo" typeface="Ebrima"/>
+        <a:font script="Olck" typeface="Nirmala UI"/>
+        <a:font script="Osma" typeface="Ebrima"/>
+        <a:font script="Phag" typeface="Phagspa"/>
+        <a:font script="Syrn" typeface="Estrangelo Edessa"/>
+        <a:font script="Syrj" typeface="Estrangelo Edessa"/>
+        <a:font script="Syre" typeface="Estrangelo Edessa"/>
+        <a:font script="Sora" typeface="Nirmala UI"/>
+        <a:font script="Tale" typeface="Microsoft Tai Le"/>
+        <a:font script="Talu" typeface="Microsoft New Tai Lue"/>
+        <a:font script="Tfng" typeface="Ebrima"/>
+      </a:minorFont>
+    </a:fontScheme>
+    <a:fmtScheme name="Office">
+      <a:fillStyleLst>
+        <a:solidFill>
+          <a:schemeClr val="phClr"/>
+        </a:solidFill>
+        <a:gradFill rotWithShape="1">
+          <a:gsLst>
+            <a:gs pos="0">
+              <a:schemeClr val="phClr">
+                <a:lumMod val="110000"/>
+                <a:satMod val="105000"/>
+                <a:tint val="67000"/>
+              </a:schemeClr>
+            </a:gs>
+            <a:gs pos="50000">
+              <a:schemeClr val="phClr">
+                <a:lumMod val="105000"/>
+                <a:satMod val="103000"/>
+                <a:tint val="73000"/>
+              </a:schemeClr>
+            </a:gs>
+            <a:gs pos="100000">
+              <a:schemeClr val="phClr">
+                <a:lumMod val="105000"/>
+                <a:satMod val="109000"/>
+                <a:tint val="81000"/>
+              </a:schemeClr>
+            </a:gs>
+          </a:gsLst>
+          <a:lin ang="5400000" scaled="0"/>
+        </a:gradFill>
+        <a:gradFill rotWithShape="1">
+          <a:gsLst>
+            <a:gs pos="0">
+              <a:schemeClr val="phClr">
+                <a:satMod val="103000"/>
+                <a:lumMod val="102000"/>
+                <a:tint val="94000"/>
+              </a:schemeClr>
+            </a:gs>
+            <a:gs pos="50000">
+              <a:schemeClr val="phClr">
+                <a:satMod val="110000"/>
+                <a:lumMod val="100000"/>
+                <a:shade val="100000"/>
+              </a:schemeClr>
+            </a:gs>
+            <a:gs pos="100000">
+              <a:schemeClr val="phClr">
+                <a:lumMod val="99000"/>
+                <a:satMod val="120000"/>
+                <a:shade val="78000"/>
+              </a:schemeClr>
+            </a:gs>
+          </a:gsLst>
+          <a:lin ang="5400000" scaled="0"/>
+        </a:gradFill>
+      </a:fillStyleLst>
+      <a:lnStyleLst>
+        <a:ln w="6350" cap="flat" cmpd="sng" algn="ctr">
+          <a:solidFill>
+            <a:schemeClr val="phClr"/>
+          </a:solidFill>
+          <a:prstDash val="solid"/>
+          <a:miter lim="800000"/>
+        </a:ln>
+        <a:ln w="12700" cap="flat" cmpd="sng" algn="ctr">
+          <a:solidFill>
+            <a:schemeClr val="phClr"/>
+          </a:solidFill>
+          <a:prstDash val="solid"/>
+          <a:miter lim="800000"/>
+        </a:ln>
+        <a:ln w="19050" cap="flat" cmpd="sng" algn="ctr">
+          <a:solidFill>
+            <a:schemeClr val="phClr"/>
+          </a:solidFill>
+          <a:prstDash val="solid"/>
+          <a:miter lim="800000"/>
+        </a:ln>
+      </a:lnStyleLst>
+      <a:effectStyleLst>
+        <a:effectStyle>
+          <a:effectLst/>
+        </a:effectStyle>
+        <a:effectStyle>
+          <a:effectLst/>
+        </a:effectStyle>
+        <a:effectStyle>
+          <a:effectLst>
+            <a:outerShdw blurRad="57150" dist="19050" dir="5400000" algn="ctr" rotWithShape="0">
+              <a:srgbClr val="000000">
+                <a:alpha val="63000"/>
+              </a:srgbClr>
+            </a:outerShdw>
+          </a:effectLst>
+        </a:effectStyle>
+      </a:effectStyleLst>
+      <a:bgFillStyleLst>
+        <a:solidFill>
+          <a:schemeClr val="phClr"/>
+        </a:solidFill>
+        <a:solidFill>
+          <a:schemeClr val="phClr">
+            <a:tint val="95000"/>
+            <a:satMod val="170000"/>
+          </a:schemeClr>
+        </a:solidFill>
+        <a:gradFill rotWithShape="1">
+          <a:gsLst>
+            <a:gs pos="0">
+              <a:schemeClr val="phClr">
+                <a:tint val="93000"/>
+                <a:satMod val="150000"/>
+                <a:shade val="98000"/>
+                <a:lumMod val="102000"/>
+              </a:schemeClr>
+            </a:gs>
+            <a:gs pos="50000">
+              <a:schemeClr val="phClr">
+                <a:tint val="98000"/>
+                <a:satMod val="130000"/>
+                <a:shade val="90000"/>
+                <a:lumMod val="103000"/>
+              </a:schemeClr>
+            </a:gs>
+            <a:gs pos="100000">
+              <a:schemeClr val="phClr">
+                <a:shade val="63000"/>
+                <a:satMod val="120000"/>
+              </a:schemeClr>
+            </a:gs>
+          </a:gsLst>
+          <a:lin ang="5400000" scaled="0"/>
+        </a:gradFill>
+      </a:bgFillStyleLst>
+    </a:fmtScheme>
+  </a:themeElements>
+  <a:objectDefaults/>
+  <a:extraClrSchemeLst/>
+  <a:extLst>
+    <a:ext uri="{05A4C25C-085E-4340-85A3-A5531E510DB2}">
+      <thm15:themeFamily xmlns:thm15="http://schemas.microsoft.com/office/thememl/2012/main" name="Office Theme" id="{62F939B6-93AF-4DB8-9C6B-D6C7DFDC589F}" vid="{4A3C46E8-61CC-4603-A589-7422A47A8E4A}"/>
+    </a:ext>
+  </a:extLst>
+</a:theme>
 </file>
--- a/CAP6675 - Complex Adaptive Systems/EmergenceOfScalingPresentation/PresentationDraft2.pptx
+++ b/CAP6675 - Complex Adaptive Systems/EmergenceOfScalingPresentation/PresentationDraft2.pptx
@@ -7877,15 +7877,7 @@
           <a:p>
             <a:r>
               <a:rPr lang="en-US" dirty="0"/>
-              <a:t>Prove that networks can self-organize into a </a:t>
-            </a:r>
-            <a:r>
-              <a:rPr lang="en-US"/>
-              <a:t>scale-free state via </a:t>
-            </a:r>
-            <a:r>
-              <a:rPr lang="en-US" dirty="0"/>
-              <a:t>preferential attachment</a:t>
+              <a:t>Prove that networks can self-organize into a scale-free state via preferential attachment</a:t>
             </a:r>
           </a:p>
           <a:p>
@@ -8089,147 +8081,12 @@
               <a:p>
                 <a:pPr lvl="1"/>
                 <a:r>
-                  <a:rPr lang="en-US" dirty="0"/>
-                  <a:t>Power-law equation is </a:t>
+                  <a:rPr lang="en-US"/>
+                  <a:t>K </a:t>
                 </a:r>
-                <a14:m>
-                  <m:oMath xmlns:m="http://schemas.openxmlformats.org/officeDocument/2006/math">
-                    <m:r>
-                      <a:rPr lang="en-US" i="1">
-                        <a:latin typeface="Cambria Math" panose="02040503050406030204" pitchFamily="18" charset="0"/>
-                      </a:rPr>
-                      <m:t>𝑃</m:t>
-                    </m:r>
-                    <m:d>
-                      <m:dPr>
-                        <m:ctrlPr>
-                          <a:rPr lang="en-US" i="1">
-                            <a:latin typeface="Cambria Math" panose="02040503050406030204" pitchFamily="18" charset="0"/>
-                          </a:rPr>
-                        </m:ctrlPr>
-                      </m:dPr>
-                      <m:e>
-                        <m:r>
-                          <a:rPr lang="en-US" i="1">
-                            <a:latin typeface="Cambria Math" panose="02040503050406030204" pitchFamily="18" charset="0"/>
-                          </a:rPr>
-                          <m:t>𝑘</m:t>
-                        </m:r>
-                      </m:e>
-                    </m:d>
-                    <m:r>
-                      <a:rPr lang="en-US" i="1">
-                        <a:latin typeface="Cambria Math" panose="02040503050406030204" pitchFamily="18" charset="0"/>
-                      </a:rPr>
-                      <m:t>~</m:t>
-                    </m:r>
-                    <m:sSup>
-                      <m:sSupPr>
-                        <m:ctrlPr>
-                          <a:rPr lang="en-US" i="1">
-                            <a:latin typeface="Cambria Math" panose="02040503050406030204" pitchFamily="18" charset="0"/>
-                          </a:rPr>
-                        </m:ctrlPr>
-                      </m:sSupPr>
-                      <m:e>
-                        <m:r>
-                          <a:rPr lang="en-US" i="1">
-                            <a:latin typeface="Cambria Math" panose="02040503050406030204" pitchFamily="18" charset="0"/>
-                          </a:rPr>
-                          <m:t>𝑘</m:t>
-                        </m:r>
-                      </m:e>
-                      <m:sup>
-                        <m:sSub>
-                          <m:sSubPr>
-                            <m:ctrlPr>
-                              <a:rPr lang="en-US" i="1">
-                                <a:latin typeface="Cambria Math" panose="02040503050406030204" pitchFamily="18" charset="0"/>
-                              </a:rPr>
-                            </m:ctrlPr>
-                          </m:sSubPr>
-                          <m:e>
-                            <m:r>
-                              <a:rPr lang="en-US" i="1">
-                                <a:latin typeface="Cambria Math" panose="02040503050406030204" pitchFamily="18" charset="0"/>
-                              </a:rPr>
-                              <m:t>−</m:t>
-                            </m:r>
-                            <m:r>
-                              <a:rPr lang="en-US" i="1">
-                                <a:latin typeface="Cambria Math" panose="02040503050406030204" pitchFamily="18" charset="0"/>
-                                <a:ea typeface="Cambria Math" panose="02040503050406030204" pitchFamily="18" charset="0"/>
-                              </a:rPr>
-                              <m:t>𝛾</m:t>
-                            </m:r>
-                          </m:e>
-                          <m:sub>
-                            <m:r>
-                              <a:rPr lang="en-US" i="1">
-                                <a:latin typeface="Cambria Math" panose="02040503050406030204" pitchFamily="18" charset="0"/>
-                              </a:rPr>
-                              <m:t>𝑎𝑐𝑡𝑜𝑟</m:t>
-                            </m:r>
-                          </m:sub>
-                        </m:sSub>
-                      </m:sup>
-                    </m:sSup>
-                  </m:oMath>
-                </a14:m>
                 <a:r>
                   <a:rPr lang="en-US" dirty="0"/>
-                  <a:t> where </a:t>
-                </a:r>
-                <a14:m>
-                  <m:oMath xmlns:m="http://schemas.openxmlformats.org/officeDocument/2006/math">
-                    <m:sSub>
-                      <m:sSubPr>
-                        <m:ctrlPr>
-                          <a:rPr lang="en-US" i="1">
-                            <a:latin typeface="Cambria Math" panose="02040503050406030204" pitchFamily="18" charset="0"/>
-                          </a:rPr>
-                        </m:ctrlPr>
-                      </m:sSubPr>
-                      <m:e>
-                        <m:r>
-                          <a:rPr lang="en-US" i="1">
-                            <a:latin typeface="Cambria Math" panose="02040503050406030204" pitchFamily="18" charset="0"/>
-                            <a:ea typeface="Cambria Math" panose="02040503050406030204" pitchFamily="18" charset="0"/>
-                          </a:rPr>
-                          <m:t>𝛾</m:t>
-                        </m:r>
-                      </m:e>
-                      <m:sub>
-                        <m:r>
-                          <a:rPr lang="en-US" i="1">
-                            <a:latin typeface="Cambria Math" panose="02040503050406030204" pitchFamily="18" charset="0"/>
-                          </a:rPr>
-                          <m:t>𝑎𝑐𝑡𝑜𝑟</m:t>
-                        </m:r>
-                      </m:sub>
-                    </m:sSub>
-                    <m:r>
-                      <a:rPr lang="en-US" i="1">
-                        <a:latin typeface="Cambria Math" panose="02040503050406030204" pitchFamily="18" charset="0"/>
-                      </a:rPr>
-                      <m:t>=2.3</m:t>
-                    </m:r>
-                    <m:r>
-                      <a:rPr lang="en-US" i="1">
-                        <a:latin typeface="Cambria Math" panose="02040503050406030204" pitchFamily="18" charset="0"/>
-                        <a:ea typeface="Cambria Math" panose="02040503050406030204" pitchFamily="18" charset="0"/>
-                      </a:rPr>
-                      <m:t>±0.1</m:t>
-                    </m:r>
-                  </m:oMath>
-                </a14:m>
-                <a:endParaRPr lang="en-US" dirty="0"/>
-              </a:p>
-              <a:p>
-                <a:pPr lvl="1"/>
-                <a:r>
-                  <a:rPr lang="en-US" dirty="0"/>
-                  <a:t>K represents the number of edges adjacent to a given vertex</a:t>
+                  <a:t>represents the number of edges adjacent to a given vertex</a:t>
                 </a:r>
               </a:p>
               <a:p>

--- a/CAP6675 - Complex Adaptive Systems/EmergenceOfScalingPresentation/PresentationDraft2.pptx
+++ b/CAP6675 - Complex Adaptive Systems/EmergenceOfScalingPresentation/PresentationDraft2.pptx
@@ -8081,12 +8081,8 @@
               <a:p>
                 <a:pPr lvl="1"/>
                 <a:r>
-                  <a:rPr lang="en-US"/>
-                  <a:t>K </a:t>
-                </a:r>
-                <a:r>
                   <a:rPr lang="en-US" dirty="0"/>
-                  <a:t>represents the number of edges adjacent to a given vertex</a:t>
+                  <a:t>K represents the number of edges adjacent to a given vertex</a:t>
                 </a:r>
               </a:p>
               <a:p>

--- a/CAP6675 - Complex Adaptive Systems/EmergenceOfScalingPresentation/PresentationDraft2.pptx
+++ b/CAP6675 - Complex Adaptive Systems/EmergenceOfScalingPresentation/PresentationDraft2.pptx
@@ -237,7 +237,7 @@
           <a:p>
             <a:fld id="{04CD2F56-2CD4-4469-BE01-5872D91B67BD}" type="datetimeFigureOut">
               <a:rPr lang="en-US" smtClean="0"/>
-              <a:t>11/19/2017</a:t>
+              <a:t>11/20/2017</a:t>
             </a:fld>
             <a:endParaRPr lang="en-US"/>
           </a:p>
@@ -414,7 +414,7 @@
           <a:p>
             <a:fld id="{121E1B43-F294-4197-ACC2-D495C7642D89}" type="datetimeFigureOut">
               <a:rPr lang="en-US" smtClean="0"/>
-              <a:t>11/19/2017</a:t>
+              <a:t>11/20/2017</a:t>
             </a:fld>
             <a:endParaRPr lang="en-US"/>
           </a:p>
@@ -1478,7 +1478,7 @@
           <a:p>
             <a:fld id="{57C9CE0C-6448-44D5-A666-5A3472CFB03D}" type="datetimeFigureOut">
               <a:rPr lang="en-US" smtClean="0"/>
-              <a:t>11/19/2017</a:t>
+              <a:t>11/20/2017</a:t>
             </a:fld>
             <a:endParaRPr lang="en-US"/>
           </a:p>
@@ -1706,7 +1706,7 @@
           <a:p>
             <a:fld id="{57C9CE0C-6448-44D5-A666-5A3472CFB03D}" type="datetimeFigureOut">
               <a:rPr lang="en-US" smtClean="0"/>
-              <a:t>11/19/2017</a:t>
+              <a:t>11/20/2017</a:t>
             </a:fld>
             <a:endParaRPr lang="en-US"/>
           </a:p>
@@ -1886,7 +1886,7 @@
           <a:p>
             <a:fld id="{57C9CE0C-6448-44D5-A666-5A3472CFB03D}" type="datetimeFigureOut">
               <a:rPr lang="en-US" smtClean="0"/>
-              <a:t>11/19/2017</a:t>
+              <a:t>11/20/2017</a:t>
             </a:fld>
             <a:endParaRPr lang="en-US"/>
           </a:p>
@@ -2056,7 +2056,7 @@
           <a:p>
             <a:fld id="{57C9CE0C-6448-44D5-A666-5A3472CFB03D}" type="datetimeFigureOut">
               <a:rPr lang="en-US" smtClean="0"/>
-              <a:t>11/19/2017</a:t>
+              <a:t>11/20/2017</a:t>
             </a:fld>
             <a:endParaRPr lang="en-US"/>
           </a:p>
@@ -2310,7 +2310,7 @@
           <a:p>
             <a:fld id="{57C9CE0C-6448-44D5-A666-5A3472CFB03D}" type="datetimeFigureOut">
               <a:rPr lang="en-US" smtClean="0"/>
-              <a:t>11/19/2017</a:t>
+              <a:t>11/20/2017</a:t>
             </a:fld>
             <a:endParaRPr lang="en-US"/>
           </a:p>
@@ -2636,7 +2636,7 @@
           <a:p>
             <a:fld id="{57C9CE0C-6448-44D5-A666-5A3472CFB03D}" type="datetimeFigureOut">
               <a:rPr lang="en-US" smtClean="0"/>
-              <a:t>11/19/2017</a:t>
+              <a:t>11/20/2017</a:t>
             </a:fld>
             <a:endParaRPr lang="en-US"/>
           </a:p>
@@ -3092,7 +3092,7 @@
           <a:p>
             <a:fld id="{57C9CE0C-6448-44D5-A666-5A3472CFB03D}" type="datetimeFigureOut">
               <a:rPr lang="en-US" smtClean="0"/>
-              <a:t>11/19/2017</a:t>
+              <a:t>11/20/2017</a:t>
             </a:fld>
             <a:endParaRPr lang="en-US"/>
           </a:p>
@@ -3215,7 +3215,7 @@
           <a:p>
             <a:fld id="{57C9CE0C-6448-44D5-A666-5A3472CFB03D}" type="datetimeFigureOut">
               <a:rPr lang="en-US" smtClean="0"/>
-              <a:t>11/19/2017</a:t>
+              <a:t>11/20/2017</a:t>
             </a:fld>
             <a:endParaRPr lang="en-US"/>
           </a:p>
@@ -3310,7 +3310,7 @@
           <a:p>
             <a:fld id="{57C9CE0C-6448-44D5-A666-5A3472CFB03D}" type="datetimeFigureOut">
               <a:rPr lang="en-US" smtClean="0"/>
-              <a:t>11/19/2017</a:t>
+              <a:t>11/20/2017</a:t>
             </a:fld>
             <a:endParaRPr lang="en-US"/>
           </a:p>
@@ -3597,7 +3597,7 @@
           <a:p>
             <a:fld id="{57C9CE0C-6448-44D5-A666-5A3472CFB03D}" type="datetimeFigureOut">
               <a:rPr lang="en-US" smtClean="0"/>
-              <a:t>11/19/2017</a:t>
+              <a:t>11/20/2017</a:t>
             </a:fld>
             <a:endParaRPr lang="en-US"/>
           </a:p>
@@ -3924,7 +3924,7 @@
           <a:p>
             <a:fld id="{57C9CE0C-6448-44D5-A666-5A3472CFB03D}" type="datetimeFigureOut">
               <a:rPr lang="en-US" smtClean="0"/>
-              <a:t>11/19/2017</a:t>
+              <a:t>11/20/2017</a:t>
             </a:fld>
             <a:endParaRPr lang="en-US"/>
           </a:p>
@@ -4178,7 +4178,7 @@
           <a:p>
             <a:fld id="{57C9CE0C-6448-44D5-A666-5A3472CFB03D}" type="datetimeFigureOut">
               <a:rPr lang="en-US" smtClean="0"/>
-              <a:t>11/19/2017</a:t>
+              <a:t>11/20/2017</a:t>
             </a:fld>
             <a:endParaRPr lang="en-US"/>
           </a:p>
@@ -4687,7 +4687,12 @@
             <p:ph type="ctrTitle"/>
           </p:nvPr>
         </p:nvSpPr>
-        <p:spPr/>
+        <p:spPr>
+          <a:xfrm>
+            <a:off x="1261872" y="758952"/>
+            <a:ext cx="9418320" cy="2019759"/>
+          </a:xfrm>
+        </p:spPr>
         <p:txBody>
           <a:bodyPr>
             <a:normAutofit/>
@@ -4696,7 +4701,7 @@
           <a:p>
             <a:r>
               <a:rPr lang="en-US" dirty="0"/>
-              <a:t>Emergence of Scaling in Random Networks Summary and Review</a:t>
+              <a:t>Emergence of Scaling in Random Networks</a:t>
             </a:r>
           </a:p>
         </p:txBody>
@@ -4726,6 +4731,349 @@
               <a:rPr lang="en-US" dirty="0"/>
               <a:t>By: Jeff Hildebrandt</a:t>
             </a:r>
+          </a:p>
+        </p:txBody>
+      </p:sp>
+      <p:sp>
+        <p:nvSpPr>
+          <p:cNvPr id="4" name="Title 1">
+            <a:extLst>
+              <a:ext uri="{FF2B5EF4-FFF2-40B4-BE49-F238E27FC236}">
+                <a16:creationId xmlns:a16="http://schemas.microsoft.com/office/drawing/2014/main" id="{4DE50C15-BD05-4724-BCA8-141B4DB9E4BF}"/>
+              </a:ext>
+            </a:extLst>
+          </p:cNvPr>
+          <p:cNvSpPr txBox="1">
+            <a:spLocks/>
+          </p:cNvSpPr>
+          <p:nvPr/>
+        </p:nvSpPr>
+        <p:spPr>
+          <a:xfrm>
+            <a:off x="1261872" y="3630967"/>
+            <a:ext cx="9418320" cy="1093433"/>
+          </a:xfrm>
+          <a:prstGeom prst="rect">
+            <a:avLst/>
+          </a:prstGeom>
+        </p:spPr>
+        <p:txBody>
+          <a:bodyPr vert="horz" lIns="91440" tIns="45720" rIns="91440" bIns="45720" rtlCol="0" anchor="b">
+            <a:normAutofit/>
+          </a:bodyPr>
+          <a:lstStyle>
+            <a:lvl1pPr algn="l" defTabSz="914400" rtl="0" eaLnBrk="1" latinLnBrk="0" hangingPunct="1">
+              <a:lnSpc>
+                <a:spcPct val="85000"/>
+              </a:lnSpc>
+              <a:spcBef>
+                <a:spcPct val="0"/>
+              </a:spcBef>
+              <a:buNone/>
+              <a:defRPr sz="7200" kern="1200" spc="-50" baseline="0">
+                <a:solidFill>
+                  <a:schemeClr val="tx1"/>
+                </a:solidFill>
+                <a:latin typeface="+mj-lt"/>
+                <a:ea typeface="+mj-ea"/>
+                <a:cs typeface="+mj-cs"/>
+              </a:defRPr>
+            </a:lvl1pPr>
+          </a:lstStyle>
+          <a:p>
+            <a:r>
+              <a:rPr lang="en-US" dirty="0"/>
+              <a:t>Summary and Review</a:t>
+            </a:r>
+          </a:p>
+        </p:txBody>
+      </p:sp>
+      <p:sp>
+        <p:nvSpPr>
+          <p:cNvPr id="7" name="Subtitle 2">
+            <a:extLst>
+              <a:ext uri="{FF2B5EF4-FFF2-40B4-BE49-F238E27FC236}">
+                <a16:creationId xmlns:a16="http://schemas.microsoft.com/office/drawing/2014/main" id="{E34C940A-7837-4AF0-858A-6DAB0EFEC13D}"/>
+              </a:ext>
+            </a:extLst>
+          </p:cNvPr>
+          <p:cNvSpPr txBox="1">
+            <a:spLocks/>
+          </p:cNvSpPr>
+          <p:nvPr/>
+        </p:nvSpPr>
+        <p:spPr>
+          <a:xfrm>
+            <a:off x="1261872" y="2836416"/>
+            <a:ext cx="9418320" cy="794551"/>
+          </a:xfrm>
+          <a:prstGeom prst="rect">
+            <a:avLst/>
+          </a:prstGeom>
+        </p:spPr>
+        <p:txBody>
+          <a:bodyPr vert="horz" lIns="91440" tIns="45720" rIns="91440" bIns="45720" rtlCol="0">
+            <a:normAutofit/>
+          </a:bodyPr>
+          <a:lstStyle>
+            <a:lvl1pPr marL="0" indent="0" algn="l" defTabSz="914400" rtl="0" eaLnBrk="1" latinLnBrk="0" hangingPunct="1">
+              <a:lnSpc>
+                <a:spcPct val="95000"/>
+              </a:lnSpc>
+              <a:spcBef>
+                <a:spcPts val="1400"/>
+              </a:spcBef>
+              <a:spcAft>
+                <a:spcPts val="200"/>
+              </a:spcAft>
+              <a:buClr>
+                <a:schemeClr val="accent1"/>
+              </a:buClr>
+              <a:buSzPct val="80000"/>
+              <a:buFont typeface="Arial" pitchFamily="34" charset="0"/>
+              <a:buNone/>
+              <a:defRPr sz="2200" kern="1200" spc="10" baseline="0">
+                <a:solidFill>
+                  <a:schemeClr val="tx1">
+                    <a:lumMod val="75000"/>
+                  </a:schemeClr>
+                </a:solidFill>
+                <a:latin typeface="+mn-lt"/>
+                <a:ea typeface="+mn-ea"/>
+                <a:cs typeface="+mn-cs"/>
+              </a:defRPr>
+            </a:lvl1pPr>
+            <a:lvl2pPr marL="457200" indent="0" algn="ctr" defTabSz="914400" rtl="0" eaLnBrk="1" latinLnBrk="0" hangingPunct="1">
+              <a:lnSpc>
+                <a:spcPct val="90000"/>
+              </a:lnSpc>
+              <a:spcBef>
+                <a:spcPts val="300"/>
+              </a:spcBef>
+              <a:spcAft>
+                <a:spcPts val="300"/>
+              </a:spcAft>
+              <a:buClr>
+                <a:schemeClr val="accent1"/>
+              </a:buClr>
+              <a:buFont typeface="Wingdings 2" pitchFamily="18" charset="2"/>
+              <a:buNone/>
+              <a:defRPr sz="2200" kern="1200">
+                <a:solidFill>
+                  <a:schemeClr val="tx1">
+                    <a:lumMod val="85000"/>
+                    <a:lumOff val="15000"/>
+                  </a:schemeClr>
+                </a:solidFill>
+                <a:latin typeface="+mn-lt"/>
+                <a:ea typeface="+mn-ea"/>
+                <a:cs typeface="+mn-cs"/>
+              </a:defRPr>
+            </a:lvl2pPr>
+            <a:lvl3pPr marL="914400" indent="0" algn="ctr" defTabSz="914400" rtl="0" eaLnBrk="1" latinLnBrk="0" hangingPunct="1">
+              <a:lnSpc>
+                <a:spcPct val="90000"/>
+              </a:lnSpc>
+              <a:spcBef>
+                <a:spcPts val="300"/>
+              </a:spcBef>
+              <a:spcAft>
+                <a:spcPts val="300"/>
+              </a:spcAft>
+              <a:buClr>
+                <a:schemeClr val="accent1"/>
+              </a:buClr>
+              <a:buFont typeface="Wingdings 2" pitchFamily="18" charset="2"/>
+              <a:buNone/>
+              <a:defRPr sz="2200" kern="1200">
+                <a:solidFill>
+                  <a:schemeClr val="tx1">
+                    <a:lumMod val="85000"/>
+                    <a:lumOff val="15000"/>
+                  </a:schemeClr>
+                </a:solidFill>
+                <a:latin typeface="+mn-lt"/>
+                <a:ea typeface="+mn-ea"/>
+                <a:cs typeface="+mn-cs"/>
+              </a:defRPr>
+            </a:lvl3pPr>
+            <a:lvl4pPr marL="1371600" indent="0" algn="ctr" defTabSz="914400" rtl="0" eaLnBrk="1" latinLnBrk="0" hangingPunct="1">
+              <a:lnSpc>
+                <a:spcPct val="90000"/>
+              </a:lnSpc>
+              <a:spcBef>
+                <a:spcPts val="300"/>
+              </a:spcBef>
+              <a:spcAft>
+                <a:spcPts val="300"/>
+              </a:spcAft>
+              <a:buClr>
+                <a:schemeClr val="accent1"/>
+              </a:buClr>
+              <a:buFont typeface="Wingdings 2" pitchFamily="18" charset="2"/>
+              <a:buNone/>
+              <a:defRPr sz="2000" kern="1200">
+                <a:solidFill>
+                  <a:schemeClr val="tx1">
+                    <a:lumMod val="85000"/>
+                    <a:lumOff val="15000"/>
+                  </a:schemeClr>
+                </a:solidFill>
+                <a:latin typeface="+mn-lt"/>
+                <a:ea typeface="+mn-ea"/>
+                <a:cs typeface="+mn-cs"/>
+              </a:defRPr>
+            </a:lvl4pPr>
+            <a:lvl5pPr marL="1828800" indent="0" algn="ctr" defTabSz="914400" rtl="0" eaLnBrk="1" latinLnBrk="0" hangingPunct="1">
+              <a:lnSpc>
+                <a:spcPct val="90000"/>
+              </a:lnSpc>
+              <a:spcBef>
+                <a:spcPts val="300"/>
+              </a:spcBef>
+              <a:spcAft>
+                <a:spcPts val="300"/>
+              </a:spcAft>
+              <a:buClr>
+                <a:schemeClr val="accent1"/>
+              </a:buClr>
+              <a:buFont typeface="Wingdings 2" pitchFamily="18" charset="2"/>
+              <a:buNone/>
+              <a:defRPr sz="2000" kern="1200">
+                <a:solidFill>
+                  <a:schemeClr val="tx1">
+                    <a:lumMod val="85000"/>
+                    <a:lumOff val="15000"/>
+                  </a:schemeClr>
+                </a:solidFill>
+                <a:latin typeface="+mn-lt"/>
+                <a:ea typeface="+mn-ea"/>
+                <a:cs typeface="+mn-cs"/>
+              </a:defRPr>
+            </a:lvl5pPr>
+            <a:lvl6pPr marL="2286000" indent="0" algn="ctr" defTabSz="914400" rtl="0" eaLnBrk="1" latinLnBrk="0" hangingPunct="1">
+              <a:lnSpc>
+                <a:spcPct val="90000"/>
+              </a:lnSpc>
+              <a:spcBef>
+                <a:spcPts val="300"/>
+              </a:spcBef>
+              <a:spcAft>
+                <a:spcPts val="300"/>
+              </a:spcAft>
+              <a:buClr>
+                <a:schemeClr val="accent1"/>
+              </a:buClr>
+              <a:buFont typeface="Wingdings 2" pitchFamily="18" charset="2"/>
+              <a:buNone/>
+              <a:defRPr sz="2000" kern="1200">
+                <a:solidFill>
+                  <a:schemeClr val="tx1">
+                    <a:lumMod val="85000"/>
+                    <a:lumOff val="15000"/>
+                  </a:schemeClr>
+                </a:solidFill>
+                <a:latin typeface="+mn-lt"/>
+                <a:ea typeface="+mn-ea"/>
+                <a:cs typeface="+mn-cs"/>
+              </a:defRPr>
+            </a:lvl6pPr>
+            <a:lvl7pPr marL="2743200" indent="0" algn="ctr" defTabSz="914400" rtl="0" eaLnBrk="1" latinLnBrk="0" hangingPunct="1">
+              <a:lnSpc>
+                <a:spcPct val="90000"/>
+              </a:lnSpc>
+              <a:spcBef>
+                <a:spcPts val="300"/>
+              </a:spcBef>
+              <a:spcAft>
+                <a:spcPts val="300"/>
+              </a:spcAft>
+              <a:buClr>
+                <a:schemeClr val="accent1"/>
+              </a:buClr>
+              <a:buFont typeface="Wingdings 2" pitchFamily="18" charset="2"/>
+              <a:buNone/>
+              <a:defRPr sz="2000" kern="1200">
+                <a:solidFill>
+                  <a:schemeClr val="tx1">
+                    <a:lumMod val="85000"/>
+                    <a:lumOff val="15000"/>
+                  </a:schemeClr>
+                </a:solidFill>
+                <a:latin typeface="+mn-lt"/>
+                <a:ea typeface="+mn-ea"/>
+                <a:cs typeface="+mn-cs"/>
+              </a:defRPr>
+            </a:lvl7pPr>
+            <a:lvl8pPr marL="3200400" indent="0" algn="ctr" defTabSz="914400" rtl="0" eaLnBrk="1" latinLnBrk="0" hangingPunct="1">
+              <a:lnSpc>
+                <a:spcPct val="90000"/>
+              </a:lnSpc>
+              <a:spcBef>
+                <a:spcPts val="300"/>
+              </a:spcBef>
+              <a:spcAft>
+                <a:spcPts val="300"/>
+              </a:spcAft>
+              <a:buClr>
+                <a:schemeClr val="accent1"/>
+              </a:buClr>
+              <a:buFont typeface="Wingdings 2" pitchFamily="18" charset="2"/>
+              <a:buNone/>
+              <a:defRPr sz="2000" kern="1200">
+                <a:solidFill>
+                  <a:schemeClr val="tx1">
+                    <a:lumMod val="85000"/>
+                    <a:lumOff val="15000"/>
+                  </a:schemeClr>
+                </a:solidFill>
+                <a:latin typeface="+mn-lt"/>
+                <a:ea typeface="+mn-ea"/>
+                <a:cs typeface="+mn-cs"/>
+              </a:defRPr>
+            </a:lvl8pPr>
+            <a:lvl9pPr marL="3657600" indent="0" algn="ctr" defTabSz="914400" rtl="0" eaLnBrk="1" latinLnBrk="0" hangingPunct="1">
+              <a:lnSpc>
+                <a:spcPct val="90000"/>
+              </a:lnSpc>
+              <a:spcBef>
+                <a:spcPts val="300"/>
+              </a:spcBef>
+              <a:spcAft>
+                <a:spcPts val="300"/>
+              </a:spcAft>
+              <a:buClr>
+                <a:schemeClr val="accent1"/>
+              </a:buClr>
+              <a:buFont typeface="Wingdings 2" pitchFamily="18" charset="2"/>
+              <a:buNone/>
+              <a:defRPr sz="2000" kern="1200">
+                <a:solidFill>
+                  <a:schemeClr val="tx1">
+                    <a:lumMod val="85000"/>
+                    <a:lumOff val="15000"/>
+                  </a:schemeClr>
+                </a:solidFill>
+                <a:latin typeface="+mn-lt"/>
+                <a:ea typeface="+mn-ea"/>
+                <a:cs typeface="+mn-cs"/>
+              </a:defRPr>
+            </a:lvl9pPr>
+          </a:lstStyle>
+          <a:p>
+            <a:r>
+              <a:rPr lang="en-US" dirty="0"/>
+              <a:t>By: </a:t>
+            </a:r>
+            <a:r>
+              <a:rPr lang="en-US" dirty="0" err="1"/>
+              <a:t>Barabási</a:t>
+            </a:r>
+            <a:r>
+              <a:rPr lang="en-US"/>
+              <a:t>, A., &amp; Albert, R. </a:t>
+            </a:r>
+            <a:endParaRPr lang="en-US" dirty="0"/>
           </a:p>
         </p:txBody>
       </p:sp>
@@ -4789,8 +5137,8 @@
           </a:p>
         </p:txBody>
       </p:sp>
-      <mc:AlternateContent xmlns:mc="http://schemas.openxmlformats.org/markup-compatibility/2006">
-        <mc:Choice xmlns:a14="http://schemas.microsoft.com/office/drawing/2010/main" Requires="a14">
+      <mc:AlternateContent xmlns:mc="http://schemas.openxmlformats.org/markup-compatibility/2006" xmlns:a14="http://schemas.microsoft.com/office/drawing/2010/main">
+        <mc:Choice Requires="a14">
           <p:sp>
             <p:nvSpPr>
               <p:cNvPr id="3" name="Content Placeholder 2">
@@ -4898,7 +5246,7 @@
             </p:txBody>
           </p:sp>
         </mc:Choice>
-        <mc:Fallback>
+        <mc:Fallback xmlns="">
           <p:sp>
             <p:nvSpPr>
               <p:cNvPr id="3" name="Content Placeholder 2">
@@ -4996,8 +5344,8 @@
           </a:p>
         </p:txBody>
       </p:sp>
-      <mc:AlternateContent xmlns:mc="http://schemas.openxmlformats.org/markup-compatibility/2006">
-        <mc:Choice xmlns:a14="http://schemas.microsoft.com/office/drawing/2010/main" Requires="a14">
+      <mc:AlternateContent xmlns:mc="http://schemas.openxmlformats.org/markup-compatibility/2006" xmlns:a14="http://schemas.microsoft.com/office/drawing/2010/main">
+        <mc:Choice Requires="a14">
           <p:sp>
             <p:nvSpPr>
               <p:cNvPr id="3" name="Content Placeholder 2">
@@ -5325,7 +5673,7 @@
             </p:txBody>
           </p:sp>
         </mc:Choice>
-        <mc:Fallback>
+        <mc:Fallback xmlns="">
           <p:sp>
             <p:nvSpPr>
               <p:cNvPr id="3" name="Content Placeholder 2">
@@ -5425,8 +5773,8 @@
           </a:p>
         </p:txBody>
       </p:sp>
-      <mc:AlternateContent xmlns:mc="http://schemas.openxmlformats.org/markup-compatibility/2006">
-        <mc:Choice xmlns:a14="http://schemas.microsoft.com/office/drawing/2010/main" Requires="a14">
+      <mc:AlternateContent xmlns:mc="http://schemas.openxmlformats.org/markup-compatibility/2006" xmlns:a14="http://schemas.microsoft.com/office/drawing/2010/main">
+        <mc:Choice Requires="a14">
           <p:sp>
             <p:nvSpPr>
               <p:cNvPr id="3" name="Content Placeholder 2">
@@ -5757,7 +6105,7 @@
             </p:txBody>
           </p:sp>
         </mc:Choice>
-        <mc:Fallback>
+        <mc:Fallback xmlns="">
           <p:sp>
             <p:nvSpPr>
               <p:cNvPr id="3" name="Content Placeholder 2">
@@ -5917,8 +6265,8 @@
           </a:prstGeom>
         </p:spPr>
       </p:pic>
-      <mc:AlternateContent xmlns:mc="http://schemas.openxmlformats.org/markup-compatibility/2006">
-        <mc:Choice xmlns:a14="http://schemas.microsoft.com/office/drawing/2010/main" Requires="a14">
+      <mc:AlternateContent xmlns:mc="http://schemas.openxmlformats.org/markup-compatibility/2006" xmlns:a14="http://schemas.microsoft.com/office/drawing/2010/main">
+        <mc:Choice Requires="a14">
           <p:sp>
             <p:nvSpPr>
               <p:cNvPr id="6" name="Content Placeholder 2">
@@ -6391,7 +6739,7 @@
             </p:txBody>
           </p:sp>
         </mc:Choice>
-        <mc:Fallback>
+        <mc:Fallback xmlns="">
           <p:sp>
             <p:nvSpPr>
               <p:cNvPr id="6" name="Content Placeholder 2">
@@ -7946,8 +8294,8 @@
           </a:p>
         </p:txBody>
       </p:sp>
-      <mc:AlternateContent xmlns:mc="http://schemas.openxmlformats.org/markup-compatibility/2006">
-        <mc:Choice xmlns:a14="http://schemas.microsoft.com/office/drawing/2010/main" Requires="a14">
+      <mc:AlternateContent xmlns:mc="http://schemas.openxmlformats.org/markup-compatibility/2006" xmlns:a14="http://schemas.microsoft.com/office/drawing/2010/main">
+        <mc:Choice Requires="a14">
           <p:sp>
             <p:nvSpPr>
               <p:cNvPr id="3" name="Content Placeholder 2">
@@ -8107,7 +8455,7 @@
             </p:txBody>
           </p:sp>
         </mc:Choice>
-        <mc:Fallback>
+        <mc:Fallback xmlns="">
           <p:sp>
             <p:nvSpPr>
               <p:cNvPr id="3" name="Content Placeholder 2">
@@ -8291,8 +8639,8 @@
           </a:p>
         </p:txBody>
       </p:sp>
-      <mc:AlternateContent xmlns:mc="http://schemas.openxmlformats.org/markup-compatibility/2006">
-        <mc:Choice xmlns:a14="http://schemas.microsoft.com/office/drawing/2010/main" Requires="a14">
+      <mc:AlternateContent xmlns:mc="http://schemas.openxmlformats.org/markup-compatibility/2006" xmlns:a14="http://schemas.microsoft.com/office/drawing/2010/main">
+        <mc:Choice Requires="a14">
           <p:sp>
             <p:nvSpPr>
               <p:cNvPr id="3" name="Content Placeholder 2">
@@ -8532,14 +8880,7 @@
                         <a:latin typeface="Cambria Math" panose="02040503050406030204" pitchFamily="18" charset="0"/>
                         <a:ea typeface="Cambria Math" panose="02040503050406030204" pitchFamily="18" charset="0"/>
                       </a:rPr>
-                      <m:t>≅</m:t>
-                    </m:r>
-                    <m:r>
-                      <a:rPr lang="en-US" i="1">
-                        <a:latin typeface="Cambria Math" panose="02040503050406030204" pitchFamily="18" charset="0"/>
-                        <a:ea typeface="Cambria Math" panose="02040503050406030204" pitchFamily="18" charset="0"/>
-                      </a:rPr>
-                      <m:t>4</m:t>
+                      <m:t>≅4</m:t>
                     </m:r>
                   </m:oMath>
                 </a14:m>
@@ -8563,7 +8904,7 @@
             </p:txBody>
           </p:sp>
         </mc:Choice>
-        <mc:Fallback>
+        <mc:Fallback xmlns="">
           <p:sp>
             <p:nvSpPr>
               <p:cNvPr id="3" name="Content Placeholder 2">

--- a/CAP6675 - Complex Adaptive Systems/EmergenceOfScalingPresentation/PresentationDraft2.pptx
+++ b/CAP6675 - Complex Adaptive Systems/EmergenceOfScalingPresentation/PresentationDraft2.pptx
@@ -27,9 +27,9 @@
     <p:sldId id="260" r:id="rId15"/>
     <p:sldId id="261" r:id="rId16"/>
     <p:sldId id="262" r:id="rId17"/>
-    <p:sldId id="263" r:id="rId18"/>
-    <p:sldId id="264" r:id="rId19"/>
-    <p:sldId id="265" r:id="rId20"/>
+    <p:sldId id="264" r:id="rId18"/>
+    <p:sldId id="265" r:id="rId19"/>
+    <p:sldId id="263" r:id="rId20"/>
     <p:sldId id="266" r:id="rId21"/>
     <p:sldId id="267" r:id="rId22"/>
     <p:sldId id="282" r:id="rId23"/>
@@ -5070,10 +5070,9 @@
               <a:t>Barabási</a:t>
             </a:r>
             <a:r>
-              <a:rPr lang="en-US"/>
+              <a:rPr lang="en-US" dirty="0"/>
               <a:t>, A., &amp; Albert, R. </a:t>
             </a:r>
-            <a:endParaRPr lang="en-US" dirty="0"/>
           </a:p>
         </p:txBody>
       </p:sp>
@@ -5132,13 +5131,13 @@
           <a:p>
             <a:r>
               <a:rPr lang="en-US" dirty="0"/>
-              <a:t>Create model based preferential treatment of vertices</a:t>
-            </a:r>
-          </a:p>
-        </p:txBody>
-      </p:sp>
-      <mc:AlternateContent xmlns:mc="http://schemas.openxmlformats.org/markup-compatibility/2006" xmlns:a14="http://schemas.microsoft.com/office/drawing/2010/main">
-        <mc:Choice Requires="a14">
+              <a:t>Create model based on preferential treatment of vertices</a:t>
+            </a:r>
+          </a:p>
+        </p:txBody>
+      </p:sp>
+      <mc:AlternateContent xmlns:mc="http://schemas.openxmlformats.org/markup-compatibility/2006">
+        <mc:Choice xmlns:a14="http://schemas.microsoft.com/office/drawing/2010/main" Requires="a14">
           <p:sp>
             <p:nvSpPr>
               <p:cNvPr id="3" name="Content Placeholder 2">
@@ -5234,19 +5233,19 @@
               <a:p>
                 <a:r>
                   <a:rPr lang="en-US" dirty="0"/>
-                  <a:t>Account for new nodes being added</a:t>
+                  <a:t>Account for new vertices being added</a:t>
                 </a:r>
               </a:p>
               <a:p>
                 <a:r>
                   <a:rPr lang="en-US" dirty="0"/>
-                  <a:t>Account for preferential links to popular nodes</a:t>
+                  <a:t>Account for preferential links to popular vertices</a:t>
                 </a:r>
               </a:p>
             </p:txBody>
           </p:sp>
         </mc:Choice>
-        <mc:Fallback xmlns="">
+        <mc:Fallback>
           <p:sp>
             <p:nvSpPr>
               <p:cNvPr id="3" name="Content Placeholder 2">
@@ -6963,13 +6962,19 @@
           <a:p>
             <a:r>
               <a:rPr lang="en-US" dirty="0"/>
-              <a:t>Takes the existing models and explains how they don’t work for scale-free networks</a:t>
+              <a:t>Takes the existing models and explains how they wouldn’t work for scale-free networks</a:t>
             </a:r>
           </a:p>
           <a:p>
             <a:r>
               <a:rPr lang="en-US" dirty="0"/>
               <a:t>This allows readers already familiar with the field to quickly see the use of the additional research presented in this paper</a:t>
+            </a:r>
+          </a:p>
+          <a:p>
+            <a:r>
+              <a:rPr lang="en-US" dirty="0"/>
+              <a:t>This also shows how their research is necessary for the field, since the scale-free networks at the time were largely not studied</a:t>
             </a:r>
           </a:p>
         </p:txBody>
@@ -7113,7 +7118,7 @@
           <p:cNvPr id="2" name="Title 1">
             <a:extLst>
               <a:ext uri="{FF2B5EF4-FFF2-40B4-BE49-F238E27FC236}">
-                <a16:creationId xmlns:a16="http://schemas.microsoft.com/office/drawing/2014/main" id="{EE4C501E-4A5E-4950-90D5-6FE04DED60FB}"/>
+                <a16:creationId xmlns:a16="http://schemas.microsoft.com/office/drawing/2014/main" id="{E94AE765-5BB2-4B78-83F5-265410D66140}"/>
               </a:ext>
             </a:extLst>
           </p:cNvPr>
@@ -7141,7 +7146,7 @@
           <p:cNvPr id="3" name="Content Placeholder 2">
             <a:extLst>
               <a:ext uri="{FF2B5EF4-FFF2-40B4-BE49-F238E27FC236}">
-                <a16:creationId xmlns:a16="http://schemas.microsoft.com/office/drawing/2014/main" id="{7F925886-C4AC-4DE3-B6DD-7B7FF4594BE2}"/>
+                <a16:creationId xmlns:a16="http://schemas.microsoft.com/office/drawing/2014/main" id="{EC37E7D1-F561-42F3-B326-6BCF6D5E5F8B}"/>
               </a:ext>
             </a:extLst>
           </p:cNvPr>
@@ -7159,19 +7164,25 @@
           <a:p>
             <a:r>
               <a:rPr lang="en-US" dirty="0"/>
-              <a:t>Did not do enough analysis on real systems to show that they use preferential treatment and expanding nodes</a:t>
-            </a:r>
-          </a:p>
-          <a:p>
-            <a:r>
-              <a:rPr lang="en-US" dirty="0"/>
-              <a:t>Could have done their own analysis to show definitively that real systems are scale-free because of the reasons that they think</a:t>
-            </a:r>
-          </a:p>
-          <a:p>
-            <a:r>
-              <a:rPr lang="en-US" dirty="0"/>
-              <a:t>They prove that their methods will produce a scale-free network, but not that real networks are scale free because of preferential treatment</a:t>
+              <a:t>Came to the conclusion they set out to without factoring in disconnecting vertices</a:t>
+            </a:r>
+          </a:p>
+          <a:p>
+            <a:r>
+              <a:rPr lang="en-US" dirty="0"/>
+              <a:t>They mentioned this in the paper, but did not explore it further</a:t>
+            </a:r>
+          </a:p>
+          <a:p>
+            <a:r>
+              <a:rPr lang="en-US" dirty="0"/>
+              <a:t>This somewhat weakens their results since most of these networks have nodes constantly disconnecting and reconnecting</a:t>
+            </a:r>
+          </a:p>
+          <a:p>
+            <a:r>
+              <a:rPr lang="en-US" dirty="0"/>
+              <a:t>With their research there’s no way to determine how much disconnecting vertices would factor into their results</a:t>
             </a:r>
           </a:p>
         </p:txBody>
@@ -7179,7 +7190,7 @@
     </p:spTree>
     <p:extLst>
       <p:ext uri="{BB962C8B-B14F-4D97-AF65-F5344CB8AC3E}">
-        <p14:creationId xmlns:p14="http://schemas.microsoft.com/office/powerpoint/2010/main" val="1490933926"/>
+        <p14:creationId xmlns:p14="http://schemas.microsoft.com/office/powerpoint/2010/main" val="96959833"/>
       </p:ext>
     </p:extLst>
   </p:cSld>
@@ -7211,7 +7222,7 @@
           <p:cNvPr id="2" name="Title 1">
             <a:extLst>
               <a:ext uri="{FF2B5EF4-FFF2-40B4-BE49-F238E27FC236}">
-                <a16:creationId xmlns:a16="http://schemas.microsoft.com/office/drawing/2014/main" id="{E94AE765-5BB2-4B78-83F5-265410D66140}"/>
+                <a16:creationId xmlns:a16="http://schemas.microsoft.com/office/drawing/2014/main" id="{167BAE0A-133F-43B9-911E-03B080FB771E}"/>
               </a:ext>
             </a:extLst>
           </p:cNvPr>
@@ -7239,7 +7250,7 @@
           <p:cNvPr id="3" name="Content Placeholder 2">
             <a:extLst>
               <a:ext uri="{FF2B5EF4-FFF2-40B4-BE49-F238E27FC236}">
-                <a16:creationId xmlns:a16="http://schemas.microsoft.com/office/drawing/2014/main" id="{EC37E7D1-F561-42F3-B326-6BCF6D5E5F8B}"/>
+                <a16:creationId xmlns:a16="http://schemas.microsoft.com/office/drawing/2014/main" id="{021CA70C-0D18-415B-A6DB-AFD6DB430661}"/>
               </a:ext>
             </a:extLst>
           </p:cNvPr>
@@ -7257,33 +7268,54 @@
           <a:p>
             <a:r>
               <a:rPr lang="en-US" dirty="0"/>
-              <a:t>Came to the conclusion they set out to without factoring in disconnecting vertices</a:t>
-            </a:r>
-          </a:p>
-          <a:p>
-            <a:r>
-              <a:rPr lang="en-US" dirty="0"/>
-              <a:t>They mentioned this in the paper, but did not explore it further</a:t>
-            </a:r>
-          </a:p>
-          <a:p>
-            <a:r>
-              <a:rPr lang="en-US" dirty="0"/>
-              <a:t>This somewhat weakens their results since most of these networks have nodes constantly disconnecting and reconnecting</a:t>
-            </a:r>
-          </a:p>
-          <a:p>
-            <a:r>
-              <a:rPr lang="en-US" dirty="0"/>
-              <a:t>With their research there’s no way to determine how much disconnecting vertices would factor into their results</a:t>
-            </a:r>
+              <a:t>In addition to running models without a growing N and without preferential treatment, they could have also run the </a:t>
+            </a:r>
+            <a:r>
+              <a:rPr lang="en-US" dirty="0" err="1"/>
+              <a:t>Erdős</a:t>
+            </a:r>
+            <a:r>
+              <a:rPr lang="en-US" dirty="0"/>
+              <a:t>–</a:t>
+            </a:r>
+            <a:r>
+              <a:rPr lang="en-US" dirty="0" err="1"/>
+              <a:t>Rényi</a:t>
+            </a:r>
+            <a:r>
+              <a:rPr lang="en-US" dirty="0"/>
+              <a:t> and Watts-</a:t>
+            </a:r>
+            <a:r>
+              <a:rPr lang="en-US" dirty="0" err="1"/>
+              <a:t>Strogatz</a:t>
+            </a:r>
+            <a:r>
+              <a:rPr lang="en-US" dirty="0"/>
+              <a:t> models with an increasing N.</a:t>
+            </a:r>
+          </a:p>
+          <a:p>
+            <a:r>
+              <a:rPr lang="en-US" dirty="0"/>
+              <a:t>Both of the previous models were designed to run with a fixed number of vertices. If run with a growing N the author could further prove that preferential treatment is necessary for scale-free networks.</a:t>
+            </a:r>
+          </a:p>
+          <a:p>
+            <a:r>
+              <a:rPr lang="en-US" dirty="0"/>
+              <a:t>Without doing this it is only assumed that the previous models would not work to model growing systems</a:t>
+            </a:r>
+          </a:p>
+          <a:p>
+            <a:endParaRPr lang="en-US" dirty="0"/>
           </a:p>
         </p:txBody>
       </p:sp>
     </p:spTree>
     <p:extLst>
       <p:ext uri="{BB962C8B-B14F-4D97-AF65-F5344CB8AC3E}">
-        <p14:creationId xmlns:p14="http://schemas.microsoft.com/office/powerpoint/2010/main" val="96959833"/>
+        <p14:creationId xmlns:p14="http://schemas.microsoft.com/office/powerpoint/2010/main" val="2571844273"/>
       </p:ext>
     </p:extLst>
   </p:cSld>
@@ -7315,7 +7347,7 @@
           <p:cNvPr id="2" name="Title 1">
             <a:extLst>
               <a:ext uri="{FF2B5EF4-FFF2-40B4-BE49-F238E27FC236}">
-                <a16:creationId xmlns:a16="http://schemas.microsoft.com/office/drawing/2014/main" id="{167BAE0A-133F-43B9-911E-03B080FB771E}"/>
+                <a16:creationId xmlns:a16="http://schemas.microsoft.com/office/drawing/2014/main" id="{EE4C501E-4A5E-4950-90D5-6FE04DED60FB}"/>
               </a:ext>
             </a:extLst>
           </p:cNvPr>
@@ -7343,7 +7375,7 @@
           <p:cNvPr id="3" name="Content Placeholder 2">
             <a:extLst>
               <a:ext uri="{FF2B5EF4-FFF2-40B4-BE49-F238E27FC236}">
-                <a16:creationId xmlns:a16="http://schemas.microsoft.com/office/drawing/2014/main" id="{021CA70C-0D18-415B-A6DB-AFD6DB430661}"/>
+                <a16:creationId xmlns:a16="http://schemas.microsoft.com/office/drawing/2014/main" id="{7F925886-C4AC-4DE3-B6DD-7B7FF4594BE2}"/>
               </a:ext>
             </a:extLst>
           </p:cNvPr>
@@ -7361,54 +7393,40 @@
           <a:p>
             <a:r>
               <a:rPr lang="en-US" dirty="0"/>
-              <a:t>In addition to running models without a growing N and without preferential treatment, they could have also run the </a:t>
-            </a:r>
-            <a:r>
-              <a:rPr lang="en-US" dirty="0" err="1"/>
-              <a:t>Erdős</a:t>
-            </a:r>
-            <a:r>
-              <a:rPr lang="en-US" dirty="0"/>
-              <a:t>–</a:t>
-            </a:r>
-            <a:r>
-              <a:rPr lang="en-US" dirty="0" err="1"/>
-              <a:t>Rényi</a:t>
-            </a:r>
-            <a:r>
-              <a:rPr lang="en-US" dirty="0"/>
-              <a:t> and Watts-</a:t>
-            </a:r>
-            <a:r>
-              <a:rPr lang="en-US" dirty="0" err="1"/>
-              <a:t>Strogatz</a:t>
-            </a:r>
-            <a:r>
-              <a:rPr lang="en-US" dirty="0"/>
-              <a:t> models with an increasing N.</a:t>
-            </a:r>
-          </a:p>
-          <a:p>
-            <a:r>
-              <a:rPr lang="en-US" dirty="0"/>
-              <a:t>Both of the previous models were designed to run with a fixed number of vertices. If run with a growing N the author could further prove that preferential treatment is necessary for scale-free networks.</a:t>
-            </a:r>
-          </a:p>
-          <a:p>
-            <a:r>
-              <a:rPr lang="en-US" dirty="0"/>
-              <a:t>Without doing this it is only assumed that the previous models would not work to model growing systems</a:t>
-            </a:r>
-          </a:p>
-          <a:p>
-            <a:endParaRPr lang="en-US" dirty="0"/>
+              <a:t>Did not do enough analysis on real systems to show that they use preferential treatment and expanding nodes</a:t>
+            </a:r>
+          </a:p>
+          <a:p>
+            <a:r>
+              <a:rPr lang="en-US" dirty="0"/>
+              <a:t>Could have done their own analysis to show definitively that real systems are scale-free because of the reasons that they think</a:t>
+            </a:r>
+          </a:p>
+          <a:p>
+            <a:r>
+              <a:rPr lang="en-US" dirty="0"/>
+              <a:t>They prove that their methods will produce a scale-free network, but not that real networks are scale free because of preferential treatment</a:t>
+            </a:r>
+          </a:p>
+          <a:p>
+            <a:r>
+              <a:rPr lang="en-US" dirty="0"/>
+              <a:t>Their model has older vertices as being more connected</a:t>
+            </a:r>
+          </a:p>
+          <a:p>
+            <a:pPr lvl="1"/>
+            <a:r>
+              <a:rPr lang="en-US" dirty="0"/>
+              <a:t>I think they would find in real systems that this wouldn’t necessarily be the case</a:t>
+            </a:r>
           </a:p>
         </p:txBody>
       </p:sp>
     </p:spTree>
     <p:extLst>
       <p:ext uri="{BB962C8B-B14F-4D97-AF65-F5344CB8AC3E}">
-        <p14:creationId xmlns:p14="http://schemas.microsoft.com/office/powerpoint/2010/main" val="2571844273"/>
+        <p14:creationId xmlns:p14="http://schemas.microsoft.com/office/powerpoint/2010/main" val="1490933926"/>
       </p:ext>
     </p:extLst>
   </p:cSld>
@@ -7487,6 +7505,12 @@
             <a:r>
               <a:rPr lang="en-US" dirty="0"/>
               <a:t>Takes advantage of new technologies and knowledge to model scale-free networks</a:t>
+            </a:r>
+          </a:p>
+          <a:p>
+            <a:r>
+              <a:rPr lang="en-US" dirty="0"/>
+              <a:t>The networks follow power law distribution</a:t>
             </a:r>
           </a:p>
           <a:p>
@@ -7611,6 +7635,17 @@
           <a:p>
             <a:r>
               <a:rPr lang="en-US" dirty="0"/>
+              <a:t>See the rise and fall of certain topics/</a:t>
+            </a:r>
+            <a:r>
+              <a:rPr lang="en-US"/>
+              <a:t>people’s popularity</a:t>
+            </a:r>
+            <a:endParaRPr lang="en-US" dirty="0"/>
+          </a:p>
+          <a:p>
+            <a:r>
+              <a:rPr lang="en-US" dirty="0"/>
               <a:t>Predict future trends based off of this data</a:t>
             </a:r>
           </a:p>
@@ -8127,7 +8162,7 @@
           <a:p>
             <a:r>
               <a:rPr lang="en-US" dirty="0"/>
-              <a:t>Current models don’t consider the growth and in real systems new vertices tend to link more often to established vertices</a:t>
+              <a:t>Current models don’t consider adding new vertices or why some vertices have substantially more edges connecting to them</a:t>
             </a:r>
           </a:p>
           <a:p>
@@ -8294,8 +8329,8 @@
           </a:p>
         </p:txBody>
       </p:sp>
-      <mc:AlternateContent xmlns:mc="http://schemas.openxmlformats.org/markup-compatibility/2006" xmlns:a14="http://schemas.microsoft.com/office/drawing/2010/main">
-        <mc:Choice Requires="a14">
+      <mc:AlternateContent xmlns:mc="http://schemas.openxmlformats.org/markup-compatibility/2006">
+        <mc:Choice xmlns:a14="http://schemas.microsoft.com/office/drawing/2010/main" Requires="a14">
           <p:sp>
             <p:nvSpPr>
               <p:cNvPr id="3" name="Content Placeholder 2">
@@ -8330,6 +8365,7 @@
                 </a:r>
               </a:p>
               <a:p>
+                <a:pPr lvl="1"/>
                 <a:r>
                   <a:rPr lang="en-US" dirty="0"/>
                   <a:t>Represents two variables where when one variable changes it has a relative affect on the other variable</a:t>
@@ -8455,7 +8491,7 @@
             </p:txBody>
           </p:sp>
         </mc:Choice>
-        <mc:Fallback xmlns="">
+        <mc:Fallback>
           <p:sp>
             <p:nvSpPr>
               <p:cNvPr id="3" name="Content Placeholder 2">
@@ -8560,7 +8596,7 @@
         </p:nvSpPr>
         <p:spPr>
           <a:xfrm>
-            <a:off x="7784733" y="2068781"/>
+            <a:off x="7704834" y="1990815"/>
             <a:ext cx="2537926" cy="215444"/>
           </a:xfrm>
           <a:prstGeom prst="rect">
@@ -9183,6 +9219,88 @@
           </a:p>
         </p:txBody>
       </p:sp>
+      <p:pic>
+        <p:nvPicPr>
+          <p:cNvPr id="4" name="Picture 4" descr="File:Scale-free network sample.png">
+            <a:extLst>
+              <a:ext uri="{FF2B5EF4-FFF2-40B4-BE49-F238E27FC236}">
+                <a16:creationId xmlns:a16="http://schemas.microsoft.com/office/drawing/2014/main" id="{A0F6518F-79C9-495A-BECB-85403845A9EF}"/>
+              </a:ext>
+            </a:extLst>
+          </p:cNvPr>
+          <p:cNvPicPr>
+            <a:picLocks noChangeAspect="1" noChangeArrowheads="1"/>
+          </p:cNvPicPr>
+          <p:nvPr/>
+        </p:nvPicPr>
+        <p:blipFill>
+          <a:blip r:embed="rId4">
+            <a:extLst>
+              <a:ext uri="{28A0092B-C50C-407E-A947-70E740481C1C}">
+                <a14:useLocalDpi xmlns:a14="http://schemas.microsoft.com/office/drawing/2010/main" val="0"/>
+              </a:ext>
+            </a:extLst>
+          </a:blip>
+          <a:srcRect/>
+          <a:stretch>
+            <a:fillRect/>
+          </a:stretch>
+        </p:blipFill>
+        <p:spPr bwMode="auto">
+          <a:xfrm>
+            <a:off x="6979671" y="2492428"/>
+            <a:ext cx="3974841" cy="1873144"/>
+          </a:xfrm>
+          <a:prstGeom prst="rect">
+            <a:avLst/>
+          </a:prstGeom>
+          <a:noFill/>
+          <a:extLst>
+            <a:ext uri="{909E8E84-426E-40DD-AFC4-6F175D3DCCD1}">
+              <a14:hiddenFill xmlns:a14="http://schemas.microsoft.com/office/drawing/2010/main">
+                <a:solidFill>
+                  <a:srgbClr val="FFFFFF"/>
+                </a:solidFill>
+              </a14:hiddenFill>
+            </a:ext>
+          </a:extLst>
+        </p:spPr>
+      </p:pic>
+      <p:sp>
+        <p:nvSpPr>
+          <p:cNvPr id="5" name="TextBox 4">
+            <a:extLst>
+              <a:ext uri="{FF2B5EF4-FFF2-40B4-BE49-F238E27FC236}">
+                <a16:creationId xmlns:a16="http://schemas.microsoft.com/office/drawing/2014/main" id="{A676B83D-4B3D-45FB-AAD8-D2DC5DBB5DA4}"/>
+              </a:ext>
+            </a:extLst>
+          </p:cNvPr>
+          <p:cNvSpPr txBox="1"/>
+          <p:nvPr/>
+        </p:nvSpPr>
+        <p:spPr>
+          <a:xfrm>
+            <a:off x="7698128" y="4365572"/>
+            <a:ext cx="2537926" cy="215444"/>
+          </a:xfrm>
+          <a:prstGeom prst="rect">
+            <a:avLst/>
+          </a:prstGeom>
+          <a:noFill/>
+        </p:spPr>
+        <p:txBody>
+          <a:bodyPr wrap="square" rtlCol="0">
+            <a:spAutoFit/>
+          </a:bodyPr>
+          <a:lstStyle/>
+          <a:p>
+            <a:r>
+              <a:rPr lang="en-US" sz="800" dirty="0"/>
+              <a:t>https://en.wikipedia.org/wiki/Scale-free_network</a:t>
+            </a:r>
+          </a:p>
+        </p:txBody>
+      </p:sp>
     </p:spTree>
     <p:extLst>
       <p:ext uri="{BB962C8B-B14F-4D97-AF65-F5344CB8AC3E}">
@@ -9288,19 +9406,6 @@
             <a:r>
               <a:rPr lang="en-US" dirty="0"/>
               <a:t>Real systems the number of vertices N is constantly increasing</a:t>
-            </a:r>
-          </a:p>
-          <a:p>
-            <a:r>
-              <a:rPr lang="en-US" dirty="0"/>
-              <a:t>Don’t take into account how new vertices prefer to connect to well established vertices</a:t>
-            </a:r>
-          </a:p>
-          <a:p>
-            <a:pPr lvl="1"/>
-            <a:r>
-              <a:rPr lang="en-US" dirty="0"/>
-              <a:t>Ex: a new actor is more likely to be case in a supporting role with an already established actor</a:t>
             </a:r>
           </a:p>
         </p:txBody>
